--- a/reference_content/Slides/008_Log_Reg_Images.pptx
+++ b/reference_content/Slides/008_Log_Reg_Images.pptx
@@ -21,29 +21,31 @@
     <p:sldId id="278" r:id="rId15"/>
     <p:sldId id="279" r:id="rId16"/>
     <p:sldId id="280" r:id="rId17"/>
-    <p:sldId id="265" r:id="rId18"/>
-    <p:sldId id="261" r:id="rId19"/>
-    <p:sldId id="281" r:id="rId20"/>
-    <p:sldId id="262" r:id="rId21"/>
-    <p:sldId id="263" r:id="rId22"/>
-    <p:sldId id="266" r:id="rId23"/>
-    <p:sldId id="283" r:id="rId24"/>
-    <p:sldId id="269" r:id="rId25"/>
-    <p:sldId id="267" r:id="rId26"/>
-    <p:sldId id="258" r:id="rId27"/>
-    <p:sldId id="284" r:id="rId28"/>
-    <p:sldId id="259" r:id="rId29"/>
-    <p:sldId id="268" r:id="rId30"/>
-    <p:sldId id="282" r:id="rId31"/>
-    <p:sldId id="285" r:id="rId32"/>
-    <p:sldId id="289" r:id="rId33"/>
-    <p:sldId id="271" r:id="rId34"/>
-    <p:sldId id="286" r:id="rId35"/>
-    <p:sldId id="290" r:id="rId36"/>
-    <p:sldId id="291" r:id="rId37"/>
-    <p:sldId id="293" r:id="rId38"/>
-    <p:sldId id="292" r:id="rId39"/>
-    <p:sldId id="294" r:id="rId40"/>
+    <p:sldId id="295" r:id="rId18"/>
+    <p:sldId id="265" r:id="rId19"/>
+    <p:sldId id="261" r:id="rId20"/>
+    <p:sldId id="281" r:id="rId21"/>
+    <p:sldId id="296" r:id="rId22"/>
+    <p:sldId id="262" r:id="rId23"/>
+    <p:sldId id="263" r:id="rId24"/>
+    <p:sldId id="266" r:id="rId25"/>
+    <p:sldId id="283" r:id="rId26"/>
+    <p:sldId id="269" r:id="rId27"/>
+    <p:sldId id="267" r:id="rId28"/>
+    <p:sldId id="258" r:id="rId29"/>
+    <p:sldId id="284" r:id="rId30"/>
+    <p:sldId id="259" r:id="rId31"/>
+    <p:sldId id="268" r:id="rId32"/>
+    <p:sldId id="282" r:id="rId33"/>
+    <p:sldId id="285" r:id="rId34"/>
+    <p:sldId id="289" r:id="rId35"/>
+    <p:sldId id="271" r:id="rId36"/>
+    <p:sldId id="286" r:id="rId37"/>
+    <p:sldId id="290" r:id="rId38"/>
+    <p:sldId id="291" r:id="rId39"/>
+    <p:sldId id="293" r:id="rId40"/>
+    <p:sldId id="292" r:id="rId41"/>
+    <p:sldId id="294" r:id="rId42"/>
   </p:sldIdLst>
   <p:sldSz cx="12192000" cy="6858000"/>
   <p:notesSz cx="6858000" cy="9144000"/>
@@ -289,7 +291,7 @@
           <a:p>
             <a:fld id="{AEE213B2-D287-D448-9C17-666E4151F8B9}" type="datetimeFigureOut">
               <a:rPr lang="en-US" smtClean="0"/>
-              <a:t>1/29/25</a:t>
+              <a:t>1/27/26</a:t>
             </a:fld>
             <a:endParaRPr lang="en-US"/>
           </a:p>
@@ -500,7 +502,7 @@
           <a:p>
             <a:fld id="{AEE213B2-D287-D448-9C17-666E4151F8B9}" type="datetimeFigureOut">
               <a:rPr lang="en-US" smtClean="0"/>
-              <a:t>1/29/25</a:t>
+              <a:t>1/27/26</a:t>
             </a:fld>
             <a:endParaRPr lang="en-US"/>
           </a:p>
@@ -715,7 +717,7 @@
           <a:p>
             <a:fld id="{AEE213B2-D287-D448-9C17-666E4151F8B9}" type="datetimeFigureOut">
               <a:rPr lang="en-US" smtClean="0"/>
-              <a:t>1/29/25</a:t>
+              <a:t>1/27/26</a:t>
             </a:fld>
             <a:endParaRPr lang="en-US"/>
           </a:p>
@@ -916,7 +918,7 @@
           <a:p>
             <a:fld id="{AEE213B2-D287-D448-9C17-666E4151F8B9}" type="datetimeFigureOut">
               <a:rPr lang="en-US" smtClean="0"/>
-              <a:t>1/29/25</a:t>
+              <a:t>1/27/26</a:t>
             </a:fld>
             <a:endParaRPr lang="en-US"/>
           </a:p>
@@ -1195,7 +1197,7 @@
           <a:p>
             <a:fld id="{AEE213B2-D287-D448-9C17-666E4151F8B9}" type="datetimeFigureOut">
               <a:rPr lang="en-US" smtClean="0"/>
-              <a:t>1/29/25</a:t>
+              <a:t>1/27/26</a:t>
             </a:fld>
             <a:endParaRPr lang="en-US"/>
           </a:p>
@@ -1463,7 +1465,7 @@
           <a:p>
             <a:fld id="{AEE213B2-D287-D448-9C17-666E4151F8B9}" type="datetimeFigureOut">
               <a:rPr lang="en-US" smtClean="0"/>
-              <a:t>1/29/25</a:t>
+              <a:t>1/27/26</a:t>
             </a:fld>
             <a:endParaRPr lang="en-US"/>
           </a:p>
@@ -1879,7 +1881,7 @@
           <a:p>
             <a:fld id="{AEE213B2-D287-D448-9C17-666E4151F8B9}" type="datetimeFigureOut">
               <a:rPr lang="en-US" smtClean="0"/>
-              <a:t>1/29/25</a:t>
+              <a:t>1/27/26</a:t>
             </a:fld>
             <a:endParaRPr lang="en-US"/>
           </a:p>
@@ -2028,7 +2030,7 @@
           <a:p>
             <a:fld id="{AEE213B2-D287-D448-9C17-666E4151F8B9}" type="datetimeFigureOut">
               <a:rPr lang="en-US" smtClean="0"/>
-              <a:t>1/29/25</a:t>
+              <a:t>1/27/26</a:t>
             </a:fld>
             <a:endParaRPr lang="en-US"/>
           </a:p>
@@ -2154,7 +2156,7 @@
           <a:p>
             <a:fld id="{AEE213B2-D287-D448-9C17-666E4151F8B9}" type="datetimeFigureOut">
               <a:rPr lang="en-US" smtClean="0"/>
-              <a:t>1/29/25</a:t>
+              <a:t>1/27/26</a:t>
             </a:fld>
             <a:endParaRPr lang="en-US"/>
           </a:p>
@@ -2405,7 +2407,7 @@
           <a:p>
             <a:fld id="{AEE213B2-D287-D448-9C17-666E4151F8B9}" type="datetimeFigureOut">
               <a:rPr lang="en-US" smtClean="0"/>
-              <a:t>1/29/25</a:t>
+              <a:t>1/27/26</a:t>
             </a:fld>
             <a:endParaRPr lang="en-US"/>
           </a:p>
@@ -2850,7 +2852,7 @@
           <a:p>
             <a:fld id="{AEE213B2-D287-D448-9C17-666E4151F8B9}" type="datetimeFigureOut">
               <a:rPr lang="en-US" smtClean="0"/>
-              <a:t>1/29/25</a:t>
+              <a:t>1/27/26</a:t>
             </a:fld>
             <a:endParaRPr lang="en-US"/>
           </a:p>
@@ -3017,6 +3019,13 @@
             <a:schemeClr val="lt1"/>
           </a:fontRef>
         </p:style>
+        <p:txBody>
+          <a:bodyPr/>
+          <a:lstStyle/>
+          <a:p>
+            <a:endParaRPr lang="en-US"/>
+          </a:p>
+        </p:txBody>
       </p:sp>
       <p:pic>
         <p:nvPicPr>
@@ -3177,7 +3186,7 @@
           <a:p>
             <a:fld id="{AEE213B2-D287-D448-9C17-666E4151F8B9}" type="datetimeFigureOut">
               <a:rPr lang="en-US" smtClean="0"/>
-              <a:t>1/29/25</a:t>
+              <a:t>1/27/26</a:t>
             </a:fld>
             <a:endParaRPr lang="en-US"/>
           </a:p>
@@ -5083,6 +5092,136 @@
           <p:cNvPr id="2" name="Title 1">
             <a:extLst>
               <a:ext uri="{FF2B5EF4-FFF2-40B4-BE49-F238E27FC236}">
+                <a16:creationId xmlns:a16="http://schemas.microsoft.com/office/drawing/2014/main" id="{F70E0B73-61F8-15F4-1B51-FAB1DDFF459D}"/>
+              </a:ext>
+            </a:extLst>
+          </p:cNvPr>
+          <p:cNvSpPr>
+            <a:spLocks noGrp="1"/>
+          </p:cNvSpPr>
+          <p:nvPr>
+            <p:ph type="title"/>
+          </p:nvPr>
+        </p:nvSpPr>
+        <p:spPr/>
+        <p:txBody>
+          <a:bodyPr/>
+          <a:lstStyle/>
+          <a:p>
+            <a:r>
+              <a:rPr lang="en-US" dirty="0"/>
+              <a:t>Sigmoid Splits A prediction into two</a:t>
+            </a:r>
+          </a:p>
+        </p:txBody>
+      </p:sp>
+      <p:sp>
+        <p:nvSpPr>
+          <p:cNvPr id="3" name="Content Placeholder 2">
+            <a:extLst>
+              <a:ext uri="{FF2B5EF4-FFF2-40B4-BE49-F238E27FC236}">
+                <a16:creationId xmlns:a16="http://schemas.microsoft.com/office/drawing/2014/main" id="{930E12E1-E5A1-D56B-BC09-6C53B1E942F3}"/>
+              </a:ext>
+            </a:extLst>
+          </p:cNvPr>
+          <p:cNvSpPr>
+            <a:spLocks noGrp="1"/>
+          </p:cNvSpPr>
+          <p:nvPr>
+            <p:ph idx="1"/>
+          </p:nvPr>
+        </p:nvSpPr>
+        <p:spPr/>
+        <p:txBody>
+          <a:bodyPr/>
+          <a:lstStyle/>
+          <a:p>
+            <a:endParaRPr lang="en-US"/>
+          </a:p>
+        </p:txBody>
+      </p:sp>
+      <p:pic>
+        <p:nvPicPr>
+          <p:cNvPr id="1028" name="Picture 4" descr="Understanding the Sigmoid Function in Logistic Regression: Mapping Inputs  to Probabilities">
+            <a:extLst>
+              <a:ext uri="{FF2B5EF4-FFF2-40B4-BE49-F238E27FC236}">
+                <a16:creationId xmlns:a16="http://schemas.microsoft.com/office/drawing/2014/main" id="{FD10865C-EBD3-3C3F-54C3-B77E0057F29B}"/>
+              </a:ext>
+            </a:extLst>
+          </p:cNvPr>
+          <p:cNvPicPr>
+            <a:picLocks noChangeAspect="1" noChangeArrowheads="1"/>
+          </p:cNvPicPr>
+          <p:nvPr/>
+        </p:nvPicPr>
+        <p:blipFill>
+          <a:blip r:embed="rId2">
+            <a:extLst>
+              <a:ext uri="{28A0092B-C50C-407E-A947-70E740481C1C}">
+                <a14:useLocalDpi xmlns:a14="http://schemas.microsoft.com/office/drawing/2010/main" val="0"/>
+              </a:ext>
+            </a:extLst>
+          </a:blip>
+          <a:srcRect/>
+          <a:stretch>
+            <a:fillRect/>
+          </a:stretch>
+        </p:blipFill>
+        <p:spPr bwMode="auto">
+          <a:xfrm>
+            <a:off x="3016250" y="1853754"/>
+            <a:ext cx="6159500" cy="4102100"/>
+          </a:xfrm>
+          <a:prstGeom prst="rect">
+            <a:avLst/>
+          </a:prstGeom>
+          <a:noFill/>
+          <a:extLst>
+            <a:ext uri="{909E8E84-426E-40DD-AFC4-6F175D3DCCD1}">
+              <a14:hiddenFill xmlns:a14="http://schemas.microsoft.com/office/drawing/2010/main">
+                <a:solidFill>
+                  <a:srgbClr val="FFFFFF"/>
+                </a:solidFill>
+              </a14:hiddenFill>
+            </a:ext>
+          </a:extLst>
+        </p:spPr>
+      </p:pic>
+    </p:spTree>
+    <p:extLst>
+      <p:ext uri="{BB962C8B-B14F-4D97-AF65-F5344CB8AC3E}">
+        <p14:creationId xmlns:p14="http://schemas.microsoft.com/office/powerpoint/2010/main" val="2117157488"/>
+      </p:ext>
+    </p:extLst>
+  </p:cSld>
+  <p:clrMapOvr>
+    <a:masterClrMapping/>
+  </p:clrMapOvr>
+</p:sld>
+</file>
+
+<file path=ppt/slides/slide18.xml><?xml version="1.0" encoding="utf-8"?>
+<p:sld xmlns:a="http://schemas.openxmlformats.org/drawingml/2006/main" xmlns:r="http://schemas.openxmlformats.org/officeDocument/2006/relationships" xmlns:p="http://schemas.openxmlformats.org/presentationml/2006/main">
+  <p:cSld>
+    <p:spTree>
+      <p:nvGrpSpPr>
+        <p:cNvPr id="1" name=""/>
+        <p:cNvGrpSpPr/>
+        <p:nvPr/>
+      </p:nvGrpSpPr>
+      <p:grpSpPr>
+        <a:xfrm>
+          <a:off x="0" y="0"/>
+          <a:ext cx="0" cy="0"/>
+          <a:chOff x="0" y="0"/>
+          <a:chExt cx="0" cy="0"/>
+        </a:xfrm>
+      </p:grpSpPr>
+      <p:sp>
+        <p:nvSpPr>
+          <p:cNvPr id="2" name="Title 1">
+            <a:extLst>
+              <a:ext uri="{FF2B5EF4-FFF2-40B4-BE49-F238E27FC236}">
                 <a16:creationId xmlns:a16="http://schemas.microsoft.com/office/drawing/2014/main" id="{6CAEB196-FFFF-61BE-E06C-7897C44B7C49}"/>
               </a:ext>
             </a:extLst>
@@ -5233,7 +5372,7 @@
 </p:sld>
 </file>
 
-<file path=ppt/slides/slide18.xml><?xml version="1.0" encoding="utf-8"?>
+<file path=ppt/slides/slide19.xml><?xml version="1.0" encoding="utf-8"?>
 <p:sld xmlns:a="http://schemas.openxmlformats.org/drawingml/2006/main" xmlns:r="http://schemas.openxmlformats.org/officeDocument/2006/relationships" xmlns:p="http://schemas.openxmlformats.org/presentationml/2006/main">
   <p:cSld>
     <p:bg>
@@ -5390,23 +5529,6 @@
           </a:p>
           <a:p>
             <a:r>
-              <a:rPr lang="en-US" dirty="0" err="1"/>
-              <a:t>Sklearn</a:t>
-            </a:r>
-            <a:r>
-              <a:rPr lang="en-US" dirty="0"/>
-              <a:t> does this by default by doing 1 vs rest. </a:t>
-            </a:r>
-          </a:p>
-          <a:p>
-            <a:pPr lvl="1"/>
-            <a:r>
-              <a:rPr lang="en-US" dirty="0"/>
-              <a:t>Build 1 classifier per class, making a yes/no for that class. </a:t>
-            </a:r>
-          </a:p>
-          <a:p>
-            <a:r>
               <a:rPr lang="en-US" dirty="0"/>
               <a:t>We get the probabilities of the above prediction. </a:t>
             </a:r>
@@ -5417,208 +5539,6 @@
     <p:extLst>
       <p:ext uri="{BB962C8B-B14F-4D97-AF65-F5344CB8AC3E}">
         <p14:creationId xmlns:p14="http://schemas.microsoft.com/office/powerpoint/2010/main" val="2341763407"/>
-      </p:ext>
-    </p:extLst>
-  </p:cSld>
-  <p:clrMapOvr>
-    <a:masterClrMapping/>
-  </p:clrMapOvr>
-</p:sld>
-</file>
-
-<file path=ppt/slides/slide19.xml><?xml version="1.0" encoding="utf-8"?>
-<p:sld xmlns:a="http://schemas.openxmlformats.org/drawingml/2006/main" xmlns:r="http://schemas.openxmlformats.org/officeDocument/2006/relationships" xmlns:p="http://schemas.openxmlformats.org/presentationml/2006/main">
-  <p:cSld>
-    <p:spTree>
-      <p:nvGrpSpPr>
-        <p:cNvPr id="1" name=""/>
-        <p:cNvGrpSpPr/>
-        <p:nvPr/>
-      </p:nvGrpSpPr>
-      <p:grpSpPr>
-        <a:xfrm>
-          <a:off x="0" y="0"/>
-          <a:ext cx="0" cy="0"/>
-          <a:chOff x="0" y="0"/>
-          <a:chExt cx="0" cy="0"/>
-        </a:xfrm>
-      </p:grpSpPr>
-      <p:sp>
-        <p:nvSpPr>
-          <p:cNvPr id="2" name="Title 1">
-            <a:extLst>
-              <a:ext uri="{FF2B5EF4-FFF2-40B4-BE49-F238E27FC236}">
-                <a16:creationId xmlns:a16="http://schemas.microsoft.com/office/drawing/2014/main" id="{FEB1F730-D676-15FA-EBDA-633C5EA4550F}"/>
-              </a:ext>
-            </a:extLst>
-          </p:cNvPr>
-          <p:cNvSpPr>
-            <a:spLocks noGrp="1"/>
-          </p:cNvSpPr>
-          <p:nvPr>
-            <p:ph type="title"/>
-          </p:nvPr>
-        </p:nvSpPr>
-        <p:spPr>
-          <a:xfrm>
-            <a:off x="1451579" y="804519"/>
-            <a:ext cx="9961168" cy="1049235"/>
-          </a:xfrm>
-        </p:spPr>
-        <p:txBody>
-          <a:bodyPr/>
-          <a:lstStyle/>
-          <a:p>
-            <a:r>
-              <a:rPr lang="en-US" dirty="0"/>
-              <a:t>Adapting Regression to Multi-Classification</a:t>
-            </a:r>
-          </a:p>
-        </p:txBody>
-      </p:sp>
-      <p:sp>
-        <p:nvSpPr>
-          <p:cNvPr id="3" name="Content Placeholder 2">
-            <a:extLst>
-              <a:ext uri="{FF2B5EF4-FFF2-40B4-BE49-F238E27FC236}">
-                <a16:creationId xmlns:a16="http://schemas.microsoft.com/office/drawing/2014/main" id="{23C25ACB-9BA3-9BED-F4E9-451EEA09C4EE}"/>
-              </a:ext>
-            </a:extLst>
-          </p:cNvPr>
-          <p:cNvSpPr>
-            <a:spLocks noGrp="1"/>
-          </p:cNvSpPr>
-          <p:nvPr>
-            <p:ph idx="1"/>
-          </p:nvPr>
-        </p:nvSpPr>
-        <p:spPr>
-          <a:xfrm>
-            <a:off x="1451579" y="1915064"/>
-            <a:ext cx="9603275" cy="4138417"/>
-          </a:xfrm>
-        </p:spPr>
-        <p:txBody>
-          <a:bodyPr/>
-          <a:lstStyle/>
-          <a:p>
-            <a:r>
-              <a:rPr lang="en-US" dirty="0"/>
-              <a:t>In binary classification we:</a:t>
-            </a:r>
-          </a:p>
-          <a:p>
-            <a:pPr lvl="1"/>
-            <a:r>
-              <a:rPr lang="en-US" dirty="0"/>
-              <a:t>Generate a logit prediction through linear regression. </a:t>
-            </a:r>
-          </a:p>
-          <a:p>
-            <a:pPr lvl="1"/>
-            <a:r>
-              <a:rPr lang="en-US" dirty="0"/>
-              <a:t>Use that logit and the Sigmoid function to translate logit</a:t>
-            </a:r>
-            <a:r>
-              <a:rPr lang="en-US" dirty="0">
-                <a:sym typeface="Wingdings" pitchFamily="2" charset="2"/>
-              </a:rPr>
-              <a:t> probability. </a:t>
-            </a:r>
-          </a:p>
-          <a:p>
-            <a:pPr lvl="2"/>
-            <a:r>
-              <a:rPr lang="en-US" dirty="0">
-                <a:sym typeface="Wingdings" pitchFamily="2" charset="2"/>
-              </a:rPr>
-              <a:t>I.e. the probability that this predicted label is the correct one. </a:t>
-            </a:r>
-          </a:p>
-          <a:p>
-            <a:r>
-              <a:rPr lang="en-US" dirty="0">
-                <a:sym typeface="Wingdings" pitchFamily="2" charset="2"/>
-              </a:rPr>
-              <a:t>We can do the same thing with multiple classes (with few changes):</a:t>
-            </a:r>
-          </a:p>
-          <a:p>
-            <a:pPr lvl="1"/>
-            <a:r>
-              <a:rPr lang="en-US" dirty="0">
-                <a:sym typeface="Wingdings" pitchFamily="2" charset="2"/>
-              </a:rPr>
-              <a:t>Generate a logit prediction through linear regression. </a:t>
-            </a:r>
-          </a:p>
-          <a:p>
-            <a:pPr lvl="1"/>
-            <a:r>
-              <a:rPr lang="en-US" dirty="0">
-                <a:sym typeface="Wingdings" pitchFamily="2" charset="2"/>
-              </a:rPr>
-              <a:t>Use that logit and the </a:t>
-            </a:r>
-            <a:r>
-              <a:rPr lang="en-US" dirty="0" err="1">
-                <a:sym typeface="Wingdings" pitchFamily="2" charset="2"/>
-              </a:rPr>
-              <a:t>Softmax</a:t>
-            </a:r>
-            <a:r>
-              <a:rPr lang="en-US" dirty="0">
-                <a:sym typeface="Wingdings" pitchFamily="2" charset="2"/>
-              </a:rPr>
-              <a:t> function to translate logit -&gt; probability. </a:t>
-            </a:r>
-          </a:p>
-          <a:p>
-            <a:pPr lvl="2"/>
-            <a:r>
-              <a:rPr lang="en-US" dirty="0">
-                <a:sym typeface="Wingdings" pitchFamily="2" charset="2"/>
-              </a:rPr>
-              <a:t>i.e. the probability that this predicted label is correct. </a:t>
-            </a:r>
-          </a:p>
-          <a:p>
-            <a:r>
-              <a:rPr lang="en-US" dirty="0">
-                <a:sym typeface="Wingdings" pitchFamily="2" charset="2"/>
-              </a:rPr>
-              <a:t>The </a:t>
-            </a:r>
-            <a:r>
-              <a:rPr lang="en-US" dirty="0" err="1">
-                <a:sym typeface="Wingdings" pitchFamily="2" charset="2"/>
-              </a:rPr>
-              <a:t>softmax</a:t>
-            </a:r>
-            <a:r>
-              <a:rPr lang="en-US" dirty="0">
-                <a:sym typeface="Wingdings" pitchFamily="2" charset="2"/>
-              </a:rPr>
-              <a:t> functions like the sigmoid – gives us probabilities. </a:t>
-            </a:r>
-          </a:p>
-          <a:p>
-            <a:pPr lvl="1"/>
-            <a:r>
-              <a:rPr lang="en-US" dirty="0">
-                <a:sym typeface="Wingdings" pitchFamily="2" charset="2"/>
-              </a:rPr>
-              <a:t>As with the binary one, the most likely label is the winter. </a:t>
-            </a:r>
-            <a:endParaRPr lang="en-US" dirty="0"/>
-          </a:p>
-        </p:txBody>
-      </p:sp>
-    </p:spTree>
-    <p:extLst>
-      <p:ext uri="{BB962C8B-B14F-4D97-AF65-F5344CB8AC3E}">
-        <p14:creationId xmlns:p14="http://schemas.microsoft.com/office/powerpoint/2010/main" val="3671569438"/>
       </p:ext>
     </p:extLst>
   </p:cSld>
@@ -5727,6 +5647,335 @@
 </file>
 
 <file path=ppt/slides/slide20.xml><?xml version="1.0" encoding="utf-8"?>
+<p:sld xmlns:a="http://schemas.openxmlformats.org/drawingml/2006/main" xmlns:r="http://schemas.openxmlformats.org/officeDocument/2006/relationships" xmlns:p="http://schemas.openxmlformats.org/presentationml/2006/main">
+  <p:cSld>
+    <p:spTree>
+      <p:nvGrpSpPr>
+        <p:cNvPr id="1" name=""/>
+        <p:cNvGrpSpPr/>
+        <p:nvPr/>
+      </p:nvGrpSpPr>
+      <p:grpSpPr>
+        <a:xfrm>
+          <a:off x="0" y="0"/>
+          <a:ext cx="0" cy="0"/>
+          <a:chOff x="0" y="0"/>
+          <a:chExt cx="0" cy="0"/>
+        </a:xfrm>
+      </p:grpSpPr>
+      <p:sp>
+        <p:nvSpPr>
+          <p:cNvPr id="2" name="Title 1">
+            <a:extLst>
+              <a:ext uri="{FF2B5EF4-FFF2-40B4-BE49-F238E27FC236}">
+                <a16:creationId xmlns:a16="http://schemas.microsoft.com/office/drawing/2014/main" id="{FEB1F730-D676-15FA-EBDA-633C5EA4550F}"/>
+              </a:ext>
+            </a:extLst>
+          </p:cNvPr>
+          <p:cNvSpPr>
+            <a:spLocks noGrp="1"/>
+          </p:cNvSpPr>
+          <p:nvPr>
+            <p:ph type="title"/>
+          </p:nvPr>
+        </p:nvSpPr>
+        <p:spPr>
+          <a:xfrm>
+            <a:off x="1451579" y="804519"/>
+            <a:ext cx="9961168" cy="1049235"/>
+          </a:xfrm>
+        </p:spPr>
+        <p:txBody>
+          <a:bodyPr/>
+          <a:lstStyle/>
+          <a:p>
+            <a:r>
+              <a:rPr lang="en-US" dirty="0"/>
+              <a:t>Adapting Regression to Multi-Classification</a:t>
+            </a:r>
+          </a:p>
+        </p:txBody>
+      </p:sp>
+      <p:sp>
+        <p:nvSpPr>
+          <p:cNvPr id="3" name="Content Placeholder 2">
+            <a:extLst>
+              <a:ext uri="{FF2B5EF4-FFF2-40B4-BE49-F238E27FC236}">
+                <a16:creationId xmlns:a16="http://schemas.microsoft.com/office/drawing/2014/main" id="{23C25ACB-9BA3-9BED-F4E9-451EEA09C4EE}"/>
+              </a:ext>
+            </a:extLst>
+          </p:cNvPr>
+          <p:cNvSpPr>
+            <a:spLocks noGrp="1"/>
+          </p:cNvSpPr>
+          <p:nvPr>
+            <p:ph idx="1"/>
+          </p:nvPr>
+        </p:nvSpPr>
+        <p:spPr>
+          <a:xfrm>
+            <a:off x="1451579" y="1915064"/>
+            <a:ext cx="9603275" cy="4138417"/>
+          </a:xfrm>
+        </p:spPr>
+        <p:txBody>
+          <a:bodyPr/>
+          <a:lstStyle/>
+          <a:p>
+            <a:r>
+              <a:rPr lang="en-US" dirty="0"/>
+              <a:t>In binary classification we:</a:t>
+            </a:r>
+          </a:p>
+          <a:p>
+            <a:pPr lvl="1"/>
+            <a:r>
+              <a:rPr lang="en-US" dirty="0"/>
+              <a:t>Generate a logit prediction through linear regression. </a:t>
+            </a:r>
+          </a:p>
+          <a:p>
+            <a:pPr lvl="1"/>
+            <a:r>
+              <a:rPr lang="en-US" dirty="0"/>
+              <a:t>Use that logit and the Sigmoid function to translate logit</a:t>
+            </a:r>
+            <a:r>
+              <a:rPr lang="en-US" dirty="0">
+                <a:sym typeface="Wingdings" pitchFamily="2" charset="2"/>
+              </a:rPr>
+              <a:t> probability. </a:t>
+            </a:r>
+          </a:p>
+          <a:p>
+            <a:pPr lvl="2"/>
+            <a:r>
+              <a:rPr lang="en-US" dirty="0">
+                <a:sym typeface="Wingdings" pitchFamily="2" charset="2"/>
+              </a:rPr>
+              <a:t>I.e. the probability that this predicted label is the correct one. </a:t>
+            </a:r>
+          </a:p>
+          <a:p>
+            <a:r>
+              <a:rPr lang="en-US" dirty="0">
+                <a:sym typeface="Wingdings" pitchFamily="2" charset="2"/>
+              </a:rPr>
+              <a:t>We can do the same thing with multiple classes (with few changes):</a:t>
+            </a:r>
+          </a:p>
+          <a:p>
+            <a:pPr lvl="1"/>
+            <a:r>
+              <a:rPr lang="en-US" dirty="0">
+                <a:sym typeface="Wingdings" pitchFamily="2" charset="2"/>
+              </a:rPr>
+              <a:t>Generate a logit prediction through linear regression. </a:t>
+            </a:r>
+          </a:p>
+          <a:p>
+            <a:pPr lvl="1"/>
+            <a:r>
+              <a:rPr lang="en-US" dirty="0">
+                <a:sym typeface="Wingdings" pitchFamily="2" charset="2"/>
+              </a:rPr>
+              <a:t>Use that logit and the </a:t>
+            </a:r>
+            <a:r>
+              <a:rPr lang="en-US" dirty="0" err="1">
+                <a:sym typeface="Wingdings" pitchFamily="2" charset="2"/>
+              </a:rPr>
+              <a:t>Softmax</a:t>
+            </a:r>
+            <a:r>
+              <a:rPr lang="en-US" dirty="0">
+                <a:sym typeface="Wingdings" pitchFamily="2" charset="2"/>
+              </a:rPr>
+              <a:t> function to translate logit -&gt; probability. </a:t>
+            </a:r>
+          </a:p>
+          <a:p>
+            <a:pPr lvl="2"/>
+            <a:r>
+              <a:rPr lang="en-US" dirty="0">
+                <a:sym typeface="Wingdings" pitchFamily="2" charset="2"/>
+              </a:rPr>
+              <a:t>i.e. the probability that this predicted label is correct. </a:t>
+            </a:r>
+          </a:p>
+          <a:p>
+            <a:r>
+              <a:rPr lang="en-US" dirty="0">
+                <a:sym typeface="Wingdings" pitchFamily="2" charset="2"/>
+              </a:rPr>
+              <a:t>The </a:t>
+            </a:r>
+            <a:r>
+              <a:rPr lang="en-US" dirty="0" err="1">
+                <a:sym typeface="Wingdings" pitchFamily="2" charset="2"/>
+              </a:rPr>
+              <a:t>softmax</a:t>
+            </a:r>
+            <a:r>
+              <a:rPr lang="en-US" dirty="0">
+                <a:sym typeface="Wingdings" pitchFamily="2" charset="2"/>
+              </a:rPr>
+              <a:t> functions like the sigmoid – gives us probabilities. </a:t>
+            </a:r>
+          </a:p>
+          <a:p>
+            <a:pPr lvl="1"/>
+            <a:r>
+              <a:rPr lang="en-US" dirty="0">
+                <a:sym typeface="Wingdings" pitchFamily="2" charset="2"/>
+              </a:rPr>
+              <a:t>As with the binary one, the most likely label is the winter. </a:t>
+            </a:r>
+            <a:endParaRPr lang="en-US" dirty="0"/>
+          </a:p>
+        </p:txBody>
+      </p:sp>
+    </p:spTree>
+    <p:extLst>
+      <p:ext uri="{BB962C8B-B14F-4D97-AF65-F5344CB8AC3E}">
+        <p14:creationId xmlns:p14="http://schemas.microsoft.com/office/powerpoint/2010/main" val="3671569438"/>
+      </p:ext>
+    </p:extLst>
+  </p:cSld>
+  <p:clrMapOvr>
+    <a:masterClrMapping/>
+  </p:clrMapOvr>
+</p:sld>
+</file>
+
+<file path=ppt/slides/slide21.xml><?xml version="1.0" encoding="utf-8"?>
+<p:sld xmlns:a="http://schemas.openxmlformats.org/drawingml/2006/main" xmlns:r="http://schemas.openxmlformats.org/officeDocument/2006/relationships" xmlns:p="http://schemas.openxmlformats.org/presentationml/2006/main">
+  <p:cSld>
+    <p:spTree>
+      <p:nvGrpSpPr>
+        <p:cNvPr id="1" name=""/>
+        <p:cNvGrpSpPr/>
+        <p:nvPr/>
+      </p:nvGrpSpPr>
+      <p:grpSpPr>
+        <a:xfrm>
+          <a:off x="0" y="0"/>
+          <a:ext cx="0" cy="0"/>
+          <a:chOff x="0" y="0"/>
+          <a:chExt cx="0" cy="0"/>
+        </a:xfrm>
+      </p:grpSpPr>
+      <p:sp>
+        <p:nvSpPr>
+          <p:cNvPr id="2" name="Title 1">
+            <a:extLst>
+              <a:ext uri="{FF2B5EF4-FFF2-40B4-BE49-F238E27FC236}">
+                <a16:creationId xmlns:a16="http://schemas.microsoft.com/office/drawing/2014/main" id="{60DA465A-0433-541A-CBC8-E15AA553D7A9}"/>
+              </a:ext>
+            </a:extLst>
+          </p:cNvPr>
+          <p:cNvSpPr>
+            <a:spLocks noGrp="1"/>
+          </p:cNvSpPr>
+          <p:nvPr>
+            <p:ph type="title"/>
+          </p:nvPr>
+        </p:nvSpPr>
+        <p:spPr/>
+        <p:txBody>
+          <a:bodyPr/>
+          <a:lstStyle/>
+          <a:p>
+            <a:endParaRPr lang="en-US"/>
+          </a:p>
+        </p:txBody>
+      </p:sp>
+      <p:sp>
+        <p:nvSpPr>
+          <p:cNvPr id="3" name="Content Placeholder 2">
+            <a:extLst>
+              <a:ext uri="{FF2B5EF4-FFF2-40B4-BE49-F238E27FC236}">
+                <a16:creationId xmlns:a16="http://schemas.microsoft.com/office/drawing/2014/main" id="{AD9B6793-F24B-6B57-18A7-D297383065A7}"/>
+              </a:ext>
+            </a:extLst>
+          </p:cNvPr>
+          <p:cNvSpPr>
+            <a:spLocks noGrp="1"/>
+          </p:cNvSpPr>
+          <p:nvPr>
+            <p:ph idx="1"/>
+          </p:nvPr>
+        </p:nvSpPr>
+        <p:spPr/>
+        <p:txBody>
+          <a:bodyPr/>
+          <a:lstStyle/>
+          <a:p>
+            <a:endParaRPr lang="en-US"/>
+          </a:p>
+        </p:txBody>
+      </p:sp>
+      <p:pic>
+        <p:nvPicPr>
+          <p:cNvPr id="2050" name="Picture 2" descr="Sigmoid and SoftMax Functions in 5 minutes | Towards Data Science">
+            <a:extLst>
+              <a:ext uri="{FF2B5EF4-FFF2-40B4-BE49-F238E27FC236}">
+                <a16:creationId xmlns:a16="http://schemas.microsoft.com/office/drawing/2014/main" id="{85097E9F-8E1A-EA19-5D67-7CCC66653FE0}"/>
+              </a:ext>
+            </a:extLst>
+          </p:cNvPr>
+          <p:cNvPicPr>
+            <a:picLocks noChangeAspect="1" noChangeArrowheads="1"/>
+          </p:cNvPicPr>
+          <p:nvPr/>
+        </p:nvPicPr>
+        <p:blipFill>
+          <a:blip r:embed="rId2">
+            <a:extLst>
+              <a:ext uri="{28A0092B-C50C-407E-A947-70E740481C1C}">
+                <a14:useLocalDpi xmlns:a14="http://schemas.microsoft.com/office/drawing/2010/main" val="0"/>
+              </a:ext>
+            </a:extLst>
+          </a:blip>
+          <a:srcRect/>
+          <a:stretch>
+            <a:fillRect/>
+          </a:stretch>
+        </p:blipFill>
+        <p:spPr bwMode="auto">
+          <a:xfrm>
+            <a:off x="0" y="304800"/>
+            <a:ext cx="12192000" cy="6248400"/>
+          </a:xfrm>
+          <a:prstGeom prst="rect">
+            <a:avLst/>
+          </a:prstGeom>
+          <a:noFill/>
+          <a:extLst>
+            <a:ext uri="{909E8E84-426E-40DD-AFC4-6F175D3DCCD1}">
+              <a14:hiddenFill xmlns:a14="http://schemas.microsoft.com/office/drawing/2010/main">
+                <a:solidFill>
+                  <a:srgbClr val="FFFFFF"/>
+                </a:solidFill>
+              </a14:hiddenFill>
+            </a:ext>
+          </a:extLst>
+        </p:spPr>
+      </p:pic>
+    </p:spTree>
+    <p:extLst>
+      <p:ext uri="{BB962C8B-B14F-4D97-AF65-F5344CB8AC3E}">
+        <p14:creationId xmlns:p14="http://schemas.microsoft.com/office/powerpoint/2010/main" val="3901565138"/>
+      </p:ext>
+    </p:extLst>
+  </p:cSld>
+  <p:clrMapOvr>
+    <a:masterClrMapping/>
+  </p:clrMapOvr>
+</p:sld>
+</file>
+
+<file path=ppt/slides/slide22.xml><?xml version="1.0" encoding="utf-8"?>
 <p:sld xmlns:a="http://schemas.openxmlformats.org/drawingml/2006/main" xmlns:r="http://schemas.openxmlformats.org/officeDocument/2006/relationships" xmlns:p="http://schemas.openxmlformats.org/presentationml/2006/main">
   <p:cSld>
     <p:bg>
@@ -5939,291 +6188,6 @@
 </p:sld>
 </file>
 
-<file path=ppt/slides/slide21.xml><?xml version="1.0" encoding="utf-8"?>
-<p:sld xmlns:a="http://schemas.openxmlformats.org/drawingml/2006/main" xmlns:r="http://schemas.openxmlformats.org/officeDocument/2006/relationships" xmlns:p="http://schemas.openxmlformats.org/presentationml/2006/main">
-  <p:cSld>
-    <p:spTree>
-      <p:nvGrpSpPr>
-        <p:cNvPr id="1" name=""/>
-        <p:cNvGrpSpPr/>
-        <p:nvPr/>
-      </p:nvGrpSpPr>
-      <p:grpSpPr>
-        <a:xfrm>
-          <a:off x="0" y="0"/>
-          <a:ext cx="0" cy="0"/>
-          <a:chOff x="0" y="0"/>
-          <a:chExt cx="0" cy="0"/>
-        </a:xfrm>
-      </p:grpSpPr>
-      <p:sp>
-        <p:nvSpPr>
-          <p:cNvPr id="2" name="Title 1">
-            <a:extLst>
-              <a:ext uri="{FF2B5EF4-FFF2-40B4-BE49-F238E27FC236}">
-                <a16:creationId xmlns:a16="http://schemas.microsoft.com/office/drawing/2014/main" id="{04357363-3198-764C-98E4-92885E2E943E}"/>
-              </a:ext>
-            </a:extLst>
-          </p:cNvPr>
-          <p:cNvSpPr>
-            <a:spLocks noGrp="1"/>
-          </p:cNvSpPr>
-          <p:nvPr>
-            <p:ph type="title"/>
-          </p:nvPr>
-        </p:nvSpPr>
-        <p:spPr/>
-        <p:txBody>
-          <a:bodyPr/>
-          <a:lstStyle/>
-          <a:p>
-            <a:r>
-              <a:rPr lang="en-US" dirty="0"/>
-              <a:t>Loss – Non-Binary Cross Entropy</a:t>
-            </a:r>
-          </a:p>
-        </p:txBody>
-      </p:sp>
-      <p:sp>
-        <p:nvSpPr>
-          <p:cNvPr id="3" name="Content Placeholder 2">
-            <a:extLst>
-              <a:ext uri="{FF2B5EF4-FFF2-40B4-BE49-F238E27FC236}">
-                <a16:creationId xmlns:a16="http://schemas.microsoft.com/office/drawing/2014/main" id="{852241B2-8C22-7B40-A9F8-854911DE4C2C}"/>
-              </a:ext>
-            </a:extLst>
-          </p:cNvPr>
-          <p:cNvSpPr>
-            <a:spLocks noGrp="1"/>
-          </p:cNvSpPr>
-          <p:nvPr>
-            <p:ph idx="1"/>
-          </p:nvPr>
-        </p:nvSpPr>
-        <p:spPr>
-          <a:xfrm>
-            <a:off x="1451579" y="1853755"/>
-            <a:ext cx="9603275" cy="1464608"/>
-          </a:xfrm>
-        </p:spPr>
-        <p:txBody>
-          <a:bodyPr/>
-          <a:lstStyle/>
-          <a:p>
-            <a:r>
-              <a:rPr lang="en-US" dirty="0"/>
-              <a:t>Cross Entropy (non-binary kind) is a common cost function for classification. </a:t>
-            </a:r>
-          </a:p>
-          <a:p>
-            <a:r>
-              <a:rPr lang="en-US" dirty="0"/>
-              <a:t>Cross entropy translates the </a:t>
-            </a:r>
-            <a:r>
-              <a:rPr lang="en-US" dirty="0" err="1"/>
-              <a:t>softmax</a:t>
-            </a:r>
-            <a:r>
-              <a:rPr lang="en-US" dirty="0"/>
-              <a:t> probabilities into a label, and calculates the cost. </a:t>
-            </a:r>
-          </a:p>
-          <a:p>
-            <a:r>
-              <a:rPr lang="en-US" dirty="0"/>
-              <a:t>Like binary cross entropy, this measures the “distance from” the correct prediction. </a:t>
-            </a:r>
-          </a:p>
-        </p:txBody>
-      </p:sp>
-      <p:pic>
-        <p:nvPicPr>
-          <p:cNvPr id="5122" name="Picture 2" descr="Easy TensorFlow - Linear Classifier">
-            <a:extLst>
-              <a:ext uri="{FF2B5EF4-FFF2-40B4-BE49-F238E27FC236}">
-                <a16:creationId xmlns:a16="http://schemas.microsoft.com/office/drawing/2014/main" id="{CB8DE2E4-DF9F-7D4B-93A8-13702E477A77}"/>
-              </a:ext>
-            </a:extLst>
-          </p:cNvPr>
-          <p:cNvPicPr>
-            <a:picLocks noChangeAspect="1" noChangeArrowheads="1"/>
-          </p:cNvPicPr>
-          <p:nvPr/>
-        </p:nvPicPr>
-        <p:blipFill>
-          <a:blip r:embed="rId2">
-            <a:extLst>
-              <a:ext uri="{28A0092B-C50C-407E-A947-70E740481C1C}">
-                <a14:useLocalDpi xmlns:a14="http://schemas.microsoft.com/office/drawing/2010/main" val="0"/>
-              </a:ext>
-            </a:extLst>
-          </a:blip>
-          <a:srcRect/>
-          <a:stretch>
-            <a:fillRect/>
-          </a:stretch>
-        </p:blipFill>
-        <p:spPr bwMode="auto">
-          <a:xfrm>
-            <a:off x="1142240" y="3318363"/>
-            <a:ext cx="9912614" cy="3727556"/>
-          </a:xfrm>
-          <a:prstGeom prst="rect">
-            <a:avLst/>
-          </a:prstGeom>
-          <a:noFill/>
-          <a:extLst>
-            <a:ext uri="{909E8E84-426E-40DD-AFC4-6F175D3DCCD1}">
-              <a14:hiddenFill xmlns:a14="http://schemas.microsoft.com/office/drawing/2010/main">
-                <a:solidFill>
-                  <a:srgbClr val="FFFFFF"/>
-                </a:solidFill>
-              </a14:hiddenFill>
-            </a:ext>
-          </a:extLst>
-        </p:spPr>
-      </p:pic>
-    </p:spTree>
-    <p:extLst>
-      <p:ext uri="{BB962C8B-B14F-4D97-AF65-F5344CB8AC3E}">
-        <p14:creationId xmlns:p14="http://schemas.microsoft.com/office/powerpoint/2010/main" val="1639071196"/>
-      </p:ext>
-    </p:extLst>
-  </p:cSld>
-  <p:clrMapOvr>
-    <a:masterClrMapping/>
-  </p:clrMapOvr>
-</p:sld>
-</file>
-
-<file path=ppt/slides/slide22.xml><?xml version="1.0" encoding="utf-8"?>
-<p:sld xmlns:a="http://schemas.openxmlformats.org/drawingml/2006/main" xmlns:r="http://schemas.openxmlformats.org/officeDocument/2006/relationships" xmlns:p="http://schemas.openxmlformats.org/presentationml/2006/main">
-  <p:cSld>
-    <p:spTree>
-      <p:nvGrpSpPr>
-        <p:cNvPr id="1" name=""/>
-        <p:cNvGrpSpPr/>
-        <p:nvPr/>
-      </p:nvGrpSpPr>
-      <p:grpSpPr>
-        <a:xfrm>
-          <a:off x="0" y="0"/>
-          <a:ext cx="0" cy="0"/>
-          <a:chOff x="0" y="0"/>
-          <a:chExt cx="0" cy="0"/>
-        </a:xfrm>
-      </p:grpSpPr>
-      <p:sp>
-        <p:nvSpPr>
-          <p:cNvPr id="2" name="Title 1">
-            <a:extLst>
-              <a:ext uri="{FF2B5EF4-FFF2-40B4-BE49-F238E27FC236}">
-                <a16:creationId xmlns:a16="http://schemas.microsoft.com/office/drawing/2014/main" id="{8B004215-F4E0-694F-5EBD-1B777F9B7A6C}"/>
-              </a:ext>
-            </a:extLst>
-          </p:cNvPr>
-          <p:cNvSpPr>
-            <a:spLocks noGrp="1"/>
-          </p:cNvSpPr>
-          <p:nvPr>
-            <p:ph type="title"/>
-          </p:nvPr>
-        </p:nvSpPr>
-        <p:spPr/>
-        <p:txBody>
-          <a:bodyPr/>
-          <a:lstStyle/>
-          <a:p>
-            <a:endParaRPr lang="en-US"/>
-          </a:p>
-        </p:txBody>
-      </p:sp>
-      <p:sp>
-        <p:nvSpPr>
-          <p:cNvPr id="3" name="Content Placeholder 2">
-            <a:extLst>
-              <a:ext uri="{FF2B5EF4-FFF2-40B4-BE49-F238E27FC236}">
-                <a16:creationId xmlns:a16="http://schemas.microsoft.com/office/drawing/2014/main" id="{472E2424-31D3-AB65-BDD7-6877BD20EE13}"/>
-              </a:ext>
-            </a:extLst>
-          </p:cNvPr>
-          <p:cNvSpPr>
-            <a:spLocks noGrp="1"/>
-          </p:cNvSpPr>
-          <p:nvPr>
-            <p:ph idx="1"/>
-          </p:nvPr>
-        </p:nvSpPr>
-        <p:spPr/>
-        <p:txBody>
-          <a:bodyPr/>
-          <a:lstStyle/>
-          <a:p>
-            <a:endParaRPr lang="en-US"/>
-          </a:p>
-        </p:txBody>
-      </p:sp>
-      <p:pic>
-        <p:nvPicPr>
-          <p:cNvPr id="1026" name="Picture 2" descr="Understand Cross Entropy Loss in Minutes | by Uniqtech | Data Science  Bootcamp | Medium">
-            <a:extLst>
-              <a:ext uri="{FF2B5EF4-FFF2-40B4-BE49-F238E27FC236}">
-                <a16:creationId xmlns:a16="http://schemas.microsoft.com/office/drawing/2014/main" id="{C4673594-CB96-AACF-8B99-1C1458EF5C53}"/>
-              </a:ext>
-            </a:extLst>
-          </p:cNvPr>
-          <p:cNvPicPr>
-            <a:picLocks noChangeAspect="1" noChangeArrowheads="1"/>
-          </p:cNvPicPr>
-          <p:nvPr/>
-        </p:nvPicPr>
-        <p:blipFill>
-          <a:blip r:embed="rId2">
-            <a:extLst>
-              <a:ext uri="{28A0092B-C50C-407E-A947-70E740481C1C}">
-                <a14:useLocalDpi xmlns:a14="http://schemas.microsoft.com/office/drawing/2010/main" val="0"/>
-              </a:ext>
-            </a:extLst>
-          </a:blip>
-          <a:srcRect/>
-          <a:stretch>
-            <a:fillRect/>
-          </a:stretch>
-        </p:blipFill>
-        <p:spPr bwMode="auto">
-          <a:xfrm>
-            <a:off x="260350" y="196850"/>
-            <a:ext cx="11671300" cy="6464300"/>
-          </a:xfrm>
-          <a:prstGeom prst="rect">
-            <a:avLst/>
-          </a:prstGeom>
-          <a:noFill/>
-          <a:extLst>
-            <a:ext uri="{909E8E84-426E-40DD-AFC4-6F175D3DCCD1}">
-              <a14:hiddenFill xmlns:a14="http://schemas.microsoft.com/office/drawing/2010/main">
-                <a:solidFill>
-                  <a:srgbClr val="FFFFFF"/>
-                </a:solidFill>
-              </a14:hiddenFill>
-            </a:ext>
-          </a:extLst>
-        </p:spPr>
-      </p:pic>
-    </p:spTree>
-    <p:extLst>
-      <p:ext uri="{BB962C8B-B14F-4D97-AF65-F5344CB8AC3E}">
-        <p14:creationId xmlns:p14="http://schemas.microsoft.com/office/powerpoint/2010/main" val="2243742767"/>
-      </p:ext>
-    </p:extLst>
-  </p:cSld>
-  <p:clrMapOvr>
-    <a:masterClrMapping/>
-  </p:clrMapOvr>
-</p:sld>
-</file>
-
 <file path=ppt/slides/slide23.xml><?xml version="1.0" encoding="utf-8"?>
 <p:sld xmlns:a="http://schemas.openxmlformats.org/drawingml/2006/main" xmlns:r="http://schemas.openxmlformats.org/officeDocument/2006/relationships" xmlns:p="http://schemas.openxmlformats.org/presentationml/2006/main">
   <p:cSld>
@@ -6246,7 +6210,7 @@
           <p:cNvPr id="2" name="Title 1">
             <a:extLst>
               <a:ext uri="{FF2B5EF4-FFF2-40B4-BE49-F238E27FC236}">
-                <a16:creationId xmlns:a16="http://schemas.microsoft.com/office/drawing/2014/main" id="{C5D2A90F-D27C-4B7A-EC74-8902FA643863}"/>
+                <a16:creationId xmlns:a16="http://schemas.microsoft.com/office/drawing/2014/main" id="{04357363-3198-764C-98E4-92885E2E943E}"/>
               </a:ext>
             </a:extLst>
           </p:cNvPr>
@@ -6264,7 +6228,7 @@
           <a:p>
             <a:r>
               <a:rPr lang="en-US" dirty="0"/>
-              <a:t>Result – Arbitrary Numbers of Classes</a:t>
+              <a:t>Loss – Non-Binary Cross Entropy</a:t>
             </a:r>
           </a:p>
         </p:txBody>
@@ -6274,7 +6238,7 @@
           <p:cNvPr id="3" name="Content Placeholder 2">
             <a:extLst>
               <a:ext uri="{FF2B5EF4-FFF2-40B4-BE49-F238E27FC236}">
-                <a16:creationId xmlns:a16="http://schemas.microsoft.com/office/drawing/2014/main" id="{9BDEB8A8-8A44-4F05-AA0C-C5C24DD73C51}"/>
+                <a16:creationId xmlns:a16="http://schemas.microsoft.com/office/drawing/2014/main" id="{852241B2-8C22-7B40-A9F8-854911DE4C2C}"/>
               </a:ext>
             </a:extLst>
           </p:cNvPr>
@@ -6285,21 +6249,49 @@
             <p:ph idx="1"/>
           </p:nvPr>
         </p:nvSpPr>
-        <p:spPr/>
+        <p:spPr>
+          <a:xfrm>
+            <a:off x="1451579" y="1853755"/>
+            <a:ext cx="9603275" cy="1464608"/>
+          </a:xfrm>
+        </p:spPr>
         <p:txBody>
           <a:bodyPr/>
           <a:lstStyle/>
           <a:p>
-            <a:endParaRPr lang="en-US"/>
+            <a:r>
+              <a:rPr lang="en-US" dirty="0"/>
+              <a:t>Cross Entropy (non-binary kind) is a common cost function for classification. </a:t>
+            </a:r>
+          </a:p>
+          <a:p>
+            <a:r>
+              <a:rPr lang="en-US" dirty="0"/>
+              <a:t>Cross entropy translates the </a:t>
+            </a:r>
+            <a:r>
+              <a:rPr lang="en-US" dirty="0" err="1"/>
+              <a:t>softmax</a:t>
+            </a:r>
+            <a:r>
+              <a:rPr lang="en-US" dirty="0"/>
+              <a:t> probabilities into a label, and calculates the cost. </a:t>
+            </a:r>
+          </a:p>
+          <a:p>
+            <a:r>
+              <a:rPr lang="en-US" dirty="0"/>
+              <a:t>Like binary cross entropy, this measures the “distance from” the correct prediction. </a:t>
+            </a:r>
           </a:p>
         </p:txBody>
       </p:sp>
       <p:pic>
         <p:nvPicPr>
-          <p:cNvPr id="6146" name="Picture 2" descr="Cross entropy loss formula">
-            <a:extLst>
-              <a:ext uri="{FF2B5EF4-FFF2-40B4-BE49-F238E27FC236}">
-                <a16:creationId xmlns:a16="http://schemas.microsoft.com/office/drawing/2014/main" id="{013F3249-C92D-EDC7-657B-F0D7D345D274}"/>
+          <p:cNvPr id="5122" name="Picture 2" descr="Easy TensorFlow - Linear Classifier">
+            <a:extLst>
+              <a:ext uri="{FF2B5EF4-FFF2-40B4-BE49-F238E27FC236}">
+                <a16:creationId xmlns:a16="http://schemas.microsoft.com/office/drawing/2014/main" id="{CB8DE2E4-DF9F-7D4B-93A8-13702E477A77}"/>
               </a:ext>
             </a:extLst>
           </p:cNvPr>
@@ -6323,8 +6315,8 @@
         </p:blipFill>
         <p:spPr bwMode="auto">
           <a:xfrm>
-            <a:off x="2921000" y="2108200"/>
-            <a:ext cx="6350000" cy="2641600"/>
+            <a:off x="1142240" y="3318363"/>
+            <a:ext cx="9912614" cy="3727556"/>
           </a:xfrm>
           <a:prstGeom prst="rect">
             <a:avLst/>
@@ -6344,7 +6336,7 @@
     </p:spTree>
     <p:extLst>
       <p:ext uri="{BB962C8B-B14F-4D97-AF65-F5344CB8AC3E}">
-        <p14:creationId xmlns:p14="http://schemas.microsoft.com/office/powerpoint/2010/main" val="4171902103"/>
+        <p14:creationId xmlns:p14="http://schemas.microsoft.com/office/powerpoint/2010/main" val="1639071196"/>
       </p:ext>
     </p:extLst>
   </p:cSld>
@@ -6376,6 +6368,263 @@
           <p:cNvPr id="2" name="Title 1">
             <a:extLst>
               <a:ext uri="{FF2B5EF4-FFF2-40B4-BE49-F238E27FC236}">
+                <a16:creationId xmlns:a16="http://schemas.microsoft.com/office/drawing/2014/main" id="{8B004215-F4E0-694F-5EBD-1B777F9B7A6C}"/>
+              </a:ext>
+            </a:extLst>
+          </p:cNvPr>
+          <p:cNvSpPr>
+            <a:spLocks noGrp="1"/>
+          </p:cNvSpPr>
+          <p:nvPr>
+            <p:ph type="title"/>
+          </p:nvPr>
+        </p:nvSpPr>
+        <p:spPr/>
+        <p:txBody>
+          <a:bodyPr/>
+          <a:lstStyle/>
+          <a:p>
+            <a:endParaRPr lang="en-US"/>
+          </a:p>
+        </p:txBody>
+      </p:sp>
+      <p:sp>
+        <p:nvSpPr>
+          <p:cNvPr id="3" name="Content Placeholder 2">
+            <a:extLst>
+              <a:ext uri="{FF2B5EF4-FFF2-40B4-BE49-F238E27FC236}">
+                <a16:creationId xmlns:a16="http://schemas.microsoft.com/office/drawing/2014/main" id="{472E2424-31D3-AB65-BDD7-6877BD20EE13}"/>
+              </a:ext>
+            </a:extLst>
+          </p:cNvPr>
+          <p:cNvSpPr>
+            <a:spLocks noGrp="1"/>
+          </p:cNvSpPr>
+          <p:nvPr>
+            <p:ph idx="1"/>
+          </p:nvPr>
+        </p:nvSpPr>
+        <p:spPr/>
+        <p:txBody>
+          <a:bodyPr/>
+          <a:lstStyle/>
+          <a:p>
+            <a:endParaRPr lang="en-US"/>
+          </a:p>
+        </p:txBody>
+      </p:sp>
+      <p:pic>
+        <p:nvPicPr>
+          <p:cNvPr id="1026" name="Picture 2" descr="Understand Cross Entropy Loss in Minutes | by Uniqtech | Data Science  Bootcamp | Medium">
+            <a:extLst>
+              <a:ext uri="{FF2B5EF4-FFF2-40B4-BE49-F238E27FC236}">
+                <a16:creationId xmlns:a16="http://schemas.microsoft.com/office/drawing/2014/main" id="{C4673594-CB96-AACF-8B99-1C1458EF5C53}"/>
+              </a:ext>
+            </a:extLst>
+          </p:cNvPr>
+          <p:cNvPicPr>
+            <a:picLocks noChangeAspect="1" noChangeArrowheads="1"/>
+          </p:cNvPicPr>
+          <p:nvPr/>
+        </p:nvPicPr>
+        <p:blipFill>
+          <a:blip r:embed="rId2">
+            <a:extLst>
+              <a:ext uri="{28A0092B-C50C-407E-A947-70E740481C1C}">
+                <a14:useLocalDpi xmlns:a14="http://schemas.microsoft.com/office/drawing/2010/main" val="0"/>
+              </a:ext>
+            </a:extLst>
+          </a:blip>
+          <a:srcRect/>
+          <a:stretch>
+            <a:fillRect/>
+          </a:stretch>
+        </p:blipFill>
+        <p:spPr bwMode="auto">
+          <a:xfrm>
+            <a:off x="260350" y="196850"/>
+            <a:ext cx="11671300" cy="6464300"/>
+          </a:xfrm>
+          <a:prstGeom prst="rect">
+            <a:avLst/>
+          </a:prstGeom>
+          <a:noFill/>
+          <a:extLst>
+            <a:ext uri="{909E8E84-426E-40DD-AFC4-6F175D3DCCD1}">
+              <a14:hiddenFill xmlns:a14="http://schemas.microsoft.com/office/drawing/2010/main">
+                <a:solidFill>
+                  <a:srgbClr val="FFFFFF"/>
+                </a:solidFill>
+              </a14:hiddenFill>
+            </a:ext>
+          </a:extLst>
+        </p:spPr>
+      </p:pic>
+    </p:spTree>
+    <p:extLst>
+      <p:ext uri="{BB962C8B-B14F-4D97-AF65-F5344CB8AC3E}">
+        <p14:creationId xmlns:p14="http://schemas.microsoft.com/office/powerpoint/2010/main" val="2243742767"/>
+      </p:ext>
+    </p:extLst>
+  </p:cSld>
+  <p:clrMapOvr>
+    <a:masterClrMapping/>
+  </p:clrMapOvr>
+</p:sld>
+</file>
+
+<file path=ppt/slides/slide25.xml><?xml version="1.0" encoding="utf-8"?>
+<p:sld xmlns:a="http://schemas.openxmlformats.org/drawingml/2006/main" xmlns:r="http://schemas.openxmlformats.org/officeDocument/2006/relationships" xmlns:p="http://schemas.openxmlformats.org/presentationml/2006/main">
+  <p:cSld>
+    <p:spTree>
+      <p:nvGrpSpPr>
+        <p:cNvPr id="1" name=""/>
+        <p:cNvGrpSpPr/>
+        <p:nvPr/>
+      </p:nvGrpSpPr>
+      <p:grpSpPr>
+        <a:xfrm>
+          <a:off x="0" y="0"/>
+          <a:ext cx="0" cy="0"/>
+          <a:chOff x="0" y="0"/>
+          <a:chExt cx="0" cy="0"/>
+        </a:xfrm>
+      </p:grpSpPr>
+      <p:sp>
+        <p:nvSpPr>
+          <p:cNvPr id="2" name="Title 1">
+            <a:extLst>
+              <a:ext uri="{FF2B5EF4-FFF2-40B4-BE49-F238E27FC236}">
+                <a16:creationId xmlns:a16="http://schemas.microsoft.com/office/drawing/2014/main" id="{C5D2A90F-D27C-4B7A-EC74-8902FA643863}"/>
+              </a:ext>
+            </a:extLst>
+          </p:cNvPr>
+          <p:cNvSpPr>
+            <a:spLocks noGrp="1"/>
+          </p:cNvSpPr>
+          <p:nvPr>
+            <p:ph type="title"/>
+          </p:nvPr>
+        </p:nvSpPr>
+        <p:spPr/>
+        <p:txBody>
+          <a:bodyPr/>
+          <a:lstStyle/>
+          <a:p>
+            <a:r>
+              <a:rPr lang="en-US" dirty="0"/>
+              <a:t>Result – Arbitrary Numbers of Classes</a:t>
+            </a:r>
+          </a:p>
+        </p:txBody>
+      </p:sp>
+      <p:sp>
+        <p:nvSpPr>
+          <p:cNvPr id="3" name="Content Placeholder 2">
+            <a:extLst>
+              <a:ext uri="{FF2B5EF4-FFF2-40B4-BE49-F238E27FC236}">
+                <a16:creationId xmlns:a16="http://schemas.microsoft.com/office/drawing/2014/main" id="{9BDEB8A8-8A44-4F05-AA0C-C5C24DD73C51}"/>
+              </a:ext>
+            </a:extLst>
+          </p:cNvPr>
+          <p:cNvSpPr>
+            <a:spLocks noGrp="1"/>
+          </p:cNvSpPr>
+          <p:nvPr>
+            <p:ph idx="1"/>
+          </p:nvPr>
+        </p:nvSpPr>
+        <p:spPr/>
+        <p:txBody>
+          <a:bodyPr/>
+          <a:lstStyle/>
+          <a:p>
+            <a:endParaRPr lang="en-US"/>
+          </a:p>
+        </p:txBody>
+      </p:sp>
+      <p:pic>
+        <p:nvPicPr>
+          <p:cNvPr id="6146" name="Picture 2" descr="Cross entropy loss formula">
+            <a:extLst>
+              <a:ext uri="{FF2B5EF4-FFF2-40B4-BE49-F238E27FC236}">
+                <a16:creationId xmlns:a16="http://schemas.microsoft.com/office/drawing/2014/main" id="{013F3249-C92D-EDC7-657B-F0D7D345D274}"/>
+              </a:ext>
+            </a:extLst>
+          </p:cNvPr>
+          <p:cNvPicPr>
+            <a:picLocks noChangeAspect="1" noChangeArrowheads="1"/>
+          </p:cNvPicPr>
+          <p:nvPr/>
+        </p:nvPicPr>
+        <p:blipFill>
+          <a:blip r:embed="rId2">
+            <a:extLst>
+              <a:ext uri="{28A0092B-C50C-407E-A947-70E740481C1C}">
+                <a14:useLocalDpi xmlns:a14="http://schemas.microsoft.com/office/drawing/2010/main" val="0"/>
+              </a:ext>
+            </a:extLst>
+          </a:blip>
+          <a:srcRect/>
+          <a:stretch>
+            <a:fillRect/>
+          </a:stretch>
+        </p:blipFill>
+        <p:spPr bwMode="auto">
+          <a:xfrm>
+            <a:off x="2921000" y="2108200"/>
+            <a:ext cx="6350000" cy="2641600"/>
+          </a:xfrm>
+          <a:prstGeom prst="rect">
+            <a:avLst/>
+          </a:prstGeom>
+          <a:noFill/>
+          <a:extLst>
+            <a:ext uri="{909E8E84-426E-40DD-AFC4-6F175D3DCCD1}">
+              <a14:hiddenFill xmlns:a14="http://schemas.microsoft.com/office/drawing/2010/main">
+                <a:solidFill>
+                  <a:srgbClr val="FFFFFF"/>
+                </a:solidFill>
+              </a14:hiddenFill>
+            </a:ext>
+          </a:extLst>
+        </p:spPr>
+      </p:pic>
+    </p:spTree>
+    <p:extLst>
+      <p:ext uri="{BB962C8B-B14F-4D97-AF65-F5344CB8AC3E}">
+        <p14:creationId xmlns:p14="http://schemas.microsoft.com/office/powerpoint/2010/main" val="4171902103"/>
+      </p:ext>
+    </p:extLst>
+  </p:cSld>
+  <p:clrMapOvr>
+    <a:masterClrMapping/>
+  </p:clrMapOvr>
+</p:sld>
+</file>
+
+<file path=ppt/slides/slide26.xml><?xml version="1.0" encoding="utf-8"?>
+<p:sld xmlns:a="http://schemas.openxmlformats.org/drawingml/2006/main" xmlns:r="http://schemas.openxmlformats.org/officeDocument/2006/relationships" xmlns:p="http://schemas.openxmlformats.org/presentationml/2006/main">
+  <p:cSld>
+    <p:spTree>
+      <p:nvGrpSpPr>
+        <p:cNvPr id="1" name=""/>
+        <p:cNvGrpSpPr/>
+        <p:nvPr/>
+      </p:nvGrpSpPr>
+      <p:grpSpPr>
+        <a:xfrm>
+          <a:off x="0" y="0"/>
+          <a:ext cx="0" cy="0"/>
+          <a:chOff x="0" y="0"/>
+          <a:chExt cx="0" cy="0"/>
+        </a:xfrm>
+      </p:grpSpPr>
+      <p:sp>
+        <p:nvSpPr>
+          <p:cNvPr id="2" name="Title 1">
+            <a:extLst>
+              <a:ext uri="{FF2B5EF4-FFF2-40B4-BE49-F238E27FC236}">
                 <a16:creationId xmlns:a16="http://schemas.microsoft.com/office/drawing/2014/main" id="{6D0E349A-7CE7-3BC2-1FE6-4DC6D20257A4}"/>
               </a:ext>
             </a:extLst>
@@ -6524,7 +6773,7 @@
 </p:sld>
 </file>
 
-<file path=ppt/slides/slide25.xml><?xml version="1.0" encoding="utf-8"?>
+<file path=ppt/slides/slide27.xml><?xml version="1.0" encoding="utf-8"?>
 <p:sld xmlns:a="http://schemas.openxmlformats.org/drawingml/2006/main" xmlns:r="http://schemas.openxmlformats.org/officeDocument/2006/relationships" xmlns:p="http://schemas.openxmlformats.org/presentationml/2006/main">
   <p:cSld>
     <p:bg>
@@ -6971,359 +7220,6 @@
     <p:extLst>
       <p:ext uri="{BB962C8B-B14F-4D97-AF65-F5344CB8AC3E}">
         <p14:creationId xmlns:p14="http://schemas.microsoft.com/office/powerpoint/2010/main" val="3677524823"/>
-      </p:ext>
-    </p:extLst>
-  </p:cSld>
-  <p:clrMapOvr>
-    <a:masterClrMapping/>
-  </p:clrMapOvr>
-</p:sld>
-</file>
-
-<file path=ppt/slides/slide26.xml><?xml version="1.0" encoding="utf-8"?>
-<p:sld xmlns:a="http://schemas.openxmlformats.org/drawingml/2006/main" xmlns:r="http://schemas.openxmlformats.org/officeDocument/2006/relationships" xmlns:p="http://schemas.openxmlformats.org/presentationml/2006/main">
-  <p:cSld>
-    <p:bg>
-      <p:bgPr>
-        <a:gradFill rotWithShape="1">
-          <a:gsLst>
-            <a:gs pos="0">
-              <a:schemeClr val="bg2">
-                <a:tint val="94000"/>
-                <a:satMod val="80000"/>
-                <a:lumMod val="106000"/>
-              </a:schemeClr>
-            </a:gs>
-            <a:gs pos="100000">
-              <a:schemeClr val="bg2">
-                <a:shade val="80000"/>
-              </a:schemeClr>
-            </a:gs>
-          </a:gsLst>
-          <a:path path="circle">
-            <a:fillToRect l="43000" r="43000" b="100000"/>
-          </a:path>
-        </a:gradFill>
-        <a:effectLst/>
-      </p:bgPr>
-    </p:bg>
-    <p:spTree>
-      <p:nvGrpSpPr>
-        <p:cNvPr id="1" name=""/>
-        <p:cNvGrpSpPr/>
-        <p:nvPr/>
-      </p:nvGrpSpPr>
-      <p:grpSpPr>
-        <a:xfrm>
-          <a:off x="0" y="0"/>
-          <a:ext cx="0" cy="0"/>
-          <a:chOff x="0" y="0"/>
-          <a:chExt cx="0" cy="0"/>
-        </a:xfrm>
-      </p:grpSpPr>
-      <p:sp>
-        <p:nvSpPr>
-          <p:cNvPr id="2" name="Title 1">
-            <a:extLst>
-              <a:ext uri="{FF2B5EF4-FFF2-40B4-BE49-F238E27FC236}">
-                <a16:creationId xmlns:a16="http://schemas.microsoft.com/office/drawing/2014/main" id="{F3FB903F-CE3E-DE43-9BF5-70277B57D148}"/>
-              </a:ext>
-            </a:extLst>
-          </p:cNvPr>
-          <p:cNvSpPr>
-            <a:spLocks noGrp="1"/>
-          </p:cNvSpPr>
-          <p:nvPr>
-            <p:ph type="title"/>
-          </p:nvPr>
-        </p:nvSpPr>
-        <p:spPr>
-          <a:xfrm>
-            <a:off x="1451579" y="804519"/>
-            <a:ext cx="9603275" cy="1049235"/>
-          </a:xfrm>
-        </p:spPr>
-        <p:txBody>
-          <a:bodyPr>
-            <a:normAutofit/>
-          </a:bodyPr>
-          <a:lstStyle/>
-          <a:p>
-            <a:r>
-              <a:rPr lang="en-US" dirty="0"/>
-              <a:t>Images</a:t>
-            </a:r>
-          </a:p>
-        </p:txBody>
-      </p:sp>
-      <p:sp>
-        <p:nvSpPr>
-          <p:cNvPr id="3" name="Content Placeholder 2">
-            <a:extLst>
-              <a:ext uri="{FF2B5EF4-FFF2-40B4-BE49-F238E27FC236}">
-                <a16:creationId xmlns:a16="http://schemas.microsoft.com/office/drawing/2014/main" id="{C81DE9A2-B784-8847-A671-53558461A496}"/>
-              </a:ext>
-            </a:extLst>
-          </p:cNvPr>
-          <p:cNvSpPr>
-            <a:spLocks noGrp="1"/>
-          </p:cNvSpPr>
-          <p:nvPr>
-            <p:ph idx="1"/>
-          </p:nvPr>
-        </p:nvSpPr>
-        <p:spPr>
-          <a:xfrm>
-            <a:off x="77638" y="1870083"/>
-            <a:ext cx="5386390" cy="4199726"/>
-          </a:xfrm>
-        </p:spPr>
-        <p:txBody>
-          <a:bodyPr>
-            <a:normAutofit/>
-          </a:bodyPr>
-          <a:lstStyle/>
-          <a:p>
-            <a:r>
-              <a:rPr lang="en-US" dirty="0"/>
-              <a:t>Images are basically 2D (for now) grids of pixels.</a:t>
-            </a:r>
-          </a:p>
-          <a:p>
-            <a:pPr lvl="1"/>
-            <a:r>
-              <a:rPr lang="en-US" dirty="0"/>
-              <a:t>E.g. Your 1080p screen is 1920 x 1080 pixels.</a:t>
-            </a:r>
-          </a:p>
-          <a:p>
-            <a:r>
-              <a:rPr lang="en-US" dirty="0"/>
-              <a:t>Each pixel is an integer value. </a:t>
-            </a:r>
-          </a:p>
-          <a:p>
-            <a:pPr lvl="1"/>
-            <a:r>
-              <a:rPr lang="en-US" dirty="0"/>
-              <a:t>0-255 for lightness. </a:t>
-            </a:r>
-          </a:p>
-          <a:p>
-            <a:r>
-              <a:rPr lang="en-US" dirty="0"/>
-              <a:t>Images are normal data, and we can treat them like any other data. </a:t>
-            </a:r>
-          </a:p>
-          <a:p>
-            <a:pPr lvl="1"/>
-            <a:r>
-              <a:rPr lang="en-US" dirty="0"/>
-              <a:t>The data of an image is a representation of the real thing (analog image). This can change. </a:t>
-            </a:r>
-          </a:p>
-          <a:p>
-            <a:r>
-              <a:rPr lang="en-US" dirty="0"/>
-              <a:t>This allows us to, pretty easily, do image recognition!</a:t>
-            </a:r>
-          </a:p>
-        </p:txBody>
-      </p:sp>
-      <p:pic>
-        <p:nvPicPr>
-          <p:cNvPr id="1026" name="Picture 2" descr="SaraAI - mnist">
-            <a:extLst>
-              <a:ext uri="{FF2B5EF4-FFF2-40B4-BE49-F238E27FC236}">
-                <a16:creationId xmlns:a16="http://schemas.microsoft.com/office/drawing/2014/main" id="{5E9AF5CB-741A-654E-B2AF-0D1547D587DA}"/>
-              </a:ext>
-            </a:extLst>
-          </p:cNvPr>
-          <p:cNvPicPr>
-            <a:picLocks noChangeAspect="1" noChangeArrowheads="1"/>
-          </p:cNvPicPr>
-          <p:nvPr/>
-        </p:nvPicPr>
-        <p:blipFill>
-          <a:blip r:embed="rId2">
-            <a:extLst>
-              <a:ext uri="{28A0092B-C50C-407E-A947-70E740481C1C}">
-                <a14:useLocalDpi xmlns:a14="http://schemas.microsoft.com/office/drawing/2010/main" val="0"/>
-              </a:ext>
-            </a:extLst>
-          </a:blip>
-          <a:stretch>
-            <a:fillRect/>
-          </a:stretch>
-        </p:blipFill>
-        <p:spPr bwMode="auto">
-          <a:xfrm>
-            <a:off x="5386389" y="52389"/>
-            <a:ext cx="6805612" cy="6805612"/>
-          </a:xfrm>
-          <a:prstGeom prst="rect">
-            <a:avLst/>
-          </a:prstGeom>
-          <a:noFill/>
-          <a:extLst>
-            <a:ext uri="{909E8E84-426E-40DD-AFC4-6F175D3DCCD1}">
-              <a14:hiddenFill xmlns:a14="http://schemas.microsoft.com/office/drawing/2010/main">
-                <a:solidFill>
-                  <a:srgbClr val="FFFFFF"/>
-                </a:solidFill>
-              </a14:hiddenFill>
-            </a:ext>
-          </a:extLst>
-        </p:spPr>
-      </p:pic>
-    </p:spTree>
-    <p:extLst>
-      <p:ext uri="{BB962C8B-B14F-4D97-AF65-F5344CB8AC3E}">
-        <p14:creationId xmlns:p14="http://schemas.microsoft.com/office/powerpoint/2010/main" val="3942868991"/>
-      </p:ext>
-    </p:extLst>
-  </p:cSld>
-  <p:clrMapOvr>
-    <a:masterClrMapping/>
-  </p:clrMapOvr>
-</p:sld>
-</file>
-
-<file path=ppt/slides/slide27.xml><?xml version="1.0" encoding="utf-8"?>
-<p:sld xmlns:a="http://schemas.openxmlformats.org/drawingml/2006/main" xmlns:r="http://schemas.openxmlformats.org/officeDocument/2006/relationships" xmlns:p="http://schemas.openxmlformats.org/presentationml/2006/main">
-  <p:cSld>
-    <p:spTree>
-      <p:nvGrpSpPr>
-        <p:cNvPr id="1" name=""/>
-        <p:cNvGrpSpPr/>
-        <p:nvPr/>
-      </p:nvGrpSpPr>
-      <p:grpSpPr>
-        <a:xfrm>
-          <a:off x="0" y="0"/>
-          <a:ext cx="0" cy="0"/>
-          <a:chOff x="0" y="0"/>
-          <a:chExt cx="0" cy="0"/>
-        </a:xfrm>
-      </p:grpSpPr>
-      <p:sp>
-        <p:nvSpPr>
-          <p:cNvPr id="2" name="Title 1">
-            <a:extLst>
-              <a:ext uri="{FF2B5EF4-FFF2-40B4-BE49-F238E27FC236}">
-                <a16:creationId xmlns:a16="http://schemas.microsoft.com/office/drawing/2014/main" id="{4D58C802-D6EB-837F-62BB-7F7DF9E02156}"/>
-              </a:ext>
-            </a:extLst>
-          </p:cNvPr>
-          <p:cNvSpPr>
-            <a:spLocks noGrp="1"/>
-          </p:cNvSpPr>
-          <p:nvPr>
-            <p:ph type="title"/>
-          </p:nvPr>
-        </p:nvSpPr>
-        <p:spPr/>
-        <p:txBody>
-          <a:bodyPr/>
-          <a:lstStyle/>
-          <a:p>
-            <a:r>
-              <a:rPr lang="en-US" dirty="0"/>
-              <a:t>Image Notes</a:t>
-            </a:r>
-          </a:p>
-        </p:txBody>
-      </p:sp>
-      <p:sp>
-        <p:nvSpPr>
-          <p:cNvPr id="3" name="Content Placeholder 2">
-            <a:extLst>
-              <a:ext uri="{FF2B5EF4-FFF2-40B4-BE49-F238E27FC236}">
-                <a16:creationId xmlns:a16="http://schemas.microsoft.com/office/drawing/2014/main" id="{B6A5EE1B-E4C1-EABC-48AE-491AFC74136C}"/>
-              </a:ext>
-            </a:extLst>
-          </p:cNvPr>
-          <p:cNvSpPr>
-            <a:spLocks noGrp="1"/>
-          </p:cNvSpPr>
-          <p:nvPr>
-            <p:ph idx="1"/>
-          </p:nvPr>
-        </p:nvSpPr>
-        <p:spPr>
-          <a:xfrm>
-            <a:off x="1451579" y="1923691"/>
-            <a:ext cx="9603275" cy="4129790"/>
-          </a:xfrm>
-        </p:spPr>
-        <p:txBody>
-          <a:bodyPr/>
-          <a:lstStyle/>
-          <a:p>
-            <a:r>
-              <a:rPr lang="en-US" dirty="0"/>
-              <a:t>We’ll deal with images that are bitmaps (i.e. a bunch of pixels) like jpegs. </a:t>
-            </a:r>
-          </a:p>
-          <a:p>
-            <a:r>
-              <a:rPr lang="en-US" dirty="0"/>
-              <a:t>There are other image formats – each encodes the image differently in the data. </a:t>
-            </a:r>
-          </a:p>
-          <a:p>
-            <a:r>
-              <a:rPr lang="en-US" dirty="0"/>
-              <a:t>We’ll ignore other image types and formats (a bit more in NN). </a:t>
-            </a:r>
-          </a:p>
-          <a:p>
-            <a:pPr lvl="1"/>
-            <a:r>
-              <a:rPr lang="en-US" dirty="0"/>
-              <a:t>In general, you can convert from one to the other if needed. (e.g. in a prep pipeline). </a:t>
-            </a:r>
-          </a:p>
-          <a:p>
-            <a:r>
-              <a:rPr lang="en-US" dirty="0"/>
-              <a:t>If we were dealing with differently encoded data, most things are the same, but the process of turning the 2D data into something ready for the model needs to change. </a:t>
-            </a:r>
-          </a:p>
-          <a:p>
-            <a:r>
-              <a:rPr lang="en-US" dirty="0"/>
-              <a:t>In other scenarios, there may be feature extraction – making features from raw data:</a:t>
-            </a:r>
-          </a:p>
-          <a:p>
-            <a:pPr lvl="1"/>
-            <a:r>
-              <a:rPr lang="en-US" dirty="0"/>
-              <a:t>E.g. instead of using raw data, preprocess to detect lines, edges, faces, </a:t>
-            </a:r>
-            <a:r>
-              <a:rPr lang="en-US" dirty="0" err="1"/>
-              <a:t>etc</a:t>
-            </a:r>
-            <a:r>
-              <a:rPr lang="en-US" dirty="0"/>
-              <a:t>…</a:t>
-            </a:r>
-          </a:p>
-          <a:p>
-            <a:pPr lvl="1"/>
-            <a:r>
-              <a:rPr lang="en-US" dirty="0"/>
-              <a:t>Simplify model – we don’t need to process a billion features, only a few that matter. </a:t>
-            </a:r>
-          </a:p>
-        </p:txBody>
-      </p:sp>
-    </p:spTree>
-    <p:extLst>
-      <p:ext uri="{BB962C8B-B14F-4D97-AF65-F5344CB8AC3E}">
-        <p14:creationId xmlns:p14="http://schemas.microsoft.com/office/powerpoint/2010/main" val="4285727037"/>
       </p:ext>
     </p:extLst>
   </p:cSld>
@@ -7379,7 +7275,7 @@
           <p:cNvPr id="2" name="Title 1">
             <a:extLst>
               <a:ext uri="{FF2B5EF4-FFF2-40B4-BE49-F238E27FC236}">
-                <a16:creationId xmlns:a16="http://schemas.microsoft.com/office/drawing/2014/main" id="{AB677636-8A33-7C42-809D-0BCBF174378D}"/>
+                <a16:creationId xmlns:a16="http://schemas.microsoft.com/office/drawing/2014/main" id="{F3FB903F-CE3E-DE43-9BF5-70277B57D148}"/>
               </a:ext>
             </a:extLst>
           </p:cNvPr>
@@ -7404,17 +7300,91 @@
           <a:p>
             <a:r>
               <a:rPr lang="en-US" dirty="0"/>
-              <a:t>Better Images</a:t>
+              <a:t>Images</a:t>
+            </a:r>
+          </a:p>
+        </p:txBody>
+      </p:sp>
+      <p:sp>
+        <p:nvSpPr>
+          <p:cNvPr id="3" name="Content Placeholder 2">
+            <a:extLst>
+              <a:ext uri="{FF2B5EF4-FFF2-40B4-BE49-F238E27FC236}">
+                <a16:creationId xmlns:a16="http://schemas.microsoft.com/office/drawing/2014/main" id="{C81DE9A2-B784-8847-A671-53558461A496}"/>
+              </a:ext>
+            </a:extLst>
+          </p:cNvPr>
+          <p:cNvSpPr>
+            <a:spLocks noGrp="1"/>
+          </p:cNvSpPr>
+          <p:nvPr>
+            <p:ph idx="1"/>
+          </p:nvPr>
+        </p:nvSpPr>
+        <p:spPr>
+          <a:xfrm>
+            <a:off x="77638" y="1870083"/>
+            <a:ext cx="5386390" cy="4199726"/>
+          </a:xfrm>
+        </p:spPr>
+        <p:txBody>
+          <a:bodyPr>
+            <a:normAutofit/>
+          </a:bodyPr>
+          <a:lstStyle/>
+          <a:p>
+            <a:r>
+              <a:rPr lang="en-US" dirty="0"/>
+              <a:t>Images are basically 2D (for now) grids of pixels.</a:t>
+            </a:r>
+          </a:p>
+          <a:p>
+            <a:pPr lvl="1"/>
+            <a:r>
+              <a:rPr lang="en-US" dirty="0"/>
+              <a:t>E.g. Your 1080p screen is 1920 x 1080 pixels.</a:t>
+            </a:r>
+          </a:p>
+          <a:p>
+            <a:r>
+              <a:rPr lang="en-US" dirty="0"/>
+              <a:t>Each pixel is an integer value. </a:t>
+            </a:r>
+          </a:p>
+          <a:p>
+            <a:pPr lvl="1"/>
+            <a:r>
+              <a:rPr lang="en-US" dirty="0"/>
+              <a:t>0-255 for lightness. </a:t>
+            </a:r>
+          </a:p>
+          <a:p>
+            <a:r>
+              <a:rPr lang="en-US" dirty="0"/>
+              <a:t>Images are normal data, and we can treat them like any other data. </a:t>
+            </a:r>
+          </a:p>
+          <a:p>
+            <a:pPr lvl="1"/>
+            <a:r>
+              <a:rPr lang="en-US" dirty="0"/>
+              <a:t>The data of an image is a representation of the real thing (analog image). This can change. </a:t>
+            </a:r>
+          </a:p>
+          <a:p>
+            <a:r>
+              <a:rPr lang="en-US" dirty="0"/>
+              <a:t>This allows us to, pretty easily, do image recognition!</a:t>
             </a:r>
           </a:p>
         </p:txBody>
       </p:sp>
       <p:pic>
         <p:nvPicPr>
-          <p:cNvPr id="6146" name="Picture 2" descr="Color image representation and RGB matrix | Download Scientific Diagram">
-            <a:extLst>
-              <a:ext uri="{FF2B5EF4-FFF2-40B4-BE49-F238E27FC236}">
-                <a16:creationId xmlns:a16="http://schemas.microsoft.com/office/drawing/2014/main" id="{4EF6BA20-AB62-C94A-AC15-0B8F4FFA5B7C}"/>
+          <p:cNvPr id="1026" name="Picture 2" descr="SaraAI - mnist">
+            <a:extLst>
+              <a:ext uri="{FF2B5EF4-FFF2-40B4-BE49-F238E27FC236}">
+                <a16:creationId xmlns:a16="http://schemas.microsoft.com/office/drawing/2014/main" id="{5E9AF5CB-741A-654E-B2AF-0D1547D587DA}"/>
               </a:ext>
             </a:extLst>
           </p:cNvPr>
@@ -7437,8 +7407,8 @@
         </p:blipFill>
         <p:spPr bwMode="auto">
           <a:xfrm>
-            <a:off x="-13095" y="2286000"/>
-            <a:ext cx="7877442" cy="2914650"/>
+            <a:off x="5386389" y="52389"/>
+            <a:ext cx="6805612" cy="6805612"/>
           </a:xfrm>
           <a:prstGeom prst="rect">
             <a:avLst/>
@@ -7455,63 +7425,10 @@
           </a:extLst>
         </p:spPr>
       </p:pic>
-      <p:sp>
-        <p:nvSpPr>
-          <p:cNvPr id="3" name="Content Placeholder 2">
-            <a:extLst>
-              <a:ext uri="{FF2B5EF4-FFF2-40B4-BE49-F238E27FC236}">
-                <a16:creationId xmlns:a16="http://schemas.microsoft.com/office/drawing/2014/main" id="{51DCB23F-F681-554F-8018-B8D417F4BDB9}"/>
-              </a:ext>
-            </a:extLst>
-          </p:cNvPr>
-          <p:cNvSpPr>
-            <a:spLocks noGrp="1"/>
-          </p:cNvSpPr>
-          <p:nvPr>
-            <p:ph idx="1"/>
-          </p:nvPr>
-        </p:nvSpPr>
-        <p:spPr>
-          <a:xfrm>
-            <a:off x="8115300" y="2015734"/>
-            <a:ext cx="3943350" cy="4037747"/>
-          </a:xfrm>
-        </p:spPr>
-        <p:txBody>
-          <a:bodyPr>
-            <a:normAutofit/>
-          </a:bodyPr>
-          <a:lstStyle/>
-          <a:p>
-            <a:r>
-              <a:rPr lang="en-US" dirty="0"/>
-              <a:t>Our images are simple – 1 color. </a:t>
-            </a:r>
-          </a:p>
-          <a:p>
-            <a:r>
-              <a:rPr lang="en-US" dirty="0"/>
-              <a:t>No depth - we only need an array with depth of 1. </a:t>
-            </a:r>
-          </a:p>
-          <a:p>
-            <a:r>
-              <a:rPr lang="en-US" dirty="0"/>
-              <a:t>More complex images add pixels and additional layers for more colors (RGB for ours).  </a:t>
-            </a:r>
-          </a:p>
-          <a:p>
-            <a:r>
-              <a:rPr lang="en-US" dirty="0"/>
-              <a:t>These are tensors – multidimensional arrays. </a:t>
-            </a:r>
-          </a:p>
-        </p:txBody>
-      </p:sp>
     </p:spTree>
     <p:extLst>
       <p:ext uri="{BB962C8B-B14F-4D97-AF65-F5344CB8AC3E}">
-        <p14:creationId xmlns:p14="http://schemas.microsoft.com/office/powerpoint/2010/main" val="690243489"/>
+        <p14:creationId xmlns:p14="http://schemas.microsoft.com/office/powerpoint/2010/main" val="3942868991"/>
       </p:ext>
     </p:extLst>
   </p:cSld>
@@ -7543,7 +7460,7 @@
           <p:cNvPr id="2" name="Title 1">
             <a:extLst>
               <a:ext uri="{FF2B5EF4-FFF2-40B4-BE49-F238E27FC236}">
-                <a16:creationId xmlns:a16="http://schemas.microsoft.com/office/drawing/2014/main" id="{763A3D3D-1B15-1537-EF9B-D4F698BB039B}"/>
+                <a16:creationId xmlns:a16="http://schemas.microsoft.com/office/drawing/2014/main" id="{4D58C802-D6EB-837F-62BB-7F7DF9E02156}"/>
               </a:ext>
             </a:extLst>
           </p:cNvPr>
@@ -7561,7 +7478,7 @@
           <a:p>
             <a:r>
               <a:rPr lang="en-US" dirty="0"/>
-              <a:t>Classifying Digits</a:t>
+              <a:t>Image Notes</a:t>
             </a:r>
           </a:p>
         </p:txBody>
@@ -7571,7 +7488,7 @@
           <p:cNvPr id="3" name="Content Placeholder 2">
             <a:extLst>
               <a:ext uri="{FF2B5EF4-FFF2-40B4-BE49-F238E27FC236}">
-                <a16:creationId xmlns:a16="http://schemas.microsoft.com/office/drawing/2014/main" id="{9EC530FB-566D-D043-2F30-7D7002FF5A02}"/>
+                <a16:creationId xmlns:a16="http://schemas.microsoft.com/office/drawing/2014/main" id="{B6A5EE1B-E4C1-EABC-48AE-491AFC74136C}"/>
               </a:ext>
             </a:extLst>
           </p:cNvPr>
@@ -7584,136 +7501,78 @@
         </p:nvSpPr>
         <p:spPr>
           <a:xfrm>
-            <a:off x="1451579" y="1853754"/>
-            <a:ext cx="9603275" cy="4259451"/>
-          </a:xfrm>
-        </p:spPr>
-        <p:txBody>
-          <a:bodyPr>
-            <a:normAutofit/>
-          </a:bodyPr>
-          <a:lstStyle/>
-          <a:p>
-            <a:r>
-              <a:rPr lang="en-US" dirty="0"/>
-              <a:t>We can create a model to classify digits into 10 classes. </a:t>
-            </a:r>
-          </a:p>
-          <a:p>
-            <a:r>
-              <a:rPr lang="en-US" dirty="0"/>
-              <a:t>Our image data – we will interpret it like “normal” data:</a:t>
-            </a:r>
-          </a:p>
-          <a:p>
-            <a:pPr lvl="1"/>
-            <a:r>
-              <a:rPr lang="en-US" dirty="0"/>
-              <a:t>Each digit is an image of pixels – either 64 (8x8) or 748 (28x28). </a:t>
-            </a:r>
-          </a:p>
-          <a:p>
-            <a:pPr lvl="1"/>
-            <a:r>
-              <a:rPr lang="en-US" dirty="0"/>
-              <a:t>There’s only one color, so each pixel can be between 0 and 255 for “darkness”. </a:t>
-            </a:r>
-          </a:p>
-          <a:p>
-            <a:pPr lvl="1"/>
-            <a:r>
-              <a:rPr lang="en-US" dirty="0"/>
-              <a:t>Our target is the label, the actual number that the pixel is. </a:t>
-            </a:r>
-          </a:p>
-          <a:p>
-            <a:pPr lvl="1"/>
-            <a:r>
-              <a:rPr lang="en-US" dirty="0"/>
-              <a:t>We can flatten the 2D representation of pixels into one row, then use normal models. </a:t>
-            </a:r>
-          </a:p>
-          <a:p>
-            <a:pPr lvl="1"/>
-            <a:r>
-              <a:rPr lang="en-US" dirty="0"/>
-              <a:t>Each pixel will now just be one feature, in order. (We can reshape back to get original)</a:t>
-            </a:r>
-          </a:p>
-          <a:p>
-            <a:r>
-              <a:rPr lang="en-US" dirty="0"/>
-              <a:t>We lose the spatial part of the data – our flat representation doesn’t “understand” 2D.</a:t>
-            </a:r>
-          </a:p>
-          <a:p>
-            <a:pPr lvl="1"/>
-            <a:r>
-              <a:rPr lang="en-US" dirty="0"/>
-              <a:t>With images, and other things that are analog, we create a representation to use. </a:t>
-            </a:r>
-          </a:p>
-          <a:p>
-            <a:pPr lvl="1"/>
-            <a:r>
-              <a:rPr lang="en-US" dirty="0"/>
-              <a:t>There are better ways to process image data that keep spatial awareness, we’ll see later. </a:t>
-            </a:r>
-          </a:p>
-          <a:p>
-            <a:endParaRPr lang="en-US" dirty="0"/>
-          </a:p>
-        </p:txBody>
-      </p:sp>
-      <p:pic>
-        <p:nvPicPr>
-          <p:cNvPr id="3074" name="Picture 2" descr="NumPy: numpy.ndarray.flatten()function - w3resource">
-            <a:extLst>
-              <a:ext uri="{FF2B5EF4-FFF2-40B4-BE49-F238E27FC236}">
-                <a16:creationId xmlns:a16="http://schemas.microsoft.com/office/drawing/2014/main" id="{33E79A7E-03D2-71B3-8975-E0B8F178C978}"/>
-              </a:ext>
-            </a:extLst>
-          </p:cNvPr>
-          <p:cNvPicPr>
-            <a:picLocks noChangeAspect="1" noChangeArrowheads="1"/>
-          </p:cNvPicPr>
-          <p:nvPr/>
-        </p:nvPicPr>
-        <p:blipFill rotWithShape="1">
-          <a:blip r:embed="rId2">
-            <a:extLst>
-              <a:ext uri="{28A0092B-C50C-407E-A947-70E740481C1C}">
-                <a14:useLocalDpi xmlns:a14="http://schemas.microsoft.com/office/drawing/2010/main" val="0"/>
-              </a:ext>
-            </a:extLst>
-          </a:blip>
-          <a:srcRect l="9739" t="3665" r="11514" b="3665"/>
-          <a:stretch/>
-        </p:blipFill>
-        <p:spPr bwMode="auto">
-          <a:xfrm>
-            <a:off x="9637059" y="1"/>
-            <a:ext cx="2554941" cy="3369266"/>
-          </a:xfrm>
-          <a:prstGeom prst="rect">
-            <a:avLst/>
-          </a:prstGeom>
-          <a:noFill/>
-          <a:extLst>
-            <a:ext uri="{909E8E84-426E-40DD-AFC4-6F175D3DCCD1}">
-              <a14:hiddenFill xmlns:a14="http://schemas.microsoft.com/office/drawing/2010/main">
-                <a:solidFill>
-                  <a:srgbClr val="FFFFFF"/>
-                </a:solidFill>
-              </a14:hiddenFill>
-            </a:ext>
-          </a:extLst>
-        </p:spPr>
-      </p:pic>
+            <a:off x="1451579" y="1923691"/>
+            <a:ext cx="9603275" cy="4129790"/>
+          </a:xfrm>
+        </p:spPr>
+        <p:txBody>
+          <a:bodyPr/>
+          <a:lstStyle/>
+          <a:p>
+            <a:r>
+              <a:rPr lang="en-US" dirty="0"/>
+              <a:t>We’ll deal with images that are bitmaps (i.e. a bunch of pixels) like jpegs. </a:t>
+            </a:r>
+          </a:p>
+          <a:p>
+            <a:r>
+              <a:rPr lang="en-US" dirty="0"/>
+              <a:t>There are other image formats – each encodes the image differently in the data. </a:t>
+            </a:r>
+          </a:p>
+          <a:p>
+            <a:r>
+              <a:rPr lang="en-US" dirty="0"/>
+              <a:t>We’ll ignore other image types and formats (a bit more in NN). </a:t>
+            </a:r>
+          </a:p>
+          <a:p>
+            <a:pPr lvl="1"/>
+            <a:r>
+              <a:rPr lang="en-US" dirty="0"/>
+              <a:t>In general, you can convert from one to the other if needed. (e.g. in a prep pipeline). </a:t>
+            </a:r>
+          </a:p>
+          <a:p>
+            <a:r>
+              <a:rPr lang="en-US" dirty="0"/>
+              <a:t>If we were dealing with differently encoded data, most things are the same, but the process of turning the 2D data into something ready for the model needs to change. </a:t>
+            </a:r>
+          </a:p>
+          <a:p>
+            <a:r>
+              <a:rPr lang="en-US" dirty="0"/>
+              <a:t>In other scenarios, there may be feature extraction – making features from raw data:</a:t>
+            </a:r>
+          </a:p>
+          <a:p>
+            <a:pPr lvl="1"/>
+            <a:r>
+              <a:rPr lang="en-US" dirty="0"/>
+              <a:t>E.g. instead of using raw data, preprocess to detect lines, edges, faces, </a:t>
+            </a:r>
+            <a:r>
+              <a:rPr lang="en-US" dirty="0" err="1"/>
+              <a:t>etc</a:t>
+            </a:r>
+            <a:r>
+              <a:rPr lang="en-US" dirty="0"/>
+              <a:t>…</a:t>
+            </a:r>
+          </a:p>
+          <a:p>
+            <a:pPr lvl="1"/>
+            <a:r>
+              <a:rPr lang="en-US" dirty="0"/>
+              <a:t>Simplify model – we don’t need to process a billion features, only a few that matter. </a:t>
+            </a:r>
+          </a:p>
+        </p:txBody>
+      </p:sp>
     </p:spTree>
     <p:extLst>
       <p:ext uri="{BB962C8B-B14F-4D97-AF65-F5344CB8AC3E}">
-        <p14:creationId xmlns:p14="http://schemas.microsoft.com/office/powerpoint/2010/main" val="1464860524"/>
+        <p14:creationId xmlns:p14="http://schemas.microsoft.com/office/powerpoint/2010/main" val="4285727037"/>
       </p:ext>
     </p:extLst>
   </p:cSld>
@@ -7811,6 +7670,30 @@
 <file path=ppt/slides/slide30.xml><?xml version="1.0" encoding="utf-8"?>
 <p:sld xmlns:a="http://schemas.openxmlformats.org/drawingml/2006/main" xmlns:r="http://schemas.openxmlformats.org/officeDocument/2006/relationships" xmlns:p="http://schemas.openxmlformats.org/presentationml/2006/main">
   <p:cSld>
+    <p:bg>
+      <p:bgPr>
+        <a:gradFill rotWithShape="1">
+          <a:gsLst>
+            <a:gs pos="0">
+              <a:schemeClr val="bg2">
+                <a:tint val="94000"/>
+                <a:satMod val="80000"/>
+                <a:lumMod val="106000"/>
+              </a:schemeClr>
+            </a:gs>
+            <a:gs pos="100000">
+              <a:schemeClr val="bg2">
+                <a:shade val="80000"/>
+              </a:schemeClr>
+            </a:gs>
+          </a:gsLst>
+          <a:path path="circle">
+            <a:fillToRect l="43000" r="43000" b="100000"/>
+          </a:path>
+        </a:gradFill>
+        <a:effectLst/>
+      </p:bgPr>
+    </p:bg>
     <p:spTree>
       <p:nvGrpSpPr>
         <p:cNvPr id="1" name=""/>
@@ -7830,7 +7713,7 @@
           <p:cNvPr id="2" name="Title 1">
             <a:extLst>
               <a:ext uri="{FF2B5EF4-FFF2-40B4-BE49-F238E27FC236}">
-                <a16:creationId xmlns:a16="http://schemas.microsoft.com/office/drawing/2014/main" id="{21CD620E-A38D-1E68-F077-B10F57635217}"/>
+                <a16:creationId xmlns:a16="http://schemas.microsoft.com/office/drawing/2014/main" id="{AB677636-8A33-7C42-809D-0BCBF174378D}"/>
               </a:ext>
             </a:extLst>
           </p:cNvPr>
@@ -7841,138 +7724,31 @@
             <p:ph type="title"/>
           </p:nvPr>
         </p:nvSpPr>
-        <p:spPr/>
-        <p:txBody>
-          <a:bodyPr/>
-          <a:lstStyle/>
-          <a:p>
-            <a:r>
-              <a:rPr lang="en-US" dirty="0"/>
-              <a:t>Better Image Processing</a:t>
-            </a:r>
-            <a:br>
-              <a:rPr lang="en-US" dirty="0"/>
-            </a:br>
-            <a:r>
-              <a:rPr lang="en-US" dirty="0"/>
-              <a:t>(For Later on)</a:t>
-            </a:r>
-          </a:p>
-        </p:txBody>
-      </p:sp>
-      <p:sp>
-        <p:nvSpPr>
-          <p:cNvPr id="3" name="Content Placeholder 2">
-            <a:extLst>
-              <a:ext uri="{FF2B5EF4-FFF2-40B4-BE49-F238E27FC236}">
-                <a16:creationId xmlns:a16="http://schemas.microsoft.com/office/drawing/2014/main" id="{CA93F599-DA70-B4F8-4AAF-29AC103447E5}"/>
-              </a:ext>
-            </a:extLst>
-          </p:cNvPr>
-          <p:cNvSpPr>
-            <a:spLocks noGrp="1"/>
-          </p:cNvSpPr>
-          <p:nvPr>
-            <p:ph idx="1"/>
-          </p:nvPr>
-        </p:nvSpPr>
         <p:spPr>
           <a:xfrm>
-            <a:off x="1451579" y="1853754"/>
-            <a:ext cx="10215284" cy="4199727"/>
+            <a:off x="1451579" y="804519"/>
+            <a:ext cx="9603275" cy="1049235"/>
           </a:xfrm>
         </p:spPr>
         <p:txBody>
           <a:bodyPr>
-            <a:normAutofit fontScale="92500" lnSpcReduction="10000"/>
+            <a:normAutofit/>
           </a:bodyPr>
           <a:lstStyle/>
           <a:p>
             <a:r>
               <a:rPr lang="en-US" dirty="0"/>
-              <a:t>In our models we always need to flatten the data prior to doing anything. </a:t>
-            </a:r>
-          </a:p>
-          <a:p>
-            <a:pPr lvl="1"/>
-            <a:r>
-              <a:rPr lang="en-US" dirty="0" err="1"/>
-              <a:t>I.e</a:t>
-            </a:r>
-            <a:r>
-              <a:rPr lang="en-US" dirty="0"/>
-              <a:t> the data we use is a datasheet – one value per column, row per item. </a:t>
-            </a:r>
-          </a:p>
-          <a:p>
-            <a:r>
-              <a:rPr lang="en-US" dirty="0"/>
-              <a:t>In an image, that transformation causes some data loss. </a:t>
-            </a:r>
-          </a:p>
-          <a:p>
-            <a:pPr lvl="1"/>
-            <a:r>
-              <a:rPr lang="en-US" dirty="0"/>
-              <a:t>We lose the info on where things are in 2D relative to each other, like the shape of a face. </a:t>
-            </a:r>
-          </a:p>
-          <a:p>
-            <a:pPr lvl="1"/>
-            <a:r>
-              <a:rPr lang="en-US" dirty="0"/>
-              <a:t>E.g. a cat is a cat if it is on the right, upside down, </a:t>
-            </a:r>
-            <a:r>
-              <a:rPr lang="en-US" dirty="0" err="1"/>
-              <a:t>etc</a:t>
-            </a:r>
-            <a:r>
-              <a:rPr lang="en-US" dirty="0"/>
-              <a:t>… but our model only sees pixels. </a:t>
-            </a:r>
-          </a:p>
-          <a:p>
-            <a:pPr lvl="1"/>
-            <a:r>
-              <a:rPr lang="en-US" dirty="0"/>
-              <a:t>A cat in the upper left corner is different from a cat in the lower right corner in data. (diff pixel)</a:t>
-            </a:r>
-          </a:p>
-          <a:p>
-            <a:r>
-              <a:rPr lang="en-US" dirty="0"/>
-              <a:t>This is a limitation in fit of this type of model to this data – irreducible error. </a:t>
-            </a:r>
-          </a:p>
-          <a:p>
-            <a:pPr lvl="1"/>
-            <a:r>
-              <a:rPr lang="en-US" dirty="0"/>
-              <a:t>It will work as long as we can transform the data, but the representation (flattened pixels of the image fails in that it is unable to capture all of the important info in an image, like the spatial bit. </a:t>
-            </a:r>
-          </a:p>
-          <a:p>
-            <a:r>
-              <a:rPr lang="en-US" dirty="0"/>
-              <a:t>Other models (CNN) can capture the spatial part of the data, and are better for images. </a:t>
-            </a:r>
-          </a:p>
-          <a:p>
-            <a:pPr lvl="1"/>
-            <a:r>
-              <a:rPr lang="en-US" dirty="0"/>
-              <a:t>I.e. instead of using just pixels as features, this can construct features from the 2D image. </a:t>
+              <a:t>Better Images</a:t>
             </a:r>
           </a:p>
         </p:txBody>
       </p:sp>
       <p:pic>
         <p:nvPicPr>
-          <p:cNvPr id="8196" name="Picture 4" descr="Data Augmentation: How to use Deep Learning when you have Limited Data -  KDnuggets">
-            <a:extLst>
-              <a:ext uri="{FF2B5EF4-FFF2-40B4-BE49-F238E27FC236}">
-                <a16:creationId xmlns:a16="http://schemas.microsoft.com/office/drawing/2014/main" id="{1556BC7B-84F2-F902-9FF3-232D430F31CD}"/>
+          <p:cNvPr id="6146" name="Picture 2" descr="Color image representation and RGB matrix | Download Scientific Diagram">
+            <a:extLst>
+              <a:ext uri="{FF2B5EF4-FFF2-40B4-BE49-F238E27FC236}">
+                <a16:creationId xmlns:a16="http://schemas.microsoft.com/office/drawing/2014/main" id="{4EF6BA20-AB62-C94A-AC15-0B8F4FFA5B7C}"/>
               </a:ext>
             </a:extLst>
           </p:cNvPr>
@@ -7981,7 +7757,7 @@
           </p:cNvPicPr>
           <p:nvPr/>
         </p:nvPicPr>
-        <p:blipFill rotWithShape="1">
+        <p:blipFill>
           <a:blip r:embed="rId2">
             <a:extLst>
               <a:ext uri="{28A0092B-C50C-407E-A947-70E740481C1C}">
@@ -7989,13 +7765,14 @@
               </a:ext>
             </a:extLst>
           </a:blip>
-          <a:srcRect b="17447"/>
-          <a:stretch/>
+          <a:stretch>
+            <a:fillRect/>
+          </a:stretch>
         </p:blipFill>
         <p:spPr bwMode="auto">
           <a:xfrm>
-            <a:off x="7660257" y="0"/>
-            <a:ext cx="4531743" cy="1900252"/>
+            <a:off x="-13095" y="2286000"/>
+            <a:ext cx="7877442" cy="2914650"/>
           </a:xfrm>
           <a:prstGeom prst="rect">
             <a:avLst/>
@@ -8012,10 +7789,63 @@
           </a:extLst>
         </p:spPr>
       </p:pic>
+      <p:sp>
+        <p:nvSpPr>
+          <p:cNvPr id="3" name="Content Placeholder 2">
+            <a:extLst>
+              <a:ext uri="{FF2B5EF4-FFF2-40B4-BE49-F238E27FC236}">
+                <a16:creationId xmlns:a16="http://schemas.microsoft.com/office/drawing/2014/main" id="{51DCB23F-F681-554F-8018-B8D417F4BDB9}"/>
+              </a:ext>
+            </a:extLst>
+          </p:cNvPr>
+          <p:cNvSpPr>
+            <a:spLocks noGrp="1"/>
+          </p:cNvSpPr>
+          <p:nvPr>
+            <p:ph idx="1"/>
+          </p:nvPr>
+        </p:nvSpPr>
+        <p:spPr>
+          <a:xfrm>
+            <a:off x="8115300" y="2015734"/>
+            <a:ext cx="3943350" cy="4037747"/>
+          </a:xfrm>
+        </p:spPr>
+        <p:txBody>
+          <a:bodyPr>
+            <a:normAutofit/>
+          </a:bodyPr>
+          <a:lstStyle/>
+          <a:p>
+            <a:r>
+              <a:rPr lang="en-US" dirty="0"/>
+              <a:t>Our images are simple – 1 color. </a:t>
+            </a:r>
+          </a:p>
+          <a:p>
+            <a:r>
+              <a:rPr lang="en-US" dirty="0"/>
+              <a:t>No depth - we only need an array with depth of 1. </a:t>
+            </a:r>
+          </a:p>
+          <a:p>
+            <a:r>
+              <a:rPr lang="en-US" dirty="0"/>
+              <a:t>More complex images add pixels and additional layers for more colors (RGB for ours).  </a:t>
+            </a:r>
+          </a:p>
+          <a:p>
+            <a:r>
+              <a:rPr lang="en-US" dirty="0"/>
+              <a:t>These are tensors – multidimensional arrays. </a:t>
+            </a:r>
+          </a:p>
+        </p:txBody>
+      </p:sp>
     </p:spTree>
     <p:extLst>
       <p:ext uri="{BB962C8B-B14F-4D97-AF65-F5344CB8AC3E}">
-        <p14:creationId xmlns:p14="http://schemas.microsoft.com/office/powerpoint/2010/main" val="135317165"/>
+        <p14:creationId xmlns:p14="http://schemas.microsoft.com/office/powerpoint/2010/main" val="690243489"/>
       </p:ext>
     </p:extLst>
   </p:cSld>
@@ -8047,7 +7877,7 @@
           <p:cNvPr id="2" name="Title 1">
             <a:extLst>
               <a:ext uri="{FF2B5EF4-FFF2-40B4-BE49-F238E27FC236}">
-                <a16:creationId xmlns:a16="http://schemas.microsoft.com/office/drawing/2014/main" id="{E7B6AFB4-CF2D-F8DA-99EE-40F827940A1B}"/>
+                <a16:creationId xmlns:a16="http://schemas.microsoft.com/office/drawing/2014/main" id="{763A3D3D-1B15-1537-EF9B-D4F698BB039B}"/>
               </a:ext>
             </a:extLst>
           </p:cNvPr>
@@ -8058,43 +7888,38 @@
             <p:ph type="title"/>
           </p:nvPr>
         </p:nvSpPr>
+        <p:spPr/>
+        <p:txBody>
+          <a:bodyPr/>
+          <a:lstStyle/>
+          <a:p>
+            <a:r>
+              <a:rPr lang="en-US" dirty="0"/>
+              <a:t>Classifying Digits</a:t>
+            </a:r>
+          </a:p>
+        </p:txBody>
+      </p:sp>
+      <p:sp>
+        <p:nvSpPr>
+          <p:cNvPr id="3" name="Content Placeholder 2">
+            <a:extLst>
+              <a:ext uri="{FF2B5EF4-FFF2-40B4-BE49-F238E27FC236}">
+                <a16:creationId xmlns:a16="http://schemas.microsoft.com/office/drawing/2014/main" id="{9EC530FB-566D-D043-2F30-7D7002FF5A02}"/>
+              </a:ext>
+            </a:extLst>
+          </p:cNvPr>
+          <p:cNvSpPr>
+            <a:spLocks noGrp="1"/>
+          </p:cNvSpPr>
+          <p:nvPr>
+            <p:ph idx="1"/>
+          </p:nvPr>
+        </p:nvSpPr>
         <p:spPr>
           <a:xfrm>
-            <a:off x="198409" y="804519"/>
-            <a:ext cx="10856446" cy="1049235"/>
-          </a:xfrm>
-        </p:spPr>
-        <p:txBody>
-          <a:bodyPr/>
-          <a:lstStyle/>
-          <a:p>
-            <a:r>
-              <a:rPr lang="en-US" dirty="0"/>
-              <a:t>Detour - Feature Extraction and Preprocessing</a:t>
-            </a:r>
-          </a:p>
-        </p:txBody>
-      </p:sp>
-      <p:sp>
-        <p:nvSpPr>
-          <p:cNvPr id="3" name="Content Placeholder 2">
-            <a:extLst>
-              <a:ext uri="{FF2B5EF4-FFF2-40B4-BE49-F238E27FC236}">
-                <a16:creationId xmlns:a16="http://schemas.microsoft.com/office/drawing/2014/main" id="{1D67B5C3-D58D-2946-C8C2-F4FAAD045AA1}"/>
-              </a:ext>
-            </a:extLst>
-          </p:cNvPr>
-          <p:cNvSpPr>
-            <a:spLocks noGrp="1"/>
-          </p:cNvSpPr>
-          <p:nvPr>
-            <p:ph idx="1"/>
-          </p:nvPr>
-        </p:nvSpPr>
-        <p:spPr>
-          <a:xfrm>
-            <a:off x="6569266" y="1853754"/>
-            <a:ext cx="5532562" cy="4199727"/>
+            <a:off x="1451579" y="1853754"/>
+            <a:ext cx="9603275" cy="4259451"/>
           </a:xfrm>
         </p:spPr>
         <p:txBody>
@@ -8105,49 +7930,81 @@
           <a:p>
             <a:r>
               <a:rPr lang="en-US" dirty="0"/>
-              <a:t>Domain specific, and mostly out of our scope. </a:t>
-            </a:r>
-          </a:p>
-          <a:p>
-            <a:r>
-              <a:rPr lang="en-US" dirty="0"/>
-              <a:t>If a car needs to stay in lane, 5 1080p feeds is lots of data, all all we really need is something that represents where the lane is. </a:t>
-            </a:r>
-          </a:p>
-          <a:p>
-            <a:pPr lvl="1"/>
-            <a:r>
-              <a:rPr lang="en-US" dirty="0"/>
-              <a:t>I.e. instead of using all the data, our processing will find edges, and create features of that. </a:t>
-            </a:r>
-          </a:p>
-          <a:p>
-            <a:r>
-              <a:rPr lang="en-US" dirty="0"/>
-              <a:t>Can make a smaller and more efficient model. </a:t>
-            </a:r>
-          </a:p>
-          <a:p>
-            <a:r>
-              <a:rPr lang="en-US" dirty="0"/>
-              <a:t>A large non-feature model could learn this, but processing and data needs are higher. </a:t>
-            </a:r>
-          </a:p>
-          <a:p>
-            <a:pPr lvl="1"/>
-            <a:r>
-              <a:rPr lang="en-US" dirty="0"/>
-              <a:t>Domain knowledge shortcuts learning needs.</a:t>
-            </a:r>
+              <a:t>We can create a model to classify digits into 10 classes. </a:t>
+            </a:r>
+          </a:p>
+          <a:p>
+            <a:r>
+              <a:rPr lang="en-US" dirty="0"/>
+              <a:t>Our image data – we will interpret it like “normal” data:</a:t>
+            </a:r>
+          </a:p>
+          <a:p>
+            <a:pPr lvl="1"/>
+            <a:r>
+              <a:rPr lang="en-US" dirty="0"/>
+              <a:t>Each digit is an image of pixels – either 64 (8x8) or 748 (28x28). </a:t>
+            </a:r>
+          </a:p>
+          <a:p>
+            <a:pPr lvl="1"/>
+            <a:r>
+              <a:rPr lang="en-US" dirty="0"/>
+              <a:t>There’s only one color, so each pixel can be between 0 and 255 for “darkness”. </a:t>
+            </a:r>
+          </a:p>
+          <a:p>
+            <a:pPr lvl="1"/>
+            <a:r>
+              <a:rPr lang="en-US" dirty="0"/>
+              <a:t>Our target is the label, the actual number that the pixel is. </a:t>
+            </a:r>
+          </a:p>
+          <a:p>
+            <a:pPr lvl="1"/>
+            <a:r>
+              <a:rPr lang="en-US" dirty="0"/>
+              <a:t>We can flatten the 2D representation of pixels into one row, then use normal models. </a:t>
+            </a:r>
+          </a:p>
+          <a:p>
+            <a:pPr lvl="1"/>
+            <a:r>
+              <a:rPr lang="en-US" dirty="0"/>
+              <a:t>Each pixel will now just be one feature, in order. (We can reshape back to get original)</a:t>
+            </a:r>
+          </a:p>
+          <a:p>
+            <a:r>
+              <a:rPr lang="en-US" dirty="0"/>
+              <a:t>We lose the spatial part of the data – our flat representation doesn’t “understand” 2D.</a:t>
+            </a:r>
+          </a:p>
+          <a:p>
+            <a:pPr lvl="1"/>
+            <a:r>
+              <a:rPr lang="en-US" dirty="0"/>
+              <a:t>With images, and other things that are analog, we create a representation to use. </a:t>
+            </a:r>
+          </a:p>
+          <a:p>
+            <a:pPr lvl="1"/>
+            <a:r>
+              <a:rPr lang="en-US" dirty="0"/>
+              <a:t>There are better ways to process image data that keep spatial awareness, we’ll see later. </a:t>
+            </a:r>
+          </a:p>
+          <a:p>
+            <a:endParaRPr lang="en-US" dirty="0"/>
           </a:p>
         </p:txBody>
       </p:sp>
       <p:pic>
         <p:nvPicPr>
-          <p:cNvPr id="7170" name="Picture 2" descr="Edge detection and noise cancellation using PPHT and orientation angles. |  Download Scientific Diagram">
-            <a:extLst>
-              <a:ext uri="{FF2B5EF4-FFF2-40B4-BE49-F238E27FC236}">
-                <a16:creationId xmlns:a16="http://schemas.microsoft.com/office/drawing/2014/main" id="{883941DB-C857-BC65-1BCB-462957D2EC08}"/>
+          <p:cNvPr id="3074" name="Picture 2" descr="NumPy: numpy.ndarray.flatten()function - w3resource">
+            <a:extLst>
+              <a:ext uri="{FF2B5EF4-FFF2-40B4-BE49-F238E27FC236}">
+                <a16:creationId xmlns:a16="http://schemas.microsoft.com/office/drawing/2014/main" id="{33E79A7E-03D2-71B3-8975-E0B8F178C978}"/>
               </a:ext>
             </a:extLst>
           </p:cNvPr>
@@ -8156,7 +8013,7 @@
           </p:cNvPicPr>
           <p:nvPr/>
         </p:nvPicPr>
-        <p:blipFill>
+        <p:blipFill rotWithShape="1">
           <a:blip r:embed="rId2">
             <a:extLst>
               <a:ext uri="{28A0092B-C50C-407E-A947-70E740481C1C}">
@@ -8164,15 +8021,13 @@
               </a:ext>
             </a:extLst>
           </a:blip>
-          <a:srcRect/>
-          <a:stretch>
-            <a:fillRect/>
-          </a:stretch>
+          <a:srcRect l="9739" t="3665" r="11514" b="3665"/>
+          <a:stretch/>
         </p:blipFill>
         <p:spPr bwMode="auto">
           <a:xfrm>
-            <a:off x="90172" y="1509311"/>
-            <a:ext cx="6479094" cy="5348689"/>
+            <a:off x="9637059" y="1"/>
+            <a:ext cx="2554941" cy="3369266"/>
           </a:xfrm>
           <a:prstGeom prst="rect">
             <a:avLst/>
@@ -8192,7 +8047,7 @@
     </p:spTree>
     <p:extLst>
       <p:ext uri="{BB962C8B-B14F-4D97-AF65-F5344CB8AC3E}">
-        <p14:creationId xmlns:p14="http://schemas.microsoft.com/office/powerpoint/2010/main" val="769986858"/>
+        <p14:creationId xmlns:p14="http://schemas.microsoft.com/office/powerpoint/2010/main" val="1464860524"/>
       </p:ext>
     </p:extLst>
   </p:cSld>
@@ -8224,7 +8079,7 @@
           <p:cNvPr id="2" name="Title 1">
             <a:extLst>
               <a:ext uri="{FF2B5EF4-FFF2-40B4-BE49-F238E27FC236}">
-                <a16:creationId xmlns:a16="http://schemas.microsoft.com/office/drawing/2014/main" id="{D90A6730-1D87-C934-150D-5B804373051E}"/>
+                <a16:creationId xmlns:a16="http://schemas.microsoft.com/office/drawing/2014/main" id="{21CD620E-A38D-1E68-F077-B10F57635217}"/>
               </a:ext>
             </a:extLst>
           </p:cNvPr>
@@ -8242,7 +8097,14 @@
           <a:p>
             <a:r>
               <a:rPr lang="en-US" dirty="0"/>
-              <a:t>So… Images</a:t>
+              <a:t>Better Image Processing</a:t>
+            </a:r>
+            <a:br>
+              <a:rPr lang="en-US" dirty="0"/>
+            </a:br>
+            <a:r>
+              <a:rPr lang="en-US" dirty="0"/>
+              <a:t>(For Later on)</a:t>
             </a:r>
           </a:p>
         </p:txBody>
@@ -8252,7 +8114,7 @@
           <p:cNvPr id="3" name="Content Placeholder 2">
             <a:extLst>
               <a:ext uri="{FF2B5EF4-FFF2-40B4-BE49-F238E27FC236}">
-                <a16:creationId xmlns:a16="http://schemas.microsoft.com/office/drawing/2014/main" id="{2B79EC8B-A481-40B2-E88C-6F44B47B08B3}"/>
+                <a16:creationId xmlns:a16="http://schemas.microsoft.com/office/drawing/2014/main" id="{CA93F599-DA70-B4F8-4AAF-29AC103447E5}"/>
               </a:ext>
             </a:extLst>
           </p:cNvPr>
@@ -8266,70 +8128,49 @@
         <p:spPr>
           <a:xfrm>
             <a:off x="1451579" y="1853754"/>
-            <a:ext cx="9603275" cy="4199727"/>
-          </a:xfrm>
-        </p:spPr>
-        <p:txBody>
-          <a:bodyPr/>
-          <a:lstStyle/>
-          <a:p>
-            <a:r>
-              <a:rPr lang="en-US" dirty="0"/>
-              <a:t>So, we will treat our image data in the most simple way: pixels -&gt; features. </a:t>
-            </a:r>
-          </a:p>
-          <a:p>
-            <a:pPr lvl="1"/>
-            <a:r>
-              <a:rPr lang="en-US" dirty="0"/>
-              <a:t>This works, and requires few changes at all to work with our processes as they are. </a:t>
-            </a:r>
-          </a:p>
-          <a:p>
-            <a:pPr lvl="1"/>
-            <a:r>
-              <a:rPr lang="en-US" dirty="0"/>
-              <a:t>This compromises on some of the information that is important in an image, like 2D stuff. </a:t>
-            </a:r>
-          </a:p>
-          <a:p>
-            <a:r>
-              <a:rPr lang="en-US" dirty="0"/>
-              <a:t>Other models use the same source images, but interpret it differently. </a:t>
-            </a:r>
-          </a:p>
-          <a:p>
-            <a:pPr lvl="1"/>
-            <a:r>
-              <a:rPr lang="en-US" dirty="0"/>
-              <a:t>I.e. instead of pixels-&gt;features, they do some version of pixels-&gt;process-&gt;features. </a:t>
-            </a:r>
-          </a:p>
-          <a:p>
-            <a:r>
-              <a:rPr lang="en-US" dirty="0"/>
-              <a:t>None of these strategies is using the ‘true’ data (the actual visual), they all transform it. </a:t>
-            </a:r>
-          </a:p>
-          <a:p>
-            <a:pPr lvl="1"/>
-            <a:r>
-              <a:rPr lang="en-US" dirty="0"/>
-              <a:t>Our goal isn’t to produce a dataset that most perfectly represents reality. </a:t>
-            </a:r>
-          </a:p>
-          <a:p>
-            <a:pPr lvl="1"/>
-            <a:r>
-              <a:rPr lang="en-US" dirty="0"/>
-              <a:t>Our goal is to make a model that most accurately predicts reality. </a:t>
-            </a:r>
-          </a:p>
-          <a:p>
-            <a:pPr lvl="1"/>
-            <a:r>
-              <a:rPr lang="en-US" dirty="0"/>
-              <a:t>We can (and should) manipulate the data to those ends – (outliers, transformations, feature selection, </a:t>
+            <a:ext cx="10215284" cy="4199727"/>
+          </a:xfrm>
+        </p:spPr>
+        <p:txBody>
+          <a:bodyPr>
+            <a:normAutofit fontScale="92500" lnSpcReduction="10000"/>
+          </a:bodyPr>
+          <a:lstStyle/>
+          <a:p>
+            <a:r>
+              <a:rPr lang="en-US" dirty="0"/>
+              <a:t>In our models we always need to flatten the data prior to doing anything. </a:t>
+            </a:r>
+          </a:p>
+          <a:p>
+            <a:pPr lvl="1"/>
+            <a:r>
+              <a:rPr lang="en-US" dirty="0" err="1"/>
+              <a:t>I.e</a:t>
+            </a:r>
+            <a:r>
+              <a:rPr lang="en-US" dirty="0"/>
+              <a:t> the data we use is a datasheet – one value per column, row per item. </a:t>
+            </a:r>
+          </a:p>
+          <a:p>
+            <a:r>
+              <a:rPr lang="en-US" dirty="0"/>
+              <a:t>In an image, that transformation causes some data loss. </a:t>
+            </a:r>
+          </a:p>
+          <a:p>
+            <a:pPr lvl="1"/>
+            <a:r>
+              <a:rPr lang="en-US" dirty="0"/>
+              <a:t>We lose the info on where things are in 2D relative to each other, like the shape of a face. </a:t>
+            </a:r>
+          </a:p>
+          <a:p>
+            <a:pPr lvl="1"/>
+            <a:r>
+              <a:rPr lang="en-US" dirty="0"/>
+              <a:t>E.g. a cat is a cat if it is on the right, upside down, </a:t>
             </a:r>
             <a:r>
               <a:rPr lang="en-US" dirty="0" err="1"/>
@@ -8337,23 +8178,93 @@
             </a:r>
             <a:r>
               <a:rPr lang="en-US" dirty="0"/>
-              <a:t>…) We want the </a:t>
-            </a:r>
-            <a:r>
-              <a:rPr lang="en-US" i="1" dirty="0"/>
-              <a:t>pattern</a:t>
-            </a:r>
-            <a:r>
-              <a:rPr lang="en-US" dirty="0"/>
-              <a:t> from the training data, not necessarily the data. </a:t>
-            </a:r>
-          </a:p>
-        </p:txBody>
-      </p:sp>
+              <a:t>… but our model only sees pixels. </a:t>
+            </a:r>
+          </a:p>
+          <a:p>
+            <a:pPr lvl="1"/>
+            <a:r>
+              <a:rPr lang="en-US" dirty="0"/>
+              <a:t>A cat in the upper left corner is different from a cat in the lower right corner in data. (diff pixel)</a:t>
+            </a:r>
+          </a:p>
+          <a:p>
+            <a:r>
+              <a:rPr lang="en-US" dirty="0"/>
+              <a:t>This is a limitation in fit of this type of model to this data – irreducible error. </a:t>
+            </a:r>
+          </a:p>
+          <a:p>
+            <a:pPr lvl="1"/>
+            <a:r>
+              <a:rPr lang="en-US" dirty="0"/>
+              <a:t>It will work as long as we can transform the data, but the representation (flattened pixels of the image fails in that it is unable to capture all of the important info in an image, like the spatial bit. </a:t>
+            </a:r>
+          </a:p>
+          <a:p>
+            <a:r>
+              <a:rPr lang="en-US" dirty="0"/>
+              <a:t>Other models (CNN) can capture the spatial part of the data, and are better for images. </a:t>
+            </a:r>
+          </a:p>
+          <a:p>
+            <a:pPr lvl="1"/>
+            <a:r>
+              <a:rPr lang="en-US" dirty="0"/>
+              <a:t>I.e. instead of using just pixels as features, this can construct features from the 2D image. </a:t>
+            </a:r>
+          </a:p>
+        </p:txBody>
+      </p:sp>
+      <p:pic>
+        <p:nvPicPr>
+          <p:cNvPr id="8196" name="Picture 4" descr="Data Augmentation: How to use Deep Learning when you have Limited Data -  KDnuggets">
+            <a:extLst>
+              <a:ext uri="{FF2B5EF4-FFF2-40B4-BE49-F238E27FC236}">
+                <a16:creationId xmlns:a16="http://schemas.microsoft.com/office/drawing/2014/main" id="{1556BC7B-84F2-F902-9FF3-232D430F31CD}"/>
+              </a:ext>
+            </a:extLst>
+          </p:cNvPr>
+          <p:cNvPicPr>
+            <a:picLocks noChangeAspect="1" noChangeArrowheads="1"/>
+          </p:cNvPicPr>
+          <p:nvPr/>
+        </p:nvPicPr>
+        <p:blipFill rotWithShape="1">
+          <a:blip r:embed="rId2">
+            <a:extLst>
+              <a:ext uri="{28A0092B-C50C-407E-A947-70E740481C1C}">
+                <a14:useLocalDpi xmlns:a14="http://schemas.microsoft.com/office/drawing/2010/main" val="0"/>
+              </a:ext>
+            </a:extLst>
+          </a:blip>
+          <a:srcRect b="17447"/>
+          <a:stretch/>
+        </p:blipFill>
+        <p:spPr bwMode="auto">
+          <a:xfrm>
+            <a:off x="7660257" y="0"/>
+            <a:ext cx="4531743" cy="1900252"/>
+          </a:xfrm>
+          <a:prstGeom prst="rect">
+            <a:avLst/>
+          </a:prstGeom>
+          <a:noFill/>
+          <a:extLst>
+            <a:ext uri="{909E8E84-426E-40DD-AFC4-6F175D3DCCD1}">
+              <a14:hiddenFill xmlns:a14="http://schemas.microsoft.com/office/drawing/2010/main">
+                <a:solidFill>
+                  <a:srgbClr val="FFFFFF"/>
+                </a:solidFill>
+              </a14:hiddenFill>
+            </a:ext>
+          </a:extLst>
+        </p:spPr>
+      </p:pic>
     </p:spTree>
     <p:extLst>
       <p:ext uri="{BB962C8B-B14F-4D97-AF65-F5344CB8AC3E}">
-        <p14:creationId xmlns:p14="http://schemas.microsoft.com/office/powerpoint/2010/main" val="2618373859"/>
+        <p14:creationId xmlns:p14="http://schemas.microsoft.com/office/powerpoint/2010/main" val="135317165"/>
       </p:ext>
     </p:extLst>
   </p:cSld>
@@ -8385,7 +8296,7 @@
           <p:cNvPr id="2" name="Title 1">
             <a:extLst>
               <a:ext uri="{FF2B5EF4-FFF2-40B4-BE49-F238E27FC236}">
-                <a16:creationId xmlns:a16="http://schemas.microsoft.com/office/drawing/2014/main" id="{D4257230-D331-22F1-C328-892C2A3F5FD3}"/>
+                <a16:creationId xmlns:a16="http://schemas.microsoft.com/office/drawing/2014/main" id="{E7B6AFB4-CF2D-F8DA-99EE-40F827940A1B}"/>
               </a:ext>
             </a:extLst>
           </p:cNvPr>
@@ -8396,14 +8307,19 @@
             <p:ph type="title"/>
           </p:nvPr>
         </p:nvSpPr>
-        <p:spPr/>
+        <p:spPr>
+          <a:xfrm>
+            <a:off x="198409" y="804519"/>
+            <a:ext cx="10856446" cy="1049235"/>
+          </a:xfrm>
+        </p:spPr>
         <p:txBody>
           <a:bodyPr/>
           <a:lstStyle/>
           <a:p>
             <a:r>
               <a:rPr lang="en-US" dirty="0"/>
-              <a:t>Data Representations</a:t>
+              <a:t>Detour - Feature Extraction and Preprocessing</a:t>
             </a:r>
           </a:p>
         </p:txBody>
@@ -8413,7 +8329,7 @@
           <p:cNvPr id="3" name="Content Placeholder 2">
             <a:extLst>
               <a:ext uri="{FF2B5EF4-FFF2-40B4-BE49-F238E27FC236}">
-                <a16:creationId xmlns:a16="http://schemas.microsoft.com/office/drawing/2014/main" id="{0F7856DB-7967-F0FC-4E78-90EC7D46A8E9}"/>
+                <a16:creationId xmlns:a16="http://schemas.microsoft.com/office/drawing/2014/main" id="{1D67B5C3-D58D-2946-C8C2-F4FAAD045AA1}"/>
               </a:ext>
             </a:extLst>
           </p:cNvPr>
@@ -8426,8 +8342,8 @@
         </p:nvSpPr>
         <p:spPr>
           <a:xfrm>
-            <a:off x="980768" y="1853754"/>
-            <a:ext cx="10434483" cy="4288949"/>
+            <a:off x="6569266" y="1853754"/>
+            <a:ext cx="5532562" cy="4199727"/>
           </a:xfrm>
         </p:spPr>
         <p:txBody>
@@ -8438,75 +8354,94 @@
           <a:p>
             <a:r>
               <a:rPr lang="en-US" dirty="0"/>
-              <a:t>For structured data (numbers, classes, Booleans) the data values we use are pretty set. </a:t>
-            </a:r>
-          </a:p>
-          <a:p>
-            <a:pPr lvl="1"/>
-            <a:r>
-              <a:rPr lang="en-US" dirty="0"/>
-              <a:t>Our models calculate numbers, so we are just converting to different numbers. </a:t>
-            </a:r>
-          </a:p>
-          <a:p>
-            <a:pPr lvl="1"/>
-            <a:r>
-              <a:rPr lang="en-US" dirty="0"/>
-              <a:t>Our predictions are based on getting as close as possible to whatever the value is. </a:t>
-            </a:r>
-          </a:p>
-          <a:p>
-            <a:r>
-              <a:rPr lang="en-US" dirty="0"/>
-              <a:t>For unstructured data, that can’t really happen. </a:t>
-            </a:r>
-          </a:p>
-          <a:p>
-            <a:pPr lvl="1"/>
-            <a:r>
-              <a:rPr lang="en-US" dirty="0"/>
-              <a:t>An image, sound, or paragraph doesn’t really have a ’value’ in the same sense. </a:t>
-            </a:r>
-          </a:p>
-          <a:p>
-            <a:r>
-              <a:rPr lang="en-US" dirty="0"/>
-              <a:t>We need to generate a representation of the data to use in a mathematical model. </a:t>
-            </a:r>
-          </a:p>
-          <a:p>
-            <a:pPr lvl="1"/>
-            <a:r>
-              <a:rPr lang="en-US" dirty="0"/>
-              <a:t>Here, that is a simple rearranging of the pixel layout. </a:t>
-            </a:r>
-          </a:p>
-          <a:p>
-            <a:pPr lvl="1"/>
-            <a:r>
-              <a:rPr lang="en-US" dirty="0"/>
-              <a:t>In more advanced image processing models, we can look at 2D ‘hunks’ (or edges, or…)</a:t>
-            </a:r>
-          </a:p>
-          <a:p>
-            <a:pPr lvl="1"/>
-            <a:r>
-              <a:rPr lang="en-US" dirty="0"/>
-              <a:t>Soon, for free text, we’ll need to do something similar – generate an embedding. </a:t>
-            </a:r>
-          </a:p>
-          <a:p>
-            <a:r>
-              <a:rPr lang="en-US" dirty="0"/>
-              <a:t>Performance depends both on the model, and how good the numeric representation of reality is. </a:t>
-            </a:r>
-          </a:p>
-        </p:txBody>
-      </p:sp>
+              <a:t>Domain specific, and mostly out of our scope. </a:t>
+            </a:r>
+          </a:p>
+          <a:p>
+            <a:r>
+              <a:rPr lang="en-US" dirty="0"/>
+              <a:t>If a car needs to stay in lane, 5 1080p feeds is lots of data, all all we really need is something that represents where the lane is. </a:t>
+            </a:r>
+          </a:p>
+          <a:p>
+            <a:pPr lvl="1"/>
+            <a:r>
+              <a:rPr lang="en-US" dirty="0"/>
+              <a:t>I.e. instead of using all the data, our processing will find edges, and create features of that. </a:t>
+            </a:r>
+          </a:p>
+          <a:p>
+            <a:r>
+              <a:rPr lang="en-US" dirty="0"/>
+              <a:t>Can make a smaller and more efficient model. </a:t>
+            </a:r>
+          </a:p>
+          <a:p>
+            <a:r>
+              <a:rPr lang="en-US" dirty="0"/>
+              <a:t>A large non-feature model could learn this, but processing and data needs are higher. </a:t>
+            </a:r>
+          </a:p>
+          <a:p>
+            <a:pPr lvl="1"/>
+            <a:r>
+              <a:rPr lang="en-US" dirty="0"/>
+              <a:t>Domain knowledge shortcuts learning needs.</a:t>
+            </a:r>
+          </a:p>
+        </p:txBody>
+      </p:sp>
+      <p:pic>
+        <p:nvPicPr>
+          <p:cNvPr id="7170" name="Picture 2" descr="Edge detection and noise cancellation using PPHT and orientation angles. |  Download Scientific Diagram">
+            <a:extLst>
+              <a:ext uri="{FF2B5EF4-FFF2-40B4-BE49-F238E27FC236}">
+                <a16:creationId xmlns:a16="http://schemas.microsoft.com/office/drawing/2014/main" id="{883941DB-C857-BC65-1BCB-462957D2EC08}"/>
+              </a:ext>
+            </a:extLst>
+          </p:cNvPr>
+          <p:cNvPicPr>
+            <a:picLocks noChangeAspect="1" noChangeArrowheads="1"/>
+          </p:cNvPicPr>
+          <p:nvPr/>
+        </p:nvPicPr>
+        <p:blipFill>
+          <a:blip r:embed="rId2">
+            <a:extLst>
+              <a:ext uri="{28A0092B-C50C-407E-A947-70E740481C1C}">
+                <a14:useLocalDpi xmlns:a14="http://schemas.microsoft.com/office/drawing/2010/main" val="0"/>
+              </a:ext>
+            </a:extLst>
+          </a:blip>
+          <a:srcRect/>
+          <a:stretch>
+            <a:fillRect/>
+          </a:stretch>
+        </p:blipFill>
+        <p:spPr bwMode="auto">
+          <a:xfrm>
+            <a:off x="90172" y="1509311"/>
+            <a:ext cx="6479094" cy="5348689"/>
+          </a:xfrm>
+          <a:prstGeom prst="rect">
+            <a:avLst/>
+          </a:prstGeom>
+          <a:noFill/>
+          <a:extLst>
+            <a:ext uri="{909E8E84-426E-40DD-AFC4-6F175D3DCCD1}">
+              <a14:hiddenFill xmlns:a14="http://schemas.microsoft.com/office/drawing/2010/main">
+                <a:solidFill>
+                  <a:srgbClr val="FFFFFF"/>
+                </a:solidFill>
+              </a14:hiddenFill>
+            </a:ext>
+          </a:extLst>
+        </p:spPr>
+      </p:pic>
     </p:spTree>
     <p:extLst>
       <p:ext uri="{BB962C8B-B14F-4D97-AF65-F5344CB8AC3E}">
-        <p14:creationId xmlns:p14="http://schemas.microsoft.com/office/powerpoint/2010/main" val="2217046555"/>
+        <p14:creationId xmlns:p14="http://schemas.microsoft.com/office/powerpoint/2010/main" val="769986858"/>
       </p:ext>
     </p:extLst>
   </p:cSld>
@@ -8538,7 +8473,7 @@
           <p:cNvPr id="2" name="Title 1">
             <a:extLst>
               <a:ext uri="{FF2B5EF4-FFF2-40B4-BE49-F238E27FC236}">
-                <a16:creationId xmlns:a16="http://schemas.microsoft.com/office/drawing/2014/main" id="{DB90690F-F19E-A08F-A881-F4C79584378A}"/>
+                <a16:creationId xmlns:a16="http://schemas.microsoft.com/office/drawing/2014/main" id="{D90A6730-1D87-C934-150D-5B804373051E}"/>
               </a:ext>
             </a:extLst>
           </p:cNvPr>
@@ -8556,7 +8491,7 @@
           <a:p>
             <a:r>
               <a:rPr lang="en-US" dirty="0"/>
-              <a:t>Images and Logistic Regression</a:t>
+              <a:t>So… Images</a:t>
             </a:r>
           </a:p>
         </p:txBody>
@@ -8566,7 +8501,7 @@
           <p:cNvPr id="3" name="Content Placeholder 2">
             <a:extLst>
               <a:ext uri="{FF2B5EF4-FFF2-40B4-BE49-F238E27FC236}">
-                <a16:creationId xmlns:a16="http://schemas.microsoft.com/office/drawing/2014/main" id="{B30FBD18-BDC6-672E-3C29-C1BF07B5BD8F}"/>
+                <a16:creationId xmlns:a16="http://schemas.microsoft.com/office/drawing/2014/main" id="{2B79EC8B-A481-40B2-E88C-6F44B47B08B3}"/>
               </a:ext>
             </a:extLst>
           </p:cNvPr>
@@ -8579,8 +8514,8 @@
         </p:nvSpPr>
         <p:spPr>
           <a:xfrm>
-            <a:off x="1451579" y="1915064"/>
-            <a:ext cx="9762761" cy="4138417"/>
+            <a:off x="1451579" y="1853754"/>
+            <a:ext cx="9603275" cy="4199727"/>
           </a:xfrm>
         </p:spPr>
         <p:txBody>
@@ -8589,78 +8524,77 @@
           <a:p>
             <a:r>
               <a:rPr lang="en-US" dirty="0"/>
-              <a:t>Images can be treated like any other data – represent the image in a format that our model can accept, and let it fly. </a:t>
-            </a:r>
-          </a:p>
-          <a:p>
-            <a:pPr lvl="1"/>
-            <a:r>
-              <a:rPr lang="en-US" dirty="0"/>
-              <a:t>The chosen representation will determine if we can extract value from it. </a:t>
-            </a:r>
-          </a:p>
-          <a:p>
-            <a:pPr lvl="1"/>
-            <a:r>
-              <a:rPr lang="en-US" dirty="0"/>
-              <a:t>We must ensure that the shape/size of our model matches that data (post-prep). </a:t>
-            </a:r>
-          </a:p>
-          <a:p>
-            <a:pPr lvl="1"/>
-            <a:r>
-              <a:rPr lang="en-US" dirty="0"/>
-              <a:t>This applies to anything, if we can represent it tabularly, we can predict it. </a:t>
-            </a:r>
-          </a:p>
-          <a:p>
-            <a:r>
-              <a:rPr lang="en-US" dirty="0"/>
-              <a:t>Logistic regression can adapt a linear model to do classification. </a:t>
-            </a:r>
-          </a:p>
-          <a:p>
-            <a:pPr lvl="1"/>
-            <a:r>
-              <a:rPr lang="en-US" dirty="0"/>
-              <a:t>Instead of doing a regression to Y (target) we do a regression to the logit (</a:t>
+              <a:t>So, we will treat our image data in the most simple way: pixels -&gt; features. </a:t>
+            </a:r>
+          </a:p>
+          <a:p>
+            <a:pPr lvl="1"/>
+            <a:r>
+              <a:rPr lang="en-US" dirty="0"/>
+              <a:t>This works, and requires few changes at all to work with our processes as they are. </a:t>
+            </a:r>
+          </a:p>
+          <a:p>
+            <a:pPr lvl="1"/>
+            <a:r>
+              <a:rPr lang="en-US" dirty="0"/>
+              <a:t>This compromises on some of the information that is important in an image, like 2D stuff. </a:t>
+            </a:r>
+          </a:p>
+          <a:p>
+            <a:r>
+              <a:rPr lang="en-US" dirty="0"/>
+              <a:t>Other models use the same source images, but interpret it differently. </a:t>
+            </a:r>
+          </a:p>
+          <a:p>
+            <a:pPr lvl="1"/>
+            <a:r>
+              <a:rPr lang="en-US" dirty="0"/>
+              <a:t>I.e. instead of pixels-&gt;features, they do some version of pixels-&gt;process-&gt;features. </a:t>
+            </a:r>
+          </a:p>
+          <a:p>
+            <a:r>
+              <a:rPr lang="en-US" dirty="0"/>
+              <a:t>None of these strategies is using the ‘true’ data (the actual visual), they all transform it. </a:t>
+            </a:r>
+          </a:p>
+          <a:p>
+            <a:pPr lvl="1"/>
+            <a:r>
+              <a:rPr lang="en-US" dirty="0"/>
+              <a:t>Our goal isn’t to produce a dataset that most perfectly represents reality. </a:t>
+            </a:r>
+          </a:p>
+          <a:p>
+            <a:pPr lvl="1"/>
+            <a:r>
+              <a:rPr lang="en-US" dirty="0"/>
+              <a:t>Our goal is to make a model that most accurately predicts reality. </a:t>
+            </a:r>
+          </a:p>
+          <a:p>
+            <a:pPr lvl="1"/>
+            <a:r>
+              <a:rPr lang="en-US" dirty="0"/>
+              <a:t>We can (and should) manipulate the data to those ends – (outliers, transformations, feature selection, </a:t>
             </a:r>
             <a:r>
               <a:rPr lang="en-US" dirty="0" err="1"/>
-              <a:t>loggy</a:t>
-            </a:r>
-            <a:r>
-              <a:rPr lang="en-US" dirty="0"/>
-              <a:t> prob). </a:t>
-            </a:r>
-          </a:p>
-          <a:p>
-            <a:pPr lvl="1"/>
-            <a:r>
-              <a:rPr lang="en-US" dirty="0"/>
-              <a:t>The result of the regression is “run through” a function to make that prediction a probability. </a:t>
-            </a:r>
-          </a:p>
-          <a:p>
-            <a:pPr lvl="1"/>
-            <a:r>
-              <a:rPr lang="en-US" dirty="0"/>
-              <a:t>That function (activation) can be a sigmoid (bin) or a </a:t>
-            </a:r>
-            <a:r>
-              <a:rPr lang="en-US" dirty="0" err="1"/>
-              <a:t>softmax</a:t>
-            </a:r>
-            <a:r>
-              <a:rPr lang="en-US" dirty="0"/>
-              <a:t> (multi), produces ’prob of label’. </a:t>
-            </a:r>
-          </a:p>
-          <a:p>
-            <a:pPr lvl="1"/>
-            <a:r>
-              <a:rPr lang="en-US" dirty="0"/>
-              <a:t>The most probable label gets chosen and assigned as our prediction. </a:t>
+              <a:t>etc</a:t>
+            </a:r>
+            <a:r>
+              <a:rPr lang="en-US" dirty="0"/>
+              <a:t>…) We want the </a:t>
+            </a:r>
+            <a:r>
+              <a:rPr lang="en-US" i="1" dirty="0"/>
+              <a:t>pattern</a:t>
+            </a:r>
+            <a:r>
+              <a:rPr lang="en-US" dirty="0"/>
+              <a:t> from the training data, not necessarily the data. </a:t>
             </a:r>
           </a:p>
         </p:txBody>
@@ -8668,7 +8602,7 @@
     </p:spTree>
     <p:extLst>
       <p:ext uri="{BB962C8B-B14F-4D97-AF65-F5344CB8AC3E}">
-        <p14:creationId xmlns:p14="http://schemas.microsoft.com/office/powerpoint/2010/main" val="154385132"/>
+        <p14:creationId xmlns:p14="http://schemas.microsoft.com/office/powerpoint/2010/main" val="2618373859"/>
       </p:ext>
     </p:extLst>
   </p:cSld>
@@ -8700,7 +8634,7 @@
           <p:cNvPr id="2" name="Title 1">
             <a:extLst>
               <a:ext uri="{FF2B5EF4-FFF2-40B4-BE49-F238E27FC236}">
-                <a16:creationId xmlns:a16="http://schemas.microsoft.com/office/drawing/2014/main" id="{E30B0001-D5FA-1186-96DA-CB7608DDD311}"/>
+                <a16:creationId xmlns:a16="http://schemas.microsoft.com/office/drawing/2014/main" id="{D4257230-D331-22F1-C328-892C2A3F5FD3}"/>
               </a:ext>
             </a:extLst>
           </p:cNvPr>
@@ -8718,7 +8652,7 @@
           <a:p>
             <a:r>
               <a:rPr lang="en-US" dirty="0"/>
-              <a:t>Constructing Features</a:t>
+              <a:t>Data Representations</a:t>
             </a:r>
           </a:p>
         </p:txBody>
@@ -8728,7 +8662,7 @@
           <p:cNvPr id="3" name="Content Placeholder 2">
             <a:extLst>
               <a:ext uri="{FF2B5EF4-FFF2-40B4-BE49-F238E27FC236}">
-                <a16:creationId xmlns:a16="http://schemas.microsoft.com/office/drawing/2014/main" id="{9A82F5DB-E5E4-5D96-B114-BB9D469CD8A8}"/>
+                <a16:creationId xmlns:a16="http://schemas.microsoft.com/office/drawing/2014/main" id="{0F7856DB-7967-F0FC-4E78-90EC7D46A8E9}"/>
               </a:ext>
             </a:extLst>
           </p:cNvPr>
@@ -8741,114 +8675,87 @@
         </p:nvSpPr>
         <p:spPr>
           <a:xfrm>
-            <a:off x="1451579" y="1853754"/>
-            <a:ext cx="9603275" cy="4199727"/>
-          </a:xfrm>
-        </p:spPr>
-        <p:txBody>
-          <a:bodyPr/>
-          <a:lstStyle/>
-          <a:p>
-            <a:r>
-              <a:rPr lang="en-US" dirty="0"/>
-              <a:t>Sometimes training data isn’t the data you train on. </a:t>
-            </a:r>
-          </a:p>
-          <a:p>
-            <a:pPr lvl="1"/>
-            <a:r>
-              <a:rPr lang="en-US" dirty="0"/>
-              <a:t>The data we have isn’t in the format that is useful for us. </a:t>
-            </a:r>
-          </a:p>
-          <a:p>
-            <a:pPr lvl="1"/>
-            <a:r>
-              <a:rPr lang="en-US" dirty="0"/>
-              <a:t>E.g. log transformations in stats, one hot encoding for us, </a:t>
-            </a:r>
-            <a:r>
-              <a:rPr lang="en-US" dirty="0" err="1"/>
-              <a:t>etc</a:t>
-            </a:r>
-            <a:r>
-              <a:rPr lang="en-US" dirty="0"/>
-              <a:t>…</a:t>
-            </a:r>
-          </a:p>
-          <a:p>
-            <a:r>
-              <a:rPr lang="en-US" dirty="0"/>
-              <a:t>Sometimes we need to take more drastic (and open ended) steps. </a:t>
-            </a:r>
-          </a:p>
-          <a:p>
-            <a:pPr lvl="1"/>
-            <a:r>
-              <a:rPr lang="en-US" dirty="0"/>
-              <a:t>Remember – our goal is a good model, not one that is ‘true to the data’. </a:t>
-            </a:r>
-          </a:p>
-          <a:p>
-            <a:pPr lvl="1"/>
-            <a:r>
-              <a:rPr lang="en-US" dirty="0"/>
-              <a:t>We need data that teaches our model the pattern of our data, irrespective if what we use is actually the data or not. </a:t>
-            </a:r>
-          </a:p>
-        </p:txBody>
-      </p:sp>
-      <p:pic>
-        <p:nvPicPr>
-          <p:cNvPr id="11266" name="Picture 2" descr="The Quote">
-            <a:extLst>
-              <a:ext uri="{FF2B5EF4-FFF2-40B4-BE49-F238E27FC236}">
-                <a16:creationId xmlns:a16="http://schemas.microsoft.com/office/drawing/2014/main" id="{69694CEC-319E-41D5-3B0A-1B48877A493A}"/>
-              </a:ext>
-            </a:extLst>
-          </p:cNvPr>
-          <p:cNvPicPr>
-            <a:picLocks noChangeAspect="1" noChangeArrowheads="1"/>
-          </p:cNvPicPr>
-          <p:nvPr/>
-        </p:nvPicPr>
-        <p:blipFill>
-          <a:blip r:embed="rId2">
-            <a:extLst>
-              <a:ext uri="{28A0092B-C50C-407E-A947-70E740481C1C}">
-                <a14:useLocalDpi xmlns:a14="http://schemas.microsoft.com/office/drawing/2010/main" val="0"/>
-              </a:ext>
-            </a:extLst>
-          </a:blip>
-          <a:srcRect/>
-          <a:stretch>
-            <a:fillRect/>
-          </a:stretch>
-        </p:blipFill>
-        <p:spPr bwMode="auto">
-          <a:xfrm>
-            <a:off x="8371864" y="0"/>
-            <a:ext cx="3820135" cy="2941504"/>
-          </a:xfrm>
-          <a:prstGeom prst="rect">
-            <a:avLst/>
-          </a:prstGeom>
-          <a:noFill/>
-          <a:extLst>
-            <a:ext uri="{909E8E84-426E-40DD-AFC4-6F175D3DCCD1}">
-              <a14:hiddenFill xmlns:a14="http://schemas.microsoft.com/office/drawing/2010/main">
-                <a:solidFill>
-                  <a:srgbClr val="FFFFFF"/>
-                </a:solidFill>
-              </a14:hiddenFill>
-            </a:ext>
-          </a:extLst>
-        </p:spPr>
-      </p:pic>
+            <a:off x="980768" y="1853754"/>
+            <a:ext cx="10434483" cy="4288949"/>
+          </a:xfrm>
+        </p:spPr>
+        <p:txBody>
+          <a:bodyPr>
+            <a:normAutofit/>
+          </a:bodyPr>
+          <a:lstStyle/>
+          <a:p>
+            <a:r>
+              <a:rPr lang="en-US" dirty="0"/>
+              <a:t>For structured data (numbers, classes, Booleans) the data values we use are pretty set. </a:t>
+            </a:r>
+          </a:p>
+          <a:p>
+            <a:pPr lvl="1"/>
+            <a:r>
+              <a:rPr lang="en-US" dirty="0"/>
+              <a:t>Our models calculate numbers, so we are just converting to different numbers. </a:t>
+            </a:r>
+          </a:p>
+          <a:p>
+            <a:pPr lvl="1"/>
+            <a:r>
+              <a:rPr lang="en-US" dirty="0"/>
+              <a:t>Our predictions are based on getting as close as possible to whatever the value is. </a:t>
+            </a:r>
+          </a:p>
+          <a:p>
+            <a:r>
+              <a:rPr lang="en-US" dirty="0"/>
+              <a:t>For unstructured data, that can’t really happen. </a:t>
+            </a:r>
+          </a:p>
+          <a:p>
+            <a:pPr lvl="1"/>
+            <a:r>
+              <a:rPr lang="en-US" dirty="0"/>
+              <a:t>An image, sound, or paragraph doesn’t really have a ’value’ in the same sense. </a:t>
+            </a:r>
+          </a:p>
+          <a:p>
+            <a:r>
+              <a:rPr lang="en-US" dirty="0"/>
+              <a:t>We need to generate a representation of the data to use in a mathematical model. </a:t>
+            </a:r>
+          </a:p>
+          <a:p>
+            <a:pPr lvl="1"/>
+            <a:r>
+              <a:rPr lang="en-US" dirty="0"/>
+              <a:t>Here, that is a simple rearranging of the pixel layout. </a:t>
+            </a:r>
+          </a:p>
+          <a:p>
+            <a:pPr lvl="1"/>
+            <a:r>
+              <a:rPr lang="en-US" dirty="0"/>
+              <a:t>In more advanced image processing models, we can look at 2D ‘hunks’ (or edges, or…)</a:t>
+            </a:r>
+          </a:p>
+          <a:p>
+            <a:pPr lvl="1"/>
+            <a:r>
+              <a:rPr lang="en-US" dirty="0"/>
+              <a:t>Soon, for free text, we’ll need to do something similar – generate an embedding. </a:t>
+            </a:r>
+          </a:p>
+          <a:p>
+            <a:r>
+              <a:rPr lang="en-US" dirty="0"/>
+              <a:t>Performance depends both on the model, and how good the numeric representation of reality is. </a:t>
+            </a:r>
+          </a:p>
+        </p:txBody>
+      </p:sp>
     </p:spTree>
     <p:extLst>
       <p:ext uri="{BB962C8B-B14F-4D97-AF65-F5344CB8AC3E}">
-        <p14:creationId xmlns:p14="http://schemas.microsoft.com/office/powerpoint/2010/main" val="1865684491"/>
+        <p14:creationId xmlns:p14="http://schemas.microsoft.com/office/powerpoint/2010/main" val="2217046555"/>
       </p:ext>
     </p:extLst>
   </p:cSld>
@@ -8880,7 +8787,7 @@
           <p:cNvPr id="2" name="Title 1">
             <a:extLst>
               <a:ext uri="{FF2B5EF4-FFF2-40B4-BE49-F238E27FC236}">
-                <a16:creationId xmlns:a16="http://schemas.microsoft.com/office/drawing/2014/main" id="{1871726C-F6E2-591A-C5A8-CCB9C7C7EE7E}"/>
+                <a16:creationId xmlns:a16="http://schemas.microsoft.com/office/drawing/2014/main" id="{DB90690F-F19E-A08F-A881-F4C79584378A}"/>
               </a:ext>
             </a:extLst>
           </p:cNvPr>
@@ -8898,7 +8805,7 @@
           <a:p>
             <a:r>
               <a:rPr lang="en-US" dirty="0"/>
-              <a:t>Example</a:t>
+              <a:t>Images and Logistic Regression</a:t>
             </a:r>
           </a:p>
         </p:txBody>
@@ -8908,7 +8815,7 @@
           <p:cNvPr id="3" name="Content Placeholder 2">
             <a:extLst>
               <a:ext uri="{FF2B5EF4-FFF2-40B4-BE49-F238E27FC236}">
-                <a16:creationId xmlns:a16="http://schemas.microsoft.com/office/drawing/2014/main" id="{645C059C-6C86-3640-4288-9E5E9E4D356F}"/>
+                <a16:creationId xmlns:a16="http://schemas.microsoft.com/office/drawing/2014/main" id="{B30FBD18-BDC6-672E-3C29-C1BF07B5BD8F}"/>
               </a:ext>
             </a:extLst>
           </p:cNvPr>
@@ -8921,122 +8828,96 @@
         </p:nvSpPr>
         <p:spPr>
           <a:xfrm>
-            <a:off x="1451579" y="1853754"/>
-            <a:ext cx="9603275" cy="4305505"/>
-          </a:xfrm>
-        </p:spPr>
-        <p:txBody>
-          <a:bodyPr>
-            <a:normAutofit/>
-          </a:bodyPr>
-          <a:lstStyle/>
-          <a:p>
-            <a:r>
-              <a:rPr lang="en-US" dirty="0"/>
-              <a:t>Suppose you’re in charge of planning new Amazon warehouse locations. </a:t>
-            </a:r>
-          </a:p>
-          <a:p>
-            <a:pPr lvl="1"/>
-            <a:r>
-              <a:rPr lang="en-US" dirty="0"/>
-              <a:t>The goal is to make it somewhere convenient for the customer deliveries. </a:t>
-            </a:r>
-          </a:p>
-          <a:p>
-            <a:r>
-              <a:rPr lang="en-US" dirty="0"/>
-              <a:t>You have data on all the amazon customers, including their address. </a:t>
-            </a:r>
-          </a:p>
-          <a:p>
-            <a:r>
-              <a:rPr lang="en-US" dirty="0"/>
-              <a:t>This address could (theoretically) be a feature for a model. </a:t>
-            </a:r>
-          </a:p>
-          <a:p>
-            <a:r>
-              <a:rPr lang="en-US" dirty="0"/>
-              <a:t>Transforming the address may make for a better model, what if we:</a:t>
-            </a:r>
-          </a:p>
-          <a:p>
-            <a:pPr lvl="1"/>
-            <a:r>
-              <a:rPr lang="en-US" dirty="0"/>
-              <a:t>Geocoded it, making it latitude and longitude. </a:t>
-            </a:r>
-          </a:p>
-          <a:p>
-            <a:pPr lvl="1"/>
-            <a:r>
-              <a:rPr lang="en-US" dirty="0"/>
-              <a:t>Calculated distance from customer-warehouse using </a:t>
+            <a:off x="1451579" y="1915064"/>
+            <a:ext cx="9762761" cy="4138417"/>
+          </a:xfrm>
+        </p:spPr>
+        <p:txBody>
+          <a:bodyPr/>
+          <a:lstStyle/>
+          <a:p>
+            <a:r>
+              <a:rPr lang="en-US" dirty="0"/>
+              <a:t>Images can be treated like any other data – represent the image in a format that our model can accept, and let it fly. </a:t>
+            </a:r>
+          </a:p>
+          <a:p>
+            <a:pPr lvl="1"/>
+            <a:r>
+              <a:rPr lang="en-US" dirty="0"/>
+              <a:t>The chosen representation will determine if we can extract value from it. </a:t>
+            </a:r>
+          </a:p>
+          <a:p>
+            <a:pPr lvl="1"/>
+            <a:r>
+              <a:rPr lang="en-US" dirty="0"/>
+              <a:t>We must ensure that the shape/size of our model matches that data (post-prep). </a:t>
+            </a:r>
+          </a:p>
+          <a:p>
+            <a:pPr lvl="1"/>
+            <a:r>
+              <a:rPr lang="en-US" dirty="0"/>
+              <a:t>This applies to anything, if we can represent it tabularly, we can predict it. </a:t>
+            </a:r>
+          </a:p>
+          <a:p>
+            <a:r>
+              <a:rPr lang="en-US" dirty="0"/>
+              <a:t>Logistic regression can adapt a linear model to do classification. </a:t>
+            </a:r>
+          </a:p>
+          <a:p>
+            <a:pPr lvl="1"/>
+            <a:r>
+              <a:rPr lang="en-US" dirty="0"/>
+              <a:t>Instead of doing a regression to Y (target) we do a regression to the logit (</a:t>
             </a:r>
             <a:r>
               <a:rPr lang="en-US" dirty="0" err="1"/>
-              <a:t>lat</a:t>
-            </a:r>
-            <a:r>
-              <a:rPr lang="en-US" dirty="0"/>
-              <a:t>/</a:t>
+              <a:t>loggy</a:t>
+            </a:r>
+            <a:r>
+              <a:rPr lang="en-US" dirty="0"/>
+              <a:t> prob). </a:t>
+            </a:r>
+          </a:p>
+          <a:p>
+            <a:pPr lvl="1"/>
+            <a:r>
+              <a:rPr lang="en-US" dirty="0"/>
+              <a:t>The result of the regression is “run through” a function to make that prediction a probability. </a:t>
+            </a:r>
+          </a:p>
+          <a:p>
+            <a:pPr lvl="1"/>
+            <a:r>
+              <a:rPr lang="en-US" dirty="0"/>
+              <a:t>That function (activation) can be a sigmoid (bin) or a </a:t>
             </a:r>
             <a:r>
               <a:rPr lang="en-US" dirty="0" err="1"/>
-              <a:t>lon</a:t>
-            </a:r>
-            <a:r>
-              <a:rPr lang="en-US" dirty="0"/>
-              <a:t> and used that instead. </a:t>
-            </a:r>
-          </a:p>
-          <a:p>
-            <a:pPr lvl="1"/>
-            <a:r>
-              <a:rPr lang="en-US" dirty="0"/>
-              <a:t>Used a service like google maps to lookup driving distance </a:t>
-            </a:r>
-            <a:r>
-              <a:rPr lang="en-US" dirty="0" err="1"/>
-              <a:t>cust</a:t>
-            </a:r>
-            <a:r>
-              <a:rPr lang="en-US" dirty="0"/>
-              <a:t>-ware, and used that. </a:t>
-            </a:r>
-          </a:p>
-          <a:p>
-            <a:pPr lvl="1"/>
-            <a:r>
-              <a:rPr lang="en-US" dirty="0"/>
-              <a:t>Used another model to calculate effective routes between warehouse and common </a:t>
-            </a:r>
-            <a:r>
-              <a:rPr lang="en-US" dirty="0" err="1"/>
-              <a:t>custys</a:t>
-            </a:r>
-            <a:r>
-              <a:rPr lang="en-US" dirty="0"/>
-              <a:t>…</a:t>
-            </a:r>
-          </a:p>
-          <a:p>
-            <a:pPr lvl="2"/>
-            <a:r>
-              <a:rPr lang="en-US" dirty="0"/>
-              <a:t>UPS does this for planning delivery routes – they avoid lefts and reverse, not just shortest. </a:t>
-            </a:r>
-          </a:p>
-          <a:p>
-            <a:endParaRPr lang="en-US" dirty="0"/>
+              <a:t>softmax</a:t>
+            </a:r>
+            <a:r>
+              <a:rPr lang="en-US" dirty="0"/>
+              <a:t> (multi), produces ’prob of label’. </a:t>
+            </a:r>
+          </a:p>
+          <a:p>
+            <a:pPr lvl="1"/>
+            <a:r>
+              <a:rPr lang="en-US" dirty="0"/>
+              <a:t>The most probable label gets chosen and assigned as our prediction. </a:t>
+            </a:r>
           </a:p>
         </p:txBody>
       </p:sp>
     </p:spTree>
     <p:extLst>
       <p:ext uri="{BB962C8B-B14F-4D97-AF65-F5344CB8AC3E}">
-        <p14:creationId xmlns:p14="http://schemas.microsoft.com/office/powerpoint/2010/main" val="3714379213"/>
+        <p14:creationId xmlns:p14="http://schemas.microsoft.com/office/powerpoint/2010/main" val="154385132"/>
       </p:ext>
     </p:extLst>
   </p:cSld>
@@ -9068,7 +8949,7 @@
           <p:cNvPr id="2" name="Title 1">
             <a:extLst>
               <a:ext uri="{FF2B5EF4-FFF2-40B4-BE49-F238E27FC236}">
-                <a16:creationId xmlns:a16="http://schemas.microsoft.com/office/drawing/2014/main" id="{A84A53F0-FBC9-379F-3D22-5EF0D78B46AA}"/>
+                <a16:creationId xmlns:a16="http://schemas.microsoft.com/office/drawing/2014/main" id="{E30B0001-D5FA-1186-96DA-CB7608DDD311}"/>
               </a:ext>
             </a:extLst>
           </p:cNvPr>
@@ -9086,7 +8967,7 @@
           <a:p>
             <a:r>
               <a:rPr lang="en-US" dirty="0"/>
-              <a:t>Another example</a:t>
+              <a:t>Constructing Features</a:t>
             </a:r>
           </a:p>
         </p:txBody>
@@ -9096,7 +8977,7 @@
           <p:cNvPr id="3" name="Content Placeholder 2">
             <a:extLst>
               <a:ext uri="{FF2B5EF4-FFF2-40B4-BE49-F238E27FC236}">
-                <a16:creationId xmlns:a16="http://schemas.microsoft.com/office/drawing/2014/main" id="{955EF722-4C1A-22D8-4DDA-C7ECDB4FB5F0}"/>
+                <a16:creationId xmlns:a16="http://schemas.microsoft.com/office/drawing/2014/main" id="{9A82F5DB-E5E4-5D96-B114-BB9D469CD8A8}"/>
               </a:ext>
             </a:extLst>
           </p:cNvPr>
@@ -9109,59 +8990,31 @@
         </p:nvSpPr>
         <p:spPr>
           <a:xfrm>
-            <a:off x="1137147" y="1853754"/>
-            <a:ext cx="10292854" cy="4199727"/>
-          </a:xfrm>
-        </p:spPr>
-        <p:txBody>
-          <a:bodyPr>
-            <a:normAutofit lnSpcReduction="10000"/>
-          </a:bodyPr>
-          <a:lstStyle/>
-          <a:p>
-            <a:r>
-              <a:rPr lang="en-US" dirty="0"/>
-              <a:t>Suppose you’re a traffic engineer predicting # of accidents at some interchange. </a:t>
-            </a:r>
-          </a:p>
-          <a:p>
-            <a:r>
-              <a:rPr lang="en-US" dirty="0"/>
-              <a:t>Date and time of accidents or traffic may be a feature that you have. </a:t>
-            </a:r>
-          </a:p>
-          <a:p>
-            <a:pPr lvl="1"/>
-            <a:r>
-              <a:rPr lang="en-US" dirty="0"/>
-              <a:t>E.g. 2025-01-30 15:00:00</a:t>
-            </a:r>
-          </a:p>
-          <a:p>
-            <a:r>
-              <a:rPr lang="en-US" dirty="0"/>
-              <a:t>The original can be used, but we can also change things:</a:t>
-            </a:r>
-          </a:p>
-          <a:p>
-            <a:pPr lvl="1"/>
-            <a:r>
-              <a:rPr lang="en-US" dirty="0"/>
-              <a:t>Truncate some precision – does knowing seconds and minutes help? Maybe hour, 4h block, 6h block. </a:t>
-            </a:r>
-          </a:p>
-          <a:p>
-            <a:pPr lvl="1"/>
-            <a:r>
-              <a:rPr lang="en-US" dirty="0"/>
-              <a:t>Custom binning – morning commute, day, aft commute, overnight. </a:t>
-            </a:r>
-          </a:p>
-          <a:p>
-            <a:pPr lvl="1"/>
-            <a:r>
-              <a:rPr lang="en-US" dirty="0"/>
-              <a:t>Combine with sunrise/set data and make a dynamic version of that, or light/dark, </a:t>
+            <a:off x="1451579" y="1853754"/>
+            <a:ext cx="9603275" cy="4199727"/>
+          </a:xfrm>
+        </p:spPr>
+        <p:txBody>
+          <a:bodyPr/>
+          <a:lstStyle/>
+          <a:p>
+            <a:r>
+              <a:rPr lang="en-US" dirty="0"/>
+              <a:t>Sometimes training data isn’t the data you train on. </a:t>
+            </a:r>
+          </a:p>
+          <a:p>
+            <a:pPr lvl="1"/>
+            <a:r>
+              <a:rPr lang="en-US" dirty="0"/>
+              <a:t>The data we have isn’t in the format that is useful for us. </a:t>
+            </a:r>
+          </a:p>
+          <a:p>
+            <a:pPr lvl="1"/>
+            <a:r>
+              <a:rPr lang="en-US" dirty="0"/>
+              <a:t>E.g. log transformations in stats, one hot encoding for us, </a:t>
             </a:r>
             <a:r>
               <a:rPr lang="en-US" dirty="0" err="1"/>
@@ -9173,30 +9026,78 @@
             </a:r>
           </a:p>
           <a:p>
-            <a:pPr lvl="1"/>
-            <a:r>
-              <a:rPr lang="en-US" dirty="0"/>
-              <a:t>Combine date with historical weather data to get precipitation info… </a:t>
-            </a:r>
-          </a:p>
-          <a:p>
-            <a:r>
-              <a:rPr lang="en-US" dirty="0"/>
-              <a:t>Depending on scenario, what makes sense might change quite a bit. </a:t>
-            </a:r>
-          </a:p>
-          <a:p>
-            <a:r>
-              <a:rPr lang="en-US" dirty="0"/>
-              <a:t>A default time may tell us less than a “is the sun in your eyes” feature for this purpose. </a:t>
-            </a:r>
-          </a:p>
-        </p:txBody>
-      </p:sp>
+            <a:r>
+              <a:rPr lang="en-US" dirty="0"/>
+              <a:t>Sometimes we need to take more drastic (and open ended) steps. </a:t>
+            </a:r>
+          </a:p>
+          <a:p>
+            <a:pPr lvl="1"/>
+            <a:r>
+              <a:rPr lang="en-US" dirty="0"/>
+              <a:t>Remember – our goal is a good model, not one that is ‘true to the data’. </a:t>
+            </a:r>
+          </a:p>
+          <a:p>
+            <a:pPr lvl="1"/>
+            <a:r>
+              <a:rPr lang="en-US" dirty="0"/>
+              <a:t>We need data that teaches our model the pattern of our data, irrespective if what we use is actually the data or not. </a:t>
+            </a:r>
+          </a:p>
+        </p:txBody>
+      </p:sp>
+      <p:pic>
+        <p:nvPicPr>
+          <p:cNvPr id="11266" name="Picture 2" descr="The Quote">
+            <a:extLst>
+              <a:ext uri="{FF2B5EF4-FFF2-40B4-BE49-F238E27FC236}">
+                <a16:creationId xmlns:a16="http://schemas.microsoft.com/office/drawing/2014/main" id="{69694CEC-319E-41D5-3B0A-1B48877A493A}"/>
+              </a:ext>
+            </a:extLst>
+          </p:cNvPr>
+          <p:cNvPicPr>
+            <a:picLocks noChangeAspect="1" noChangeArrowheads="1"/>
+          </p:cNvPicPr>
+          <p:nvPr/>
+        </p:nvPicPr>
+        <p:blipFill>
+          <a:blip r:embed="rId2">
+            <a:extLst>
+              <a:ext uri="{28A0092B-C50C-407E-A947-70E740481C1C}">
+                <a14:useLocalDpi xmlns:a14="http://schemas.microsoft.com/office/drawing/2010/main" val="0"/>
+              </a:ext>
+            </a:extLst>
+          </a:blip>
+          <a:srcRect/>
+          <a:stretch>
+            <a:fillRect/>
+          </a:stretch>
+        </p:blipFill>
+        <p:spPr bwMode="auto">
+          <a:xfrm>
+            <a:off x="8371864" y="0"/>
+            <a:ext cx="3820135" cy="2941504"/>
+          </a:xfrm>
+          <a:prstGeom prst="rect">
+            <a:avLst/>
+          </a:prstGeom>
+          <a:noFill/>
+          <a:extLst>
+            <a:ext uri="{909E8E84-426E-40DD-AFC4-6F175D3DCCD1}">
+              <a14:hiddenFill xmlns:a14="http://schemas.microsoft.com/office/drawing/2010/main">
+                <a:solidFill>
+                  <a:srgbClr val="FFFFFF"/>
+                </a:solidFill>
+              </a14:hiddenFill>
+            </a:ext>
+          </a:extLst>
+        </p:spPr>
+      </p:pic>
     </p:spTree>
     <p:extLst>
       <p:ext uri="{BB962C8B-B14F-4D97-AF65-F5344CB8AC3E}">
-        <p14:creationId xmlns:p14="http://schemas.microsoft.com/office/powerpoint/2010/main" val="1938584286"/>
+        <p14:creationId xmlns:p14="http://schemas.microsoft.com/office/powerpoint/2010/main" val="1865684491"/>
       </p:ext>
     </p:extLst>
   </p:cSld>
@@ -9228,7 +9129,7 @@
           <p:cNvPr id="2" name="Title 1">
             <a:extLst>
               <a:ext uri="{FF2B5EF4-FFF2-40B4-BE49-F238E27FC236}">
-                <a16:creationId xmlns:a16="http://schemas.microsoft.com/office/drawing/2014/main" id="{A79D2985-D5A2-E7EA-FBE1-BC751DFA11C8}"/>
+                <a16:creationId xmlns:a16="http://schemas.microsoft.com/office/drawing/2014/main" id="{1871726C-F6E2-591A-C5A8-CCB9C7C7EE7E}"/>
               </a:ext>
             </a:extLst>
           </p:cNvPr>
@@ -9246,7 +9147,7 @@
           <a:p>
             <a:r>
               <a:rPr lang="en-US" dirty="0"/>
-              <a:t>Make our Features Useful</a:t>
+              <a:t>Example</a:t>
             </a:r>
           </a:p>
         </p:txBody>
@@ -9256,7 +9157,7 @@
           <p:cNvPr id="3" name="Content Placeholder 2">
             <a:extLst>
               <a:ext uri="{FF2B5EF4-FFF2-40B4-BE49-F238E27FC236}">
-                <a16:creationId xmlns:a16="http://schemas.microsoft.com/office/drawing/2014/main" id="{7FF35A51-CC86-F731-FBB2-D193FB7D3F11}"/>
+                <a16:creationId xmlns:a16="http://schemas.microsoft.com/office/drawing/2014/main" id="{645C059C-6C86-3640-4288-9E5E9E4D356F}"/>
               </a:ext>
             </a:extLst>
           </p:cNvPr>
@@ -9269,34 +9170,100 @@
         </p:nvSpPr>
         <p:spPr>
           <a:xfrm>
-            <a:off x="1451579" y="1915064"/>
-            <a:ext cx="9603275" cy="4045789"/>
-          </a:xfrm>
-        </p:spPr>
-        <p:txBody>
-          <a:bodyPr/>
-          <a:lstStyle/>
-          <a:p>
-            <a:r>
-              <a:rPr lang="en-US" dirty="0"/>
-              <a:t>In these types of cases the original data has info we need, but it’s not ‘pure’. </a:t>
-            </a:r>
-          </a:p>
-          <a:p>
-            <a:r>
-              <a:rPr lang="en-US" dirty="0"/>
-              <a:t>If we are smart about what we need, we can extract the valuable bit. </a:t>
-            </a:r>
-          </a:p>
-          <a:p>
-            <a:pPr lvl="1"/>
-            <a:r>
-              <a:rPr lang="en-US" dirty="0"/>
-              <a:t>E.g. lanes from an image, distance from address, pant size from weight, </a:t>
+            <a:off x="1451579" y="1853754"/>
+            <a:ext cx="9603275" cy="4305505"/>
+          </a:xfrm>
+        </p:spPr>
+        <p:txBody>
+          <a:bodyPr>
+            <a:normAutofit/>
+          </a:bodyPr>
+          <a:lstStyle/>
+          <a:p>
+            <a:r>
+              <a:rPr lang="en-US" dirty="0"/>
+              <a:t>Suppose you’re in charge of planning new Amazon warehouse locations. </a:t>
+            </a:r>
+          </a:p>
+          <a:p>
+            <a:pPr lvl="1"/>
+            <a:r>
+              <a:rPr lang="en-US" dirty="0"/>
+              <a:t>The goal is to make it somewhere convenient for the customer deliveries. </a:t>
+            </a:r>
+          </a:p>
+          <a:p>
+            <a:r>
+              <a:rPr lang="en-US" dirty="0"/>
+              <a:t>You have data on all the amazon customers, including their address. </a:t>
+            </a:r>
+          </a:p>
+          <a:p>
+            <a:r>
+              <a:rPr lang="en-US" dirty="0"/>
+              <a:t>This address could (theoretically) be a feature for a model. </a:t>
+            </a:r>
+          </a:p>
+          <a:p>
+            <a:r>
+              <a:rPr lang="en-US" dirty="0"/>
+              <a:t>Transforming the address may make for a better model, what if we:</a:t>
+            </a:r>
+          </a:p>
+          <a:p>
+            <a:pPr lvl="1"/>
+            <a:r>
+              <a:rPr lang="en-US" dirty="0"/>
+              <a:t>Geocoded it, making it latitude and longitude. </a:t>
+            </a:r>
+          </a:p>
+          <a:p>
+            <a:pPr lvl="1"/>
+            <a:r>
+              <a:rPr lang="en-US" dirty="0"/>
+              <a:t>Calculated distance from customer-warehouse using </a:t>
             </a:r>
             <a:r>
               <a:rPr lang="en-US" dirty="0" err="1"/>
-              <a:t>etc</a:t>
+              <a:t>lat</a:t>
+            </a:r>
+            <a:r>
+              <a:rPr lang="en-US" dirty="0"/>
+              <a:t>/</a:t>
+            </a:r>
+            <a:r>
+              <a:rPr lang="en-US" dirty="0" err="1"/>
+              <a:t>lon</a:t>
+            </a:r>
+            <a:r>
+              <a:rPr lang="en-US" dirty="0"/>
+              <a:t> and used that instead. </a:t>
+            </a:r>
+          </a:p>
+          <a:p>
+            <a:pPr lvl="1"/>
+            <a:r>
+              <a:rPr lang="en-US" dirty="0"/>
+              <a:t>Used a service like google maps to lookup driving distance </a:t>
+            </a:r>
+            <a:r>
+              <a:rPr lang="en-US" dirty="0" err="1"/>
+              <a:t>cust</a:t>
+            </a:r>
+            <a:r>
+              <a:rPr lang="en-US" dirty="0"/>
+              <a:t>-ware, and used that. </a:t>
+            </a:r>
+          </a:p>
+          <a:p>
+            <a:pPr lvl="1"/>
+            <a:r>
+              <a:rPr lang="en-US" dirty="0"/>
+              <a:t>Used another model to calculate effective routes between warehouse and common </a:t>
+            </a:r>
+            <a:r>
+              <a:rPr lang="en-US" dirty="0" err="1"/>
+              <a:t>custys</a:t>
             </a:r>
             <a:r>
               <a:rPr lang="en-US" dirty="0"/>
@@ -9304,43 +9271,21 @@
             </a:r>
           </a:p>
           <a:p>
-            <a:r>
-              <a:rPr lang="en-US" dirty="0"/>
-              <a:t>We are consciously distorting the data, hopefully to make it better for us. </a:t>
-            </a:r>
-          </a:p>
-          <a:p>
-            <a:r>
-              <a:rPr lang="en-US" dirty="0"/>
-              <a:t>A definitive answer on “what’s best” requires testing, we are shrinking the test set. </a:t>
-            </a:r>
-          </a:p>
-          <a:p>
-            <a:r>
-              <a:rPr lang="en-US" dirty="0"/>
-              <a:t>Some things to think about trying:</a:t>
-            </a:r>
-          </a:p>
-          <a:p>
-            <a:pPr lvl="1"/>
-            <a:r>
-              <a:rPr lang="en-US" dirty="0"/>
-              <a:t>Is numeric data better binned? Does the precision help? Is there noise? E.g. credit scores. </a:t>
-            </a:r>
-          </a:p>
-          <a:p>
-            <a:pPr lvl="1"/>
-            <a:r>
-              <a:rPr lang="en-US" dirty="0"/>
-              <a:t>Too many choices. These become columns, can we condense or simplify with ‘other’? </a:t>
-            </a:r>
+            <a:pPr lvl="2"/>
+            <a:r>
+              <a:rPr lang="en-US" dirty="0"/>
+              <a:t>UPS does this for planning delivery routes – they avoid lefts and reverse, not just shortest. </a:t>
+            </a:r>
+          </a:p>
+          <a:p>
+            <a:endParaRPr lang="en-US" dirty="0"/>
           </a:p>
         </p:txBody>
       </p:sp>
     </p:spTree>
     <p:extLst>
       <p:ext uri="{BB962C8B-B14F-4D97-AF65-F5344CB8AC3E}">
-        <p14:creationId xmlns:p14="http://schemas.microsoft.com/office/powerpoint/2010/main" val="2293594047"/>
+        <p14:creationId xmlns:p14="http://schemas.microsoft.com/office/powerpoint/2010/main" val="3714379213"/>
       </p:ext>
     </p:extLst>
   </p:cSld>
@@ -9372,7 +9317,7 @@
           <p:cNvPr id="2" name="Title 1">
             <a:extLst>
               <a:ext uri="{FF2B5EF4-FFF2-40B4-BE49-F238E27FC236}">
-                <a16:creationId xmlns:a16="http://schemas.microsoft.com/office/drawing/2014/main" id="{0D58D21A-D132-F51B-AF36-439D34F1133D}"/>
+                <a16:creationId xmlns:a16="http://schemas.microsoft.com/office/drawing/2014/main" id="{A84A53F0-FBC9-379F-3D22-5EF0D78B46AA}"/>
               </a:ext>
             </a:extLst>
           </p:cNvPr>
@@ -9390,7 +9335,7 @@
           <a:p>
             <a:r>
               <a:rPr lang="en-US" dirty="0"/>
-              <a:t>Assignment #2 – Regression </a:t>
+              <a:t>Another example</a:t>
             </a:r>
           </a:p>
         </p:txBody>
@@ -9400,7 +9345,7 @@
           <p:cNvPr id="3" name="Content Placeholder 2">
             <a:extLst>
               <a:ext uri="{FF2B5EF4-FFF2-40B4-BE49-F238E27FC236}">
-                <a16:creationId xmlns:a16="http://schemas.microsoft.com/office/drawing/2014/main" id="{D02D4A52-CFF8-BFD7-C752-92A3D50FB304}"/>
+                <a16:creationId xmlns:a16="http://schemas.microsoft.com/office/drawing/2014/main" id="{955EF722-4C1A-22D8-4DDA-C7ECDB4FB5F0}"/>
               </a:ext>
             </a:extLst>
           </p:cNvPr>
@@ -9413,36 +9358,59 @@
         </p:nvSpPr>
         <p:spPr>
           <a:xfrm>
-            <a:off x="1451579" y="1853754"/>
-            <a:ext cx="9603275" cy="4199727"/>
-          </a:xfrm>
-        </p:spPr>
-        <p:txBody>
-          <a:bodyPr/>
-          <a:lstStyle/>
-          <a:p>
-            <a:r>
-              <a:rPr lang="en-US" dirty="0"/>
-              <a:t>The next assignment has lots of this type of stuff – yay for data cleaning!!!!!!</a:t>
-            </a:r>
-          </a:p>
-          <a:p>
-            <a:r>
-              <a:rPr lang="en-US" dirty="0"/>
-              <a:t>The data is messy (it’s survey data) so you need to clean it. </a:t>
-            </a:r>
-          </a:p>
-          <a:p>
-            <a:r>
-              <a:rPr lang="en-US" dirty="0"/>
-              <a:t>This could/will involve a few potential cleanup steps:</a:t>
-            </a:r>
-          </a:p>
-          <a:p>
-            <a:pPr lvl="1"/>
-            <a:r>
-              <a:rPr lang="en-US" dirty="0"/>
-              <a:t>‘Basics’ – imputation, scaling, </a:t>
+            <a:off x="1137147" y="1853754"/>
+            <a:ext cx="10292854" cy="4199727"/>
+          </a:xfrm>
+        </p:spPr>
+        <p:txBody>
+          <a:bodyPr>
+            <a:normAutofit lnSpcReduction="10000"/>
+          </a:bodyPr>
+          <a:lstStyle/>
+          <a:p>
+            <a:r>
+              <a:rPr lang="en-US" dirty="0"/>
+              <a:t>Suppose you’re a traffic engineer predicting # of accidents at some interchange. </a:t>
+            </a:r>
+          </a:p>
+          <a:p>
+            <a:r>
+              <a:rPr lang="en-US" dirty="0"/>
+              <a:t>Date and time of accidents or traffic may be a feature that you have. </a:t>
+            </a:r>
+          </a:p>
+          <a:p>
+            <a:pPr lvl="1"/>
+            <a:r>
+              <a:rPr lang="en-US" dirty="0"/>
+              <a:t>E.g. 2025-01-30 15:00:00</a:t>
+            </a:r>
+          </a:p>
+          <a:p>
+            <a:r>
+              <a:rPr lang="en-US" dirty="0"/>
+              <a:t>The original can be used, but we can also change things:</a:t>
+            </a:r>
+          </a:p>
+          <a:p>
+            <a:pPr lvl="1"/>
+            <a:r>
+              <a:rPr lang="en-US" dirty="0"/>
+              <a:t>Truncate some precision – does knowing seconds and minutes help? Maybe hour, 4h block, 6h block. </a:t>
+            </a:r>
+          </a:p>
+          <a:p>
+            <a:pPr lvl="1"/>
+            <a:r>
+              <a:rPr lang="en-US" dirty="0"/>
+              <a:t>Custom binning – morning commute, day, aft commute, overnight. </a:t>
+            </a:r>
+          </a:p>
+          <a:p>
+            <a:pPr lvl="1"/>
+            <a:r>
+              <a:rPr lang="en-US" dirty="0"/>
+              <a:t>Combine with sunrise/set data and make a dynamic version of that, or light/dark, </a:t>
             </a:r>
             <a:r>
               <a:rPr lang="en-US" dirty="0" err="1"/>
@@ -9457,42 +9425,19 @@
             <a:pPr lvl="1"/>
             <a:r>
               <a:rPr lang="en-US" dirty="0"/>
-              <a:t>Selection (</a:t>
-            </a:r>
-            <a:r>
-              <a:rPr lang="en-US" dirty="0" err="1"/>
-              <a:t>f.s</a:t>
-            </a:r>
-            <a:r>
-              <a:rPr lang="en-US" dirty="0"/>
-              <a:t>. next week) – what to keep, what to remove. </a:t>
-            </a:r>
-          </a:p>
-          <a:p>
-            <a:pPr lvl="1"/>
-            <a:r>
-              <a:rPr lang="en-US" dirty="0"/>
-              <a:t>Transformations – many of the features are probably more useful in different formats. </a:t>
-            </a:r>
-          </a:p>
-          <a:p>
-            <a:r>
-              <a:rPr lang="en-US" dirty="0"/>
-              <a:t>Process - you’ll need to:</a:t>
-            </a:r>
-          </a:p>
-          <a:p>
-            <a:pPr lvl="1"/>
-            <a:r>
-              <a:rPr lang="en-US" dirty="0"/>
-              <a:t>Do some testing and trials to figure out what works. </a:t>
-            </a:r>
-          </a:p>
-          <a:p>
-            <a:pPr lvl="1"/>
-            <a:r>
-              <a:rPr lang="en-US" dirty="0"/>
-              <a:t>Build that into a pipeline (both sklearn and informal) to do that stuff and train model. </a:t>
+              <a:t>Combine date with historical weather data to get precipitation info… </a:t>
+            </a:r>
+          </a:p>
+          <a:p>
+            <a:r>
+              <a:rPr lang="en-US" dirty="0"/>
+              <a:t>Depending on scenario, what makes sense might change quite a bit. </a:t>
+            </a:r>
+          </a:p>
+          <a:p>
+            <a:r>
+              <a:rPr lang="en-US" dirty="0"/>
+              <a:t>A default time may tell us less than a “is the sun in your eyes” feature for this purpose. </a:t>
             </a:r>
           </a:p>
         </p:txBody>
@@ -9500,7 +9445,7 @@
     </p:spTree>
     <p:extLst>
       <p:ext uri="{BB962C8B-B14F-4D97-AF65-F5344CB8AC3E}">
-        <p14:creationId xmlns:p14="http://schemas.microsoft.com/office/powerpoint/2010/main" val="3304545818"/>
+        <p14:creationId xmlns:p14="http://schemas.microsoft.com/office/powerpoint/2010/main" val="1938584286"/>
       </p:ext>
     </p:extLst>
   </p:cSld>
@@ -9593,6 +9538,310 @@
     <p:extLst>
       <p:ext uri="{BB962C8B-B14F-4D97-AF65-F5344CB8AC3E}">
         <p14:creationId xmlns:p14="http://schemas.microsoft.com/office/powerpoint/2010/main" val="2850889656"/>
+      </p:ext>
+    </p:extLst>
+  </p:cSld>
+  <p:clrMapOvr>
+    <a:masterClrMapping/>
+  </p:clrMapOvr>
+</p:sld>
+</file>
+
+<file path=ppt/slides/slide40.xml><?xml version="1.0" encoding="utf-8"?>
+<p:sld xmlns:a="http://schemas.openxmlformats.org/drawingml/2006/main" xmlns:r="http://schemas.openxmlformats.org/officeDocument/2006/relationships" xmlns:p="http://schemas.openxmlformats.org/presentationml/2006/main">
+  <p:cSld>
+    <p:spTree>
+      <p:nvGrpSpPr>
+        <p:cNvPr id="1" name=""/>
+        <p:cNvGrpSpPr/>
+        <p:nvPr/>
+      </p:nvGrpSpPr>
+      <p:grpSpPr>
+        <a:xfrm>
+          <a:off x="0" y="0"/>
+          <a:ext cx="0" cy="0"/>
+          <a:chOff x="0" y="0"/>
+          <a:chExt cx="0" cy="0"/>
+        </a:xfrm>
+      </p:grpSpPr>
+      <p:sp>
+        <p:nvSpPr>
+          <p:cNvPr id="2" name="Title 1">
+            <a:extLst>
+              <a:ext uri="{FF2B5EF4-FFF2-40B4-BE49-F238E27FC236}">
+                <a16:creationId xmlns:a16="http://schemas.microsoft.com/office/drawing/2014/main" id="{A79D2985-D5A2-E7EA-FBE1-BC751DFA11C8}"/>
+              </a:ext>
+            </a:extLst>
+          </p:cNvPr>
+          <p:cNvSpPr>
+            <a:spLocks noGrp="1"/>
+          </p:cNvSpPr>
+          <p:nvPr>
+            <p:ph type="title"/>
+          </p:nvPr>
+        </p:nvSpPr>
+        <p:spPr/>
+        <p:txBody>
+          <a:bodyPr/>
+          <a:lstStyle/>
+          <a:p>
+            <a:r>
+              <a:rPr lang="en-US" dirty="0"/>
+              <a:t>Make our Features Useful</a:t>
+            </a:r>
+          </a:p>
+        </p:txBody>
+      </p:sp>
+      <p:sp>
+        <p:nvSpPr>
+          <p:cNvPr id="3" name="Content Placeholder 2">
+            <a:extLst>
+              <a:ext uri="{FF2B5EF4-FFF2-40B4-BE49-F238E27FC236}">
+                <a16:creationId xmlns:a16="http://schemas.microsoft.com/office/drawing/2014/main" id="{7FF35A51-CC86-F731-FBB2-D193FB7D3F11}"/>
+              </a:ext>
+            </a:extLst>
+          </p:cNvPr>
+          <p:cNvSpPr>
+            <a:spLocks noGrp="1"/>
+          </p:cNvSpPr>
+          <p:nvPr>
+            <p:ph idx="1"/>
+          </p:nvPr>
+        </p:nvSpPr>
+        <p:spPr>
+          <a:xfrm>
+            <a:off x="1451579" y="1915064"/>
+            <a:ext cx="9603275" cy="4045789"/>
+          </a:xfrm>
+        </p:spPr>
+        <p:txBody>
+          <a:bodyPr/>
+          <a:lstStyle/>
+          <a:p>
+            <a:r>
+              <a:rPr lang="en-US" dirty="0"/>
+              <a:t>In these types of cases the original data has info we need, but it’s not ‘pure’. </a:t>
+            </a:r>
+          </a:p>
+          <a:p>
+            <a:r>
+              <a:rPr lang="en-US" dirty="0"/>
+              <a:t>If we are smart about what we need, we can extract the valuable bit. </a:t>
+            </a:r>
+          </a:p>
+          <a:p>
+            <a:pPr lvl="1"/>
+            <a:r>
+              <a:rPr lang="en-US" dirty="0"/>
+              <a:t>E.g. lanes from an image, distance from address, pant size from weight, </a:t>
+            </a:r>
+            <a:r>
+              <a:rPr lang="en-US" dirty="0" err="1"/>
+              <a:t>etc</a:t>
+            </a:r>
+            <a:r>
+              <a:rPr lang="en-US" dirty="0"/>
+              <a:t>…</a:t>
+            </a:r>
+          </a:p>
+          <a:p>
+            <a:r>
+              <a:rPr lang="en-US" dirty="0"/>
+              <a:t>We are consciously distorting the data, hopefully to make it better for us. </a:t>
+            </a:r>
+          </a:p>
+          <a:p>
+            <a:r>
+              <a:rPr lang="en-US" dirty="0"/>
+              <a:t>A definitive answer on “what’s best” requires testing, we are shrinking the test set. </a:t>
+            </a:r>
+          </a:p>
+          <a:p>
+            <a:r>
+              <a:rPr lang="en-US" dirty="0"/>
+              <a:t>Some things to think about trying:</a:t>
+            </a:r>
+          </a:p>
+          <a:p>
+            <a:pPr lvl="1"/>
+            <a:r>
+              <a:rPr lang="en-US" dirty="0"/>
+              <a:t>Is numeric data better binned? Does the precision help? Is there noise? E.g. credit scores. </a:t>
+            </a:r>
+          </a:p>
+          <a:p>
+            <a:pPr lvl="1"/>
+            <a:r>
+              <a:rPr lang="en-US" dirty="0"/>
+              <a:t>Too many choices. These become columns, can we condense or simplify with ‘other’? </a:t>
+            </a:r>
+          </a:p>
+        </p:txBody>
+      </p:sp>
+    </p:spTree>
+    <p:extLst>
+      <p:ext uri="{BB962C8B-B14F-4D97-AF65-F5344CB8AC3E}">
+        <p14:creationId xmlns:p14="http://schemas.microsoft.com/office/powerpoint/2010/main" val="2293594047"/>
+      </p:ext>
+    </p:extLst>
+  </p:cSld>
+  <p:clrMapOvr>
+    <a:masterClrMapping/>
+  </p:clrMapOvr>
+</p:sld>
+</file>
+
+<file path=ppt/slides/slide41.xml><?xml version="1.0" encoding="utf-8"?>
+<p:sld xmlns:a="http://schemas.openxmlformats.org/drawingml/2006/main" xmlns:r="http://schemas.openxmlformats.org/officeDocument/2006/relationships" xmlns:p="http://schemas.openxmlformats.org/presentationml/2006/main">
+  <p:cSld>
+    <p:spTree>
+      <p:nvGrpSpPr>
+        <p:cNvPr id="1" name=""/>
+        <p:cNvGrpSpPr/>
+        <p:nvPr/>
+      </p:nvGrpSpPr>
+      <p:grpSpPr>
+        <a:xfrm>
+          <a:off x="0" y="0"/>
+          <a:ext cx="0" cy="0"/>
+          <a:chOff x="0" y="0"/>
+          <a:chExt cx="0" cy="0"/>
+        </a:xfrm>
+      </p:grpSpPr>
+      <p:sp>
+        <p:nvSpPr>
+          <p:cNvPr id="2" name="Title 1">
+            <a:extLst>
+              <a:ext uri="{FF2B5EF4-FFF2-40B4-BE49-F238E27FC236}">
+                <a16:creationId xmlns:a16="http://schemas.microsoft.com/office/drawing/2014/main" id="{0D58D21A-D132-F51B-AF36-439D34F1133D}"/>
+              </a:ext>
+            </a:extLst>
+          </p:cNvPr>
+          <p:cNvSpPr>
+            <a:spLocks noGrp="1"/>
+          </p:cNvSpPr>
+          <p:nvPr>
+            <p:ph type="title"/>
+          </p:nvPr>
+        </p:nvSpPr>
+        <p:spPr/>
+        <p:txBody>
+          <a:bodyPr/>
+          <a:lstStyle/>
+          <a:p>
+            <a:r>
+              <a:rPr lang="en-US" dirty="0"/>
+              <a:t>Assignment #2 – Regression </a:t>
+            </a:r>
+          </a:p>
+        </p:txBody>
+      </p:sp>
+      <p:sp>
+        <p:nvSpPr>
+          <p:cNvPr id="3" name="Content Placeholder 2">
+            <a:extLst>
+              <a:ext uri="{FF2B5EF4-FFF2-40B4-BE49-F238E27FC236}">
+                <a16:creationId xmlns:a16="http://schemas.microsoft.com/office/drawing/2014/main" id="{D02D4A52-CFF8-BFD7-C752-92A3D50FB304}"/>
+              </a:ext>
+            </a:extLst>
+          </p:cNvPr>
+          <p:cNvSpPr>
+            <a:spLocks noGrp="1"/>
+          </p:cNvSpPr>
+          <p:nvPr>
+            <p:ph idx="1"/>
+          </p:nvPr>
+        </p:nvSpPr>
+        <p:spPr>
+          <a:xfrm>
+            <a:off x="1451579" y="1853754"/>
+            <a:ext cx="9603275" cy="4199727"/>
+          </a:xfrm>
+        </p:spPr>
+        <p:txBody>
+          <a:bodyPr/>
+          <a:lstStyle/>
+          <a:p>
+            <a:r>
+              <a:rPr lang="en-US" dirty="0"/>
+              <a:t>The next assignment has lots of this type of stuff – yay for data cleaning!!!!!!</a:t>
+            </a:r>
+          </a:p>
+          <a:p>
+            <a:r>
+              <a:rPr lang="en-US" dirty="0"/>
+              <a:t>The data is messy (it’s survey data) so you need to clean it. </a:t>
+            </a:r>
+          </a:p>
+          <a:p>
+            <a:r>
+              <a:rPr lang="en-US" dirty="0"/>
+              <a:t>This could/will involve a few potential cleanup steps:</a:t>
+            </a:r>
+          </a:p>
+          <a:p>
+            <a:pPr lvl="1"/>
+            <a:r>
+              <a:rPr lang="en-US" dirty="0"/>
+              <a:t>‘Basics’ – imputation, scaling, </a:t>
+            </a:r>
+            <a:r>
+              <a:rPr lang="en-US" dirty="0" err="1"/>
+              <a:t>etc</a:t>
+            </a:r>
+            <a:r>
+              <a:rPr lang="en-US" dirty="0"/>
+              <a:t>…</a:t>
+            </a:r>
+          </a:p>
+          <a:p>
+            <a:pPr lvl="1"/>
+            <a:r>
+              <a:rPr lang="en-US" dirty="0"/>
+              <a:t>Selection (</a:t>
+            </a:r>
+            <a:r>
+              <a:rPr lang="en-US" dirty="0" err="1"/>
+              <a:t>f.s</a:t>
+            </a:r>
+            <a:r>
+              <a:rPr lang="en-US" dirty="0"/>
+              <a:t>. next week) – what to keep, what to remove. </a:t>
+            </a:r>
+          </a:p>
+          <a:p>
+            <a:pPr lvl="1"/>
+            <a:r>
+              <a:rPr lang="en-US" dirty="0"/>
+              <a:t>Transformations – many of the features are probably more useful in different formats. </a:t>
+            </a:r>
+          </a:p>
+          <a:p>
+            <a:r>
+              <a:rPr lang="en-US" dirty="0"/>
+              <a:t>Process - you’ll need to:</a:t>
+            </a:r>
+          </a:p>
+          <a:p>
+            <a:pPr lvl="1"/>
+            <a:r>
+              <a:rPr lang="en-US" dirty="0"/>
+              <a:t>Do some testing and trials to figure out what works. </a:t>
+            </a:r>
+          </a:p>
+          <a:p>
+            <a:pPr lvl="1"/>
+            <a:r>
+              <a:rPr lang="en-US" dirty="0"/>
+              <a:t>Build that into a pipeline (both sklearn and informal) to do that stuff and train model. </a:t>
+            </a:r>
+          </a:p>
+        </p:txBody>
+      </p:sp>
+    </p:spTree>
+    <p:extLst>
+      <p:ext uri="{BB962C8B-B14F-4D97-AF65-F5344CB8AC3E}">
+        <p14:creationId xmlns:p14="http://schemas.microsoft.com/office/powerpoint/2010/main" val="3304545818"/>
       </p:ext>
     </p:extLst>
   </p:cSld>

--- a/reference_content/Slides/008_Log_Reg_Images.pptx
+++ b/reference_content/Slides/008_Log_Reg_Images.pptx
@@ -32,20 +32,21 @@
     <p:sldId id="283" r:id="rId26"/>
     <p:sldId id="269" r:id="rId27"/>
     <p:sldId id="267" r:id="rId28"/>
-    <p:sldId id="258" r:id="rId29"/>
-    <p:sldId id="284" r:id="rId30"/>
-    <p:sldId id="259" r:id="rId31"/>
-    <p:sldId id="268" r:id="rId32"/>
-    <p:sldId id="282" r:id="rId33"/>
-    <p:sldId id="285" r:id="rId34"/>
-    <p:sldId id="289" r:id="rId35"/>
-    <p:sldId id="271" r:id="rId36"/>
-    <p:sldId id="286" r:id="rId37"/>
-    <p:sldId id="290" r:id="rId38"/>
-    <p:sldId id="291" r:id="rId39"/>
-    <p:sldId id="293" r:id="rId40"/>
-    <p:sldId id="292" r:id="rId41"/>
-    <p:sldId id="294" r:id="rId42"/>
+    <p:sldId id="297" r:id="rId29"/>
+    <p:sldId id="258" r:id="rId30"/>
+    <p:sldId id="284" r:id="rId31"/>
+    <p:sldId id="259" r:id="rId32"/>
+    <p:sldId id="268" r:id="rId33"/>
+    <p:sldId id="282" r:id="rId34"/>
+    <p:sldId id="285" r:id="rId35"/>
+    <p:sldId id="289" r:id="rId36"/>
+    <p:sldId id="271" r:id="rId37"/>
+    <p:sldId id="286" r:id="rId38"/>
+    <p:sldId id="290" r:id="rId39"/>
+    <p:sldId id="291" r:id="rId40"/>
+    <p:sldId id="293" r:id="rId41"/>
+    <p:sldId id="292" r:id="rId42"/>
+    <p:sldId id="294" r:id="rId43"/>
   </p:sldIdLst>
   <p:sldSz cx="12192000" cy="6858000"/>
   <p:notesSz cx="6858000" cy="9144000"/>
@@ -3724,7 +3725,7 @@
         </p:spPr>
         <p:txBody>
           <a:bodyPr>
-            <a:normAutofit fontScale="92500" lnSpcReduction="10000"/>
+            <a:normAutofit/>
           </a:bodyPr>
           <a:lstStyle/>
           <a:p>
@@ -3737,13 +3738,6 @@
             <a:pPr lvl="1"/>
             <a:r>
               <a:rPr lang="en-US" dirty="0"/>
-              <a:t>Review of gradient descent. </a:t>
-            </a:r>
-          </a:p>
-          <a:p>
-            <a:pPr lvl="1"/>
-            <a:r>
-              <a:rPr lang="en-US" dirty="0"/>
               <a:t>Classification with linear models. </a:t>
             </a:r>
           </a:p>
@@ -3751,15 +3745,13 @@
             <a:pPr lvl="1"/>
             <a:r>
               <a:rPr lang="en-US" dirty="0"/>
-              <a:t>Images as data. </a:t>
-            </a:r>
-          </a:p>
-          <a:p>
-            <a:pPr lvl="1"/>
-            <a:r>
-              <a:rPr lang="en-US" dirty="0"/>
-              <a:t>Representing analog data. </a:t>
-            </a:r>
+              <a:t>Representing unstructured analog data and </a:t>
+            </a:r>
+            <a:r>
+              <a:rPr lang="en-US"/>
+              <a:t>image representation. </a:t>
+            </a:r>
+            <a:endParaRPr lang="en-US" dirty="0"/>
           </a:p>
           <a:p>
             <a:pPr lvl="1"/>
@@ -5533,6 +5525,12 @@
               <a:t>We get the probabilities of the above prediction. </a:t>
             </a:r>
           </a:p>
+          <a:p>
+            <a:r>
+              <a:rPr lang="en-US" dirty="0"/>
+              <a:t>Note: these are less common/important as systems get faster. </a:t>
+            </a:r>
+          </a:p>
         </p:txBody>
       </p:sp>
     </p:spTree>
@@ -6697,15 +6695,7 @@
           <a:p>
             <a:r>
               <a:rPr lang="en-US" dirty="0"/>
-              <a:t>Regularization is applied by default in </a:t>
-            </a:r>
-            <a:r>
-              <a:rPr lang="en-US" dirty="0" err="1"/>
-              <a:t>sklearn</a:t>
-            </a:r>
-            <a:r>
-              <a:rPr lang="en-US" dirty="0"/>
-              <a:t>. </a:t>
+              <a:t>Regularization is (usually) applied by default in sklearn. </a:t>
             </a:r>
           </a:p>
           <a:p>
@@ -7232,30 +7222,6 @@
 <file path=ppt/slides/slide28.xml><?xml version="1.0" encoding="utf-8"?>
 <p:sld xmlns:a="http://schemas.openxmlformats.org/drawingml/2006/main" xmlns:r="http://schemas.openxmlformats.org/officeDocument/2006/relationships" xmlns:p="http://schemas.openxmlformats.org/presentationml/2006/main">
   <p:cSld>
-    <p:bg>
-      <p:bgPr>
-        <a:gradFill rotWithShape="1">
-          <a:gsLst>
-            <a:gs pos="0">
-              <a:schemeClr val="bg2">
-                <a:tint val="94000"/>
-                <a:satMod val="80000"/>
-                <a:lumMod val="106000"/>
-              </a:schemeClr>
-            </a:gs>
-            <a:gs pos="100000">
-              <a:schemeClr val="bg2">
-                <a:shade val="80000"/>
-              </a:schemeClr>
-            </a:gs>
-          </a:gsLst>
-          <a:path path="circle">
-            <a:fillToRect l="43000" r="43000" b="100000"/>
-          </a:path>
-        </a:gradFill>
-        <a:effectLst/>
-      </p:bgPr>
-    </p:bg>
     <p:spTree>
       <p:nvGrpSpPr>
         <p:cNvPr id="1" name=""/>
@@ -7275,7 +7241,7 @@
           <p:cNvPr id="2" name="Title 1">
             <a:extLst>
               <a:ext uri="{FF2B5EF4-FFF2-40B4-BE49-F238E27FC236}">
-                <a16:creationId xmlns:a16="http://schemas.microsoft.com/office/drawing/2014/main" id="{F3FB903F-CE3E-DE43-9BF5-70277B57D148}"/>
+                <a16:creationId xmlns:a16="http://schemas.microsoft.com/office/drawing/2014/main" id="{0D68D821-BD88-90ED-262C-C17F6833B9ED}"/>
               </a:ext>
             </a:extLst>
           </p:cNvPr>
@@ -7286,105 +7252,75 @@
             <p:ph type="title"/>
           </p:nvPr>
         </p:nvSpPr>
+        <p:spPr/>
+        <p:txBody>
+          <a:bodyPr/>
+          <a:lstStyle/>
+          <a:p>
+            <a:r>
+              <a:rPr lang="en-US" dirty="0"/>
+              <a:t>Image Data</a:t>
+            </a:r>
+          </a:p>
+        </p:txBody>
+      </p:sp>
+      <p:sp>
+        <p:nvSpPr>
+          <p:cNvPr id="3" name="Content Placeholder 2">
+            <a:extLst>
+              <a:ext uri="{FF2B5EF4-FFF2-40B4-BE49-F238E27FC236}">
+                <a16:creationId xmlns:a16="http://schemas.microsoft.com/office/drawing/2014/main" id="{1CCACD81-4A28-1309-2D1D-EDCFA6E0F214}"/>
+              </a:ext>
+            </a:extLst>
+          </p:cNvPr>
+          <p:cNvSpPr>
+            <a:spLocks noGrp="1"/>
+          </p:cNvSpPr>
+          <p:nvPr>
+            <p:ph idx="1"/>
+          </p:nvPr>
+        </p:nvSpPr>
         <p:spPr>
           <a:xfrm>
-            <a:off x="1451579" y="804519"/>
-            <a:ext cx="9603275" cy="1049235"/>
-          </a:xfrm>
-        </p:spPr>
-        <p:txBody>
-          <a:bodyPr>
-            <a:normAutofit/>
-          </a:bodyPr>
-          <a:lstStyle/>
-          <a:p>
-            <a:r>
-              <a:rPr lang="en-US" dirty="0"/>
-              <a:t>Images</a:t>
-            </a:r>
-          </a:p>
-        </p:txBody>
-      </p:sp>
-      <p:sp>
-        <p:nvSpPr>
-          <p:cNvPr id="3" name="Content Placeholder 2">
-            <a:extLst>
-              <a:ext uri="{FF2B5EF4-FFF2-40B4-BE49-F238E27FC236}">
-                <a16:creationId xmlns:a16="http://schemas.microsoft.com/office/drawing/2014/main" id="{C81DE9A2-B784-8847-A671-53558461A496}"/>
-              </a:ext>
-            </a:extLst>
-          </p:cNvPr>
-          <p:cNvSpPr>
-            <a:spLocks noGrp="1"/>
-          </p:cNvSpPr>
-          <p:nvPr>
-            <p:ph idx="1"/>
-          </p:nvPr>
-        </p:nvSpPr>
-        <p:spPr>
-          <a:xfrm>
-            <a:off x="77638" y="1870083"/>
-            <a:ext cx="5386390" cy="4199726"/>
-          </a:xfrm>
-        </p:spPr>
-        <p:txBody>
-          <a:bodyPr>
-            <a:normAutofit/>
-          </a:bodyPr>
-          <a:lstStyle/>
-          <a:p>
-            <a:r>
-              <a:rPr lang="en-US" dirty="0"/>
-              <a:t>Images are basically 2D (for now) grids of pixels.</a:t>
-            </a:r>
-          </a:p>
-          <a:p>
-            <a:pPr lvl="1"/>
-            <a:r>
-              <a:rPr lang="en-US" dirty="0"/>
-              <a:t>E.g. Your 1080p screen is 1920 x 1080 pixels.</a:t>
-            </a:r>
-          </a:p>
-          <a:p>
-            <a:r>
-              <a:rPr lang="en-US" dirty="0"/>
-              <a:t>Each pixel is an integer value. </a:t>
-            </a:r>
-          </a:p>
-          <a:p>
-            <a:pPr lvl="1"/>
-            <a:r>
-              <a:rPr lang="en-US" dirty="0"/>
-              <a:t>0-255 for lightness. </a:t>
-            </a:r>
-          </a:p>
-          <a:p>
-            <a:r>
-              <a:rPr lang="en-US" dirty="0"/>
-              <a:t>Images are normal data, and we can treat them like any other data. </a:t>
-            </a:r>
-          </a:p>
-          <a:p>
-            <a:pPr lvl="1"/>
-            <a:r>
-              <a:rPr lang="en-US" dirty="0"/>
-              <a:t>The data of an image is a representation of the real thing (analog image). This can change. </a:t>
-            </a:r>
-          </a:p>
-          <a:p>
-            <a:r>
-              <a:rPr lang="en-US" dirty="0"/>
-              <a:t>This allows us to, pretty easily, do image recognition!</a:t>
+            <a:off x="1451579" y="1853754"/>
+            <a:ext cx="4644421" cy="4199727"/>
+          </a:xfrm>
+        </p:spPr>
+        <p:txBody>
+          <a:bodyPr/>
+          <a:lstStyle/>
+          <a:p>
+            <a:r>
+              <a:rPr lang="en-US" dirty="0"/>
+              <a:t>Image data is a little different. </a:t>
+            </a:r>
+          </a:p>
+          <a:p>
+            <a:r>
+              <a:rPr lang="en-US" dirty="0"/>
+              <a:t>Multidimensional – each record is itself not ‘flat’. </a:t>
+            </a:r>
+          </a:p>
+          <a:p>
+            <a:r>
+              <a:rPr lang="en-US" dirty="0"/>
+              <a:t>Unstructured/non-tabular – not well represented in a table. </a:t>
+            </a:r>
+          </a:p>
+          <a:p>
+            <a:r>
+              <a:rPr lang="en-US" dirty="0"/>
+              <a:t>We need to “make it usable” to predict.</a:t>
             </a:r>
           </a:p>
         </p:txBody>
       </p:sp>
       <p:pic>
         <p:nvPicPr>
-          <p:cNvPr id="1026" name="Picture 2" descr="SaraAI - mnist">
-            <a:extLst>
-              <a:ext uri="{FF2B5EF4-FFF2-40B4-BE49-F238E27FC236}">
-                <a16:creationId xmlns:a16="http://schemas.microsoft.com/office/drawing/2014/main" id="{5E9AF5CB-741A-654E-B2AF-0D1547D587DA}"/>
+          <p:cNvPr id="3074" name="Picture 2" descr="What Is A Cat? | Cats | Guide | Omlet US">
+            <a:extLst>
+              <a:ext uri="{FF2B5EF4-FFF2-40B4-BE49-F238E27FC236}">
+                <a16:creationId xmlns:a16="http://schemas.microsoft.com/office/drawing/2014/main" id="{A1851E6A-7E87-99B5-54E9-4F30CEB736C3}"/>
               </a:ext>
             </a:extLst>
           </p:cNvPr>
@@ -7393,7 +7329,7 @@
           </p:cNvPicPr>
           <p:nvPr/>
         </p:nvPicPr>
-        <p:blipFill>
+        <p:blipFill rotWithShape="1">
           <a:blip r:embed="rId2">
             <a:extLst>
               <a:ext uri="{28A0092B-C50C-407E-A947-70E740481C1C}">
@@ -7401,14 +7337,15 @@
               </a:ext>
             </a:extLst>
           </a:blip>
+          <a:srcRect l="22209" r="18423"/>
           <a:stretch>
             <a:fillRect/>
           </a:stretch>
         </p:blipFill>
         <p:spPr bwMode="auto">
           <a:xfrm>
-            <a:off x="5386389" y="52389"/>
-            <a:ext cx="6805612" cy="6805612"/>
+            <a:off x="6088655" y="0"/>
+            <a:ext cx="6103345" cy="6858000"/>
           </a:xfrm>
           <a:prstGeom prst="rect">
             <a:avLst/>
@@ -7428,7 +7365,7 @@
     </p:spTree>
     <p:extLst>
       <p:ext uri="{BB962C8B-B14F-4D97-AF65-F5344CB8AC3E}">
-        <p14:creationId xmlns:p14="http://schemas.microsoft.com/office/powerpoint/2010/main" val="3942868991"/>
+        <p14:creationId xmlns:p14="http://schemas.microsoft.com/office/powerpoint/2010/main" val="2310391686"/>
       </p:ext>
     </p:extLst>
   </p:cSld>
@@ -7439,235 +7376,6 @@
 </file>
 
 <file path=ppt/slides/slide29.xml><?xml version="1.0" encoding="utf-8"?>
-<p:sld xmlns:a="http://schemas.openxmlformats.org/drawingml/2006/main" xmlns:r="http://schemas.openxmlformats.org/officeDocument/2006/relationships" xmlns:p="http://schemas.openxmlformats.org/presentationml/2006/main">
-  <p:cSld>
-    <p:spTree>
-      <p:nvGrpSpPr>
-        <p:cNvPr id="1" name=""/>
-        <p:cNvGrpSpPr/>
-        <p:nvPr/>
-      </p:nvGrpSpPr>
-      <p:grpSpPr>
-        <a:xfrm>
-          <a:off x="0" y="0"/>
-          <a:ext cx="0" cy="0"/>
-          <a:chOff x="0" y="0"/>
-          <a:chExt cx="0" cy="0"/>
-        </a:xfrm>
-      </p:grpSpPr>
-      <p:sp>
-        <p:nvSpPr>
-          <p:cNvPr id="2" name="Title 1">
-            <a:extLst>
-              <a:ext uri="{FF2B5EF4-FFF2-40B4-BE49-F238E27FC236}">
-                <a16:creationId xmlns:a16="http://schemas.microsoft.com/office/drawing/2014/main" id="{4D58C802-D6EB-837F-62BB-7F7DF9E02156}"/>
-              </a:ext>
-            </a:extLst>
-          </p:cNvPr>
-          <p:cNvSpPr>
-            <a:spLocks noGrp="1"/>
-          </p:cNvSpPr>
-          <p:nvPr>
-            <p:ph type="title"/>
-          </p:nvPr>
-        </p:nvSpPr>
-        <p:spPr/>
-        <p:txBody>
-          <a:bodyPr/>
-          <a:lstStyle/>
-          <a:p>
-            <a:r>
-              <a:rPr lang="en-US" dirty="0"/>
-              <a:t>Image Notes</a:t>
-            </a:r>
-          </a:p>
-        </p:txBody>
-      </p:sp>
-      <p:sp>
-        <p:nvSpPr>
-          <p:cNvPr id="3" name="Content Placeholder 2">
-            <a:extLst>
-              <a:ext uri="{FF2B5EF4-FFF2-40B4-BE49-F238E27FC236}">
-                <a16:creationId xmlns:a16="http://schemas.microsoft.com/office/drawing/2014/main" id="{B6A5EE1B-E4C1-EABC-48AE-491AFC74136C}"/>
-              </a:ext>
-            </a:extLst>
-          </p:cNvPr>
-          <p:cNvSpPr>
-            <a:spLocks noGrp="1"/>
-          </p:cNvSpPr>
-          <p:nvPr>
-            <p:ph idx="1"/>
-          </p:nvPr>
-        </p:nvSpPr>
-        <p:spPr>
-          <a:xfrm>
-            <a:off x="1451579" y="1923691"/>
-            <a:ext cx="9603275" cy="4129790"/>
-          </a:xfrm>
-        </p:spPr>
-        <p:txBody>
-          <a:bodyPr/>
-          <a:lstStyle/>
-          <a:p>
-            <a:r>
-              <a:rPr lang="en-US" dirty="0"/>
-              <a:t>We’ll deal with images that are bitmaps (i.e. a bunch of pixels) like jpegs. </a:t>
-            </a:r>
-          </a:p>
-          <a:p>
-            <a:r>
-              <a:rPr lang="en-US" dirty="0"/>
-              <a:t>There are other image formats – each encodes the image differently in the data. </a:t>
-            </a:r>
-          </a:p>
-          <a:p>
-            <a:r>
-              <a:rPr lang="en-US" dirty="0"/>
-              <a:t>We’ll ignore other image types and formats (a bit more in NN). </a:t>
-            </a:r>
-          </a:p>
-          <a:p>
-            <a:pPr lvl="1"/>
-            <a:r>
-              <a:rPr lang="en-US" dirty="0"/>
-              <a:t>In general, you can convert from one to the other if needed. (e.g. in a prep pipeline). </a:t>
-            </a:r>
-          </a:p>
-          <a:p>
-            <a:r>
-              <a:rPr lang="en-US" dirty="0"/>
-              <a:t>If we were dealing with differently encoded data, most things are the same, but the process of turning the 2D data into something ready for the model needs to change. </a:t>
-            </a:r>
-          </a:p>
-          <a:p>
-            <a:r>
-              <a:rPr lang="en-US" dirty="0"/>
-              <a:t>In other scenarios, there may be feature extraction – making features from raw data:</a:t>
-            </a:r>
-          </a:p>
-          <a:p>
-            <a:pPr lvl="1"/>
-            <a:r>
-              <a:rPr lang="en-US" dirty="0"/>
-              <a:t>E.g. instead of using raw data, preprocess to detect lines, edges, faces, </a:t>
-            </a:r>
-            <a:r>
-              <a:rPr lang="en-US" dirty="0" err="1"/>
-              <a:t>etc</a:t>
-            </a:r>
-            <a:r>
-              <a:rPr lang="en-US" dirty="0"/>
-              <a:t>…</a:t>
-            </a:r>
-          </a:p>
-          <a:p>
-            <a:pPr lvl="1"/>
-            <a:r>
-              <a:rPr lang="en-US" dirty="0"/>
-              <a:t>Simplify model – we don’t need to process a billion features, only a few that matter. </a:t>
-            </a:r>
-          </a:p>
-        </p:txBody>
-      </p:sp>
-    </p:spTree>
-    <p:extLst>
-      <p:ext uri="{BB962C8B-B14F-4D97-AF65-F5344CB8AC3E}">
-        <p14:creationId xmlns:p14="http://schemas.microsoft.com/office/powerpoint/2010/main" val="4285727037"/>
-      </p:ext>
-    </p:extLst>
-  </p:cSld>
-  <p:clrMapOvr>
-    <a:masterClrMapping/>
-  </p:clrMapOvr>
-</p:sld>
-</file>
-
-<file path=ppt/slides/slide3.xml><?xml version="1.0" encoding="utf-8"?>
-<p:sld xmlns:a="http://schemas.openxmlformats.org/drawingml/2006/main" xmlns:r="http://schemas.openxmlformats.org/officeDocument/2006/relationships" xmlns:p="http://schemas.openxmlformats.org/presentationml/2006/main">
-  <p:cSld>
-    <p:spTree>
-      <p:nvGrpSpPr>
-        <p:cNvPr id="1" name=""/>
-        <p:cNvGrpSpPr/>
-        <p:nvPr/>
-      </p:nvGrpSpPr>
-      <p:grpSpPr>
-        <a:xfrm>
-          <a:off x="0" y="0"/>
-          <a:ext cx="0" cy="0"/>
-          <a:chOff x="0" y="0"/>
-          <a:chExt cx="0" cy="0"/>
-        </a:xfrm>
-      </p:grpSpPr>
-      <p:sp>
-        <p:nvSpPr>
-          <p:cNvPr id="2" name="Title 1">
-            <a:extLst>
-              <a:ext uri="{FF2B5EF4-FFF2-40B4-BE49-F238E27FC236}">
-                <a16:creationId xmlns:a16="http://schemas.microsoft.com/office/drawing/2014/main" id="{EFB45428-29C3-BC43-9FC5-E850D418B665}"/>
-              </a:ext>
-            </a:extLst>
-          </p:cNvPr>
-          <p:cNvSpPr>
-            <a:spLocks noGrp="1"/>
-          </p:cNvSpPr>
-          <p:nvPr>
-            <p:ph type="ctrTitle"/>
-          </p:nvPr>
-        </p:nvSpPr>
-        <p:spPr/>
-        <p:txBody>
-          <a:bodyPr>
-            <a:normAutofit fontScale="90000"/>
-          </a:bodyPr>
-          <a:lstStyle/>
-          <a:p>
-            <a:r>
-              <a:rPr lang="en-US" dirty="0"/>
-              <a:t>Logistic Regression and Images</a:t>
-            </a:r>
-          </a:p>
-        </p:txBody>
-      </p:sp>
-      <p:sp>
-        <p:nvSpPr>
-          <p:cNvPr id="3" name="Subtitle 2">
-            <a:extLst>
-              <a:ext uri="{FF2B5EF4-FFF2-40B4-BE49-F238E27FC236}">
-                <a16:creationId xmlns:a16="http://schemas.microsoft.com/office/drawing/2014/main" id="{7AEA02F9-360D-0240-AEED-CBAFA096A037}"/>
-              </a:ext>
-            </a:extLst>
-          </p:cNvPr>
-          <p:cNvSpPr>
-            <a:spLocks noGrp="1"/>
-          </p:cNvSpPr>
-          <p:nvPr>
-            <p:ph type="subTitle" idx="1"/>
-          </p:nvPr>
-        </p:nvSpPr>
-        <p:spPr/>
-        <p:txBody>
-          <a:bodyPr/>
-          <a:lstStyle/>
-          <a:p>
-            <a:endParaRPr lang="en-US"/>
-          </a:p>
-        </p:txBody>
-      </p:sp>
-    </p:spTree>
-    <p:extLst>
-      <p:ext uri="{BB962C8B-B14F-4D97-AF65-F5344CB8AC3E}">
-        <p14:creationId xmlns:p14="http://schemas.microsoft.com/office/powerpoint/2010/main" val="1853110498"/>
-      </p:ext>
-    </p:extLst>
-  </p:cSld>
-  <p:clrMapOvr>
-    <a:masterClrMapping/>
-  </p:clrMapOvr>
-</p:sld>
-</file>
-
-<file path=ppt/slides/slide30.xml><?xml version="1.0" encoding="utf-8"?>
 <p:sld xmlns:a="http://schemas.openxmlformats.org/drawingml/2006/main" xmlns:r="http://schemas.openxmlformats.org/officeDocument/2006/relationships" xmlns:p="http://schemas.openxmlformats.org/presentationml/2006/main">
   <p:cSld>
     <p:bg>
@@ -7713,7 +7421,7 @@
           <p:cNvPr id="2" name="Title 1">
             <a:extLst>
               <a:ext uri="{FF2B5EF4-FFF2-40B4-BE49-F238E27FC236}">
-                <a16:creationId xmlns:a16="http://schemas.microsoft.com/office/drawing/2014/main" id="{AB677636-8A33-7C42-809D-0BCBF174378D}"/>
+                <a16:creationId xmlns:a16="http://schemas.microsoft.com/office/drawing/2014/main" id="{F3FB903F-CE3E-DE43-9BF5-70277B57D148}"/>
               </a:ext>
             </a:extLst>
           </p:cNvPr>
@@ -7738,17 +7446,91 @@
           <a:p>
             <a:r>
               <a:rPr lang="en-US" dirty="0"/>
-              <a:t>Better Images</a:t>
+              <a:t>Images</a:t>
+            </a:r>
+          </a:p>
+        </p:txBody>
+      </p:sp>
+      <p:sp>
+        <p:nvSpPr>
+          <p:cNvPr id="3" name="Content Placeholder 2">
+            <a:extLst>
+              <a:ext uri="{FF2B5EF4-FFF2-40B4-BE49-F238E27FC236}">
+                <a16:creationId xmlns:a16="http://schemas.microsoft.com/office/drawing/2014/main" id="{C81DE9A2-B784-8847-A671-53558461A496}"/>
+              </a:ext>
+            </a:extLst>
+          </p:cNvPr>
+          <p:cNvSpPr>
+            <a:spLocks noGrp="1"/>
+          </p:cNvSpPr>
+          <p:nvPr>
+            <p:ph idx="1"/>
+          </p:nvPr>
+        </p:nvSpPr>
+        <p:spPr>
+          <a:xfrm>
+            <a:off x="77638" y="1870083"/>
+            <a:ext cx="5386390" cy="4199726"/>
+          </a:xfrm>
+        </p:spPr>
+        <p:txBody>
+          <a:bodyPr>
+            <a:normAutofit/>
+          </a:bodyPr>
+          <a:lstStyle/>
+          <a:p>
+            <a:r>
+              <a:rPr lang="en-US" dirty="0"/>
+              <a:t>Images are basically 2D (for now) grids of pixels.</a:t>
+            </a:r>
+          </a:p>
+          <a:p>
+            <a:pPr lvl="1"/>
+            <a:r>
+              <a:rPr lang="en-US" dirty="0"/>
+              <a:t>E.g. Your 1080p screen is 1920 x 1080 pixels.</a:t>
+            </a:r>
+          </a:p>
+          <a:p>
+            <a:r>
+              <a:rPr lang="en-US" dirty="0"/>
+              <a:t>Each pixel is an integer value. </a:t>
+            </a:r>
+          </a:p>
+          <a:p>
+            <a:pPr lvl="1"/>
+            <a:r>
+              <a:rPr lang="en-US" dirty="0"/>
+              <a:t>0-255 for lightness. </a:t>
+            </a:r>
+          </a:p>
+          <a:p>
+            <a:r>
+              <a:rPr lang="en-US" dirty="0"/>
+              <a:t>Images are normal data, and we can treat them like any other data. </a:t>
+            </a:r>
+          </a:p>
+          <a:p>
+            <a:pPr lvl="1"/>
+            <a:r>
+              <a:rPr lang="en-US" dirty="0"/>
+              <a:t>The data of an image is a representation of the real thing (analog image). This can change. </a:t>
+            </a:r>
+          </a:p>
+          <a:p>
+            <a:r>
+              <a:rPr lang="en-US" dirty="0"/>
+              <a:t>This allows us to, pretty easily, do image recognition (poorly)!</a:t>
             </a:r>
           </a:p>
         </p:txBody>
       </p:sp>
       <p:pic>
         <p:nvPicPr>
-          <p:cNvPr id="6146" name="Picture 2" descr="Color image representation and RGB matrix | Download Scientific Diagram">
-            <a:extLst>
-              <a:ext uri="{FF2B5EF4-FFF2-40B4-BE49-F238E27FC236}">
-                <a16:creationId xmlns:a16="http://schemas.microsoft.com/office/drawing/2014/main" id="{4EF6BA20-AB62-C94A-AC15-0B8F4FFA5B7C}"/>
+          <p:cNvPr id="1026" name="Picture 2" descr="SaraAI - mnist">
+            <a:extLst>
+              <a:ext uri="{FF2B5EF4-FFF2-40B4-BE49-F238E27FC236}">
+                <a16:creationId xmlns:a16="http://schemas.microsoft.com/office/drawing/2014/main" id="{5E9AF5CB-741A-654E-B2AF-0D1547D587DA}"/>
               </a:ext>
             </a:extLst>
           </p:cNvPr>
@@ -7771,8 +7553,8 @@
         </p:blipFill>
         <p:spPr bwMode="auto">
           <a:xfrm>
-            <a:off x="-13095" y="2286000"/>
-            <a:ext cx="7877442" cy="2914650"/>
+            <a:off x="5386389" y="52389"/>
+            <a:ext cx="6805612" cy="6805612"/>
           </a:xfrm>
           <a:prstGeom prst="rect">
             <a:avLst/>
@@ -7789,63 +7571,10 @@
           </a:extLst>
         </p:spPr>
       </p:pic>
-      <p:sp>
-        <p:nvSpPr>
-          <p:cNvPr id="3" name="Content Placeholder 2">
-            <a:extLst>
-              <a:ext uri="{FF2B5EF4-FFF2-40B4-BE49-F238E27FC236}">
-                <a16:creationId xmlns:a16="http://schemas.microsoft.com/office/drawing/2014/main" id="{51DCB23F-F681-554F-8018-B8D417F4BDB9}"/>
-              </a:ext>
-            </a:extLst>
-          </p:cNvPr>
-          <p:cNvSpPr>
-            <a:spLocks noGrp="1"/>
-          </p:cNvSpPr>
-          <p:nvPr>
-            <p:ph idx="1"/>
-          </p:nvPr>
-        </p:nvSpPr>
-        <p:spPr>
-          <a:xfrm>
-            <a:off x="8115300" y="2015734"/>
-            <a:ext cx="3943350" cy="4037747"/>
-          </a:xfrm>
-        </p:spPr>
-        <p:txBody>
-          <a:bodyPr>
-            <a:normAutofit/>
-          </a:bodyPr>
-          <a:lstStyle/>
-          <a:p>
-            <a:r>
-              <a:rPr lang="en-US" dirty="0"/>
-              <a:t>Our images are simple – 1 color. </a:t>
-            </a:r>
-          </a:p>
-          <a:p>
-            <a:r>
-              <a:rPr lang="en-US" dirty="0"/>
-              <a:t>No depth - we only need an array with depth of 1. </a:t>
-            </a:r>
-          </a:p>
-          <a:p>
-            <a:r>
-              <a:rPr lang="en-US" dirty="0"/>
-              <a:t>More complex images add pixels and additional layers for more colors (RGB for ours).  </a:t>
-            </a:r>
-          </a:p>
-          <a:p>
-            <a:r>
-              <a:rPr lang="en-US" dirty="0"/>
-              <a:t>These are tensors – multidimensional arrays. </a:t>
-            </a:r>
-          </a:p>
-        </p:txBody>
-      </p:sp>
     </p:spTree>
     <p:extLst>
       <p:ext uri="{BB962C8B-B14F-4D97-AF65-F5344CB8AC3E}">
-        <p14:creationId xmlns:p14="http://schemas.microsoft.com/office/powerpoint/2010/main" val="690243489"/>
+        <p14:creationId xmlns:p14="http://schemas.microsoft.com/office/powerpoint/2010/main" val="3942868991"/>
       </p:ext>
     </p:extLst>
   </p:cSld>
@@ -7855,7 +7584,7 @@
 </p:sld>
 </file>
 
-<file path=ppt/slides/slide31.xml><?xml version="1.0" encoding="utf-8"?>
+<file path=ppt/slides/slide3.xml><?xml version="1.0" encoding="utf-8"?>
 <p:sld xmlns:a="http://schemas.openxmlformats.org/drawingml/2006/main" xmlns:r="http://schemas.openxmlformats.org/officeDocument/2006/relationships" xmlns:p="http://schemas.openxmlformats.org/presentationml/2006/main">
   <p:cSld>
     <p:spTree>
@@ -7877,7 +7606,92 @@
           <p:cNvPr id="2" name="Title 1">
             <a:extLst>
               <a:ext uri="{FF2B5EF4-FFF2-40B4-BE49-F238E27FC236}">
-                <a16:creationId xmlns:a16="http://schemas.microsoft.com/office/drawing/2014/main" id="{763A3D3D-1B15-1537-EF9B-D4F698BB039B}"/>
+                <a16:creationId xmlns:a16="http://schemas.microsoft.com/office/drawing/2014/main" id="{EFB45428-29C3-BC43-9FC5-E850D418B665}"/>
+              </a:ext>
+            </a:extLst>
+          </p:cNvPr>
+          <p:cNvSpPr>
+            <a:spLocks noGrp="1"/>
+          </p:cNvSpPr>
+          <p:nvPr>
+            <p:ph type="ctrTitle"/>
+          </p:nvPr>
+        </p:nvSpPr>
+        <p:spPr/>
+        <p:txBody>
+          <a:bodyPr>
+            <a:normAutofit fontScale="90000"/>
+          </a:bodyPr>
+          <a:lstStyle/>
+          <a:p>
+            <a:r>
+              <a:rPr lang="en-US" dirty="0"/>
+              <a:t>Logistic Regression and Images</a:t>
+            </a:r>
+          </a:p>
+        </p:txBody>
+      </p:sp>
+      <p:sp>
+        <p:nvSpPr>
+          <p:cNvPr id="3" name="Subtitle 2">
+            <a:extLst>
+              <a:ext uri="{FF2B5EF4-FFF2-40B4-BE49-F238E27FC236}">
+                <a16:creationId xmlns:a16="http://schemas.microsoft.com/office/drawing/2014/main" id="{7AEA02F9-360D-0240-AEED-CBAFA096A037}"/>
+              </a:ext>
+            </a:extLst>
+          </p:cNvPr>
+          <p:cNvSpPr>
+            <a:spLocks noGrp="1"/>
+          </p:cNvSpPr>
+          <p:nvPr>
+            <p:ph type="subTitle" idx="1"/>
+          </p:nvPr>
+        </p:nvSpPr>
+        <p:spPr/>
+        <p:txBody>
+          <a:bodyPr/>
+          <a:lstStyle/>
+          <a:p>
+            <a:endParaRPr lang="en-US"/>
+          </a:p>
+        </p:txBody>
+      </p:sp>
+    </p:spTree>
+    <p:extLst>
+      <p:ext uri="{BB962C8B-B14F-4D97-AF65-F5344CB8AC3E}">
+        <p14:creationId xmlns:p14="http://schemas.microsoft.com/office/powerpoint/2010/main" val="1853110498"/>
+      </p:ext>
+    </p:extLst>
+  </p:cSld>
+  <p:clrMapOvr>
+    <a:masterClrMapping/>
+  </p:clrMapOvr>
+</p:sld>
+</file>
+
+<file path=ppt/slides/slide30.xml><?xml version="1.0" encoding="utf-8"?>
+<p:sld xmlns:a="http://schemas.openxmlformats.org/drawingml/2006/main" xmlns:r="http://schemas.openxmlformats.org/officeDocument/2006/relationships" xmlns:p="http://schemas.openxmlformats.org/presentationml/2006/main">
+  <p:cSld>
+    <p:spTree>
+      <p:nvGrpSpPr>
+        <p:cNvPr id="1" name=""/>
+        <p:cNvGrpSpPr/>
+        <p:nvPr/>
+      </p:nvGrpSpPr>
+      <p:grpSpPr>
+        <a:xfrm>
+          <a:off x="0" y="0"/>
+          <a:ext cx="0" cy="0"/>
+          <a:chOff x="0" y="0"/>
+          <a:chExt cx="0" cy="0"/>
+        </a:xfrm>
+      </p:grpSpPr>
+      <p:sp>
+        <p:nvSpPr>
+          <p:cNvPr id="2" name="Title 1">
+            <a:extLst>
+              <a:ext uri="{FF2B5EF4-FFF2-40B4-BE49-F238E27FC236}">
+                <a16:creationId xmlns:a16="http://schemas.microsoft.com/office/drawing/2014/main" id="{4D58C802-D6EB-837F-62BB-7F7DF9E02156}"/>
               </a:ext>
             </a:extLst>
           </p:cNvPr>
@@ -7895,7 +7709,7 @@
           <a:p>
             <a:r>
               <a:rPr lang="en-US" dirty="0"/>
-              <a:t>Classifying Digits</a:t>
+              <a:t>Image Notes</a:t>
             </a:r>
           </a:p>
         </p:txBody>
@@ -7905,7 +7719,7 @@
           <p:cNvPr id="3" name="Content Placeholder 2">
             <a:extLst>
               <a:ext uri="{FF2B5EF4-FFF2-40B4-BE49-F238E27FC236}">
-                <a16:creationId xmlns:a16="http://schemas.microsoft.com/office/drawing/2014/main" id="{9EC530FB-566D-D043-2F30-7D7002FF5A02}"/>
+                <a16:creationId xmlns:a16="http://schemas.microsoft.com/office/drawing/2014/main" id="{B6A5EE1B-E4C1-EABC-48AE-491AFC74136C}"/>
               </a:ext>
             </a:extLst>
           </p:cNvPr>
@@ -7918,8 +7732,148 @@
         </p:nvSpPr>
         <p:spPr>
           <a:xfrm>
-            <a:off x="1451579" y="1853754"/>
-            <a:ext cx="9603275" cy="4259451"/>
+            <a:off x="1451579" y="1923691"/>
+            <a:ext cx="9603275" cy="4129790"/>
+          </a:xfrm>
+        </p:spPr>
+        <p:txBody>
+          <a:bodyPr/>
+          <a:lstStyle/>
+          <a:p>
+            <a:r>
+              <a:rPr lang="en-US" dirty="0"/>
+              <a:t>We’ll deal with images that are bitmaps (i.e. a bunch of pixels) like jpegs. </a:t>
+            </a:r>
+          </a:p>
+          <a:p>
+            <a:r>
+              <a:rPr lang="en-US" dirty="0"/>
+              <a:t>There are other image formats – each encodes the image differently in the data. </a:t>
+            </a:r>
+          </a:p>
+          <a:p>
+            <a:r>
+              <a:rPr lang="en-US" dirty="0"/>
+              <a:t>We’ll ignore other image types and formats (a bit more in NN). </a:t>
+            </a:r>
+          </a:p>
+          <a:p>
+            <a:pPr lvl="1"/>
+            <a:r>
+              <a:rPr lang="en-US" dirty="0"/>
+              <a:t>In general, you can convert from one to the other if needed. (e.g. in a prep pipeline). </a:t>
+            </a:r>
+          </a:p>
+          <a:p>
+            <a:r>
+              <a:rPr lang="en-US" dirty="0"/>
+              <a:t>If we were dealing with differently encoded data, most things are the same, but the process of turning the 2D data into something ready for the model needs to change. </a:t>
+            </a:r>
+          </a:p>
+          <a:p>
+            <a:r>
+              <a:rPr lang="en-US" dirty="0"/>
+              <a:t>In other scenarios, there may be feature extraction – making features from raw data:</a:t>
+            </a:r>
+          </a:p>
+          <a:p>
+            <a:pPr lvl="1"/>
+            <a:r>
+              <a:rPr lang="en-US" dirty="0"/>
+              <a:t>E.g. instead of using raw data, preprocess to detect lines, edges, faces, </a:t>
+            </a:r>
+            <a:r>
+              <a:rPr lang="en-US" dirty="0" err="1"/>
+              <a:t>etc</a:t>
+            </a:r>
+            <a:r>
+              <a:rPr lang="en-US" dirty="0"/>
+              <a:t>…</a:t>
+            </a:r>
+          </a:p>
+          <a:p>
+            <a:pPr lvl="1"/>
+            <a:r>
+              <a:rPr lang="en-US" dirty="0"/>
+              <a:t>Simplify model – we don’t need to process a billion features, only a few that matter. </a:t>
+            </a:r>
+          </a:p>
+        </p:txBody>
+      </p:sp>
+    </p:spTree>
+    <p:extLst>
+      <p:ext uri="{BB962C8B-B14F-4D97-AF65-F5344CB8AC3E}">
+        <p14:creationId xmlns:p14="http://schemas.microsoft.com/office/powerpoint/2010/main" val="4285727037"/>
+      </p:ext>
+    </p:extLst>
+  </p:cSld>
+  <p:clrMapOvr>
+    <a:masterClrMapping/>
+  </p:clrMapOvr>
+</p:sld>
+</file>
+
+<file path=ppt/slides/slide31.xml><?xml version="1.0" encoding="utf-8"?>
+<p:sld xmlns:a="http://schemas.openxmlformats.org/drawingml/2006/main" xmlns:r="http://schemas.openxmlformats.org/officeDocument/2006/relationships" xmlns:p="http://schemas.openxmlformats.org/presentationml/2006/main">
+  <p:cSld>
+    <p:bg>
+      <p:bgPr>
+        <a:gradFill rotWithShape="1">
+          <a:gsLst>
+            <a:gs pos="0">
+              <a:schemeClr val="bg2">
+                <a:tint val="94000"/>
+                <a:satMod val="80000"/>
+                <a:lumMod val="106000"/>
+              </a:schemeClr>
+            </a:gs>
+            <a:gs pos="100000">
+              <a:schemeClr val="bg2">
+                <a:shade val="80000"/>
+              </a:schemeClr>
+            </a:gs>
+          </a:gsLst>
+          <a:path path="circle">
+            <a:fillToRect l="43000" r="43000" b="100000"/>
+          </a:path>
+        </a:gradFill>
+        <a:effectLst/>
+      </p:bgPr>
+    </p:bg>
+    <p:spTree>
+      <p:nvGrpSpPr>
+        <p:cNvPr id="1" name=""/>
+        <p:cNvGrpSpPr/>
+        <p:nvPr/>
+      </p:nvGrpSpPr>
+      <p:grpSpPr>
+        <a:xfrm>
+          <a:off x="0" y="0"/>
+          <a:ext cx="0" cy="0"/>
+          <a:chOff x="0" y="0"/>
+          <a:chExt cx="0" cy="0"/>
+        </a:xfrm>
+      </p:grpSpPr>
+      <p:sp>
+        <p:nvSpPr>
+          <p:cNvPr id="2" name="Title 1">
+            <a:extLst>
+              <a:ext uri="{FF2B5EF4-FFF2-40B4-BE49-F238E27FC236}">
+                <a16:creationId xmlns:a16="http://schemas.microsoft.com/office/drawing/2014/main" id="{AB677636-8A33-7C42-809D-0BCBF174378D}"/>
+              </a:ext>
+            </a:extLst>
+          </p:cNvPr>
+          <p:cNvSpPr>
+            <a:spLocks noGrp="1"/>
+          </p:cNvSpPr>
+          <p:nvPr>
+            <p:ph type="title"/>
+          </p:nvPr>
+        </p:nvSpPr>
+        <p:spPr>
+          <a:xfrm>
+            <a:off x="1451579" y="804519"/>
+            <a:ext cx="9603275" cy="1049235"/>
           </a:xfrm>
         </p:spPr>
         <p:txBody>
@@ -7930,81 +7884,17 @@
           <a:p>
             <a:r>
               <a:rPr lang="en-US" dirty="0"/>
-              <a:t>We can create a model to classify digits into 10 classes. </a:t>
-            </a:r>
-          </a:p>
-          <a:p>
-            <a:r>
-              <a:rPr lang="en-US" dirty="0"/>
-              <a:t>Our image data – we will interpret it like “normal” data:</a:t>
-            </a:r>
-          </a:p>
-          <a:p>
-            <a:pPr lvl="1"/>
-            <a:r>
-              <a:rPr lang="en-US" dirty="0"/>
-              <a:t>Each digit is an image of pixels – either 64 (8x8) or 748 (28x28). </a:t>
-            </a:r>
-          </a:p>
-          <a:p>
-            <a:pPr lvl="1"/>
-            <a:r>
-              <a:rPr lang="en-US" dirty="0"/>
-              <a:t>There’s only one color, so each pixel can be between 0 and 255 for “darkness”. </a:t>
-            </a:r>
-          </a:p>
-          <a:p>
-            <a:pPr lvl="1"/>
-            <a:r>
-              <a:rPr lang="en-US" dirty="0"/>
-              <a:t>Our target is the label, the actual number that the pixel is. </a:t>
-            </a:r>
-          </a:p>
-          <a:p>
-            <a:pPr lvl="1"/>
-            <a:r>
-              <a:rPr lang="en-US" dirty="0"/>
-              <a:t>We can flatten the 2D representation of pixels into one row, then use normal models. </a:t>
-            </a:r>
-          </a:p>
-          <a:p>
-            <a:pPr lvl="1"/>
-            <a:r>
-              <a:rPr lang="en-US" dirty="0"/>
-              <a:t>Each pixel will now just be one feature, in order. (We can reshape back to get original)</a:t>
-            </a:r>
-          </a:p>
-          <a:p>
-            <a:r>
-              <a:rPr lang="en-US" dirty="0"/>
-              <a:t>We lose the spatial part of the data – our flat representation doesn’t “understand” 2D.</a:t>
-            </a:r>
-          </a:p>
-          <a:p>
-            <a:pPr lvl="1"/>
-            <a:r>
-              <a:rPr lang="en-US" dirty="0"/>
-              <a:t>With images, and other things that are analog, we create a representation to use. </a:t>
-            </a:r>
-          </a:p>
-          <a:p>
-            <a:pPr lvl="1"/>
-            <a:r>
-              <a:rPr lang="en-US" dirty="0"/>
-              <a:t>There are better ways to process image data that keep spatial awareness, we’ll see later. </a:t>
-            </a:r>
-          </a:p>
-          <a:p>
-            <a:endParaRPr lang="en-US" dirty="0"/>
+              <a:t>Better Images</a:t>
+            </a:r>
           </a:p>
         </p:txBody>
       </p:sp>
       <p:pic>
         <p:nvPicPr>
-          <p:cNvPr id="3074" name="Picture 2" descr="NumPy: numpy.ndarray.flatten()function - w3resource">
-            <a:extLst>
-              <a:ext uri="{FF2B5EF4-FFF2-40B4-BE49-F238E27FC236}">
-                <a16:creationId xmlns:a16="http://schemas.microsoft.com/office/drawing/2014/main" id="{33E79A7E-03D2-71B3-8975-E0B8F178C978}"/>
+          <p:cNvPr id="6146" name="Picture 2" descr="Color image representation and RGB matrix | Download Scientific Diagram">
+            <a:extLst>
+              <a:ext uri="{FF2B5EF4-FFF2-40B4-BE49-F238E27FC236}">
+                <a16:creationId xmlns:a16="http://schemas.microsoft.com/office/drawing/2014/main" id="{4EF6BA20-AB62-C94A-AC15-0B8F4FFA5B7C}"/>
               </a:ext>
             </a:extLst>
           </p:cNvPr>
@@ -8013,7 +7903,7 @@
           </p:cNvPicPr>
           <p:nvPr/>
         </p:nvPicPr>
-        <p:blipFill rotWithShape="1">
+        <p:blipFill>
           <a:blip r:embed="rId2">
             <a:extLst>
               <a:ext uri="{28A0092B-C50C-407E-A947-70E740481C1C}">
@@ -8021,13 +7911,14 @@
               </a:ext>
             </a:extLst>
           </a:blip>
-          <a:srcRect l="9739" t="3665" r="11514" b="3665"/>
-          <a:stretch/>
+          <a:stretch>
+            <a:fillRect/>
+          </a:stretch>
         </p:blipFill>
         <p:spPr bwMode="auto">
           <a:xfrm>
-            <a:off x="9637059" y="1"/>
-            <a:ext cx="2554941" cy="3369266"/>
+            <a:off x="-13095" y="2286000"/>
+            <a:ext cx="7877442" cy="2914650"/>
           </a:xfrm>
           <a:prstGeom prst="rect">
             <a:avLst/>
@@ -8044,10 +7935,63 @@
           </a:extLst>
         </p:spPr>
       </p:pic>
+      <p:sp>
+        <p:nvSpPr>
+          <p:cNvPr id="3" name="Content Placeholder 2">
+            <a:extLst>
+              <a:ext uri="{FF2B5EF4-FFF2-40B4-BE49-F238E27FC236}">
+                <a16:creationId xmlns:a16="http://schemas.microsoft.com/office/drawing/2014/main" id="{51DCB23F-F681-554F-8018-B8D417F4BDB9}"/>
+              </a:ext>
+            </a:extLst>
+          </p:cNvPr>
+          <p:cNvSpPr>
+            <a:spLocks noGrp="1"/>
+          </p:cNvSpPr>
+          <p:nvPr>
+            <p:ph idx="1"/>
+          </p:nvPr>
+        </p:nvSpPr>
+        <p:spPr>
+          <a:xfrm>
+            <a:off x="8115300" y="2015734"/>
+            <a:ext cx="3943350" cy="4037747"/>
+          </a:xfrm>
+        </p:spPr>
+        <p:txBody>
+          <a:bodyPr>
+            <a:normAutofit/>
+          </a:bodyPr>
+          <a:lstStyle/>
+          <a:p>
+            <a:r>
+              <a:rPr lang="en-US" dirty="0"/>
+              <a:t>Our images are simple – 1 color. </a:t>
+            </a:r>
+          </a:p>
+          <a:p>
+            <a:r>
+              <a:rPr lang="en-US" dirty="0"/>
+              <a:t>No depth - we only need an array with depth of 1. </a:t>
+            </a:r>
+          </a:p>
+          <a:p>
+            <a:r>
+              <a:rPr lang="en-US" dirty="0"/>
+              <a:t>More complex images add pixels and additional layers for more colors (RGB for ours).  </a:t>
+            </a:r>
+          </a:p>
+          <a:p>
+            <a:r>
+              <a:rPr lang="en-US" dirty="0"/>
+              <a:t>These are tensors – multidimensional arrays. </a:t>
+            </a:r>
+          </a:p>
+        </p:txBody>
+      </p:sp>
     </p:spTree>
     <p:extLst>
       <p:ext uri="{BB962C8B-B14F-4D97-AF65-F5344CB8AC3E}">
-        <p14:creationId xmlns:p14="http://schemas.microsoft.com/office/powerpoint/2010/main" val="1464860524"/>
+        <p14:creationId xmlns:p14="http://schemas.microsoft.com/office/powerpoint/2010/main" val="690243489"/>
       </p:ext>
     </p:extLst>
   </p:cSld>
@@ -8079,7 +8023,7 @@
           <p:cNvPr id="2" name="Title 1">
             <a:extLst>
               <a:ext uri="{FF2B5EF4-FFF2-40B4-BE49-F238E27FC236}">
-                <a16:creationId xmlns:a16="http://schemas.microsoft.com/office/drawing/2014/main" id="{21CD620E-A38D-1E68-F077-B10F57635217}"/>
+                <a16:creationId xmlns:a16="http://schemas.microsoft.com/office/drawing/2014/main" id="{763A3D3D-1B15-1537-EF9B-D4F698BB039B}"/>
               </a:ext>
             </a:extLst>
           </p:cNvPr>
@@ -8097,14 +8041,7 @@
           <a:p>
             <a:r>
               <a:rPr lang="en-US" dirty="0"/>
-              <a:t>Better Image Processing</a:t>
-            </a:r>
-            <a:br>
-              <a:rPr lang="en-US" dirty="0"/>
-            </a:br>
-            <a:r>
-              <a:rPr lang="en-US" dirty="0"/>
-              <a:t>(For Later on)</a:t>
+              <a:t>Classifying Digits</a:t>
             </a:r>
           </a:p>
         </p:txBody>
@@ -8114,7 +8051,7 @@
           <p:cNvPr id="3" name="Content Placeholder 2">
             <a:extLst>
               <a:ext uri="{FF2B5EF4-FFF2-40B4-BE49-F238E27FC236}">
-                <a16:creationId xmlns:a16="http://schemas.microsoft.com/office/drawing/2014/main" id="{CA93F599-DA70-B4F8-4AAF-29AC103447E5}"/>
+                <a16:creationId xmlns:a16="http://schemas.microsoft.com/office/drawing/2014/main" id="{9EC530FB-566D-D043-2F30-7D7002FF5A02}"/>
               </a:ext>
             </a:extLst>
           </p:cNvPr>
@@ -8128,100 +8065,92 @@
         <p:spPr>
           <a:xfrm>
             <a:off x="1451579" y="1853754"/>
-            <a:ext cx="10215284" cy="4199727"/>
+            <a:ext cx="9603275" cy="4259451"/>
           </a:xfrm>
         </p:spPr>
         <p:txBody>
           <a:bodyPr>
-            <a:normAutofit fontScale="92500" lnSpcReduction="10000"/>
+            <a:normAutofit/>
           </a:bodyPr>
           <a:lstStyle/>
           <a:p>
             <a:r>
               <a:rPr lang="en-US" dirty="0"/>
-              <a:t>In our models we always need to flatten the data prior to doing anything. </a:t>
-            </a:r>
-          </a:p>
-          <a:p>
-            <a:pPr lvl="1"/>
-            <a:r>
-              <a:rPr lang="en-US" dirty="0" err="1"/>
-              <a:t>I.e</a:t>
-            </a:r>
-            <a:r>
-              <a:rPr lang="en-US" dirty="0"/>
-              <a:t> the data we use is a datasheet – one value per column, row per item. </a:t>
-            </a:r>
-          </a:p>
-          <a:p>
-            <a:r>
-              <a:rPr lang="en-US" dirty="0"/>
-              <a:t>In an image, that transformation causes some data loss. </a:t>
-            </a:r>
-          </a:p>
-          <a:p>
-            <a:pPr lvl="1"/>
-            <a:r>
-              <a:rPr lang="en-US" dirty="0"/>
-              <a:t>We lose the info on where things are in 2D relative to each other, like the shape of a face. </a:t>
-            </a:r>
-          </a:p>
-          <a:p>
-            <a:pPr lvl="1"/>
-            <a:r>
-              <a:rPr lang="en-US" dirty="0"/>
-              <a:t>E.g. a cat is a cat if it is on the right, upside down, </a:t>
-            </a:r>
-            <a:r>
-              <a:rPr lang="en-US" dirty="0" err="1"/>
-              <a:t>etc</a:t>
-            </a:r>
-            <a:r>
-              <a:rPr lang="en-US" dirty="0"/>
-              <a:t>… but our model only sees pixels. </a:t>
-            </a:r>
-          </a:p>
-          <a:p>
-            <a:pPr lvl="1"/>
-            <a:r>
-              <a:rPr lang="en-US" dirty="0"/>
-              <a:t>A cat in the upper left corner is different from a cat in the lower right corner in data. (diff pixel)</a:t>
-            </a:r>
-          </a:p>
-          <a:p>
-            <a:r>
-              <a:rPr lang="en-US" dirty="0"/>
-              <a:t>This is a limitation in fit of this type of model to this data – irreducible error. </a:t>
-            </a:r>
-          </a:p>
-          <a:p>
-            <a:pPr lvl="1"/>
-            <a:r>
-              <a:rPr lang="en-US" dirty="0"/>
-              <a:t>It will work as long as we can transform the data, but the representation (flattened pixels of the image fails in that it is unable to capture all of the important info in an image, like the spatial bit. </a:t>
-            </a:r>
-          </a:p>
-          <a:p>
-            <a:r>
-              <a:rPr lang="en-US" dirty="0"/>
-              <a:t>Other models (CNN) can capture the spatial part of the data, and are better for images. </a:t>
-            </a:r>
-          </a:p>
-          <a:p>
-            <a:pPr lvl="1"/>
-            <a:r>
-              <a:rPr lang="en-US" dirty="0"/>
-              <a:t>I.e. instead of using just pixels as features, this can construct features from the 2D image. </a:t>
-            </a:r>
+              <a:t>We can create a model to classify digits into 10 classes. </a:t>
+            </a:r>
+          </a:p>
+          <a:p>
+            <a:r>
+              <a:rPr lang="en-US" dirty="0"/>
+              <a:t>Our image data – we will interpret it like “normal” data:</a:t>
+            </a:r>
+          </a:p>
+          <a:p>
+            <a:pPr lvl="1"/>
+            <a:r>
+              <a:rPr lang="en-US" dirty="0"/>
+              <a:t>Each digit is an image of pixels – either 64 (8x8) or 748 (28x28). </a:t>
+            </a:r>
+          </a:p>
+          <a:p>
+            <a:pPr lvl="1"/>
+            <a:r>
+              <a:rPr lang="en-US" dirty="0"/>
+              <a:t>There’s only one color, so each pixel can be between 0 and 255 for “darkness”. </a:t>
+            </a:r>
+          </a:p>
+          <a:p>
+            <a:pPr lvl="1"/>
+            <a:r>
+              <a:rPr lang="en-US" dirty="0"/>
+              <a:t>Our target is the label, the actual number that the pixel is. </a:t>
+            </a:r>
+          </a:p>
+          <a:p>
+            <a:pPr lvl="1"/>
+            <a:r>
+              <a:rPr lang="en-US" dirty="0"/>
+              <a:t>We can flatten the 2D representation of pixels into one row, then use normal models. </a:t>
+            </a:r>
+          </a:p>
+          <a:p>
+            <a:pPr lvl="1"/>
+            <a:r>
+              <a:rPr lang="en-US" dirty="0"/>
+              <a:t>Each pixel will now just be one feature, in order. (We can reshape back to get original)</a:t>
+            </a:r>
+          </a:p>
+          <a:p>
+            <a:r>
+              <a:rPr lang="en-US" dirty="0"/>
+              <a:t>We lose the spatial part of the data – our flat representation doesn’t “understand” 2D.</a:t>
+            </a:r>
+          </a:p>
+          <a:p>
+            <a:pPr lvl="1"/>
+            <a:r>
+              <a:rPr lang="en-US" dirty="0"/>
+              <a:t>With images, and other things that are analog, we create a representation to use. </a:t>
+            </a:r>
+          </a:p>
+          <a:p>
+            <a:pPr lvl="1"/>
+            <a:r>
+              <a:rPr lang="en-US" dirty="0"/>
+              <a:t>There are better ways to process image data that keep spatial awareness, we’ll see later. </a:t>
+            </a:r>
+          </a:p>
+          <a:p>
+            <a:endParaRPr lang="en-US" dirty="0"/>
           </a:p>
         </p:txBody>
       </p:sp>
       <p:pic>
         <p:nvPicPr>
-          <p:cNvPr id="8196" name="Picture 4" descr="Data Augmentation: How to use Deep Learning when you have Limited Data -  KDnuggets">
-            <a:extLst>
-              <a:ext uri="{FF2B5EF4-FFF2-40B4-BE49-F238E27FC236}">
-                <a16:creationId xmlns:a16="http://schemas.microsoft.com/office/drawing/2014/main" id="{1556BC7B-84F2-F902-9FF3-232D430F31CD}"/>
+          <p:cNvPr id="3074" name="Picture 2" descr="NumPy: numpy.ndarray.flatten()function - w3resource">
+            <a:extLst>
+              <a:ext uri="{FF2B5EF4-FFF2-40B4-BE49-F238E27FC236}">
+                <a16:creationId xmlns:a16="http://schemas.microsoft.com/office/drawing/2014/main" id="{33E79A7E-03D2-71B3-8975-E0B8F178C978}"/>
               </a:ext>
             </a:extLst>
           </p:cNvPr>
@@ -8238,13 +8167,13 @@
               </a:ext>
             </a:extLst>
           </a:blip>
-          <a:srcRect b="17447"/>
+          <a:srcRect l="9739" t="3665" r="11514" b="3665"/>
           <a:stretch/>
         </p:blipFill>
         <p:spPr bwMode="auto">
           <a:xfrm>
-            <a:off x="7660257" y="0"/>
-            <a:ext cx="4531743" cy="1900252"/>
+            <a:off x="9637059" y="1"/>
+            <a:ext cx="2554941" cy="3369266"/>
           </a:xfrm>
           <a:prstGeom prst="rect">
             <a:avLst/>
@@ -8264,7 +8193,7 @@
     </p:spTree>
     <p:extLst>
       <p:ext uri="{BB962C8B-B14F-4D97-AF65-F5344CB8AC3E}">
-        <p14:creationId xmlns:p14="http://schemas.microsoft.com/office/powerpoint/2010/main" val="135317165"/>
+        <p14:creationId xmlns:p14="http://schemas.microsoft.com/office/powerpoint/2010/main" val="1464860524"/>
       </p:ext>
     </p:extLst>
   </p:cSld>
@@ -8296,7 +8225,7 @@
           <p:cNvPr id="2" name="Title 1">
             <a:extLst>
               <a:ext uri="{FF2B5EF4-FFF2-40B4-BE49-F238E27FC236}">
-                <a16:creationId xmlns:a16="http://schemas.microsoft.com/office/drawing/2014/main" id="{E7B6AFB4-CF2D-F8DA-99EE-40F827940A1B}"/>
+                <a16:creationId xmlns:a16="http://schemas.microsoft.com/office/drawing/2014/main" id="{21CD620E-A38D-1E68-F077-B10F57635217}"/>
               </a:ext>
             </a:extLst>
           </p:cNvPr>
@@ -8307,96 +8236,138 @@
             <p:ph type="title"/>
           </p:nvPr>
         </p:nvSpPr>
+        <p:spPr/>
+        <p:txBody>
+          <a:bodyPr/>
+          <a:lstStyle/>
+          <a:p>
+            <a:r>
+              <a:rPr lang="en-US" dirty="0"/>
+              <a:t>Better Image Processing</a:t>
+            </a:r>
+            <a:br>
+              <a:rPr lang="en-US" dirty="0"/>
+            </a:br>
+            <a:r>
+              <a:rPr lang="en-US" dirty="0"/>
+              <a:t>(For Later on)</a:t>
+            </a:r>
+          </a:p>
+        </p:txBody>
+      </p:sp>
+      <p:sp>
+        <p:nvSpPr>
+          <p:cNvPr id="3" name="Content Placeholder 2">
+            <a:extLst>
+              <a:ext uri="{FF2B5EF4-FFF2-40B4-BE49-F238E27FC236}">
+                <a16:creationId xmlns:a16="http://schemas.microsoft.com/office/drawing/2014/main" id="{CA93F599-DA70-B4F8-4AAF-29AC103447E5}"/>
+              </a:ext>
+            </a:extLst>
+          </p:cNvPr>
+          <p:cNvSpPr>
+            <a:spLocks noGrp="1"/>
+          </p:cNvSpPr>
+          <p:nvPr>
+            <p:ph idx="1"/>
+          </p:nvPr>
+        </p:nvSpPr>
         <p:spPr>
           <a:xfrm>
-            <a:off x="198409" y="804519"/>
-            <a:ext cx="10856446" cy="1049235"/>
-          </a:xfrm>
-        </p:spPr>
-        <p:txBody>
-          <a:bodyPr/>
-          <a:lstStyle/>
-          <a:p>
-            <a:r>
-              <a:rPr lang="en-US" dirty="0"/>
-              <a:t>Detour - Feature Extraction and Preprocessing</a:t>
-            </a:r>
-          </a:p>
-        </p:txBody>
-      </p:sp>
-      <p:sp>
-        <p:nvSpPr>
-          <p:cNvPr id="3" name="Content Placeholder 2">
-            <a:extLst>
-              <a:ext uri="{FF2B5EF4-FFF2-40B4-BE49-F238E27FC236}">
-                <a16:creationId xmlns:a16="http://schemas.microsoft.com/office/drawing/2014/main" id="{1D67B5C3-D58D-2946-C8C2-F4FAAD045AA1}"/>
-              </a:ext>
-            </a:extLst>
-          </p:cNvPr>
-          <p:cNvSpPr>
-            <a:spLocks noGrp="1"/>
-          </p:cNvSpPr>
-          <p:nvPr>
-            <p:ph idx="1"/>
-          </p:nvPr>
-        </p:nvSpPr>
-        <p:spPr>
-          <a:xfrm>
-            <a:off x="6569266" y="1853754"/>
-            <a:ext cx="5532562" cy="4199727"/>
+            <a:off x="1451579" y="1853754"/>
+            <a:ext cx="10215284" cy="4199727"/>
           </a:xfrm>
         </p:spPr>
         <p:txBody>
           <a:bodyPr>
-            <a:normAutofit/>
+            <a:normAutofit fontScale="92500" lnSpcReduction="10000"/>
           </a:bodyPr>
           <a:lstStyle/>
           <a:p>
             <a:r>
               <a:rPr lang="en-US" dirty="0"/>
-              <a:t>Domain specific, and mostly out of our scope. </a:t>
-            </a:r>
-          </a:p>
-          <a:p>
-            <a:r>
-              <a:rPr lang="en-US" dirty="0"/>
-              <a:t>If a car needs to stay in lane, 5 1080p feeds is lots of data, all all we really need is something that represents where the lane is. </a:t>
-            </a:r>
-          </a:p>
-          <a:p>
-            <a:pPr lvl="1"/>
-            <a:r>
-              <a:rPr lang="en-US" dirty="0"/>
-              <a:t>I.e. instead of using all the data, our processing will find edges, and create features of that. </a:t>
-            </a:r>
-          </a:p>
-          <a:p>
-            <a:r>
-              <a:rPr lang="en-US" dirty="0"/>
-              <a:t>Can make a smaller and more efficient model. </a:t>
-            </a:r>
-          </a:p>
-          <a:p>
-            <a:r>
-              <a:rPr lang="en-US" dirty="0"/>
-              <a:t>A large non-feature model could learn this, but processing and data needs are higher. </a:t>
-            </a:r>
-          </a:p>
-          <a:p>
-            <a:pPr lvl="1"/>
-            <a:r>
-              <a:rPr lang="en-US" dirty="0"/>
-              <a:t>Domain knowledge shortcuts learning needs.</a:t>
+              <a:t>In our models we always need to flatten the data prior to doing anything. </a:t>
+            </a:r>
+          </a:p>
+          <a:p>
+            <a:pPr lvl="1"/>
+            <a:r>
+              <a:rPr lang="en-US" dirty="0" err="1"/>
+              <a:t>I.e</a:t>
+            </a:r>
+            <a:r>
+              <a:rPr lang="en-US" dirty="0"/>
+              <a:t> the data we use is a datasheet – one value per column, row per item. </a:t>
+            </a:r>
+          </a:p>
+          <a:p>
+            <a:r>
+              <a:rPr lang="en-US" dirty="0"/>
+              <a:t>In an image, that transformation causes some data loss. </a:t>
+            </a:r>
+          </a:p>
+          <a:p>
+            <a:pPr lvl="1"/>
+            <a:r>
+              <a:rPr lang="en-US" dirty="0"/>
+              <a:t>We lose the info on where things are in 2D relative to each other, like the shape of a face. </a:t>
+            </a:r>
+          </a:p>
+          <a:p>
+            <a:pPr lvl="1"/>
+            <a:r>
+              <a:rPr lang="en-US" dirty="0"/>
+              <a:t>E.g. a cat is a cat if it is on the right, upside down, </a:t>
+            </a:r>
+            <a:r>
+              <a:rPr lang="en-US" dirty="0" err="1"/>
+              <a:t>etc</a:t>
+            </a:r>
+            <a:r>
+              <a:rPr lang="en-US" dirty="0"/>
+              <a:t>… but our model only sees pixels. </a:t>
+            </a:r>
+          </a:p>
+          <a:p>
+            <a:pPr lvl="1"/>
+            <a:r>
+              <a:rPr lang="en-US" dirty="0"/>
+              <a:t>A cat in the upper left corner is different from a cat in the lower right corner in data. (diff pixel)</a:t>
+            </a:r>
+          </a:p>
+          <a:p>
+            <a:r>
+              <a:rPr lang="en-US" dirty="0"/>
+              <a:t>This is a limitation in fit of this type of model to this data – irreducible error. </a:t>
+            </a:r>
+          </a:p>
+          <a:p>
+            <a:pPr lvl="1"/>
+            <a:r>
+              <a:rPr lang="en-US" dirty="0"/>
+              <a:t>It will work as long as we can transform the data, but the representation (flattened pixels of the image fails in that it is unable to capture all of the important info in an image, like the spatial bit. </a:t>
+            </a:r>
+          </a:p>
+          <a:p>
+            <a:r>
+              <a:rPr lang="en-US" dirty="0"/>
+              <a:t>Other models (CNN) can capture the spatial part of the data, and are better for images. </a:t>
+            </a:r>
+          </a:p>
+          <a:p>
+            <a:pPr lvl="1"/>
+            <a:r>
+              <a:rPr lang="en-US" dirty="0"/>
+              <a:t>I.e. instead of using just pixels as features, this can construct features from the 2D image. </a:t>
             </a:r>
           </a:p>
         </p:txBody>
       </p:sp>
       <p:pic>
         <p:nvPicPr>
-          <p:cNvPr id="7170" name="Picture 2" descr="Edge detection and noise cancellation using PPHT and orientation angles. |  Download Scientific Diagram">
-            <a:extLst>
-              <a:ext uri="{FF2B5EF4-FFF2-40B4-BE49-F238E27FC236}">
-                <a16:creationId xmlns:a16="http://schemas.microsoft.com/office/drawing/2014/main" id="{883941DB-C857-BC65-1BCB-462957D2EC08}"/>
+          <p:cNvPr id="8196" name="Picture 4" descr="Data Augmentation: How to use Deep Learning when you have Limited Data -  KDnuggets">
+            <a:extLst>
+              <a:ext uri="{FF2B5EF4-FFF2-40B4-BE49-F238E27FC236}">
+                <a16:creationId xmlns:a16="http://schemas.microsoft.com/office/drawing/2014/main" id="{1556BC7B-84F2-F902-9FF3-232D430F31CD}"/>
               </a:ext>
             </a:extLst>
           </p:cNvPr>
@@ -8405,7 +8376,7 @@
           </p:cNvPicPr>
           <p:nvPr/>
         </p:nvPicPr>
-        <p:blipFill>
+        <p:blipFill rotWithShape="1">
           <a:blip r:embed="rId2">
             <a:extLst>
               <a:ext uri="{28A0092B-C50C-407E-A947-70E740481C1C}">
@@ -8413,15 +8384,13 @@
               </a:ext>
             </a:extLst>
           </a:blip>
-          <a:srcRect/>
-          <a:stretch>
-            <a:fillRect/>
-          </a:stretch>
+          <a:srcRect b="17447"/>
+          <a:stretch/>
         </p:blipFill>
         <p:spPr bwMode="auto">
           <a:xfrm>
-            <a:off x="90172" y="1509311"/>
-            <a:ext cx="6479094" cy="5348689"/>
+            <a:off x="7660257" y="0"/>
+            <a:ext cx="4531743" cy="1900252"/>
           </a:xfrm>
           <a:prstGeom prst="rect">
             <a:avLst/>
@@ -8441,7 +8410,7 @@
     </p:spTree>
     <p:extLst>
       <p:ext uri="{BB962C8B-B14F-4D97-AF65-F5344CB8AC3E}">
-        <p14:creationId xmlns:p14="http://schemas.microsoft.com/office/powerpoint/2010/main" val="769986858"/>
+        <p14:creationId xmlns:p14="http://schemas.microsoft.com/office/powerpoint/2010/main" val="135317165"/>
       </p:ext>
     </p:extLst>
   </p:cSld>
@@ -8473,7 +8442,7 @@
           <p:cNvPr id="2" name="Title 1">
             <a:extLst>
               <a:ext uri="{FF2B5EF4-FFF2-40B4-BE49-F238E27FC236}">
-                <a16:creationId xmlns:a16="http://schemas.microsoft.com/office/drawing/2014/main" id="{D90A6730-1D87-C934-150D-5B804373051E}"/>
+                <a16:creationId xmlns:a16="http://schemas.microsoft.com/office/drawing/2014/main" id="{E7B6AFB4-CF2D-F8DA-99EE-40F827940A1B}"/>
               </a:ext>
             </a:extLst>
           </p:cNvPr>
@@ -8484,14 +8453,19 @@
             <p:ph type="title"/>
           </p:nvPr>
         </p:nvSpPr>
-        <p:spPr/>
+        <p:spPr>
+          <a:xfrm>
+            <a:off x="198409" y="804519"/>
+            <a:ext cx="10856446" cy="1049235"/>
+          </a:xfrm>
+        </p:spPr>
         <p:txBody>
           <a:bodyPr/>
           <a:lstStyle/>
           <a:p>
             <a:r>
               <a:rPr lang="en-US" dirty="0"/>
-              <a:t>So… Images</a:t>
+              <a:t>Detour - Feature Extraction and Preprocessing</a:t>
             </a:r>
           </a:p>
         </p:txBody>
@@ -8501,7 +8475,7 @@
           <p:cNvPr id="3" name="Content Placeholder 2">
             <a:extLst>
               <a:ext uri="{FF2B5EF4-FFF2-40B4-BE49-F238E27FC236}">
-                <a16:creationId xmlns:a16="http://schemas.microsoft.com/office/drawing/2014/main" id="{2B79EC8B-A481-40B2-E88C-6F44B47B08B3}"/>
+                <a16:creationId xmlns:a16="http://schemas.microsoft.com/office/drawing/2014/main" id="{1D67B5C3-D58D-2946-C8C2-F4FAAD045AA1}"/>
               </a:ext>
             </a:extLst>
           </p:cNvPr>
@@ -8514,95 +8488,106 @@
         </p:nvSpPr>
         <p:spPr>
           <a:xfrm>
-            <a:off x="1451579" y="1853754"/>
-            <a:ext cx="9603275" cy="4199727"/>
-          </a:xfrm>
-        </p:spPr>
-        <p:txBody>
-          <a:bodyPr/>
-          <a:lstStyle/>
-          <a:p>
-            <a:r>
-              <a:rPr lang="en-US" dirty="0"/>
-              <a:t>So, we will treat our image data in the most simple way: pixels -&gt; features. </a:t>
-            </a:r>
-          </a:p>
-          <a:p>
-            <a:pPr lvl="1"/>
-            <a:r>
-              <a:rPr lang="en-US" dirty="0"/>
-              <a:t>This works, and requires few changes at all to work with our processes as they are. </a:t>
-            </a:r>
-          </a:p>
-          <a:p>
-            <a:pPr lvl="1"/>
-            <a:r>
-              <a:rPr lang="en-US" dirty="0"/>
-              <a:t>This compromises on some of the information that is important in an image, like 2D stuff. </a:t>
-            </a:r>
-          </a:p>
-          <a:p>
-            <a:r>
-              <a:rPr lang="en-US" dirty="0"/>
-              <a:t>Other models use the same source images, but interpret it differently. </a:t>
-            </a:r>
-          </a:p>
-          <a:p>
-            <a:pPr lvl="1"/>
-            <a:r>
-              <a:rPr lang="en-US" dirty="0"/>
-              <a:t>I.e. instead of pixels-&gt;features, they do some version of pixels-&gt;process-&gt;features. </a:t>
-            </a:r>
-          </a:p>
-          <a:p>
-            <a:r>
-              <a:rPr lang="en-US" dirty="0"/>
-              <a:t>None of these strategies is using the ‘true’ data (the actual visual), they all transform it. </a:t>
-            </a:r>
-          </a:p>
-          <a:p>
-            <a:pPr lvl="1"/>
-            <a:r>
-              <a:rPr lang="en-US" dirty="0"/>
-              <a:t>Our goal isn’t to produce a dataset that most perfectly represents reality. </a:t>
-            </a:r>
-          </a:p>
-          <a:p>
-            <a:pPr lvl="1"/>
-            <a:r>
-              <a:rPr lang="en-US" dirty="0"/>
-              <a:t>Our goal is to make a model that most accurately predicts reality. </a:t>
-            </a:r>
-          </a:p>
-          <a:p>
-            <a:pPr lvl="1"/>
-            <a:r>
-              <a:rPr lang="en-US" dirty="0"/>
-              <a:t>We can (and should) manipulate the data to those ends – (outliers, transformations, feature selection, </a:t>
-            </a:r>
-            <a:r>
-              <a:rPr lang="en-US" dirty="0" err="1"/>
-              <a:t>etc</a:t>
-            </a:r>
-            <a:r>
-              <a:rPr lang="en-US" dirty="0"/>
-              <a:t>…) We want the </a:t>
-            </a:r>
-            <a:r>
-              <a:rPr lang="en-US" i="1" dirty="0"/>
-              <a:t>pattern</a:t>
-            </a:r>
-            <a:r>
-              <a:rPr lang="en-US" dirty="0"/>
-              <a:t> from the training data, not necessarily the data. </a:t>
-            </a:r>
-          </a:p>
-        </p:txBody>
-      </p:sp>
+            <a:off x="6569266" y="1853754"/>
+            <a:ext cx="5532562" cy="4199727"/>
+          </a:xfrm>
+        </p:spPr>
+        <p:txBody>
+          <a:bodyPr>
+            <a:normAutofit/>
+          </a:bodyPr>
+          <a:lstStyle/>
+          <a:p>
+            <a:r>
+              <a:rPr lang="en-US" dirty="0"/>
+              <a:t>Domain specific, and mostly out of our scope. </a:t>
+            </a:r>
+          </a:p>
+          <a:p>
+            <a:r>
+              <a:rPr lang="en-US" dirty="0"/>
+              <a:t>If a car needs to stay in lane, 5 1080p feeds is lots of data, all all we really need is something that represents where the lane is. </a:t>
+            </a:r>
+          </a:p>
+          <a:p>
+            <a:pPr lvl="1"/>
+            <a:r>
+              <a:rPr lang="en-US" dirty="0"/>
+              <a:t>I.e. instead of using all the data, our processing will find edges, and create features of that. </a:t>
+            </a:r>
+          </a:p>
+          <a:p>
+            <a:r>
+              <a:rPr lang="en-US" dirty="0"/>
+              <a:t>Can make a smaller and more efficient model. </a:t>
+            </a:r>
+          </a:p>
+          <a:p>
+            <a:r>
+              <a:rPr lang="en-US" dirty="0"/>
+              <a:t>A large non-feature model could learn this, but processing and data needs are higher. </a:t>
+            </a:r>
+          </a:p>
+          <a:p>
+            <a:pPr lvl="1"/>
+            <a:r>
+              <a:rPr lang="en-US" dirty="0"/>
+              <a:t>Domain knowledge shortcuts learning needs.</a:t>
+            </a:r>
+          </a:p>
+        </p:txBody>
+      </p:sp>
+      <p:pic>
+        <p:nvPicPr>
+          <p:cNvPr id="7170" name="Picture 2" descr="Edge detection and noise cancellation using PPHT and orientation angles. |  Download Scientific Diagram">
+            <a:extLst>
+              <a:ext uri="{FF2B5EF4-FFF2-40B4-BE49-F238E27FC236}">
+                <a16:creationId xmlns:a16="http://schemas.microsoft.com/office/drawing/2014/main" id="{883941DB-C857-BC65-1BCB-462957D2EC08}"/>
+              </a:ext>
+            </a:extLst>
+          </p:cNvPr>
+          <p:cNvPicPr>
+            <a:picLocks noChangeAspect="1" noChangeArrowheads="1"/>
+          </p:cNvPicPr>
+          <p:nvPr/>
+        </p:nvPicPr>
+        <p:blipFill>
+          <a:blip r:embed="rId2">
+            <a:extLst>
+              <a:ext uri="{28A0092B-C50C-407E-A947-70E740481C1C}">
+                <a14:useLocalDpi xmlns:a14="http://schemas.microsoft.com/office/drawing/2010/main" val="0"/>
+              </a:ext>
+            </a:extLst>
+          </a:blip>
+          <a:srcRect/>
+          <a:stretch>
+            <a:fillRect/>
+          </a:stretch>
+        </p:blipFill>
+        <p:spPr bwMode="auto">
+          <a:xfrm>
+            <a:off x="90172" y="1509311"/>
+            <a:ext cx="6479094" cy="5348689"/>
+          </a:xfrm>
+          <a:prstGeom prst="rect">
+            <a:avLst/>
+          </a:prstGeom>
+          <a:noFill/>
+          <a:extLst>
+            <a:ext uri="{909E8E84-426E-40DD-AFC4-6F175D3DCCD1}">
+              <a14:hiddenFill xmlns:a14="http://schemas.microsoft.com/office/drawing/2010/main">
+                <a:solidFill>
+                  <a:srgbClr val="FFFFFF"/>
+                </a:solidFill>
+              </a14:hiddenFill>
+            </a:ext>
+          </a:extLst>
+        </p:spPr>
+      </p:pic>
     </p:spTree>
     <p:extLst>
       <p:ext uri="{BB962C8B-B14F-4D97-AF65-F5344CB8AC3E}">
-        <p14:creationId xmlns:p14="http://schemas.microsoft.com/office/powerpoint/2010/main" val="2618373859"/>
+        <p14:creationId xmlns:p14="http://schemas.microsoft.com/office/powerpoint/2010/main" val="769986858"/>
       </p:ext>
     </p:extLst>
   </p:cSld>
@@ -8634,7 +8619,7 @@
           <p:cNvPr id="2" name="Title 1">
             <a:extLst>
               <a:ext uri="{FF2B5EF4-FFF2-40B4-BE49-F238E27FC236}">
-                <a16:creationId xmlns:a16="http://schemas.microsoft.com/office/drawing/2014/main" id="{D4257230-D331-22F1-C328-892C2A3F5FD3}"/>
+                <a16:creationId xmlns:a16="http://schemas.microsoft.com/office/drawing/2014/main" id="{D90A6730-1D87-C934-150D-5B804373051E}"/>
               </a:ext>
             </a:extLst>
           </p:cNvPr>
@@ -8652,7 +8637,7 @@
           <a:p>
             <a:r>
               <a:rPr lang="en-US" dirty="0"/>
-              <a:t>Data Representations</a:t>
+              <a:t>So… Images</a:t>
             </a:r>
           </a:p>
         </p:txBody>
@@ -8662,7 +8647,7 @@
           <p:cNvPr id="3" name="Content Placeholder 2">
             <a:extLst>
               <a:ext uri="{FF2B5EF4-FFF2-40B4-BE49-F238E27FC236}">
-                <a16:creationId xmlns:a16="http://schemas.microsoft.com/office/drawing/2014/main" id="{0F7856DB-7967-F0FC-4E78-90EC7D46A8E9}"/>
+                <a16:creationId xmlns:a16="http://schemas.microsoft.com/office/drawing/2014/main" id="{2B79EC8B-A481-40B2-E88C-6F44B47B08B3}"/>
               </a:ext>
             </a:extLst>
           </p:cNvPr>
@@ -8675,79 +8660,87 @@
         </p:nvSpPr>
         <p:spPr>
           <a:xfrm>
-            <a:off x="980768" y="1853754"/>
-            <a:ext cx="10434483" cy="4288949"/>
-          </a:xfrm>
-        </p:spPr>
-        <p:txBody>
-          <a:bodyPr>
-            <a:normAutofit/>
-          </a:bodyPr>
-          <a:lstStyle/>
-          <a:p>
-            <a:r>
-              <a:rPr lang="en-US" dirty="0"/>
-              <a:t>For structured data (numbers, classes, Booleans) the data values we use are pretty set. </a:t>
-            </a:r>
-          </a:p>
-          <a:p>
-            <a:pPr lvl="1"/>
-            <a:r>
-              <a:rPr lang="en-US" dirty="0"/>
-              <a:t>Our models calculate numbers, so we are just converting to different numbers. </a:t>
-            </a:r>
-          </a:p>
-          <a:p>
-            <a:pPr lvl="1"/>
-            <a:r>
-              <a:rPr lang="en-US" dirty="0"/>
-              <a:t>Our predictions are based on getting as close as possible to whatever the value is. </a:t>
-            </a:r>
-          </a:p>
-          <a:p>
-            <a:r>
-              <a:rPr lang="en-US" dirty="0"/>
-              <a:t>For unstructured data, that can’t really happen. </a:t>
-            </a:r>
-          </a:p>
-          <a:p>
-            <a:pPr lvl="1"/>
-            <a:r>
-              <a:rPr lang="en-US" dirty="0"/>
-              <a:t>An image, sound, or paragraph doesn’t really have a ’value’ in the same sense. </a:t>
-            </a:r>
-          </a:p>
-          <a:p>
-            <a:r>
-              <a:rPr lang="en-US" dirty="0"/>
-              <a:t>We need to generate a representation of the data to use in a mathematical model. </a:t>
-            </a:r>
-          </a:p>
-          <a:p>
-            <a:pPr lvl="1"/>
-            <a:r>
-              <a:rPr lang="en-US" dirty="0"/>
-              <a:t>Here, that is a simple rearranging of the pixel layout. </a:t>
-            </a:r>
-          </a:p>
-          <a:p>
-            <a:pPr lvl="1"/>
-            <a:r>
-              <a:rPr lang="en-US" dirty="0"/>
-              <a:t>In more advanced image processing models, we can look at 2D ‘hunks’ (or edges, or…)</a:t>
-            </a:r>
-          </a:p>
-          <a:p>
-            <a:pPr lvl="1"/>
-            <a:r>
-              <a:rPr lang="en-US" dirty="0"/>
-              <a:t>Soon, for free text, we’ll need to do something similar – generate an embedding. </a:t>
-            </a:r>
-          </a:p>
-          <a:p>
-            <a:r>
-              <a:rPr lang="en-US" dirty="0"/>
-              <a:t>Performance depends both on the model, and how good the numeric representation of reality is. </a:t>
+            <a:off x="1451579" y="1853754"/>
+            <a:ext cx="9603275" cy="4199727"/>
+          </a:xfrm>
+        </p:spPr>
+        <p:txBody>
+          <a:bodyPr/>
+          <a:lstStyle/>
+          <a:p>
+            <a:r>
+              <a:rPr lang="en-US" dirty="0"/>
+              <a:t>So, we will treat our image data in the most simple way: pixels -&gt; features. </a:t>
+            </a:r>
+          </a:p>
+          <a:p>
+            <a:pPr lvl="1"/>
+            <a:r>
+              <a:rPr lang="en-US" dirty="0"/>
+              <a:t>This works, and requires few changes at all to work with our processes as they are. </a:t>
+            </a:r>
+          </a:p>
+          <a:p>
+            <a:pPr lvl="1"/>
+            <a:r>
+              <a:rPr lang="en-US" dirty="0"/>
+              <a:t>This compromises on some of the information that is important in an image, like 2D stuff. </a:t>
+            </a:r>
+          </a:p>
+          <a:p>
+            <a:r>
+              <a:rPr lang="en-US" dirty="0"/>
+              <a:t>Other models use the same source images, but interpret it differently. </a:t>
+            </a:r>
+          </a:p>
+          <a:p>
+            <a:pPr lvl="1"/>
+            <a:r>
+              <a:rPr lang="en-US" dirty="0"/>
+              <a:t>I.e. instead of pixels-&gt;features, they do some version of pixels-&gt;process-&gt;features. </a:t>
+            </a:r>
+          </a:p>
+          <a:p>
+            <a:r>
+              <a:rPr lang="en-US" dirty="0"/>
+              <a:t>None of these strategies is using the ‘true’ data (the actual visual), they all transform it. </a:t>
+            </a:r>
+          </a:p>
+          <a:p>
+            <a:pPr lvl="1"/>
+            <a:r>
+              <a:rPr lang="en-US" dirty="0"/>
+              <a:t>Our goal isn’t to produce a dataset that most perfectly represents reality. </a:t>
+            </a:r>
+          </a:p>
+          <a:p>
+            <a:pPr lvl="1"/>
+            <a:r>
+              <a:rPr lang="en-US" dirty="0"/>
+              <a:t>Our goal is to make a model that most accurately predicts reality. </a:t>
+            </a:r>
+          </a:p>
+          <a:p>
+            <a:pPr lvl="1"/>
+            <a:r>
+              <a:rPr lang="en-US" dirty="0"/>
+              <a:t>We can (and should) manipulate the data to those ends – (outliers, transformations, feature selection, </a:t>
+            </a:r>
+            <a:r>
+              <a:rPr lang="en-US" dirty="0" err="1"/>
+              <a:t>etc</a:t>
+            </a:r>
+            <a:r>
+              <a:rPr lang="en-US" dirty="0"/>
+              <a:t>…) We want the </a:t>
+            </a:r>
+            <a:r>
+              <a:rPr lang="en-US" i="1" dirty="0"/>
+              <a:t>pattern</a:t>
+            </a:r>
+            <a:r>
+              <a:rPr lang="en-US" dirty="0"/>
+              <a:t> from the training data, not necessarily the data. </a:t>
             </a:r>
           </a:p>
         </p:txBody>
@@ -8755,7 +8748,7 @@
     </p:spTree>
     <p:extLst>
       <p:ext uri="{BB962C8B-B14F-4D97-AF65-F5344CB8AC3E}">
-        <p14:creationId xmlns:p14="http://schemas.microsoft.com/office/powerpoint/2010/main" val="2217046555"/>
+        <p14:creationId xmlns:p14="http://schemas.microsoft.com/office/powerpoint/2010/main" val="2618373859"/>
       </p:ext>
     </p:extLst>
   </p:cSld>
@@ -8787,7 +8780,7 @@
           <p:cNvPr id="2" name="Title 1">
             <a:extLst>
               <a:ext uri="{FF2B5EF4-FFF2-40B4-BE49-F238E27FC236}">
-                <a16:creationId xmlns:a16="http://schemas.microsoft.com/office/drawing/2014/main" id="{DB90690F-F19E-A08F-A881-F4C79584378A}"/>
+                <a16:creationId xmlns:a16="http://schemas.microsoft.com/office/drawing/2014/main" id="{D4257230-D331-22F1-C328-892C2A3F5FD3}"/>
               </a:ext>
             </a:extLst>
           </p:cNvPr>
@@ -8805,7 +8798,7 @@
           <a:p>
             <a:r>
               <a:rPr lang="en-US" dirty="0"/>
-              <a:t>Images and Logistic Regression</a:t>
+              <a:t>Data Representations</a:t>
             </a:r>
           </a:p>
         </p:txBody>
@@ -8815,7 +8808,7 @@
           <p:cNvPr id="3" name="Content Placeholder 2">
             <a:extLst>
               <a:ext uri="{FF2B5EF4-FFF2-40B4-BE49-F238E27FC236}">
-                <a16:creationId xmlns:a16="http://schemas.microsoft.com/office/drawing/2014/main" id="{B30FBD18-BDC6-672E-3C29-C1BF07B5BD8F}"/>
+                <a16:creationId xmlns:a16="http://schemas.microsoft.com/office/drawing/2014/main" id="{0F7856DB-7967-F0FC-4E78-90EC7D46A8E9}"/>
               </a:ext>
             </a:extLst>
           </p:cNvPr>
@@ -8828,88 +8821,79 @@
         </p:nvSpPr>
         <p:spPr>
           <a:xfrm>
-            <a:off x="1451579" y="1915064"/>
-            <a:ext cx="9762761" cy="4138417"/>
-          </a:xfrm>
-        </p:spPr>
-        <p:txBody>
-          <a:bodyPr/>
-          <a:lstStyle/>
-          <a:p>
-            <a:r>
-              <a:rPr lang="en-US" dirty="0"/>
-              <a:t>Images can be treated like any other data – represent the image in a format that our model can accept, and let it fly. </a:t>
-            </a:r>
-          </a:p>
-          <a:p>
-            <a:pPr lvl="1"/>
-            <a:r>
-              <a:rPr lang="en-US" dirty="0"/>
-              <a:t>The chosen representation will determine if we can extract value from it. </a:t>
-            </a:r>
-          </a:p>
-          <a:p>
-            <a:pPr lvl="1"/>
-            <a:r>
-              <a:rPr lang="en-US" dirty="0"/>
-              <a:t>We must ensure that the shape/size of our model matches that data (post-prep). </a:t>
-            </a:r>
-          </a:p>
-          <a:p>
-            <a:pPr lvl="1"/>
-            <a:r>
-              <a:rPr lang="en-US" dirty="0"/>
-              <a:t>This applies to anything, if we can represent it tabularly, we can predict it. </a:t>
-            </a:r>
-          </a:p>
-          <a:p>
-            <a:r>
-              <a:rPr lang="en-US" dirty="0"/>
-              <a:t>Logistic regression can adapt a linear model to do classification. </a:t>
-            </a:r>
-          </a:p>
-          <a:p>
-            <a:pPr lvl="1"/>
-            <a:r>
-              <a:rPr lang="en-US" dirty="0"/>
-              <a:t>Instead of doing a regression to Y (target) we do a regression to the logit (</a:t>
-            </a:r>
-            <a:r>
-              <a:rPr lang="en-US" dirty="0" err="1"/>
-              <a:t>loggy</a:t>
-            </a:r>
-            <a:r>
-              <a:rPr lang="en-US" dirty="0"/>
-              <a:t> prob). </a:t>
-            </a:r>
-          </a:p>
-          <a:p>
-            <a:pPr lvl="1"/>
-            <a:r>
-              <a:rPr lang="en-US" dirty="0"/>
-              <a:t>The result of the regression is “run through” a function to make that prediction a probability. </a:t>
-            </a:r>
-          </a:p>
-          <a:p>
-            <a:pPr lvl="1"/>
-            <a:r>
-              <a:rPr lang="en-US" dirty="0"/>
-              <a:t>That function (activation) can be a sigmoid (bin) or a </a:t>
-            </a:r>
-            <a:r>
-              <a:rPr lang="en-US" dirty="0" err="1"/>
-              <a:t>softmax</a:t>
-            </a:r>
-            <a:r>
-              <a:rPr lang="en-US" dirty="0"/>
-              <a:t> (multi), produces ’prob of label’. </a:t>
-            </a:r>
-          </a:p>
-          <a:p>
-            <a:pPr lvl="1"/>
-            <a:r>
-              <a:rPr lang="en-US" dirty="0"/>
-              <a:t>The most probable label gets chosen and assigned as our prediction. </a:t>
+            <a:off x="980768" y="1853754"/>
+            <a:ext cx="10434483" cy="4288949"/>
+          </a:xfrm>
+        </p:spPr>
+        <p:txBody>
+          <a:bodyPr>
+            <a:normAutofit/>
+          </a:bodyPr>
+          <a:lstStyle/>
+          <a:p>
+            <a:r>
+              <a:rPr lang="en-US" dirty="0"/>
+              <a:t>For structured data (numbers, classes, Booleans) the data values we use are pretty set. </a:t>
+            </a:r>
+          </a:p>
+          <a:p>
+            <a:pPr lvl="1"/>
+            <a:r>
+              <a:rPr lang="en-US" dirty="0"/>
+              <a:t>Our models calculate numbers, so we are just converting to different numbers. </a:t>
+            </a:r>
+          </a:p>
+          <a:p>
+            <a:pPr lvl="1"/>
+            <a:r>
+              <a:rPr lang="en-US" dirty="0"/>
+              <a:t>Our predictions are based on getting as close as possible to whatever the value is. </a:t>
+            </a:r>
+          </a:p>
+          <a:p>
+            <a:r>
+              <a:rPr lang="en-US" dirty="0"/>
+              <a:t>For unstructured data, that can’t really happen. </a:t>
+            </a:r>
+          </a:p>
+          <a:p>
+            <a:pPr lvl="1"/>
+            <a:r>
+              <a:rPr lang="en-US" dirty="0"/>
+              <a:t>An image, sound, or paragraph doesn’t really have a ’value’ in the same sense. </a:t>
+            </a:r>
+          </a:p>
+          <a:p>
+            <a:r>
+              <a:rPr lang="en-US" dirty="0"/>
+              <a:t>We need to generate a representation of the data to use in a mathematical model. </a:t>
+            </a:r>
+          </a:p>
+          <a:p>
+            <a:pPr lvl="1"/>
+            <a:r>
+              <a:rPr lang="en-US" dirty="0"/>
+              <a:t>Here, that is a simple rearranging of the pixel layout. </a:t>
+            </a:r>
+          </a:p>
+          <a:p>
+            <a:pPr lvl="1"/>
+            <a:r>
+              <a:rPr lang="en-US" dirty="0"/>
+              <a:t>In more advanced image processing models, we can look at 2D ‘hunks’ (or edges, or…)</a:t>
+            </a:r>
+          </a:p>
+          <a:p>
+            <a:pPr lvl="1"/>
+            <a:r>
+              <a:rPr lang="en-US" dirty="0"/>
+              <a:t>Soon, for free text, we’ll need to do something similar – generate an embedding. </a:t>
+            </a:r>
+          </a:p>
+          <a:p>
+            <a:r>
+              <a:rPr lang="en-US" dirty="0"/>
+              <a:t>Performance depends both on the model, and how good the numeric representation of reality is. </a:t>
             </a:r>
           </a:p>
         </p:txBody>
@@ -8917,7 +8901,7 @@
     </p:spTree>
     <p:extLst>
       <p:ext uri="{BB962C8B-B14F-4D97-AF65-F5344CB8AC3E}">
-        <p14:creationId xmlns:p14="http://schemas.microsoft.com/office/powerpoint/2010/main" val="154385132"/>
+        <p14:creationId xmlns:p14="http://schemas.microsoft.com/office/powerpoint/2010/main" val="2217046555"/>
       </p:ext>
     </p:extLst>
   </p:cSld>
@@ -8949,7 +8933,7 @@
           <p:cNvPr id="2" name="Title 1">
             <a:extLst>
               <a:ext uri="{FF2B5EF4-FFF2-40B4-BE49-F238E27FC236}">
-                <a16:creationId xmlns:a16="http://schemas.microsoft.com/office/drawing/2014/main" id="{E30B0001-D5FA-1186-96DA-CB7608DDD311}"/>
+                <a16:creationId xmlns:a16="http://schemas.microsoft.com/office/drawing/2014/main" id="{DB90690F-F19E-A08F-A881-F4C79584378A}"/>
               </a:ext>
             </a:extLst>
           </p:cNvPr>
@@ -8967,7 +8951,7 @@
           <a:p>
             <a:r>
               <a:rPr lang="en-US" dirty="0"/>
-              <a:t>Constructing Features</a:t>
+              <a:t>Images and Logistic Regression</a:t>
             </a:r>
           </a:p>
         </p:txBody>
@@ -8977,7 +8961,7 @@
           <p:cNvPr id="3" name="Content Placeholder 2">
             <a:extLst>
               <a:ext uri="{FF2B5EF4-FFF2-40B4-BE49-F238E27FC236}">
-                <a16:creationId xmlns:a16="http://schemas.microsoft.com/office/drawing/2014/main" id="{9A82F5DB-E5E4-5D96-B114-BB9D469CD8A8}"/>
+                <a16:creationId xmlns:a16="http://schemas.microsoft.com/office/drawing/2014/main" id="{B30FBD18-BDC6-672E-3C29-C1BF07B5BD8F}"/>
               </a:ext>
             </a:extLst>
           </p:cNvPr>
@@ -8990,8 +8974,8 @@
         </p:nvSpPr>
         <p:spPr>
           <a:xfrm>
-            <a:off x="1451579" y="1853754"/>
-            <a:ext cx="9603275" cy="4199727"/>
+            <a:off x="1451579" y="1915064"/>
+            <a:ext cx="9762761" cy="4138417"/>
           </a:xfrm>
         </p:spPr>
         <p:txBody>
@@ -9000,104 +8984,86 @@
           <a:p>
             <a:r>
               <a:rPr lang="en-US" dirty="0"/>
-              <a:t>Sometimes training data isn’t the data you train on. </a:t>
-            </a:r>
-          </a:p>
-          <a:p>
-            <a:pPr lvl="1"/>
-            <a:r>
-              <a:rPr lang="en-US" dirty="0"/>
-              <a:t>The data we have isn’t in the format that is useful for us. </a:t>
-            </a:r>
-          </a:p>
-          <a:p>
-            <a:pPr lvl="1"/>
-            <a:r>
-              <a:rPr lang="en-US" dirty="0"/>
-              <a:t>E.g. log transformations in stats, one hot encoding for us, </a:t>
+              <a:t>Images can be treated like any other data – represent the image in a format that our model can accept, and let it fly. </a:t>
+            </a:r>
+          </a:p>
+          <a:p>
+            <a:pPr lvl="1"/>
+            <a:r>
+              <a:rPr lang="en-US" dirty="0"/>
+              <a:t>The chosen representation will determine if we can extract value from it. </a:t>
+            </a:r>
+          </a:p>
+          <a:p>
+            <a:pPr lvl="1"/>
+            <a:r>
+              <a:rPr lang="en-US" dirty="0"/>
+              <a:t>We must ensure that the shape/size of our model matches that data (post-prep). </a:t>
+            </a:r>
+          </a:p>
+          <a:p>
+            <a:pPr lvl="1"/>
+            <a:r>
+              <a:rPr lang="en-US" dirty="0"/>
+              <a:t>This applies to anything, if we can represent it tabularly, we can predict it. </a:t>
+            </a:r>
+          </a:p>
+          <a:p>
+            <a:r>
+              <a:rPr lang="en-US" dirty="0"/>
+              <a:t>Logistic regression can adapt a linear model to do classification. </a:t>
+            </a:r>
+          </a:p>
+          <a:p>
+            <a:pPr lvl="1"/>
+            <a:r>
+              <a:rPr lang="en-US" dirty="0"/>
+              <a:t>Instead of doing a regression to Y (target) we do a regression to the logit (</a:t>
             </a:r>
             <a:r>
               <a:rPr lang="en-US" dirty="0" err="1"/>
-              <a:t>etc</a:t>
-            </a:r>
-            <a:r>
-              <a:rPr lang="en-US" dirty="0"/>
-              <a:t>…</a:t>
-            </a:r>
-          </a:p>
-          <a:p>
-            <a:r>
-              <a:rPr lang="en-US" dirty="0"/>
-              <a:t>Sometimes we need to take more drastic (and open ended) steps. </a:t>
-            </a:r>
-          </a:p>
-          <a:p>
-            <a:pPr lvl="1"/>
-            <a:r>
-              <a:rPr lang="en-US" dirty="0"/>
-              <a:t>Remember – our goal is a good model, not one that is ‘true to the data’. </a:t>
-            </a:r>
-          </a:p>
-          <a:p>
-            <a:pPr lvl="1"/>
-            <a:r>
-              <a:rPr lang="en-US" dirty="0"/>
-              <a:t>We need data that teaches our model the pattern of our data, irrespective if what we use is actually the data or not. </a:t>
-            </a:r>
-          </a:p>
-        </p:txBody>
-      </p:sp>
-      <p:pic>
-        <p:nvPicPr>
-          <p:cNvPr id="11266" name="Picture 2" descr="The Quote">
-            <a:extLst>
-              <a:ext uri="{FF2B5EF4-FFF2-40B4-BE49-F238E27FC236}">
-                <a16:creationId xmlns:a16="http://schemas.microsoft.com/office/drawing/2014/main" id="{69694CEC-319E-41D5-3B0A-1B48877A493A}"/>
-              </a:ext>
-            </a:extLst>
-          </p:cNvPr>
-          <p:cNvPicPr>
-            <a:picLocks noChangeAspect="1" noChangeArrowheads="1"/>
-          </p:cNvPicPr>
-          <p:nvPr/>
-        </p:nvPicPr>
-        <p:blipFill>
-          <a:blip r:embed="rId2">
-            <a:extLst>
-              <a:ext uri="{28A0092B-C50C-407E-A947-70E740481C1C}">
-                <a14:useLocalDpi xmlns:a14="http://schemas.microsoft.com/office/drawing/2010/main" val="0"/>
-              </a:ext>
-            </a:extLst>
-          </a:blip>
-          <a:srcRect/>
-          <a:stretch>
-            <a:fillRect/>
-          </a:stretch>
-        </p:blipFill>
-        <p:spPr bwMode="auto">
-          <a:xfrm>
-            <a:off x="8371864" y="0"/>
-            <a:ext cx="3820135" cy="2941504"/>
-          </a:xfrm>
-          <a:prstGeom prst="rect">
-            <a:avLst/>
-          </a:prstGeom>
-          <a:noFill/>
-          <a:extLst>
-            <a:ext uri="{909E8E84-426E-40DD-AFC4-6F175D3DCCD1}">
-              <a14:hiddenFill xmlns:a14="http://schemas.microsoft.com/office/drawing/2010/main">
-                <a:solidFill>
-                  <a:srgbClr val="FFFFFF"/>
-                </a:solidFill>
-              </a14:hiddenFill>
-            </a:ext>
-          </a:extLst>
-        </p:spPr>
-      </p:pic>
+              <a:t>loggy</a:t>
+            </a:r>
+            <a:r>
+              <a:rPr lang="en-US" dirty="0"/>
+              <a:t> prob). </a:t>
+            </a:r>
+          </a:p>
+          <a:p>
+            <a:pPr lvl="1"/>
+            <a:r>
+              <a:rPr lang="en-US" dirty="0"/>
+              <a:t>The result of the regression is “run through” a function to make that prediction a probability. </a:t>
+            </a:r>
+          </a:p>
+          <a:p>
+            <a:pPr lvl="1"/>
+            <a:r>
+              <a:rPr lang="en-US" dirty="0"/>
+              <a:t>That function (activation) can be a sigmoid (bin) or a </a:t>
+            </a:r>
+            <a:r>
+              <a:rPr lang="en-US" dirty="0" err="1"/>
+              <a:t>softmax</a:t>
+            </a:r>
+            <a:r>
+              <a:rPr lang="en-US" dirty="0"/>
+              <a:t> (multi), produces ’prob of label’. </a:t>
+            </a:r>
+          </a:p>
+          <a:p>
+            <a:pPr lvl="1"/>
+            <a:r>
+              <a:rPr lang="en-US" dirty="0"/>
+              <a:t>The most probable label gets chosen and assigned as our prediction. </a:t>
+            </a:r>
+          </a:p>
+        </p:txBody>
+      </p:sp>
     </p:spTree>
     <p:extLst>
       <p:ext uri="{BB962C8B-B14F-4D97-AF65-F5344CB8AC3E}">
-        <p14:creationId xmlns:p14="http://schemas.microsoft.com/office/powerpoint/2010/main" val="1865684491"/>
+        <p14:creationId xmlns:p14="http://schemas.microsoft.com/office/powerpoint/2010/main" val="154385132"/>
       </p:ext>
     </p:extLst>
   </p:cSld>
@@ -9129,7 +9095,7 @@
           <p:cNvPr id="2" name="Title 1">
             <a:extLst>
               <a:ext uri="{FF2B5EF4-FFF2-40B4-BE49-F238E27FC236}">
-                <a16:creationId xmlns:a16="http://schemas.microsoft.com/office/drawing/2014/main" id="{1871726C-F6E2-591A-C5A8-CCB9C7C7EE7E}"/>
+                <a16:creationId xmlns:a16="http://schemas.microsoft.com/office/drawing/2014/main" id="{E30B0001-D5FA-1186-96DA-CB7608DDD311}"/>
               </a:ext>
             </a:extLst>
           </p:cNvPr>
@@ -9147,7 +9113,7 @@
           <a:p>
             <a:r>
               <a:rPr lang="en-US" dirty="0"/>
-              <a:t>Example</a:t>
+              <a:t>Constructing Features</a:t>
             </a:r>
           </a:p>
         </p:txBody>
@@ -9157,7 +9123,7 @@
           <p:cNvPr id="3" name="Content Placeholder 2">
             <a:extLst>
               <a:ext uri="{FF2B5EF4-FFF2-40B4-BE49-F238E27FC236}">
-                <a16:creationId xmlns:a16="http://schemas.microsoft.com/office/drawing/2014/main" id="{645C059C-6C86-3640-4288-9E5E9E4D356F}"/>
+                <a16:creationId xmlns:a16="http://schemas.microsoft.com/office/drawing/2014/main" id="{9A82F5DB-E5E4-5D96-B114-BB9D469CD8A8}"/>
               </a:ext>
             </a:extLst>
           </p:cNvPr>
@@ -9171,99 +9137,34 @@
         <p:spPr>
           <a:xfrm>
             <a:off x="1451579" y="1853754"/>
-            <a:ext cx="9603275" cy="4305505"/>
-          </a:xfrm>
-        </p:spPr>
-        <p:txBody>
-          <a:bodyPr>
-            <a:normAutofit/>
-          </a:bodyPr>
-          <a:lstStyle/>
-          <a:p>
-            <a:r>
-              <a:rPr lang="en-US" dirty="0"/>
-              <a:t>Suppose you’re in charge of planning new Amazon warehouse locations. </a:t>
-            </a:r>
-          </a:p>
-          <a:p>
-            <a:pPr lvl="1"/>
-            <a:r>
-              <a:rPr lang="en-US" dirty="0"/>
-              <a:t>The goal is to make it somewhere convenient for the customer deliveries. </a:t>
-            </a:r>
-          </a:p>
-          <a:p>
-            <a:r>
-              <a:rPr lang="en-US" dirty="0"/>
-              <a:t>You have data on all the amazon customers, including their address. </a:t>
-            </a:r>
-          </a:p>
-          <a:p>
-            <a:r>
-              <a:rPr lang="en-US" dirty="0"/>
-              <a:t>This address could (theoretically) be a feature for a model. </a:t>
-            </a:r>
-          </a:p>
-          <a:p>
-            <a:r>
-              <a:rPr lang="en-US" dirty="0"/>
-              <a:t>Transforming the address may make for a better model, what if we:</a:t>
-            </a:r>
-          </a:p>
-          <a:p>
-            <a:pPr lvl="1"/>
-            <a:r>
-              <a:rPr lang="en-US" dirty="0"/>
-              <a:t>Geocoded it, making it latitude and longitude. </a:t>
-            </a:r>
-          </a:p>
-          <a:p>
-            <a:pPr lvl="1"/>
-            <a:r>
-              <a:rPr lang="en-US" dirty="0"/>
-              <a:t>Calculated distance from customer-warehouse using </a:t>
+            <a:ext cx="9603275" cy="4199727"/>
+          </a:xfrm>
+        </p:spPr>
+        <p:txBody>
+          <a:bodyPr/>
+          <a:lstStyle/>
+          <a:p>
+            <a:r>
+              <a:rPr lang="en-US" dirty="0"/>
+              <a:t>Sometimes training data isn’t the data you train on. </a:t>
+            </a:r>
+          </a:p>
+          <a:p>
+            <a:pPr lvl="1"/>
+            <a:r>
+              <a:rPr lang="en-US" dirty="0"/>
+              <a:t>The data we have isn’t in the format that is useful for us. </a:t>
+            </a:r>
+          </a:p>
+          <a:p>
+            <a:pPr lvl="1"/>
+            <a:r>
+              <a:rPr lang="en-US" dirty="0"/>
+              <a:t>E.g. log transformations in stats, one hot encoding for us, </a:t>
             </a:r>
             <a:r>
               <a:rPr lang="en-US" dirty="0" err="1"/>
-              <a:t>lat</a:t>
-            </a:r>
-            <a:r>
-              <a:rPr lang="en-US" dirty="0"/>
-              <a:t>/</a:t>
-            </a:r>
-            <a:r>
-              <a:rPr lang="en-US" dirty="0" err="1"/>
-              <a:t>lon</a:t>
-            </a:r>
-            <a:r>
-              <a:rPr lang="en-US" dirty="0"/>
-              <a:t> and used that instead. </a:t>
-            </a:r>
-          </a:p>
-          <a:p>
-            <a:pPr lvl="1"/>
-            <a:r>
-              <a:rPr lang="en-US" dirty="0"/>
-              <a:t>Used a service like google maps to lookup driving distance </a:t>
-            </a:r>
-            <a:r>
-              <a:rPr lang="en-US" dirty="0" err="1"/>
-              <a:t>cust</a:t>
-            </a:r>
-            <a:r>
-              <a:rPr lang="en-US" dirty="0"/>
-              <a:t>-ware, and used that. </a:t>
-            </a:r>
-          </a:p>
-          <a:p>
-            <a:pPr lvl="1"/>
-            <a:r>
-              <a:rPr lang="en-US" dirty="0"/>
-              <a:t>Used another model to calculate effective routes between warehouse and common </a:t>
-            </a:r>
-            <a:r>
-              <a:rPr lang="en-US" dirty="0" err="1"/>
-              <a:t>custys</a:t>
+              <a:t>etc</a:t>
             </a:r>
             <a:r>
               <a:rPr lang="en-US" dirty="0"/>
@@ -9271,21 +9172,78 @@
             </a:r>
           </a:p>
           <a:p>
-            <a:pPr lvl="2"/>
-            <a:r>
-              <a:rPr lang="en-US" dirty="0"/>
-              <a:t>UPS does this for planning delivery routes – they avoid lefts and reverse, not just shortest. </a:t>
-            </a:r>
-          </a:p>
-          <a:p>
-            <a:endParaRPr lang="en-US" dirty="0"/>
-          </a:p>
-        </p:txBody>
-      </p:sp>
+            <a:r>
+              <a:rPr lang="en-US" dirty="0"/>
+              <a:t>Sometimes we need to take more drastic (and open ended) steps. </a:t>
+            </a:r>
+          </a:p>
+          <a:p>
+            <a:pPr lvl="1"/>
+            <a:r>
+              <a:rPr lang="en-US" dirty="0"/>
+              <a:t>Remember – our goal is a good model, not one that is ‘true to the data’. </a:t>
+            </a:r>
+          </a:p>
+          <a:p>
+            <a:pPr lvl="1"/>
+            <a:r>
+              <a:rPr lang="en-US" dirty="0"/>
+              <a:t>We need data that teaches our model the pattern of our data, irrespective if what we use is actually the data or not. </a:t>
+            </a:r>
+          </a:p>
+        </p:txBody>
+      </p:sp>
+      <p:pic>
+        <p:nvPicPr>
+          <p:cNvPr id="11266" name="Picture 2" descr="The Quote">
+            <a:extLst>
+              <a:ext uri="{FF2B5EF4-FFF2-40B4-BE49-F238E27FC236}">
+                <a16:creationId xmlns:a16="http://schemas.microsoft.com/office/drawing/2014/main" id="{69694CEC-319E-41D5-3B0A-1B48877A493A}"/>
+              </a:ext>
+            </a:extLst>
+          </p:cNvPr>
+          <p:cNvPicPr>
+            <a:picLocks noChangeAspect="1" noChangeArrowheads="1"/>
+          </p:cNvPicPr>
+          <p:nvPr/>
+        </p:nvPicPr>
+        <p:blipFill>
+          <a:blip r:embed="rId2">
+            <a:extLst>
+              <a:ext uri="{28A0092B-C50C-407E-A947-70E740481C1C}">
+                <a14:useLocalDpi xmlns:a14="http://schemas.microsoft.com/office/drawing/2010/main" val="0"/>
+              </a:ext>
+            </a:extLst>
+          </a:blip>
+          <a:srcRect/>
+          <a:stretch>
+            <a:fillRect/>
+          </a:stretch>
+        </p:blipFill>
+        <p:spPr bwMode="auto">
+          <a:xfrm>
+            <a:off x="8371864" y="0"/>
+            <a:ext cx="3820135" cy="2941504"/>
+          </a:xfrm>
+          <a:prstGeom prst="rect">
+            <a:avLst/>
+          </a:prstGeom>
+          <a:noFill/>
+          <a:extLst>
+            <a:ext uri="{909E8E84-426E-40DD-AFC4-6F175D3DCCD1}">
+              <a14:hiddenFill xmlns:a14="http://schemas.microsoft.com/office/drawing/2010/main">
+                <a:solidFill>
+                  <a:srgbClr val="FFFFFF"/>
+                </a:solidFill>
+              </a14:hiddenFill>
+            </a:ext>
+          </a:extLst>
+        </p:spPr>
+      </p:pic>
     </p:spTree>
     <p:extLst>
       <p:ext uri="{BB962C8B-B14F-4D97-AF65-F5344CB8AC3E}">
-        <p14:creationId xmlns:p14="http://schemas.microsoft.com/office/powerpoint/2010/main" val="3714379213"/>
+        <p14:creationId xmlns:p14="http://schemas.microsoft.com/office/powerpoint/2010/main" val="1865684491"/>
       </p:ext>
     </p:extLst>
   </p:cSld>
@@ -9317,7 +9275,7 @@
           <p:cNvPr id="2" name="Title 1">
             <a:extLst>
               <a:ext uri="{FF2B5EF4-FFF2-40B4-BE49-F238E27FC236}">
-                <a16:creationId xmlns:a16="http://schemas.microsoft.com/office/drawing/2014/main" id="{A84A53F0-FBC9-379F-3D22-5EF0D78B46AA}"/>
+                <a16:creationId xmlns:a16="http://schemas.microsoft.com/office/drawing/2014/main" id="{1871726C-F6E2-591A-C5A8-CCB9C7C7EE7E}"/>
               </a:ext>
             </a:extLst>
           </p:cNvPr>
@@ -9335,7 +9293,7 @@
           <a:p>
             <a:r>
               <a:rPr lang="en-US" dirty="0"/>
-              <a:t>Another example</a:t>
+              <a:t>Example</a:t>
             </a:r>
           </a:p>
         </p:txBody>
@@ -9345,7 +9303,7 @@
           <p:cNvPr id="3" name="Content Placeholder 2">
             <a:extLst>
               <a:ext uri="{FF2B5EF4-FFF2-40B4-BE49-F238E27FC236}">
-                <a16:creationId xmlns:a16="http://schemas.microsoft.com/office/drawing/2014/main" id="{955EF722-4C1A-22D8-4DDA-C7ECDB4FB5F0}"/>
+                <a16:creationId xmlns:a16="http://schemas.microsoft.com/office/drawing/2014/main" id="{645C059C-6C86-3640-4288-9E5E9E4D356F}"/>
               </a:ext>
             </a:extLst>
           </p:cNvPr>
@@ -9358,63 +9316,100 @@
         </p:nvSpPr>
         <p:spPr>
           <a:xfrm>
-            <a:off x="1137147" y="1853754"/>
-            <a:ext cx="10292854" cy="4199727"/>
+            <a:off x="1451579" y="1853754"/>
+            <a:ext cx="9603275" cy="4305505"/>
           </a:xfrm>
         </p:spPr>
         <p:txBody>
           <a:bodyPr>
-            <a:normAutofit lnSpcReduction="10000"/>
+            <a:normAutofit/>
           </a:bodyPr>
           <a:lstStyle/>
           <a:p>
             <a:r>
               <a:rPr lang="en-US" dirty="0"/>
-              <a:t>Suppose you’re a traffic engineer predicting # of accidents at some interchange. </a:t>
-            </a:r>
-          </a:p>
-          <a:p>
-            <a:r>
-              <a:rPr lang="en-US" dirty="0"/>
-              <a:t>Date and time of accidents or traffic may be a feature that you have. </a:t>
-            </a:r>
-          </a:p>
-          <a:p>
-            <a:pPr lvl="1"/>
-            <a:r>
-              <a:rPr lang="en-US" dirty="0"/>
-              <a:t>E.g. 2025-01-30 15:00:00</a:t>
-            </a:r>
-          </a:p>
-          <a:p>
-            <a:r>
-              <a:rPr lang="en-US" dirty="0"/>
-              <a:t>The original can be used, but we can also change things:</a:t>
-            </a:r>
-          </a:p>
-          <a:p>
-            <a:pPr lvl="1"/>
-            <a:r>
-              <a:rPr lang="en-US" dirty="0"/>
-              <a:t>Truncate some precision – does knowing seconds and minutes help? Maybe hour, 4h block, 6h block. </a:t>
-            </a:r>
-          </a:p>
-          <a:p>
-            <a:pPr lvl="1"/>
-            <a:r>
-              <a:rPr lang="en-US" dirty="0"/>
-              <a:t>Custom binning – morning commute, day, aft commute, overnight. </a:t>
-            </a:r>
-          </a:p>
-          <a:p>
-            <a:pPr lvl="1"/>
-            <a:r>
-              <a:rPr lang="en-US" dirty="0"/>
-              <a:t>Combine with sunrise/set data and make a dynamic version of that, or light/dark, </a:t>
+              <a:t>Suppose you’re in charge of planning new Amazon warehouse locations. </a:t>
+            </a:r>
+          </a:p>
+          <a:p>
+            <a:pPr lvl="1"/>
+            <a:r>
+              <a:rPr lang="en-US" dirty="0"/>
+              <a:t>The goal is to make it somewhere convenient for the customer deliveries. </a:t>
+            </a:r>
+          </a:p>
+          <a:p>
+            <a:r>
+              <a:rPr lang="en-US" dirty="0"/>
+              <a:t>You have data on all the amazon customers, including their address. </a:t>
+            </a:r>
+          </a:p>
+          <a:p>
+            <a:r>
+              <a:rPr lang="en-US" dirty="0"/>
+              <a:t>This address could (theoretically) be a feature for a model. </a:t>
+            </a:r>
+          </a:p>
+          <a:p>
+            <a:r>
+              <a:rPr lang="en-US" dirty="0"/>
+              <a:t>Transforming the address may make for a better model, what if we:</a:t>
+            </a:r>
+          </a:p>
+          <a:p>
+            <a:pPr lvl="1"/>
+            <a:r>
+              <a:rPr lang="en-US" dirty="0"/>
+              <a:t>Geocoded it, making it latitude and longitude. </a:t>
+            </a:r>
+          </a:p>
+          <a:p>
+            <a:pPr lvl="1"/>
+            <a:r>
+              <a:rPr lang="en-US" dirty="0"/>
+              <a:t>Calculated distance from customer-warehouse using </a:t>
             </a:r>
             <a:r>
               <a:rPr lang="en-US" dirty="0" err="1"/>
-              <a:t>etc</a:t>
+              <a:t>lat</a:t>
+            </a:r>
+            <a:r>
+              <a:rPr lang="en-US" dirty="0"/>
+              <a:t>/</a:t>
+            </a:r>
+            <a:r>
+              <a:rPr lang="en-US" dirty="0" err="1"/>
+              <a:t>lon</a:t>
+            </a:r>
+            <a:r>
+              <a:rPr lang="en-US" dirty="0"/>
+              <a:t> and used that instead. </a:t>
+            </a:r>
+          </a:p>
+          <a:p>
+            <a:pPr lvl="1"/>
+            <a:r>
+              <a:rPr lang="en-US" dirty="0"/>
+              <a:t>Used a service like google maps to lookup driving distance </a:t>
+            </a:r>
+            <a:r>
+              <a:rPr lang="en-US" dirty="0" err="1"/>
+              <a:t>cust</a:t>
+            </a:r>
+            <a:r>
+              <a:rPr lang="en-US" dirty="0"/>
+              <a:t>-ware, and used that. </a:t>
+            </a:r>
+          </a:p>
+          <a:p>
+            <a:pPr lvl="1"/>
+            <a:r>
+              <a:rPr lang="en-US" dirty="0"/>
+              <a:t>Used another model to calculate effective routes between warehouse and common </a:t>
+            </a:r>
+            <a:r>
+              <a:rPr lang="en-US" dirty="0" err="1"/>
+              <a:t>custys</a:t>
             </a:r>
             <a:r>
               <a:rPr lang="en-US" dirty="0"/>
@@ -9422,30 +9417,21 @@
             </a:r>
           </a:p>
           <a:p>
-            <a:pPr lvl="1"/>
-            <a:r>
-              <a:rPr lang="en-US" dirty="0"/>
-              <a:t>Combine date with historical weather data to get precipitation info… </a:t>
-            </a:r>
-          </a:p>
-          <a:p>
-            <a:r>
-              <a:rPr lang="en-US" dirty="0"/>
-              <a:t>Depending on scenario, what makes sense might change quite a bit. </a:t>
-            </a:r>
-          </a:p>
-          <a:p>
-            <a:r>
-              <a:rPr lang="en-US" dirty="0"/>
-              <a:t>A default time may tell us less than a “is the sun in your eyes” feature for this purpose. </a:t>
-            </a:r>
+            <a:pPr lvl="2"/>
+            <a:r>
+              <a:rPr lang="en-US" dirty="0"/>
+              <a:t>UPS does this for planning delivery routes – they avoid lefts and reverse, not just shortest. </a:t>
+            </a:r>
+          </a:p>
+          <a:p>
+            <a:endParaRPr lang="en-US" dirty="0"/>
           </a:p>
         </p:txBody>
       </p:sp>
     </p:spTree>
     <p:extLst>
       <p:ext uri="{BB962C8B-B14F-4D97-AF65-F5344CB8AC3E}">
-        <p14:creationId xmlns:p14="http://schemas.microsoft.com/office/powerpoint/2010/main" val="1938584286"/>
+        <p14:creationId xmlns:p14="http://schemas.microsoft.com/office/powerpoint/2010/main" val="3714379213"/>
       </p:ext>
     </p:extLst>
   </p:cSld>
@@ -9569,6 +9555,166 @@
           <p:cNvPr id="2" name="Title 1">
             <a:extLst>
               <a:ext uri="{FF2B5EF4-FFF2-40B4-BE49-F238E27FC236}">
+                <a16:creationId xmlns:a16="http://schemas.microsoft.com/office/drawing/2014/main" id="{A84A53F0-FBC9-379F-3D22-5EF0D78B46AA}"/>
+              </a:ext>
+            </a:extLst>
+          </p:cNvPr>
+          <p:cNvSpPr>
+            <a:spLocks noGrp="1"/>
+          </p:cNvSpPr>
+          <p:nvPr>
+            <p:ph type="title"/>
+          </p:nvPr>
+        </p:nvSpPr>
+        <p:spPr/>
+        <p:txBody>
+          <a:bodyPr/>
+          <a:lstStyle/>
+          <a:p>
+            <a:r>
+              <a:rPr lang="en-US" dirty="0"/>
+              <a:t>Another example</a:t>
+            </a:r>
+          </a:p>
+        </p:txBody>
+      </p:sp>
+      <p:sp>
+        <p:nvSpPr>
+          <p:cNvPr id="3" name="Content Placeholder 2">
+            <a:extLst>
+              <a:ext uri="{FF2B5EF4-FFF2-40B4-BE49-F238E27FC236}">
+                <a16:creationId xmlns:a16="http://schemas.microsoft.com/office/drawing/2014/main" id="{955EF722-4C1A-22D8-4DDA-C7ECDB4FB5F0}"/>
+              </a:ext>
+            </a:extLst>
+          </p:cNvPr>
+          <p:cNvSpPr>
+            <a:spLocks noGrp="1"/>
+          </p:cNvSpPr>
+          <p:nvPr>
+            <p:ph idx="1"/>
+          </p:nvPr>
+        </p:nvSpPr>
+        <p:spPr>
+          <a:xfrm>
+            <a:off x="1137147" y="1853754"/>
+            <a:ext cx="10292854" cy="4199727"/>
+          </a:xfrm>
+        </p:spPr>
+        <p:txBody>
+          <a:bodyPr>
+            <a:normAutofit lnSpcReduction="10000"/>
+          </a:bodyPr>
+          <a:lstStyle/>
+          <a:p>
+            <a:r>
+              <a:rPr lang="en-US" dirty="0"/>
+              <a:t>Suppose you’re a traffic engineer predicting # of accidents at some interchange. </a:t>
+            </a:r>
+          </a:p>
+          <a:p>
+            <a:r>
+              <a:rPr lang="en-US" dirty="0"/>
+              <a:t>Date and time of accidents or traffic may be a feature that you have. </a:t>
+            </a:r>
+          </a:p>
+          <a:p>
+            <a:pPr lvl="1"/>
+            <a:r>
+              <a:rPr lang="en-US" dirty="0"/>
+              <a:t>E.g. 2025-01-30 15:00:00</a:t>
+            </a:r>
+          </a:p>
+          <a:p>
+            <a:r>
+              <a:rPr lang="en-US" dirty="0"/>
+              <a:t>The original can be used, but we can also change things:</a:t>
+            </a:r>
+          </a:p>
+          <a:p>
+            <a:pPr lvl="1"/>
+            <a:r>
+              <a:rPr lang="en-US" dirty="0"/>
+              <a:t>Truncate some precision – does knowing seconds and minutes help? Maybe hour, 4h block, 6h block. </a:t>
+            </a:r>
+          </a:p>
+          <a:p>
+            <a:pPr lvl="1"/>
+            <a:r>
+              <a:rPr lang="en-US" dirty="0"/>
+              <a:t>Custom binning – morning commute, day, aft commute, overnight. </a:t>
+            </a:r>
+          </a:p>
+          <a:p>
+            <a:pPr lvl="1"/>
+            <a:r>
+              <a:rPr lang="en-US" dirty="0"/>
+              <a:t>Combine with sunrise/set data and make a dynamic version of that, or light/dark, </a:t>
+            </a:r>
+            <a:r>
+              <a:rPr lang="en-US" dirty="0" err="1"/>
+              <a:t>etc</a:t>
+            </a:r>
+            <a:r>
+              <a:rPr lang="en-US" dirty="0"/>
+              <a:t>…</a:t>
+            </a:r>
+          </a:p>
+          <a:p>
+            <a:pPr lvl="1"/>
+            <a:r>
+              <a:rPr lang="en-US" dirty="0"/>
+              <a:t>Combine date with historical weather data to get precipitation info… </a:t>
+            </a:r>
+          </a:p>
+          <a:p>
+            <a:r>
+              <a:rPr lang="en-US" dirty="0"/>
+              <a:t>Depending on scenario, what makes sense might change quite a bit. </a:t>
+            </a:r>
+          </a:p>
+          <a:p>
+            <a:r>
+              <a:rPr lang="en-US" dirty="0"/>
+              <a:t>A default time may tell us less than a “is the sun in your eyes” feature for this purpose. </a:t>
+            </a:r>
+          </a:p>
+        </p:txBody>
+      </p:sp>
+    </p:spTree>
+    <p:extLst>
+      <p:ext uri="{BB962C8B-B14F-4D97-AF65-F5344CB8AC3E}">
+        <p14:creationId xmlns:p14="http://schemas.microsoft.com/office/powerpoint/2010/main" val="1938584286"/>
+      </p:ext>
+    </p:extLst>
+  </p:cSld>
+  <p:clrMapOvr>
+    <a:masterClrMapping/>
+  </p:clrMapOvr>
+</p:sld>
+</file>
+
+<file path=ppt/slides/slide41.xml><?xml version="1.0" encoding="utf-8"?>
+<p:sld xmlns:a="http://schemas.openxmlformats.org/drawingml/2006/main" xmlns:r="http://schemas.openxmlformats.org/officeDocument/2006/relationships" xmlns:p="http://schemas.openxmlformats.org/presentationml/2006/main">
+  <p:cSld>
+    <p:spTree>
+      <p:nvGrpSpPr>
+        <p:cNvPr id="1" name=""/>
+        <p:cNvGrpSpPr/>
+        <p:nvPr/>
+      </p:nvGrpSpPr>
+      <p:grpSpPr>
+        <a:xfrm>
+          <a:off x="0" y="0"/>
+          <a:ext cx="0" cy="0"/>
+          <a:chOff x="0" y="0"/>
+          <a:chExt cx="0" cy="0"/>
+        </a:xfrm>
+      </p:grpSpPr>
+      <p:sp>
+        <p:nvSpPr>
+          <p:cNvPr id="2" name="Title 1">
+            <a:extLst>
+              <a:ext uri="{FF2B5EF4-FFF2-40B4-BE49-F238E27FC236}">
                 <a16:creationId xmlns:a16="http://schemas.microsoft.com/office/drawing/2014/main" id="{A79D2985-D5A2-E7EA-FBE1-BC751DFA11C8}"/>
               </a:ext>
             </a:extLst>
@@ -9691,7 +9837,7 @@
 </p:sld>
 </file>
 
-<file path=ppt/slides/slide41.xml><?xml version="1.0" encoding="utf-8"?>
+<file path=ppt/slides/slide42.xml><?xml version="1.0" encoding="utf-8"?>
 <p:sld xmlns:a="http://schemas.openxmlformats.org/drawingml/2006/main" xmlns:r="http://schemas.openxmlformats.org/officeDocument/2006/relationships" xmlns:p="http://schemas.openxmlformats.org/presentationml/2006/main">
   <p:cSld>
     <p:spTree>

--- a/reference_content/Slides/008_Log_Reg_Images.pptx
+++ b/reference_content/Slides/008_Log_Reg_Images.pptx
@@ -24,29 +24,31 @@
     <p:sldId id="295" r:id="rId18"/>
     <p:sldId id="265" r:id="rId19"/>
     <p:sldId id="261" r:id="rId20"/>
-    <p:sldId id="281" r:id="rId21"/>
-    <p:sldId id="296" r:id="rId22"/>
-    <p:sldId id="262" r:id="rId23"/>
-    <p:sldId id="263" r:id="rId24"/>
-    <p:sldId id="266" r:id="rId25"/>
-    <p:sldId id="283" r:id="rId26"/>
-    <p:sldId id="269" r:id="rId27"/>
-    <p:sldId id="267" r:id="rId28"/>
-    <p:sldId id="297" r:id="rId29"/>
-    <p:sldId id="258" r:id="rId30"/>
-    <p:sldId id="284" r:id="rId31"/>
-    <p:sldId id="259" r:id="rId32"/>
-    <p:sldId id="268" r:id="rId33"/>
-    <p:sldId id="282" r:id="rId34"/>
-    <p:sldId id="285" r:id="rId35"/>
-    <p:sldId id="289" r:id="rId36"/>
-    <p:sldId id="271" r:id="rId37"/>
-    <p:sldId id="286" r:id="rId38"/>
-    <p:sldId id="290" r:id="rId39"/>
-    <p:sldId id="291" r:id="rId40"/>
-    <p:sldId id="293" r:id="rId41"/>
-    <p:sldId id="292" r:id="rId42"/>
-    <p:sldId id="294" r:id="rId43"/>
+    <p:sldId id="298" r:id="rId21"/>
+    <p:sldId id="281" r:id="rId22"/>
+    <p:sldId id="296" r:id="rId23"/>
+    <p:sldId id="262" r:id="rId24"/>
+    <p:sldId id="263" r:id="rId25"/>
+    <p:sldId id="266" r:id="rId26"/>
+    <p:sldId id="283" r:id="rId27"/>
+    <p:sldId id="269" r:id="rId28"/>
+    <p:sldId id="267" r:id="rId29"/>
+    <p:sldId id="297" r:id="rId30"/>
+    <p:sldId id="258" r:id="rId31"/>
+    <p:sldId id="284" r:id="rId32"/>
+    <p:sldId id="259" r:id="rId33"/>
+    <p:sldId id="268" r:id="rId34"/>
+    <p:sldId id="299" r:id="rId35"/>
+    <p:sldId id="282" r:id="rId36"/>
+    <p:sldId id="285" r:id="rId37"/>
+    <p:sldId id="289" r:id="rId38"/>
+    <p:sldId id="271" r:id="rId39"/>
+    <p:sldId id="286" r:id="rId40"/>
+    <p:sldId id="290" r:id="rId41"/>
+    <p:sldId id="291" r:id="rId42"/>
+    <p:sldId id="293" r:id="rId43"/>
+    <p:sldId id="292" r:id="rId44"/>
+    <p:sldId id="294" r:id="rId45"/>
   </p:sldIdLst>
   <p:sldSz cx="12192000" cy="6858000"/>
   <p:notesSz cx="6858000" cy="9144000"/>
@@ -3738,6 +3740,36 @@
             <a:pPr lvl="1"/>
             <a:r>
               <a:rPr lang="en-US" dirty="0"/>
+              <a:t>Note: pull an update, there are a couple of tiny warnings </a:t>
+            </a:r>
+            <a:r>
+              <a:rPr lang="en-US" dirty="0" err="1"/>
+              <a:t>w.r.t</a:t>
+            </a:r>
+            <a:r>
+              <a:rPr lang="en-US" dirty="0"/>
+              <a:t> ravel and </a:t>
+            </a:r>
+            <a:r>
+              <a:rPr lang="en-US" dirty="0" err="1"/>
+              <a:t>n_jobs</a:t>
+            </a:r>
+            <a:r>
+              <a:rPr lang="en-US" dirty="0"/>
+              <a:t> otherwise. </a:t>
+            </a:r>
+          </a:p>
+          <a:p>
+            <a:pPr lvl="1"/>
+            <a:r>
+              <a:rPr lang="en-US" dirty="0"/>
+              <a:t>Representing non-tabular data in a dataset (important). </a:t>
+            </a:r>
+          </a:p>
+          <a:p>
+            <a:pPr lvl="1"/>
+            <a:r>
+              <a:rPr lang="en-US" dirty="0"/>
               <a:t>Classification with linear models. </a:t>
             </a:r>
           </a:p>
@@ -3745,32 +3777,21 @@
             <a:pPr lvl="1"/>
             <a:r>
               <a:rPr lang="en-US" dirty="0"/>
-              <a:t>Representing unstructured analog data and </a:t>
-            </a:r>
-            <a:r>
-              <a:rPr lang="en-US"/>
-              <a:t>image representation. </a:t>
-            </a:r>
-            <a:endParaRPr lang="en-US" dirty="0"/>
-          </a:p>
-          <a:p>
-            <a:pPr lvl="1"/>
-            <a:r>
-              <a:rPr lang="en-US" dirty="0"/>
-              <a:t>Feature construction basics.</a:t>
-            </a:r>
-          </a:p>
-          <a:p>
-            <a:r>
-              <a:rPr lang="en-US" dirty="0"/>
-              <a:t>Assignment #2:</a:t>
-            </a:r>
-          </a:p>
-          <a:p>
-            <a:pPr lvl="1"/>
-            <a:r>
-              <a:rPr lang="en-US" dirty="0"/>
-              <a:t> Regression with data cleanup and processing. </a:t>
+              <a:t>Multiway classifications and </a:t>
+            </a:r>
+            <a:r>
+              <a:rPr lang="en-US" dirty="0" err="1"/>
+              <a:t>softmax</a:t>
+            </a:r>
+            <a:r>
+              <a:rPr lang="en-US" dirty="0"/>
+              <a:t>. </a:t>
+            </a:r>
+          </a:p>
+          <a:p>
+            <a:r>
+              <a:rPr lang="en-US" dirty="0"/>
+              <a:t>Assignment #2: Regression with data cleanup and processing. </a:t>
             </a:r>
           </a:p>
           <a:p>
@@ -5666,7 +5687,7 @@
           <p:cNvPr id="2" name="Title 1">
             <a:extLst>
               <a:ext uri="{FF2B5EF4-FFF2-40B4-BE49-F238E27FC236}">
-                <a16:creationId xmlns:a16="http://schemas.microsoft.com/office/drawing/2014/main" id="{FEB1F730-D676-15FA-EBDA-633C5EA4550F}"/>
+                <a16:creationId xmlns:a16="http://schemas.microsoft.com/office/drawing/2014/main" id="{388C46A8-C8E5-C17E-D40D-63012025EBE6}"/>
               </a:ext>
             </a:extLst>
           </p:cNvPr>
@@ -5677,19 +5698,14 @@
             <p:ph type="title"/>
           </p:nvPr>
         </p:nvSpPr>
-        <p:spPr>
-          <a:xfrm>
-            <a:off x="1451579" y="804519"/>
-            <a:ext cx="9961168" cy="1049235"/>
-          </a:xfrm>
-        </p:spPr>
+        <p:spPr/>
         <p:txBody>
           <a:bodyPr/>
           <a:lstStyle/>
           <a:p>
             <a:r>
               <a:rPr lang="en-US" dirty="0"/>
-              <a:t>Adapting Regression to Multi-Classification</a:t>
+              <a:t>Yuck, that’s Not Elegant</a:t>
             </a:r>
           </a:p>
         </p:txBody>
@@ -5699,7 +5715,7 @@
           <p:cNvPr id="3" name="Content Placeholder 2">
             <a:extLst>
               <a:ext uri="{FF2B5EF4-FFF2-40B4-BE49-F238E27FC236}">
-                <a16:creationId xmlns:a16="http://schemas.microsoft.com/office/drawing/2014/main" id="{23C25ACB-9BA3-9BED-F4E9-451EEA09C4EE}"/>
+                <a16:creationId xmlns:a16="http://schemas.microsoft.com/office/drawing/2014/main" id="{364FB699-35F9-56A0-DAA4-31C0DE58DC36}"/>
               </a:ext>
             </a:extLst>
           </p:cNvPr>
@@ -5710,133 +5726,34 @@
             <p:ph idx="1"/>
           </p:nvPr>
         </p:nvSpPr>
-        <p:spPr>
-          <a:xfrm>
-            <a:off x="1451579" y="1915064"/>
-            <a:ext cx="9603275" cy="4138417"/>
-          </a:xfrm>
-        </p:spPr>
+        <p:spPr/>
         <p:txBody>
           <a:bodyPr/>
           <a:lstStyle/>
           <a:p>
             <a:r>
               <a:rPr lang="en-US" dirty="0"/>
-              <a:t>In binary classification we:</a:t>
-            </a:r>
-          </a:p>
-          <a:p>
-            <a:pPr lvl="1"/>
-            <a:r>
-              <a:rPr lang="en-US" dirty="0"/>
-              <a:t>Generate a logit prediction through linear regression. </a:t>
-            </a:r>
-          </a:p>
-          <a:p>
-            <a:pPr lvl="1"/>
-            <a:r>
-              <a:rPr lang="en-US" dirty="0"/>
-              <a:t>Use that logit and the Sigmoid function to translate logit</a:t>
-            </a:r>
-            <a:r>
-              <a:rPr lang="en-US" dirty="0">
-                <a:sym typeface="Wingdings" pitchFamily="2" charset="2"/>
-              </a:rPr>
-              <a:t> probability. </a:t>
-            </a:r>
-          </a:p>
-          <a:p>
-            <a:pPr lvl="2"/>
-            <a:r>
-              <a:rPr lang="en-US" dirty="0">
-                <a:sym typeface="Wingdings" pitchFamily="2" charset="2"/>
-              </a:rPr>
-              <a:t>I.e. the probability that this predicted label is the correct one. </a:t>
-            </a:r>
-          </a:p>
-          <a:p>
-            <a:r>
-              <a:rPr lang="en-US" dirty="0">
-                <a:sym typeface="Wingdings" pitchFamily="2" charset="2"/>
-              </a:rPr>
-              <a:t>We can do the same thing with multiple classes (with few changes):</a:t>
-            </a:r>
-          </a:p>
-          <a:p>
-            <a:pPr lvl="1"/>
-            <a:r>
-              <a:rPr lang="en-US" dirty="0">
-                <a:sym typeface="Wingdings" pitchFamily="2" charset="2"/>
-              </a:rPr>
-              <a:t>Generate a logit prediction through linear regression. </a:t>
-            </a:r>
-          </a:p>
-          <a:p>
-            <a:pPr lvl="1"/>
-            <a:r>
-              <a:rPr lang="en-US" dirty="0">
-                <a:sym typeface="Wingdings" pitchFamily="2" charset="2"/>
-              </a:rPr>
-              <a:t>Use that logit and the </a:t>
-            </a:r>
-            <a:r>
-              <a:rPr lang="en-US" dirty="0" err="1">
-                <a:sym typeface="Wingdings" pitchFamily="2" charset="2"/>
-              </a:rPr>
-              <a:t>Softmax</a:t>
-            </a:r>
-            <a:r>
-              <a:rPr lang="en-US" dirty="0">
-                <a:sym typeface="Wingdings" pitchFamily="2" charset="2"/>
-              </a:rPr>
-              <a:t> function to translate logit -&gt; probability. </a:t>
-            </a:r>
-          </a:p>
-          <a:p>
-            <a:pPr lvl="2"/>
-            <a:r>
-              <a:rPr lang="en-US" dirty="0">
-                <a:sym typeface="Wingdings" pitchFamily="2" charset="2"/>
-              </a:rPr>
-              <a:t>i.e. the probability that this predicted label is correct. </a:t>
-            </a:r>
-          </a:p>
-          <a:p>
-            <a:r>
-              <a:rPr lang="en-US" dirty="0">
-                <a:sym typeface="Wingdings" pitchFamily="2" charset="2"/>
-              </a:rPr>
-              <a:t>The </a:t>
-            </a:r>
-            <a:r>
-              <a:rPr lang="en-US" dirty="0" err="1">
-                <a:sym typeface="Wingdings" pitchFamily="2" charset="2"/>
-              </a:rPr>
-              <a:t>softmax</a:t>
-            </a:r>
-            <a:r>
-              <a:rPr lang="en-US" dirty="0">
-                <a:sym typeface="Wingdings" pitchFamily="2" charset="2"/>
-              </a:rPr>
-              <a:t> functions like the sigmoid – gives us probabilities. </a:t>
-            </a:r>
-          </a:p>
-          <a:p>
-            <a:pPr lvl="1"/>
-            <a:r>
-              <a:rPr lang="en-US" dirty="0">
-                <a:sym typeface="Wingdings" pitchFamily="2" charset="2"/>
-              </a:rPr>
-              <a:t>As with the binary one, the most likely label is the winter. </a:t>
-            </a:r>
-            <a:endParaRPr lang="en-US" dirty="0"/>
+              <a:t>One vs rest or one vs one predictions require multiple models. </a:t>
+            </a:r>
+          </a:p>
+          <a:p>
+            <a:r>
+              <a:rPr lang="en-US" dirty="0"/>
+              <a:t>This can be an issue with many classes. </a:t>
+            </a:r>
+          </a:p>
+          <a:p>
+            <a:r>
+              <a:rPr lang="en-US" dirty="0"/>
+              <a:t>It doesn’t really scream “polished solution”. </a:t>
+            </a:r>
           </a:p>
         </p:txBody>
       </p:sp>
     </p:spTree>
     <p:extLst>
       <p:ext uri="{BB962C8B-B14F-4D97-AF65-F5344CB8AC3E}">
-        <p14:creationId xmlns:p14="http://schemas.microsoft.com/office/powerpoint/2010/main" val="3671569438"/>
+        <p14:creationId xmlns:p14="http://schemas.microsoft.com/office/powerpoint/2010/main" val="3836282418"/>
       </p:ext>
     </p:extLst>
   </p:cSld>
@@ -5868,6 +5785,208 @@
           <p:cNvPr id="2" name="Title 1">
             <a:extLst>
               <a:ext uri="{FF2B5EF4-FFF2-40B4-BE49-F238E27FC236}">
+                <a16:creationId xmlns:a16="http://schemas.microsoft.com/office/drawing/2014/main" id="{FEB1F730-D676-15FA-EBDA-633C5EA4550F}"/>
+              </a:ext>
+            </a:extLst>
+          </p:cNvPr>
+          <p:cNvSpPr>
+            <a:spLocks noGrp="1"/>
+          </p:cNvSpPr>
+          <p:nvPr>
+            <p:ph type="title"/>
+          </p:nvPr>
+        </p:nvSpPr>
+        <p:spPr>
+          <a:xfrm>
+            <a:off x="1451579" y="804519"/>
+            <a:ext cx="9961168" cy="1049235"/>
+          </a:xfrm>
+        </p:spPr>
+        <p:txBody>
+          <a:bodyPr/>
+          <a:lstStyle/>
+          <a:p>
+            <a:r>
+              <a:rPr lang="en-US" dirty="0"/>
+              <a:t>Adapting Regression to Multi-Classification</a:t>
+            </a:r>
+          </a:p>
+        </p:txBody>
+      </p:sp>
+      <p:sp>
+        <p:nvSpPr>
+          <p:cNvPr id="3" name="Content Placeholder 2">
+            <a:extLst>
+              <a:ext uri="{FF2B5EF4-FFF2-40B4-BE49-F238E27FC236}">
+                <a16:creationId xmlns:a16="http://schemas.microsoft.com/office/drawing/2014/main" id="{23C25ACB-9BA3-9BED-F4E9-451EEA09C4EE}"/>
+              </a:ext>
+            </a:extLst>
+          </p:cNvPr>
+          <p:cNvSpPr>
+            <a:spLocks noGrp="1"/>
+          </p:cNvSpPr>
+          <p:nvPr>
+            <p:ph idx="1"/>
+          </p:nvPr>
+        </p:nvSpPr>
+        <p:spPr>
+          <a:xfrm>
+            <a:off x="1451579" y="1915064"/>
+            <a:ext cx="9603275" cy="4138417"/>
+          </a:xfrm>
+        </p:spPr>
+        <p:txBody>
+          <a:bodyPr/>
+          <a:lstStyle/>
+          <a:p>
+            <a:r>
+              <a:rPr lang="en-US" dirty="0"/>
+              <a:t>In binary classification we:</a:t>
+            </a:r>
+          </a:p>
+          <a:p>
+            <a:pPr lvl="1"/>
+            <a:r>
+              <a:rPr lang="en-US" dirty="0"/>
+              <a:t>Generate a logit prediction through linear regression. </a:t>
+            </a:r>
+          </a:p>
+          <a:p>
+            <a:pPr lvl="1"/>
+            <a:r>
+              <a:rPr lang="en-US" dirty="0"/>
+              <a:t>Use that logit and the Sigmoid function to translate logit</a:t>
+            </a:r>
+            <a:r>
+              <a:rPr lang="en-US" dirty="0">
+                <a:sym typeface="Wingdings" pitchFamily="2" charset="2"/>
+              </a:rPr>
+              <a:t> probability. </a:t>
+            </a:r>
+          </a:p>
+          <a:p>
+            <a:pPr lvl="2"/>
+            <a:r>
+              <a:rPr lang="en-US" dirty="0">
+                <a:sym typeface="Wingdings" pitchFamily="2" charset="2"/>
+              </a:rPr>
+              <a:t>I.e. the probability that this predicted label is the correct one. </a:t>
+            </a:r>
+          </a:p>
+          <a:p>
+            <a:r>
+              <a:rPr lang="en-US" dirty="0">
+                <a:sym typeface="Wingdings" pitchFamily="2" charset="2"/>
+              </a:rPr>
+              <a:t>We can do the same thing with multiple classes (with few changes):</a:t>
+            </a:r>
+          </a:p>
+          <a:p>
+            <a:pPr lvl="1"/>
+            <a:r>
+              <a:rPr lang="en-US" dirty="0">
+                <a:sym typeface="Wingdings" pitchFamily="2" charset="2"/>
+              </a:rPr>
+              <a:t>Generate a logit prediction through linear regression. </a:t>
+            </a:r>
+          </a:p>
+          <a:p>
+            <a:pPr lvl="1"/>
+            <a:r>
+              <a:rPr lang="en-US" dirty="0">
+                <a:sym typeface="Wingdings" pitchFamily="2" charset="2"/>
+              </a:rPr>
+              <a:t>Use that logit and the </a:t>
+            </a:r>
+            <a:r>
+              <a:rPr lang="en-US" dirty="0" err="1">
+                <a:sym typeface="Wingdings" pitchFamily="2" charset="2"/>
+              </a:rPr>
+              <a:t>Softmax</a:t>
+            </a:r>
+            <a:r>
+              <a:rPr lang="en-US" dirty="0">
+                <a:sym typeface="Wingdings" pitchFamily="2" charset="2"/>
+              </a:rPr>
+              <a:t> function to translate logit -&gt; probability. </a:t>
+            </a:r>
+          </a:p>
+          <a:p>
+            <a:pPr lvl="2"/>
+            <a:r>
+              <a:rPr lang="en-US" dirty="0">
+                <a:sym typeface="Wingdings" pitchFamily="2" charset="2"/>
+              </a:rPr>
+              <a:t>i.e. the probability that this predicted label is correct. </a:t>
+            </a:r>
+          </a:p>
+          <a:p>
+            <a:r>
+              <a:rPr lang="en-US" dirty="0">
+                <a:sym typeface="Wingdings" pitchFamily="2" charset="2"/>
+              </a:rPr>
+              <a:t>The </a:t>
+            </a:r>
+            <a:r>
+              <a:rPr lang="en-US" dirty="0" err="1">
+                <a:sym typeface="Wingdings" pitchFamily="2" charset="2"/>
+              </a:rPr>
+              <a:t>softmax</a:t>
+            </a:r>
+            <a:r>
+              <a:rPr lang="en-US" dirty="0">
+                <a:sym typeface="Wingdings" pitchFamily="2" charset="2"/>
+              </a:rPr>
+              <a:t> functions like the sigmoid – gives us probabilities. </a:t>
+            </a:r>
+          </a:p>
+          <a:p>
+            <a:pPr lvl="1"/>
+            <a:r>
+              <a:rPr lang="en-US" dirty="0">
+                <a:sym typeface="Wingdings" pitchFamily="2" charset="2"/>
+              </a:rPr>
+              <a:t>As with the binary one, the most likely label is the winter. </a:t>
+            </a:r>
+            <a:endParaRPr lang="en-US" dirty="0"/>
+          </a:p>
+        </p:txBody>
+      </p:sp>
+    </p:spTree>
+    <p:extLst>
+      <p:ext uri="{BB962C8B-B14F-4D97-AF65-F5344CB8AC3E}">
+        <p14:creationId xmlns:p14="http://schemas.microsoft.com/office/powerpoint/2010/main" val="3671569438"/>
+      </p:ext>
+    </p:extLst>
+  </p:cSld>
+  <p:clrMapOvr>
+    <a:masterClrMapping/>
+  </p:clrMapOvr>
+</p:sld>
+</file>
+
+<file path=ppt/slides/slide22.xml><?xml version="1.0" encoding="utf-8"?>
+<p:sld xmlns:a="http://schemas.openxmlformats.org/drawingml/2006/main" xmlns:r="http://schemas.openxmlformats.org/officeDocument/2006/relationships" xmlns:p="http://schemas.openxmlformats.org/presentationml/2006/main">
+  <p:cSld>
+    <p:spTree>
+      <p:nvGrpSpPr>
+        <p:cNvPr id="1" name=""/>
+        <p:cNvGrpSpPr/>
+        <p:nvPr/>
+      </p:nvGrpSpPr>
+      <p:grpSpPr>
+        <a:xfrm>
+          <a:off x="0" y="0"/>
+          <a:ext cx="0" cy="0"/>
+          <a:chOff x="0" y="0"/>
+          <a:chExt cx="0" cy="0"/>
+        </a:xfrm>
+      </p:grpSpPr>
+      <p:sp>
+        <p:nvSpPr>
+          <p:cNvPr id="2" name="Title 1">
+            <a:extLst>
+              <a:ext uri="{FF2B5EF4-FFF2-40B4-BE49-F238E27FC236}">
                 <a16:creationId xmlns:a16="http://schemas.microsoft.com/office/drawing/2014/main" id="{60DA465A-0433-541A-CBC8-E15AA553D7A9}"/>
               </a:ext>
             </a:extLst>
@@ -5973,7 +6092,7 @@
 </p:sld>
 </file>
 
-<file path=ppt/slides/slide22.xml><?xml version="1.0" encoding="utf-8"?>
+<file path=ppt/slides/slide23.xml><?xml version="1.0" encoding="utf-8"?>
 <p:sld xmlns:a="http://schemas.openxmlformats.org/drawingml/2006/main" xmlns:r="http://schemas.openxmlformats.org/officeDocument/2006/relationships" xmlns:p="http://schemas.openxmlformats.org/presentationml/2006/main">
   <p:cSld>
     <p:bg>
@@ -6186,164 +6305,6 @@
 </p:sld>
 </file>
 
-<file path=ppt/slides/slide23.xml><?xml version="1.0" encoding="utf-8"?>
-<p:sld xmlns:a="http://schemas.openxmlformats.org/drawingml/2006/main" xmlns:r="http://schemas.openxmlformats.org/officeDocument/2006/relationships" xmlns:p="http://schemas.openxmlformats.org/presentationml/2006/main">
-  <p:cSld>
-    <p:spTree>
-      <p:nvGrpSpPr>
-        <p:cNvPr id="1" name=""/>
-        <p:cNvGrpSpPr/>
-        <p:nvPr/>
-      </p:nvGrpSpPr>
-      <p:grpSpPr>
-        <a:xfrm>
-          <a:off x="0" y="0"/>
-          <a:ext cx="0" cy="0"/>
-          <a:chOff x="0" y="0"/>
-          <a:chExt cx="0" cy="0"/>
-        </a:xfrm>
-      </p:grpSpPr>
-      <p:sp>
-        <p:nvSpPr>
-          <p:cNvPr id="2" name="Title 1">
-            <a:extLst>
-              <a:ext uri="{FF2B5EF4-FFF2-40B4-BE49-F238E27FC236}">
-                <a16:creationId xmlns:a16="http://schemas.microsoft.com/office/drawing/2014/main" id="{04357363-3198-764C-98E4-92885E2E943E}"/>
-              </a:ext>
-            </a:extLst>
-          </p:cNvPr>
-          <p:cNvSpPr>
-            <a:spLocks noGrp="1"/>
-          </p:cNvSpPr>
-          <p:nvPr>
-            <p:ph type="title"/>
-          </p:nvPr>
-        </p:nvSpPr>
-        <p:spPr/>
-        <p:txBody>
-          <a:bodyPr/>
-          <a:lstStyle/>
-          <a:p>
-            <a:r>
-              <a:rPr lang="en-US" dirty="0"/>
-              <a:t>Loss – Non-Binary Cross Entropy</a:t>
-            </a:r>
-          </a:p>
-        </p:txBody>
-      </p:sp>
-      <p:sp>
-        <p:nvSpPr>
-          <p:cNvPr id="3" name="Content Placeholder 2">
-            <a:extLst>
-              <a:ext uri="{FF2B5EF4-FFF2-40B4-BE49-F238E27FC236}">
-                <a16:creationId xmlns:a16="http://schemas.microsoft.com/office/drawing/2014/main" id="{852241B2-8C22-7B40-A9F8-854911DE4C2C}"/>
-              </a:ext>
-            </a:extLst>
-          </p:cNvPr>
-          <p:cNvSpPr>
-            <a:spLocks noGrp="1"/>
-          </p:cNvSpPr>
-          <p:nvPr>
-            <p:ph idx="1"/>
-          </p:nvPr>
-        </p:nvSpPr>
-        <p:spPr>
-          <a:xfrm>
-            <a:off x="1451579" y="1853755"/>
-            <a:ext cx="9603275" cy="1464608"/>
-          </a:xfrm>
-        </p:spPr>
-        <p:txBody>
-          <a:bodyPr/>
-          <a:lstStyle/>
-          <a:p>
-            <a:r>
-              <a:rPr lang="en-US" dirty="0"/>
-              <a:t>Cross Entropy (non-binary kind) is a common cost function for classification. </a:t>
-            </a:r>
-          </a:p>
-          <a:p>
-            <a:r>
-              <a:rPr lang="en-US" dirty="0"/>
-              <a:t>Cross entropy translates the </a:t>
-            </a:r>
-            <a:r>
-              <a:rPr lang="en-US" dirty="0" err="1"/>
-              <a:t>softmax</a:t>
-            </a:r>
-            <a:r>
-              <a:rPr lang="en-US" dirty="0"/>
-              <a:t> probabilities into a label, and calculates the cost. </a:t>
-            </a:r>
-          </a:p>
-          <a:p>
-            <a:r>
-              <a:rPr lang="en-US" dirty="0"/>
-              <a:t>Like binary cross entropy, this measures the “distance from” the correct prediction. </a:t>
-            </a:r>
-          </a:p>
-        </p:txBody>
-      </p:sp>
-      <p:pic>
-        <p:nvPicPr>
-          <p:cNvPr id="5122" name="Picture 2" descr="Easy TensorFlow - Linear Classifier">
-            <a:extLst>
-              <a:ext uri="{FF2B5EF4-FFF2-40B4-BE49-F238E27FC236}">
-                <a16:creationId xmlns:a16="http://schemas.microsoft.com/office/drawing/2014/main" id="{CB8DE2E4-DF9F-7D4B-93A8-13702E477A77}"/>
-              </a:ext>
-            </a:extLst>
-          </p:cNvPr>
-          <p:cNvPicPr>
-            <a:picLocks noChangeAspect="1" noChangeArrowheads="1"/>
-          </p:cNvPicPr>
-          <p:nvPr/>
-        </p:nvPicPr>
-        <p:blipFill>
-          <a:blip r:embed="rId2">
-            <a:extLst>
-              <a:ext uri="{28A0092B-C50C-407E-A947-70E740481C1C}">
-                <a14:useLocalDpi xmlns:a14="http://schemas.microsoft.com/office/drawing/2010/main" val="0"/>
-              </a:ext>
-            </a:extLst>
-          </a:blip>
-          <a:srcRect/>
-          <a:stretch>
-            <a:fillRect/>
-          </a:stretch>
-        </p:blipFill>
-        <p:spPr bwMode="auto">
-          <a:xfrm>
-            <a:off x="1142240" y="3318363"/>
-            <a:ext cx="9912614" cy="3727556"/>
-          </a:xfrm>
-          <a:prstGeom prst="rect">
-            <a:avLst/>
-          </a:prstGeom>
-          <a:noFill/>
-          <a:extLst>
-            <a:ext uri="{909E8E84-426E-40DD-AFC4-6F175D3DCCD1}">
-              <a14:hiddenFill xmlns:a14="http://schemas.microsoft.com/office/drawing/2010/main">
-                <a:solidFill>
-                  <a:srgbClr val="FFFFFF"/>
-                </a:solidFill>
-              </a14:hiddenFill>
-            </a:ext>
-          </a:extLst>
-        </p:spPr>
-      </p:pic>
-    </p:spTree>
-    <p:extLst>
-      <p:ext uri="{BB962C8B-B14F-4D97-AF65-F5344CB8AC3E}">
-        <p14:creationId xmlns:p14="http://schemas.microsoft.com/office/powerpoint/2010/main" val="1639071196"/>
-      </p:ext>
-    </p:extLst>
-  </p:cSld>
-  <p:clrMapOvr>
-    <a:masterClrMapping/>
-  </p:clrMapOvr>
-</p:sld>
-</file>
-
 <file path=ppt/slides/slide24.xml><?xml version="1.0" encoding="utf-8"?>
 <p:sld xmlns:a="http://schemas.openxmlformats.org/drawingml/2006/main" xmlns:r="http://schemas.openxmlformats.org/officeDocument/2006/relationships" xmlns:p="http://schemas.openxmlformats.org/presentationml/2006/main">
   <p:cSld>
@@ -6366,7 +6327,7 @@
           <p:cNvPr id="2" name="Title 1">
             <a:extLst>
               <a:ext uri="{FF2B5EF4-FFF2-40B4-BE49-F238E27FC236}">
-                <a16:creationId xmlns:a16="http://schemas.microsoft.com/office/drawing/2014/main" id="{8B004215-F4E0-694F-5EBD-1B777F9B7A6C}"/>
+                <a16:creationId xmlns:a16="http://schemas.microsoft.com/office/drawing/2014/main" id="{04357363-3198-764C-98E4-92885E2E943E}"/>
               </a:ext>
             </a:extLst>
           </p:cNvPr>
@@ -6382,7 +6343,10 @@
           <a:bodyPr/>
           <a:lstStyle/>
           <a:p>
-            <a:endParaRPr lang="en-US"/>
+            <a:r>
+              <a:rPr lang="en-US" dirty="0"/>
+              <a:t>Loss – Non-Binary Cross Entropy</a:t>
+            </a:r>
           </a:p>
         </p:txBody>
       </p:sp>
@@ -6391,7 +6355,7 @@
           <p:cNvPr id="3" name="Content Placeholder 2">
             <a:extLst>
               <a:ext uri="{FF2B5EF4-FFF2-40B4-BE49-F238E27FC236}">
-                <a16:creationId xmlns:a16="http://schemas.microsoft.com/office/drawing/2014/main" id="{472E2424-31D3-AB65-BDD7-6877BD20EE13}"/>
+                <a16:creationId xmlns:a16="http://schemas.microsoft.com/office/drawing/2014/main" id="{852241B2-8C22-7B40-A9F8-854911DE4C2C}"/>
               </a:ext>
             </a:extLst>
           </p:cNvPr>
@@ -6402,21 +6366,49 @@
             <p:ph idx="1"/>
           </p:nvPr>
         </p:nvSpPr>
-        <p:spPr/>
+        <p:spPr>
+          <a:xfrm>
+            <a:off x="1451579" y="1853755"/>
+            <a:ext cx="9603275" cy="1464608"/>
+          </a:xfrm>
+        </p:spPr>
         <p:txBody>
           <a:bodyPr/>
           <a:lstStyle/>
           <a:p>
-            <a:endParaRPr lang="en-US"/>
+            <a:r>
+              <a:rPr lang="en-US" dirty="0"/>
+              <a:t>Cross Entropy (non-binary kind) is a common cost function for classification. </a:t>
+            </a:r>
+          </a:p>
+          <a:p>
+            <a:r>
+              <a:rPr lang="en-US" dirty="0"/>
+              <a:t>Cross entropy translates the </a:t>
+            </a:r>
+            <a:r>
+              <a:rPr lang="en-US" dirty="0" err="1"/>
+              <a:t>softmax</a:t>
+            </a:r>
+            <a:r>
+              <a:rPr lang="en-US" dirty="0"/>
+              <a:t> probabilities into a label, and calculates the cost. </a:t>
+            </a:r>
+          </a:p>
+          <a:p>
+            <a:r>
+              <a:rPr lang="en-US" dirty="0"/>
+              <a:t>Like binary cross entropy, this measures the “distance from” the correct prediction. </a:t>
+            </a:r>
           </a:p>
         </p:txBody>
       </p:sp>
       <p:pic>
         <p:nvPicPr>
-          <p:cNvPr id="1026" name="Picture 2" descr="Understand Cross Entropy Loss in Minutes | by Uniqtech | Data Science  Bootcamp | Medium">
-            <a:extLst>
-              <a:ext uri="{FF2B5EF4-FFF2-40B4-BE49-F238E27FC236}">
-                <a16:creationId xmlns:a16="http://schemas.microsoft.com/office/drawing/2014/main" id="{C4673594-CB96-AACF-8B99-1C1458EF5C53}"/>
+          <p:cNvPr id="5122" name="Picture 2" descr="Easy TensorFlow - Linear Classifier">
+            <a:extLst>
+              <a:ext uri="{FF2B5EF4-FFF2-40B4-BE49-F238E27FC236}">
+                <a16:creationId xmlns:a16="http://schemas.microsoft.com/office/drawing/2014/main" id="{CB8DE2E4-DF9F-7D4B-93A8-13702E477A77}"/>
               </a:ext>
             </a:extLst>
           </p:cNvPr>
@@ -6440,8 +6432,8 @@
         </p:blipFill>
         <p:spPr bwMode="auto">
           <a:xfrm>
-            <a:off x="260350" y="196850"/>
-            <a:ext cx="11671300" cy="6464300"/>
+            <a:off x="1142240" y="3318363"/>
+            <a:ext cx="9912614" cy="3727556"/>
           </a:xfrm>
           <a:prstGeom prst="rect">
             <a:avLst/>
@@ -6461,7 +6453,7 @@
     </p:spTree>
     <p:extLst>
       <p:ext uri="{BB962C8B-B14F-4D97-AF65-F5344CB8AC3E}">
-        <p14:creationId xmlns:p14="http://schemas.microsoft.com/office/powerpoint/2010/main" val="2243742767"/>
+        <p14:creationId xmlns:p14="http://schemas.microsoft.com/office/powerpoint/2010/main" val="1639071196"/>
       </p:ext>
     </p:extLst>
   </p:cSld>
@@ -6493,7 +6485,7 @@
           <p:cNvPr id="2" name="Title 1">
             <a:extLst>
               <a:ext uri="{FF2B5EF4-FFF2-40B4-BE49-F238E27FC236}">
-                <a16:creationId xmlns:a16="http://schemas.microsoft.com/office/drawing/2014/main" id="{C5D2A90F-D27C-4B7A-EC74-8902FA643863}"/>
+                <a16:creationId xmlns:a16="http://schemas.microsoft.com/office/drawing/2014/main" id="{8B004215-F4E0-694F-5EBD-1B777F9B7A6C}"/>
               </a:ext>
             </a:extLst>
           </p:cNvPr>
@@ -6509,10 +6501,7 @@
           <a:bodyPr/>
           <a:lstStyle/>
           <a:p>
-            <a:r>
-              <a:rPr lang="en-US" dirty="0"/>
-              <a:t>Result – Arbitrary Numbers of Classes</a:t>
-            </a:r>
+            <a:endParaRPr lang="en-US"/>
           </a:p>
         </p:txBody>
       </p:sp>
@@ -6521,7 +6510,7 @@
           <p:cNvPr id="3" name="Content Placeholder 2">
             <a:extLst>
               <a:ext uri="{FF2B5EF4-FFF2-40B4-BE49-F238E27FC236}">
-                <a16:creationId xmlns:a16="http://schemas.microsoft.com/office/drawing/2014/main" id="{9BDEB8A8-8A44-4F05-AA0C-C5C24DD73C51}"/>
+                <a16:creationId xmlns:a16="http://schemas.microsoft.com/office/drawing/2014/main" id="{472E2424-31D3-AB65-BDD7-6877BD20EE13}"/>
               </a:ext>
             </a:extLst>
           </p:cNvPr>
@@ -6543,10 +6532,10 @@
       </p:sp>
       <p:pic>
         <p:nvPicPr>
-          <p:cNvPr id="6146" name="Picture 2" descr="Cross entropy loss formula">
-            <a:extLst>
-              <a:ext uri="{FF2B5EF4-FFF2-40B4-BE49-F238E27FC236}">
-                <a16:creationId xmlns:a16="http://schemas.microsoft.com/office/drawing/2014/main" id="{013F3249-C92D-EDC7-657B-F0D7D345D274}"/>
+          <p:cNvPr id="1026" name="Picture 2" descr="Understand Cross Entropy Loss in Minutes | by Uniqtech | Data Science  Bootcamp | Medium">
+            <a:extLst>
+              <a:ext uri="{FF2B5EF4-FFF2-40B4-BE49-F238E27FC236}">
+                <a16:creationId xmlns:a16="http://schemas.microsoft.com/office/drawing/2014/main" id="{C4673594-CB96-AACF-8B99-1C1458EF5C53}"/>
               </a:ext>
             </a:extLst>
           </p:cNvPr>
@@ -6570,8 +6559,8 @@
         </p:blipFill>
         <p:spPr bwMode="auto">
           <a:xfrm>
-            <a:off x="2921000" y="2108200"/>
-            <a:ext cx="6350000" cy="2641600"/>
+            <a:off x="260350" y="196850"/>
+            <a:ext cx="11671300" cy="6464300"/>
           </a:xfrm>
           <a:prstGeom prst="rect">
             <a:avLst/>
@@ -6591,7 +6580,7 @@
     </p:spTree>
     <p:extLst>
       <p:ext uri="{BB962C8B-B14F-4D97-AF65-F5344CB8AC3E}">
-        <p14:creationId xmlns:p14="http://schemas.microsoft.com/office/powerpoint/2010/main" val="4171902103"/>
+        <p14:creationId xmlns:p14="http://schemas.microsoft.com/office/powerpoint/2010/main" val="2243742767"/>
       </p:ext>
     </p:extLst>
   </p:cSld>
@@ -6623,6 +6612,136 @@
           <p:cNvPr id="2" name="Title 1">
             <a:extLst>
               <a:ext uri="{FF2B5EF4-FFF2-40B4-BE49-F238E27FC236}">
+                <a16:creationId xmlns:a16="http://schemas.microsoft.com/office/drawing/2014/main" id="{C5D2A90F-D27C-4B7A-EC74-8902FA643863}"/>
+              </a:ext>
+            </a:extLst>
+          </p:cNvPr>
+          <p:cNvSpPr>
+            <a:spLocks noGrp="1"/>
+          </p:cNvSpPr>
+          <p:nvPr>
+            <p:ph type="title"/>
+          </p:nvPr>
+        </p:nvSpPr>
+        <p:spPr/>
+        <p:txBody>
+          <a:bodyPr/>
+          <a:lstStyle/>
+          <a:p>
+            <a:r>
+              <a:rPr lang="en-US" dirty="0"/>
+              <a:t>Result – Arbitrary Numbers of Classes</a:t>
+            </a:r>
+          </a:p>
+        </p:txBody>
+      </p:sp>
+      <p:sp>
+        <p:nvSpPr>
+          <p:cNvPr id="3" name="Content Placeholder 2">
+            <a:extLst>
+              <a:ext uri="{FF2B5EF4-FFF2-40B4-BE49-F238E27FC236}">
+                <a16:creationId xmlns:a16="http://schemas.microsoft.com/office/drawing/2014/main" id="{9BDEB8A8-8A44-4F05-AA0C-C5C24DD73C51}"/>
+              </a:ext>
+            </a:extLst>
+          </p:cNvPr>
+          <p:cNvSpPr>
+            <a:spLocks noGrp="1"/>
+          </p:cNvSpPr>
+          <p:nvPr>
+            <p:ph idx="1"/>
+          </p:nvPr>
+        </p:nvSpPr>
+        <p:spPr/>
+        <p:txBody>
+          <a:bodyPr/>
+          <a:lstStyle/>
+          <a:p>
+            <a:endParaRPr lang="en-US"/>
+          </a:p>
+        </p:txBody>
+      </p:sp>
+      <p:pic>
+        <p:nvPicPr>
+          <p:cNvPr id="6146" name="Picture 2" descr="Cross entropy loss formula">
+            <a:extLst>
+              <a:ext uri="{FF2B5EF4-FFF2-40B4-BE49-F238E27FC236}">
+                <a16:creationId xmlns:a16="http://schemas.microsoft.com/office/drawing/2014/main" id="{013F3249-C92D-EDC7-657B-F0D7D345D274}"/>
+              </a:ext>
+            </a:extLst>
+          </p:cNvPr>
+          <p:cNvPicPr>
+            <a:picLocks noChangeAspect="1" noChangeArrowheads="1"/>
+          </p:cNvPicPr>
+          <p:nvPr/>
+        </p:nvPicPr>
+        <p:blipFill>
+          <a:blip r:embed="rId2">
+            <a:extLst>
+              <a:ext uri="{28A0092B-C50C-407E-A947-70E740481C1C}">
+                <a14:useLocalDpi xmlns:a14="http://schemas.microsoft.com/office/drawing/2010/main" val="0"/>
+              </a:ext>
+            </a:extLst>
+          </a:blip>
+          <a:srcRect/>
+          <a:stretch>
+            <a:fillRect/>
+          </a:stretch>
+        </p:blipFill>
+        <p:spPr bwMode="auto">
+          <a:xfrm>
+            <a:off x="2921000" y="2108200"/>
+            <a:ext cx="6350000" cy="2641600"/>
+          </a:xfrm>
+          <a:prstGeom prst="rect">
+            <a:avLst/>
+          </a:prstGeom>
+          <a:noFill/>
+          <a:extLst>
+            <a:ext uri="{909E8E84-426E-40DD-AFC4-6F175D3DCCD1}">
+              <a14:hiddenFill xmlns:a14="http://schemas.microsoft.com/office/drawing/2010/main">
+                <a:solidFill>
+                  <a:srgbClr val="FFFFFF"/>
+                </a:solidFill>
+              </a14:hiddenFill>
+            </a:ext>
+          </a:extLst>
+        </p:spPr>
+      </p:pic>
+    </p:spTree>
+    <p:extLst>
+      <p:ext uri="{BB962C8B-B14F-4D97-AF65-F5344CB8AC3E}">
+        <p14:creationId xmlns:p14="http://schemas.microsoft.com/office/powerpoint/2010/main" val="4171902103"/>
+      </p:ext>
+    </p:extLst>
+  </p:cSld>
+  <p:clrMapOvr>
+    <a:masterClrMapping/>
+  </p:clrMapOvr>
+</p:sld>
+</file>
+
+<file path=ppt/slides/slide27.xml><?xml version="1.0" encoding="utf-8"?>
+<p:sld xmlns:a="http://schemas.openxmlformats.org/drawingml/2006/main" xmlns:r="http://schemas.openxmlformats.org/officeDocument/2006/relationships" xmlns:p="http://schemas.openxmlformats.org/presentationml/2006/main">
+  <p:cSld>
+    <p:spTree>
+      <p:nvGrpSpPr>
+        <p:cNvPr id="1" name=""/>
+        <p:cNvGrpSpPr/>
+        <p:nvPr/>
+      </p:nvGrpSpPr>
+      <p:grpSpPr>
+        <a:xfrm>
+          <a:off x="0" y="0"/>
+          <a:ext cx="0" cy="0"/>
+          <a:chOff x="0" y="0"/>
+          <a:chExt cx="0" cy="0"/>
+        </a:xfrm>
+      </p:grpSpPr>
+      <p:sp>
+        <p:nvSpPr>
+          <p:cNvPr id="2" name="Title 1">
+            <a:extLst>
+              <a:ext uri="{FF2B5EF4-FFF2-40B4-BE49-F238E27FC236}">
                 <a16:creationId xmlns:a16="http://schemas.microsoft.com/office/drawing/2014/main" id="{6D0E349A-7CE7-3BC2-1FE6-4DC6D20257A4}"/>
               </a:ext>
             </a:extLst>
@@ -6763,7 +6882,7 @@
 </p:sld>
 </file>
 
-<file path=ppt/slides/slide27.xml><?xml version="1.0" encoding="utf-8"?>
+<file path=ppt/slides/slide28.xml><?xml version="1.0" encoding="utf-8"?>
 <p:sld xmlns:a="http://schemas.openxmlformats.org/drawingml/2006/main" xmlns:r="http://schemas.openxmlformats.org/officeDocument/2006/relationships" xmlns:p="http://schemas.openxmlformats.org/presentationml/2006/main">
   <p:cSld>
     <p:bg>
@@ -7219,7 +7338,7 @@
 </p:sld>
 </file>
 
-<file path=ppt/slides/slide28.xml><?xml version="1.0" encoding="utf-8"?>
+<file path=ppt/slides/slide29.xml><?xml version="1.0" encoding="utf-8"?>
 <p:sld xmlns:a="http://schemas.openxmlformats.org/drawingml/2006/main" xmlns:r="http://schemas.openxmlformats.org/officeDocument/2006/relationships" xmlns:p="http://schemas.openxmlformats.org/presentationml/2006/main">
   <p:cSld>
     <p:spTree>
@@ -7313,6 +7432,13 @@
               <a:t>We need to “make it usable” to predict.</a:t>
             </a:r>
           </a:p>
+          <a:p>
+            <a:pPr lvl="1"/>
+            <a:r>
+              <a:rPr lang="en-US" dirty="0"/>
+              <a:t>Can’t do a regression on your cat. </a:t>
+            </a:r>
+          </a:p>
         </p:txBody>
       </p:sp>
       <p:pic>
@@ -7375,7 +7501,92 @@
 </p:sld>
 </file>
 
-<file path=ppt/slides/slide29.xml><?xml version="1.0" encoding="utf-8"?>
+<file path=ppt/slides/slide3.xml><?xml version="1.0" encoding="utf-8"?>
+<p:sld xmlns:a="http://schemas.openxmlformats.org/drawingml/2006/main" xmlns:r="http://schemas.openxmlformats.org/officeDocument/2006/relationships" xmlns:p="http://schemas.openxmlformats.org/presentationml/2006/main">
+  <p:cSld>
+    <p:spTree>
+      <p:nvGrpSpPr>
+        <p:cNvPr id="1" name=""/>
+        <p:cNvGrpSpPr/>
+        <p:nvPr/>
+      </p:nvGrpSpPr>
+      <p:grpSpPr>
+        <a:xfrm>
+          <a:off x="0" y="0"/>
+          <a:ext cx="0" cy="0"/>
+          <a:chOff x="0" y="0"/>
+          <a:chExt cx="0" cy="0"/>
+        </a:xfrm>
+      </p:grpSpPr>
+      <p:sp>
+        <p:nvSpPr>
+          <p:cNvPr id="2" name="Title 1">
+            <a:extLst>
+              <a:ext uri="{FF2B5EF4-FFF2-40B4-BE49-F238E27FC236}">
+                <a16:creationId xmlns:a16="http://schemas.microsoft.com/office/drawing/2014/main" id="{EFB45428-29C3-BC43-9FC5-E850D418B665}"/>
+              </a:ext>
+            </a:extLst>
+          </p:cNvPr>
+          <p:cNvSpPr>
+            <a:spLocks noGrp="1"/>
+          </p:cNvSpPr>
+          <p:nvPr>
+            <p:ph type="ctrTitle"/>
+          </p:nvPr>
+        </p:nvSpPr>
+        <p:spPr/>
+        <p:txBody>
+          <a:bodyPr>
+            <a:normAutofit fontScale="90000"/>
+          </a:bodyPr>
+          <a:lstStyle/>
+          <a:p>
+            <a:r>
+              <a:rPr lang="en-US" dirty="0"/>
+              <a:t>Logistic Regression and Images</a:t>
+            </a:r>
+          </a:p>
+        </p:txBody>
+      </p:sp>
+      <p:sp>
+        <p:nvSpPr>
+          <p:cNvPr id="3" name="Subtitle 2">
+            <a:extLst>
+              <a:ext uri="{FF2B5EF4-FFF2-40B4-BE49-F238E27FC236}">
+                <a16:creationId xmlns:a16="http://schemas.microsoft.com/office/drawing/2014/main" id="{7AEA02F9-360D-0240-AEED-CBAFA096A037}"/>
+              </a:ext>
+            </a:extLst>
+          </p:cNvPr>
+          <p:cNvSpPr>
+            <a:spLocks noGrp="1"/>
+          </p:cNvSpPr>
+          <p:nvPr>
+            <p:ph type="subTitle" idx="1"/>
+          </p:nvPr>
+        </p:nvSpPr>
+        <p:spPr/>
+        <p:txBody>
+          <a:bodyPr/>
+          <a:lstStyle/>
+          <a:p>
+            <a:endParaRPr lang="en-US"/>
+          </a:p>
+        </p:txBody>
+      </p:sp>
+    </p:spTree>
+    <p:extLst>
+      <p:ext uri="{BB962C8B-B14F-4D97-AF65-F5344CB8AC3E}">
+        <p14:creationId xmlns:p14="http://schemas.microsoft.com/office/powerpoint/2010/main" val="1853110498"/>
+      </p:ext>
+    </p:extLst>
+  </p:cSld>
+  <p:clrMapOvr>
+    <a:masterClrMapping/>
+  </p:clrMapOvr>
+</p:sld>
+</file>
+
+<file path=ppt/slides/slide30.xml><?xml version="1.0" encoding="utf-8"?>
 <p:sld xmlns:a="http://schemas.openxmlformats.org/drawingml/2006/main" xmlns:r="http://schemas.openxmlformats.org/officeDocument/2006/relationships" xmlns:p="http://schemas.openxmlformats.org/presentationml/2006/main">
   <p:cSld>
     <p:bg>
@@ -7584,7 +7795,7 @@
 </p:sld>
 </file>
 
-<file path=ppt/slides/slide3.xml><?xml version="1.0" encoding="utf-8"?>
+<file path=ppt/slides/slide31.xml><?xml version="1.0" encoding="utf-8"?>
 <p:sld xmlns:a="http://schemas.openxmlformats.org/drawingml/2006/main" xmlns:r="http://schemas.openxmlformats.org/officeDocument/2006/relationships" xmlns:p="http://schemas.openxmlformats.org/presentationml/2006/main">
   <p:cSld>
     <p:spTree>
@@ -7606,91 +7817,6 @@
           <p:cNvPr id="2" name="Title 1">
             <a:extLst>
               <a:ext uri="{FF2B5EF4-FFF2-40B4-BE49-F238E27FC236}">
-                <a16:creationId xmlns:a16="http://schemas.microsoft.com/office/drawing/2014/main" id="{EFB45428-29C3-BC43-9FC5-E850D418B665}"/>
-              </a:ext>
-            </a:extLst>
-          </p:cNvPr>
-          <p:cNvSpPr>
-            <a:spLocks noGrp="1"/>
-          </p:cNvSpPr>
-          <p:nvPr>
-            <p:ph type="ctrTitle"/>
-          </p:nvPr>
-        </p:nvSpPr>
-        <p:spPr/>
-        <p:txBody>
-          <a:bodyPr>
-            <a:normAutofit fontScale="90000"/>
-          </a:bodyPr>
-          <a:lstStyle/>
-          <a:p>
-            <a:r>
-              <a:rPr lang="en-US" dirty="0"/>
-              <a:t>Logistic Regression and Images</a:t>
-            </a:r>
-          </a:p>
-        </p:txBody>
-      </p:sp>
-      <p:sp>
-        <p:nvSpPr>
-          <p:cNvPr id="3" name="Subtitle 2">
-            <a:extLst>
-              <a:ext uri="{FF2B5EF4-FFF2-40B4-BE49-F238E27FC236}">
-                <a16:creationId xmlns:a16="http://schemas.microsoft.com/office/drawing/2014/main" id="{7AEA02F9-360D-0240-AEED-CBAFA096A037}"/>
-              </a:ext>
-            </a:extLst>
-          </p:cNvPr>
-          <p:cNvSpPr>
-            <a:spLocks noGrp="1"/>
-          </p:cNvSpPr>
-          <p:nvPr>
-            <p:ph type="subTitle" idx="1"/>
-          </p:nvPr>
-        </p:nvSpPr>
-        <p:spPr/>
-        <p:txBody>
-          <a:bodyPr/>
-          <a:lstStyle/>
-          <a:p>
-            <a:endParaRPr lang="en-US"/>
-          </a:p>
-        </p:txBody>
-      </p:sp>
-    </p:spTree>
-    <p:extLst>
-      <p:ext uri="{BB962C8B-B14F-4D97-AF65-F5344CB8AC3E}">
-        <p14:creationId xmlns:p14="http://schemas.microsoft.com/office/powerpoint/2010/main" val="1853110498"/>
-      </p:ext>
-    </p:extLst>
-  </p:cSld>
-  <p:clrMapOvr>
-    <a:masterClrMapping/>
-  </p:clrMapOvr>
-</p:sld>
-</file>
-
-<file path=ppt/slides/slide30.xml><?xml version="1.0" encoding="utf-8"?>
-<p:sld xmlns:a="http://schemas.openxmlformats.org/drawingml/2006/main" xmlns:r="http://schemas.openxmlformats.org/officeDocument/2006/relationships" xmlns:p="http://schemas.openxmlformats.org/presentationml/2006/main">
-  <p:cSld>
-    <p:spTree>
-      <p:nvGrpSpPr>
-        <p:cNvPr id="1" name=""/>
-        <p:cNvGrpSpPr/>
-        <p:nvPr/>
-      </p:nvGrpSpPr>
-      <p:grpSpPr>
-        <a:xfrm>
-          <a:off x="0" y="0"/>
-          <a:ext cx="0" cy="0"/>
-          <a:chOff x="0" y="0"/>
-          <a:chExt cx="0" cy="0"/>
-        </a:xfrm>
-      </p:grpSpPr>
-      <p:sp>
-        <p:nvSpPr>
-          <p:cNvPr id="2" name="Title 1">
-            <a:extLst>
-              <a:ext uri="{FF2B5EF4-FFF2-40B4-BE49-F238E27FC236}">
                 <a16:creationId xmlns:a16="http://schemas.microsoft.com/office/drawing/2014/main" id="{4D58C802-D6EB-837F-62BB-7F7DF9E02156}"/>
               </a:ext>
             </a:extLst>
@@ -7813,7 +7939,7 @@
 </p:sld>
 </file>
 
-<file path=ppt/slides/slide31.xml><?xml version="1.0" encoding="utf-8"?>
+<file path=ppt/slides/slide32.xml><?xml version="1.0" encoding="utf-8"?>
 <p:sld xmlns:a="http://schemas.openxmlformats.org/drawingml/2006/main" xmlns:r="http://schemas.openxmlformats.org/officeDocument/2006/relationships" xmlns:p="http://schemas.openxmlformats.org/presentationml/2006/main">
   <p:cSld>
     <p:bg>
@@ -8001,208 +8127,6 @@
 </p:sld>
 </file>
 
-<file path=ppt/slides/slide32.xml><?xml version="1.0" encoding="utf-8"?>
-<p:sld xmlns:a="http://schemas.openxmlformats.org/drawingml/2006/main" xmlns:r="http://schemas.openxmlformats.org/officeDocument/2006/relationships" xmlns:p="http://schemas.openxmlformats.org/presentationml/2006/main">
-  <p:cSld>
-    <p:spTree>
-      <p:nvGrpSpPr>
-        <p:cNvPr id="1" name=""/>
-        <p:cNvGrpSpPr/>
-        <p:nvPr/>
-      </p:nvGrpSpPr>
-      <p:grpSpPr>
-        <a:xfrm>
-          <a:off x="0" y="0"/>
-          <a:ext cx="0" cy="0"/>
-          <a:chOff x="0" y="0"/>
-          <a:chExt cx="0" cy="0"/>
-        </a:xfrm>
-      </p:grpSpPr>
-      <p:sp>
-        <p:nvSpPr>
-          <p:cNvPr id="2" name="Title 1">
-            <a:extLst>
-              <a:ext uri="{FF2B5EF4-FFF2-40B4-BE49-F238E27FC236}">
-                <a16:creationId xmlns:a16="http://schemas.microsoft.com/office/drawing/2014/main" id="{763A3D3D-1B15-1537-EF9B-D4F698BB039B}"/>
-              </a:ext>
-            </a:extLst>
-          </p:cNvPr>
-          <p:cNvSpPr>
-            <a:spLocks noGrp="1"/>
-          </p:cNvSpPr>
-          <p:nvPr>
-            <p:ph type="title"/>
-          </p:nvPr>
-        </p:nvSpPr>
-        <p:spPr/>
-        <p:txBody>
-          <a:bodyPr/>
-          <a:lstStyle/>
-          <a:p>
-            <a:r>
-              <a:rPr lang="en-US" dirty="0"/>
-              <a:t>Classifying Digits</a:t>
-            </a:r>
-          </a:p>
-        </p:txBody>
-      </p:sp>
-      <p:sp>
-        <p:nvSpPr>
-          <p:cNvPr id="3" name="Content Placeholder 2">
-            <a:extLst>
-              <a:ext uri="{FF2B5EF4-FFF2-40B4-BE49-F238E27FC236}">
-                <a16:creationId xmlns:a16="http://schemas.microsoft.com/office/drawing/2014/main" id="{9EC530FB-566D-D043-2F30-7D7002FF5A02}"/>
-              </a:ext>
-            </a:extLst>
-          </p:cNvPr>
-          <p:cNvSpPr>
-            <a:spLocks noGrp="1"/>
-          </p:cNvSpPr>
-          <p:nvPr>
-            <p:ph idx="1"/>
-          </p:nvPr>
-        </p:nvSpPr>
-        <p:spPr>
-          <a:xfrm>
-            <a:off x="1451579" y="1853754"/>
-            <a:ext cx="9603275" cy="4259451"/>
-          </a:xfrm>
-        </p:spPr>
-        <p:txBody>
-          <a:bodyPr>
-            <a:normAutofit/>
-          </a:bodyPr>
-          <a:lstStyle/>
-          <a:p>
-            <a:r>
-              <a:rPr lang="en-US" dirty="0"/>
-              <a:t>We can create a model to classify digits into 10 classes. </a:t>
-            </a:r>
-          </a:p>
-          <a:p>
-            <a:r>
-              <a:rPr lang="en-US" dirty="0"/>
-              <a:t>Our image data – we will interpret it like “normal” data:</a:t>
-            </a:r>
-          </a:p>
-          <a:p>
-            <a:pPr lvl="1"/>
-            <a:r>
-              <a:rPr lang="en-US" dirty="0"/>
-              <a:t>Each digit is an image of pixels – either 64 (8x8) or 748 (28x28). </a:t>
-            </a:r>
-          </a:p>
-          <a:p>
-            <a:pPr lvl="1"/>
-            <a:r>
-              <a:rPr lang="en-US" dirty="0"/>
-              <a:t>There’s only one color, so each pixel can be between 0 and 255 for “darkness”. </a:t>
-            </a:r>
-          </a:p>
-          <a:p>
-            <a:pPr lvl="1"/>
-            <a:r>
-              <a:rPr lang="en-US" dirty="0"/>
-              <a:t>Our target is the label, the actual number that the pixel is. </a:t>
-            </a:r>
-          </a:p>
-          <a:p>
-            <a:pPr lvl="1"/>
-            <a:r>
-              <a:rPr lang="en-US" dirty="0"/>
-              <a:t>We can flatten the 2D representation of pixels into one row, then use normal models. </a:t>
-            </a:r>
-          </a:p>
-          <a:p>
-            <a:pPr lvl="1"/>
-            <a:r>
-              <a:rPr lang="en-US" dirty="0"/>
-              <a:t>Each pixel will now just be one feature, in order. (We can reshape back to get original)</a:t>
-            </a:r>
-          </a:p>
-          <a:p>
-            <a:r>
-              <a:rPr lang="en-US" dirty="0"/>
-              <a:t>We lose the spatial part of the data – our flat representation doesn’t “understand” 2D.</a:t>
-            </a:r>
-          </a:p>
-          <a:p>
-            <a:pPr lvl="1"/>
-            <a:r>
-              <a:rPr lang="en-US" dirty="0"/>
-              <a:t>With images, and other things that are analog, we create a representation to use. </a:t>
-            </a:r>
-          </a:p>
-          <a:p>
-            <a:pPr lvl="1"/>
-            <a:r>
-              <a:rPr lang="en-US" dirty="0"/>
-              <a:t>There are better ways to process image data that keep spatial awareness, we’ll see later. </a:t>
-            </a:r>
-          </a:p>
-          <a:p>
-            <a:endParaRPr lang="en-US" dirty="0"/>
-          </a:p>
-        </p:txBody>
-      </p:sp>
-      <p:pic>
-        <p:nvPicPr>
-          <p:cNvPr id="3074" name="Picture 2" descr="NumPy: numpy.ndarray.flatten()function - w3resource">
-            <a:extLst>
-              <a:ext uri="{FF2B5EF4-FFF2-40B4-BE49-F238E27FC236}">
-                <a16:creationId xmlns:a16="http://schemas.microsoft.com/office/drawing/2014/main" id="{33E79A7E-03D2-71B3-8975-E0B8F178C978}"/>
-              </a:ext>
-            </a:extLst>
-          </p:cNvPr>
-          <p:cNvPicPr>
-            <a:picLocks noChangeAspect="1" noChangeArrowheads="1"/>
-          </p:cNvPicPr>
-          <p:nvPr/>
-        </p:nvPicPr>
-        <p:blipFill rotWithShape="1">
-          <a:blip r:embed="rId2">
-            <a:extLst>
-              <a:ext uri="{28A0092B-C50C-407E-A947-70E740481C1C}">
-                <a14:useLocalDpi xmlns:a14="http://schemas.microsoft.com/office/drawing/2010/main" val="0"/>
-              </a:ext>
-            </a:extLst>
-          </a:blip>
-          <a:srcRect l="9739" t="3665" r="11514" b="3665"/>
-          <a:stretch/>
-        </p:blipFill>
-        <p:spPr bwMode="auto">
-          <a:xfrm>
-            <a:off x="9637059" y="1"/>
-            <a:ext cx="2554941" cy="3369266"/>
-          </a:xfrm>
-          <a:prstGeom prst="rect">
-            <a:avLst/>
-          </a:prstGeom>
-          <a:noFill/>
-          <a:extLst>
-            <a:ext uri="{909E8E84-426E-40DD-AFC4-6F175D3DCCD1}">
-              <a14:hiddenFill xmlns:a14="http://schemas.microsoft.com/office/drawing/2010/main">
-                <a:solidFill>
-                  <a:srgbClr val="FFFFFF"/>
-                </a:solidFill>
-              </a14:hiddenFill>
-            </a:ext>
-          </a:extLst>
-        </p:spPr>
-      </p:pic>
-    </p:spTree>
-    <p:extLst>
-      <p:ext uri="{BB962C8B-B14F-4D97-AF65-F5344CB8AC3E}">
-        <p14:creationId xmlns:p14="http://schemas.microsoft.com/office/powerpoint/2010/main" val="1464860524"/>
-      </p:ext>
-    </p:extLst>
-  </p:cSld>
-  <p:clrMapOvr>
-    <a:masterClrMapping/>
-  </p:clrMapOvr>
-</p:sld>
-</file>
-
 <file path=ppt/slides/slide33.xml><?xml version="1.0" encoding="utf-8"?>
 <p:sld xmlns:a="http://schemas.openxmlformats.org/drawingml/2006/main" xmlns:r="http://schemas.openxmlformats.org/officeDocument/2006/relationships" xmlns:p="http://schemas.openxmlformats.org/presentationml/2006/main">
   <p:cSld>
@@ -8225,7 +8149,7 @@
           <p:cNvPr id="2" name="Title 1">
             <a:extLst>
               <a:ext uri="{FF2B5EF4-FFF2-40B4-BE49-F238E27FC236}">
-                <a16:creationId xmlns:a16="http://schemas.microsoft.com/office/drawing/2014/main" id="{21CD620E-A38D-1E68-F077-B10F57635217}"/>
+                <a16:creationId xmlns:a16="http://schemas.microsoft.com/office/drawing/2014/main" id="{763A3D3D-1B15-1537-EF9B-D4F698BB039B}"/>
               </a:ext>
             </a:extLst>
           </p:cNvPr>
@@ -8243,14 +8167,7 @@
           <a:p>
             <a:r>
               <a:rPr lang="en-US" dirty="0"/>
-              <a:t>Better Image Processing</a:t>
-            </a:r>
-            <a:br>
-              <a:rPr lang="en-US" dirty="0"/>
-            </a:br>
-            <a:r>
-              <a:rPr lang="en-US" dirty="0"/>
-              <a:t>(For Later on)</a:t>
+              <a:t>Classifying Digits</a:t>
             </a:r>
           </a:p>
         </p:txBody>
@@ -8260,7 +8177,7 @@
           <p:cNvPr id="3" name="Content Placeholder 2">
             <a:extLst>
               <a:ext uri="{FF2B5EF4-FFF2-40B4-BE49-F238E27FC236}">
-                <a16:creationId xmlns:a16="http://schemas.microsoft.com/office/drawing/2014/main" id="{CA93F599-DA70-B4F8-4AAF-29AC103447E5}"/>
+                <a16:creationId xmlns:a16="http://schemas.microsoft.com/office/drawing/2014/main" id="{9EC530FB-566D-D043-2F30-7D7002FF5A02}"/>
               </a:ext>
             </a:extLst>
           </p:cNvPr>
@@ -8274,100 +8191,92 @@
         <p:spPr>
           <a:xfrm>
             <a:off x="1451579" y="1853754"/>
-            <a:ext cx="10215284" cy="4199727"/>
+            <a:ext cx="9603275" cy="4259451"/>
           </a:xfrm>
         </p:spPr>
         <p:txBody>
           <a:bodyPr>
-            <a:normAutofit fontScale="92500" lnSpcReduction="10000"/>
+            <a:normAutofit/>
           </a:bodyPr>
           <a:lstStyle/>
           <a:p>
             <a:r>
               <a:rPr lang="en-US" dirty="0"/>
-              <a:t>In our models we always need to flatten the data prior to doing anything. </a:t>
-            </a:r>
-          </a:p>
-          <a:p>
-            <a:pPr lvl="1"/>
-            <a:r>
-              <a:rPr lang="en-US" dirty="0" err="1"/>
-              <a:t>I.e</a:t>
-            </a:r>
-            <a:r>
-              <a:rPr lang="en-US" dirty="0"/>
-              <a:t> the data we use is a datasheet – one value per column, row per item. </a:t>
-            </a:r>
-          </a:p>
-          <a:p>
-            <a:r>
-              <a:rPr lang="en-US" dirty="0"/>
-              <a:t>In an image, that transformation causes some data loss. </a:t>
-            </a:r>
-          </a:p>
-          <a:p>
-            <a:pPr lvl="1"/>
-            <a:r>
-              <a:rPr lang="en-US" dirty="0"/>
-              <a:t>We lose the info on where things are in 2D relative to each other, like the shape of a face. </a:t>
-            </a:r>
-          </a:p>
-          <a:p>
-            <a:pPr lvl="1"/>
-            <a:r>
-              <a:rPr lang="en-US" dirty="0"/>
-              <a:t>E.g. a cat is a cat if it is on the right, upside down, </a:t>
-            </a:r>
-            <a:r>
-              <a:rPr lang="en-US" dirty="0" err="1"/>
-              <a:t>etc</a:t>
-            </a:r>
-            <a:r>
-              <a:rPr lang="en-US" dirty="0"/>
-              <a:t>… but our model only sees pixels. </a:t>
-            </a:r>
-          </a:p>
-          <a:p>
-            <a:pPr lvl="1"/>
-            <a:r>
-              <a:rPr lang="en-US" dirty="0"/>
-              <a:t>A cat in the upper left corner is different from a cat in the lower right corner in data. (diff pixel)</a:t>
-            </a:r>
-          </a:p>
-          <a:p>
-            <a:r>
-              <a:rPr lang="en-US" dirty="0"/>
-              <a:t>This is a limitation in fit of this type of model to this data – irreducible error. </a:t>
-            </a:r>
-          </a:p>
-          <a:p>
-            <a:pPr lvl="1"/>
-            <a:r>
-              <a:rPr lang="en-US" dirty="0"/>
-              <a:t>It will work as long as we can transform the data, but the representation (flattened pixels of the image fails in that it is unable to capture all of the important info in an image, like the spatial bit. </a:t>
-            </a:r>
-          </a:p>
-          <a:p>
-            <a:r>
-              <a:rPr lang="en-US" dirty="0"/>
-              <a:t>Other models (CNN) can capture the spatial part of the data, and are better for images. </a:t>
-            </a:r>
-          </a:p>
-          <a:p>
-            <a:pPr lvl="1"/>
-            <a:r>
-              <a:rPr lang="en-US" dirty="0"/>
-              <a:t>I.e. instead of using just pixels as features, this can construct features from the 2D image. </a:t>
-            </a:r>
+              <a:t>We can create a model to classify digits into 10 classes. </a:t>
+            </a:r>
+          </a:p>
+          <a:p>
+            <a:r>
+              <a:rPr lang="en-US" dirty="0"/>
+              <a:t>Our image data – we will interpret it like “normal” data:</a:t>
+            </a:r>
+          </a:p>
+          <a:p>
+            <a:pPr lvl="1"/>
+            <a:r>
+              <a:rPr lang="en-US" dirty="0"/>
+              <a:t>Each digit is an image of pixels – either 64 (8x8) or 748 (28x28). </a:t>
+            </a:r>
+          </a:p>
+          <a:p>
+            <a:pPr lvl="1"/>
+            <a:r>
+              <a:rPr lang="en-US" dirty="0"/>
+              <a:t>There’s only one color, so each pixel can be between 0 and 255 for “darkness”. </a:t>
+            </a:r>
+          </a:p>
+          <a:p>
+            <a:pPr lvl="1"/>
+            <a:r>
+              <a:rPr lang="en-US" dirty="0"/>
+              <a:t>Our target is the label, the actual number that the pixel is. </a:t>
+            </a:r>
+          </a:p>
+          <a:p>
+            <a:pPr lvl="1"/>
+            <a:r>
+              <a:rPr lang="en-US" dirty="0"/>
+              <a:t>We can flatten the 2D representation of pixels into one row, then use normal models. </a:t>
+            </a:r>
+          </a:p>
+          <a:p>
+            <a:pPr lvl="1"/>
+            <a:r>
+              <a:rPr lang="en-US" dirty="0"/>
+              <a:t>Each pixel will now just be one feature, in order. (We can reshape back to get original)</a:t>
+            </a:r>
+          </a:p>
+          <a:p>
+            <a:r>
+              <a:rPr lang="en-US" dirty="0"/>
+              <a:t>We lose the spatial part of the data – our flat representation doesn’t “understand” 2D.</a:t>
+            </a:r>
+          </a:p>
+          <a:p>
+            <a:pPr lvl="1"/>
+            <a:r>
+              <a:rPr lang="en-US" dirty="0"/>
+              <a:t>With images, and other things that are analog, we create a representation to use. </a:t>
+            </a:r>
+          </a:p>
+          <a:p>
+            <a:pPr lvl="1"/>
+            <a:r>
+              <a:rPr lang="en-US" dirty="0"/>
+              <a:t>There are better ways to process image data that keep spatial awareness, we’ll see later. </a:t>
+            </a:r>
+          </a:p>
+          <a:p>
+            <a:endParaRPr lang="en-US" dirty="0"/>
           </a:p>
         </p:txBody>
       </p:sp>
       <p:pic>
         <p:nvPicPr>
-          <p:cNvPr id="8196" name="Picture 4" descr="Data Augmentation: How to use Deep Learning when you have Limited Data -  KDnuggets">
-            <a:extLst>
-              <a:ext uri="{FF2B5EF4-FFF2-40B4-BE49-F238E27FC236}">
-                <a16:creationId xmlns:a16="http://schemas.microsoft.com/office/drawing/2014/main" id="{1556BC7B-84F2-F902-9FF3-232D430F31CD}"/>
+          <p:cNvPr id="3074" name="Picture 2" descr="NumPy: numpy.ndarray.flatten()function - w3resource">
+            <a:extLst>
+              <a:ext uri="{FF2B5EF4-FFF2-40B4-BE49-F238E27FC236}">
+                <a16:creationId xmlns:a16="http://schemas.microsoft.com/office/drawing/2014/main" id="{33E79A7E-03D2-71B3-8975-E0B8F178C978}"/>
               </a:ext>
             </a:extLst>
           </p:cNvPr>
@@ -8384,13 +8293,13 @@
               </a:ext>
             </a:extLst>
           </a:blip>
-          <a:srcRect b="17447"/>
+          <a:srcRect l="9739" t="3665" r="11514" b="3665"/>
           <a:stretch/>
         </p:blipFill>
         <p:spPr bwMode="auto">
           <a:xfrm>
-            <a:off x="7660257" y="0"/>
-            <a:ext cx="4531743" cy="1900252"/>
+            <a:off x="9637059" y="1"/>
+            <a:ext cx="2554941" cy="3369266"/>
           </a:xfrm>
           <a:prstGeom prst="rect">
             <a:avLst/>
@@ -8410,7 +8319,7 @@
     </p:spTree>
     <p:extLst>
       <p:ext uri="{BB962C8B-B14F-4D97-AF65-F5344CB8AC3E}">
-        <p14:creationId xmlns:p14="http://schemas.microsoft.com/office/powerpoint/2010/main" val="135317165"/>
+        <p14:creationId xmlns:p14="http://schemas.microsoft.com/office/powerpoint/2010/main" val="1464860524"/>
       </p:ext>
     </p:extLst>
   </p:cSld>
@@ -8442,7 +8351,7 @@
           <p:cNvPr id="2" name="Title 1">
             <a:extLst>
               <a:ext uri="{FF2B5EF4-FFF2-40B4-BE49-F238E27FC236}">
-                <a16:creationId xmlns:a16="http://schemas.microsoft.com/office/drawing/2014/main" id="{E7B6AFB4-CF2D-F8DA-99EE-40F827940A1B}"/>
+                <a16:creationId xmlns:a16="http://schemas.microsoft.com/office/drawing/2014/main" id="{EB0C52FE-D4D9-A0F1-1024-2BC966B7C940}"/>
               </a:ext>
             </a:extLst>
           </p:cNvPr>
@@ -8453,43 +8362,38 @@
             <p:ph type="title"/>
           </p:nvPr>
         </p:nvSpPr>
+        <p:spPr/>
+        <p:txBody>
+          <a:bodyPr/>
+          <a:lstStyle/>
+          <a:p>
+            <a:r>
+              <a:rPr lang="en-US" dirty="0"/>
+              <a:t>From Image to Vector</a:t>
+            </a:r>
+          </a:p>
+        </p:txBody>
+      </p:sp>
+      <p:sp>
+        <p:nvSpPr>
+          <p:cNvPr id="3" name="Content Placeholder 2">
+            <a:extLst>
+              <a:ext uri="{FF2B5EF4-FFF2-40B4-BE49-F238E27FC236}">
+                <a16:creationId xmlns:a16="http://schemas.microsoft.com/office/drawing/2014/main" id="{679DA2E2-FE53-7C10-1E56-637897D6143F}"/>
+              </a:ext>
+            </a:extLst>
+          </p:cNvPr>
+          <p:cNvSpPr>
+            <a:spLocks noGrp="1"/>
+          </p:cNvSpPr>
+          <p:nvPr>
+            <p:ph idx="1"/>
+          </p:nvPr>
+        </p:nvSpPr>
         <p:spPr>
           <a:xfrm>
-            <a:off x="198409" y="804519"/>
-            <a:ext cx="10856446" cy="1049235"/>
-          </a:xfrm>
-        </p:spPr>
-        <p:txBody>
-          <a:bodyPr/>
-          <a:lstStyle/>
-          <a:p>
-            <a:r>
-              <a:rPr lang="en-US" dirty="0"/>
-              <a:t>Detour - Feature Extraction and Preprocessing</a:t>
-            </a:r>
-          </a:p>
-        </p:txBody>
-      </p:sp>
-      <p:sp>
-        <p:nvSpPr>
-          <p:cNvPr id="3" name="Content Placeholder 2">
-            <a:extLst>
-              <a:ext uri="{FF2B5EF4-FFF2-40B4-BE49-F238E27FC236}">
-                <a16:creationId xmlns:a16="http://schemas.microsoft.com/office/drawing/2014/main" id="{1D67B5C3-D58D-2946-C8C2-F4FAAD045AA1}"/>
-              </a:ext>
-            </a:extLst>
-          </p:cNvPr>
-          <p:cNvSpPr>
-            <a:spLocks noGrp="1"/>
-          </p:cNvSpPr>
-          <p:nvPr>
-            <p:ph idx="1"/>
-          </p:nvPr>
-        </p:nvSpPr>
-        <p:spPr>
-          <a:xfrm>
-            <a:off x="6569266" y="1853754"/>
-            <a:ext cx="5532562" cy="4199727"/>
+            <a:off x="7413353" y="1853754"/>
+            <a:ext cx="4534232" cy="4271001"/>
           </a:xfrm>
         </p:spPr>
         <p:txBody>
@@ -8500,49 +8404,43 @@
           <a:p>
             <a:r>
               <a:rPr lang="en-US" dirty="0"/>
-              <a:t>Domain specific, and mostly out of our scope. </a:t>
-            </a:r>
-          </a:p>
-          <a:p>
-            <a:r>
-              <a:rPr lang="en-US" dirty="0"/>
-              <a:t>If a car needs to stay in lane, 5 1080p feeds is lots of data, all all we really need is something that represents where the lane is. </a:t>
-            </a:r>
-          </a:p>
-          <a:p>
-            <a:pPr lvl="1"/>
-            <a:r>
-              <a:rPr lang="en-US" dirty="0"/>
-              <a:t>I.e. instead of using all the data, our processing will find edges, and create features of that. </a:t>
-            </a:r>
-          </a:p>
-          <a:p>
-            <a:r>
-              <a:rPr lang="en-US" dirty="0"/>
-              <a:t>Can make a smaller and more efficient model. </a:t>
-            </a:r>
-          </a:p>
-          <a:p>
-            <a:r>
-              <a:rPr lang="en-US" dirty="0"/>
-              <a:t>A large non-feature model could learn this, but processing and data needs are higher. </a:t>
-            </a:r>
-          </a:p>
-          <a:p>
-            <a:pPr lvl="1"/>
-            <a:r>
-              <a:rPr lang="en-US" dirty="0"/>
-              <a:t>Domain knowledge shortcuts learning needs.</a:t>
+              <a:t>The flattened version is usable by our models. </a:t>
+            </a:r>
+          </a:p>
+          <a:p>
+            <a:r>
+              <a:rPr lang="en-US" dirty="0"/>
+              <a:t>The same data is contained, but it is represented differently. </a:t>
+            </a:r>
+          </a:p>
+          <a:p>
+            <a:r>
+              <a:rPr lang="en-US" dirty="0"/>
+              <a:t>Both representation and model matter for ultimate accuracy. </a:t>
+            </a:r>
+          </a:p>
+          <a:p>
+            <a:pPr lvl="1"/>
+            <a:r>
+              <a:rPr lang="en-US" dirty="0"/>
+              <a:t>E.g. Images are 2D, flattening loses some info that might matter.</a:t>
+            </a:r>
+          </a:p>
+          <a:p>
+            <a:pPr lvl="1"/>
+            <a:r>
+              <a:rPr lang="en-US" dirty="0"/>
+              <a:t>The better our data ‘resembles’ the image, the better we can predict. </a:t>
             </a:r>
           </a:p>
         </p:txBody>
       </p:sp>
       <p:pic>
         <p:nvPicPr>
-          <p:cNvPr id="7170" name="Picture 2" descr="Edge detection and noise cancellation using PPHT and orientation angles. |  Download Scientific Diagram">
-            <a:extLst>
-              <a:ext uri="{FF2B5EF4-FFF2-40B4-BE49-F238E27FC236}">
-                <a16:creationId xmlns:a16="http://schemas.microsoft.com/office/drawing/2014/main" id="{883941DB-C857-BC65-1BCB-462957D2EC08}"/>
+          <p:cNvPr id="4098" name="Picture 2" descr="Handling data — Machine Learning Handbook">
+            <a:extLst>
+              <a:ext uri="{FF2B5EF4-FFF2-40B4-BE49-F238E27FC236}">
+                <a16:creationId xmlns:a16="http://schemas.microsoft.com/office/drawing/2014/main" id="{6FE2543D-700E-C6C5-18C2-35DF286098E3}"/>
               </a:ext>
             </a:extLst>
           </p:cNvPr>
@@ -8566,8 +8464,8 @@
         </p:blipFill>
         <p:spPr bwMode="auto">
           <a:xfrm>
-            <a:off x="90172" y="1509311"/>
-            <a:ext cx="6479094" cy="5348689"/>
+            <a:off x="759211" y="1553381"/>
+            <a:ext cx="6654141" cy="4674889"/>
           </a:xfrm>
           <a:prstGeom prst="rect">
             <a:avLst/>
@@ -8587,7 +8485,7 @@
     </p:spTree>
     <p:extLst>
       <p:ext uri="{BB962C8B-B14F-4D97-AF65-F5344CB8AC3E}">
-        <p14:creationId xmlns:p14="http://schemas.microsoft.com/office/powerpoint/2010/main" val="769986858"/>
+        <p14:creationId xmlns:p14="http://schemas.microsoft.com/office/powerpoint/2010/main" val="2605508206"/>
       </p:ext>
     </p:extLst>
   </p:cSld>
@@ -8619,7 +8517,7 @@
           <p:cNvPr id="2" name="Title 1">
             <a:extLst>
               <a:ext uri="{FF2B5EF4-FFF2-40B4-BE49-F238E27FC236}">
-                <a16:creationId xmlns:a16="http://schemas.microsoft.com/office/drawing/2014/main" id="{D90A6730-1D87-C934-150D-5B804373051E}"/>
+                <a16:creationId xmlns:a16="http://schemas.microsoft.com/office/drawing/2014/main" id="{21CD620E-A38D-1E68-F077-B10F57635217}"/>
               </a:ext>
             </a:extLst>
           </p:cNvPr>
@@ -8637,7 +8535,14 @@
           <a:p>
             <a:r>
               <a:rPr lang="en-US" dirty="0"/>
-              <a:t>So… Images</a:t>
+              <a:t>Better Image Processing</a:t>
+            </a:r>
+            <a:br>
+              <a:rPr lang="en-US" dirty="0"/>
+            </a:br>
+            <a:r>
+              <a:rPr lang="en-US" dirty="0"/>
+              <a:t>(For Later on)</a:t>
             </a:r>
           </a:p>
         </p:txBody>
@@ -8647,7 +8552,7 @@
           <p:cNvPr id="3" name="Content Placeholder 2">
             <a:extLst>
               <a:ext uri="{FF2B5EF4-FFF2-40B4-BE49-F238E27FC236}">
-                <a16:creationId xmlns:a16="http://schemas.microsoft.com/office/drawing/2014/main" id="{2B79EC8B-A481-40B2-E88C-6F44B47B08B3}"/>
+                <a16:creationId xmlns:a16="http://schemas.microsoft.com/office/drawing/2014/main" id="{CA93F599-DA70-B4F8-4AAF-29AC103447E5}"/>
               </a:ext>
             </a:extLst>
           </p:cNvPr>
@@ -8661,70 +8566,49 @@
         <p:spPr>
           <a:xfrm>
             <a:off x="1451579" y="1853754"/>
-            <a:ext cx="9603275" cy="4199727"/>
-          </a:xfrm>
-        </p:spPr>
-        <p:txBody>
-          <a:bodyPr/>
-          <a:lstStyle/>
-          <a:p>
-            <a:r>
-              <a:rPr lang="en-US" dirty="0"/>
-              <a:t>So, we will treat our image data in the most simple way: pixels -&gt; features. </a:t>
-            </a:r>
-          </a:p>
-          <a:p>
-            <a:pPr lvl="1"/>
-            <a:r>
-              <a:rPr lang="en-US" dirty="0"/>
-              <a:t>This works, and requires few changes at all to work with our processes as they are. </a:t>
-            </a:r>
-          </a:p>
-          <a:p>
-            <a:pPr lvl="1"/>
-            <a:r>
-              <a:rPr lang="en-US" dirty="0"/>
-              <a:t>This compromises on some of the information that is important in an image, like 2D stuff. </a:t>
-            </a:r>
-          </a:p>
-          <a:p>
-            <a:r>
-              <a:rPr lang="en-US" dirty="0"/>
-              <a:t>Other models use the same source images, but interpret it differently. </a:t>
-            </a:r>
-          </a:p>
-          <a:p>
-            <a:pPr lvl="1"/>
-            <a:r>
-              <a:rPr lang="en-US" dirty="0"/>
-              <a:t>I.e. instead of pixels-&gt;features, they do some version of pixels-&gt;process-&gt;features. </a:t>
-            </a:r>
-          </a:p>
-          <a:p>
-            <a:r>
-              <a:rPr lang="en-US" dirty="0"/>
-              <a:t>None of these strategies is using the ‘true’ data (the actual visual), they all transform it. </a:t>
-            </a:r>
-          </a:p>
-          <a:p>
-            <a:pPr lvl="1"/>
-            <a:r>
-              <a:rPr lang="en-US" dirty="0"/>
-              <a:t>Our goal isn’t to produce a dataset that most perfectly represents reality. </a:t>
-            </a:r>
-          </a:p>
-          <a:p>
-            <a:pPr lvl="1"/>
-            <a:r>
-              <a:rPr lang="en-US" dirty="0"/>
-              <a:t>Our goal is to make a model that most accurately predicts reality. </a:t>
-            </a:r>
-          </a:p>
-          <a:p>
-            <a:pPr lvl="1"/>
-            <a:r>
-              <a:rPr lang="en-US" dirty="0"/>
-              <a:t>We can (and should) manipulate the data to those ends – (outliers, transformations, feature selection, </a:t>
+            <a:ext cx="10215284" cy="4199727"/>
+          </a:xfrm>
+        </p:spPr>
+        <p:txBody>
+          <a:bodyPr>
+            <a:normAutofit fontScale="92500" lnSpcReduction="10000"/>
+          </a:bodyPr>
+          <a:lstStyle/>
+          <a:p>
+            <a:r>
+              <a:rPr lang="en-US" dirty="0"/>
+              <a:t>In our models we always need to flatten the data prior to doing anything. </a:t>
+            </a:r>
+          </a:p>
+          <a:p>
+            <a:pPr lvl="1"/>
+            <a:r>
+              <a:rPr lang="en-US" dirty="0" err="1"/>
+              <a:t>I.e</a:t>
+            </a:r>
+            <a:r>
+              <a:rPr lang="en-US" dirty="0"/>
+              <a:t> the data we use is a datasheet – one value per column, row per item. </a:t>
+            </a:r>
+          </a:p>
+          <a:p>
+            <a:r>
+              <a:rPr lang="en-US" dirty="0"/>
+              <a:t>In an image, that transformation causes some data loss. </a:t>
+            </a:r>
+          </a:p>
+          <a:p>
+            <a:pPr lvl="1"/>
+            <a:r>
+              <a:rPr lang="en-US" dirty="0"/>
+              <a:t>We lose the info on where things are in 2D relative to each other, like the shape of a face. </a:t>
+            </a:r>
+          </a:p>
+          <a:p>
+            <a:pPr lvl="1"/>
+            <a:r>
+              <a:rPr lang="en-US" dirty="0"/>
+              <a:t>E.g. a cat is a cat if it is on the right, upside down, </a:t>
             </a:r>
             <a:r>
               <a:rPr lang="en-US" dirty="0" err="1"/>
@@ -8732,23 +8616,93 @@
             </a:r>
             <a:r>
               <a:rPr lang="en-US" dirty="0"/>
-              <a:t>…) We want the </a:t>
-            </a:r>
-            <a:r>
-              <a:rPr lang="en-US" i="1" dirty="0"/>
-              <a:t>pattern</a:t>
-            </a:r>
-            <a:r>
-              <a:rPr lang="en-US" dirty="0"/>
-              <a:t> from the training data, not necessarily the data. </a:t>
-            </a:r>
-          </a:p>
-        </p:txBody>
-      </p:sp>
+              <a:t>… but our model only sees pixels. </a:t>
+            </a:r>
+          </a:p>
+          <a:p>
+            <a:pPr lvl="1"/>
+            <a:r>
+              <a:rPr lang="en-US" dirty="0"/>
+              <a:t>A cat in the upper left corner is different from a cat in the lower right corner in data. (diff pixel)</a:t>
+            </a:r>
+          </a:p>
+          <a:p>
+            <a:r>
+              <a:rPr lang="en-US" dirty="0"/>
+              <a:t>This is a limitation in fit of this type of model to this data – irreducible error. </a:t>
+            </a:r>
+          </a:p>
+          <a:p>
+            <a:pPr lvl="1"/>
+            <a:r>
+              <a:rPr lang="en-US" dirty="0"/>
+              <a:t>It will work as long as we can transform the data, but the representation (flattened pixels of the image fails in that it is unable to capture all of the important info in an image, like the spatial bit. </a:t>
+            </a:r>
+          </a:p>
+          <a:p>
+            <a:r>
+              <a:rPr lang="en-US" dirty="0"/>
+              <a:t>Other models (CNN) can capture the spatial part of the data, and are better for images. </a:t>
+            </a:r>
+          </a:p>
+          <a:p>
+            <a:pPr lvl="1"/>
+            <a:r>
+              <a:rPr lang="en-US" dirty="0"/>
+              <a:t>I.e. instead of using just pixels as features, this can construct features from the 2D image. </a:t>
+            </a:r>
+          </a:p>
+        </p:txBody>
+      </p:sp>
+      <p:pic>
+        <p:nvPicPr>
+          <p:cNvPr id="8196" name="Picture 4" descr="Data Augmentation: How to use Deep Learning when you have Limited Data -  KDnuggets">
+            <a:extLst>
+              <a:ext uri="{FF2B5EF4-FFF2-40B4-BE49-F238E27FC236}">
+                <a16:creationId xmlns:a16="http://schemas.microsoft.com/office/drawing/2014/main" id="{1556BC7B-84F2-F902-9FF3-232D430F31CD}"/>
+              </a:ext>
+            </a:extLst>
+          </p:cNvPr>
+          <p:cNvPicPr>
+            <a:picLocks noChangeAspect="1" noChangeArrowheads="1"/>
+          </p:cNvPicPr>
+          <p:nvPr/>
+        </p:nvPicPr>
+        <p:blipFill rotWithShape="1">
+          <a:blip r:embed="rId2">
+            <a:extLst>
+              <a:ext uri="{28A0092B-C50C-407E-A947-70E740481C1C}">
+                <a14:useLocalDpi xmlns:a14="http://schemas.microsoft.com/office/drawing/2010/main" val="0"/>
+              </a:ext>
+            </a:extLst>
+          </a:blip>
+          <a:srcRect b="17447"/>
+          <a:stretch/>
+        </p:blipFill>
+        <p:spPr bwMode="auto">
+          <a:xfrm>
+            <a:off x="7660257" y="0"/>
+            <a:ext cx="4531743" cy="1900252"/>
+          </a:xfrm>
+          <a:prstGeom prst="rect">
+            <a:avLst/>
+          </a:prstGeom>
+          <a:noFill/>
+          <a:extLst>
+            <a:ext uri="{909E8E84-426E-40DD-AFC4-6F175D3DCCD1}">
+              <a14:hiddenFill xmlns:a14="http://schemas.microsoft.com/office/drawing/2010/main">
+                <a:solidFill>
+                  <a:srgbClr val="FFFFFF"/>
+                </a:solidFill>
+              </a14:hiddenFill>
+            </a:ext>
+          </a:extLst>
+        </p:spPr>
+      </p:pic>
     </p:spTree>
     <p:extLst>
       <p:ext uri="{BB962C8B-B14F-4D97-AF65-F5344CB8AC3E}">
-        <p14:creationId xmlns:p14="http://schemas.microsoft.com/office/powerpoint/2010/main" val="2618373859"/>
+        <p14:creationId xmlns:p14="http://schemas.microsoft.com/office/powerpoint/2010/main" val="135317165"/>
       </p:ext>
     </p:extLst>
   </p:cSld>
@@ -8780,7 +8734,7 @@
           <p:cNvPr id="2" name="Title 1">
             <a:extLst>
               <a:ext uri="{FF2B5EF4-FFF2-40B4-BE49-F238E27FC236}">
-                <a16:creationId xmlns:a16="http://schemas.microsoft.com/office/drawing/2014/main" id="{D4257230-D331-22F1-C328-892C2A3F5FD3}"/>
+                <a16:creationId xmlns:a16="http://schemas.microsoft.com/office/drawing/2014/main" id="{E7B6AFB4-CF2D-F8DA-99EE-40F827940A1B}"/>
               </a:ext>
             </a:extLst>
           </p:cNvPr>
@@ -8791,14 +8745,19 @@
             <p:ph type="title"/>
           </p:nvPr>
         </p:nvSpPr>
-        <p:spPr/>
+        <p:spPr>
+          <a:xfrm>
+            <a:off x="198409" y="804519"/>
+            <a:ext cx="10856446" cy="1049235"/>
+          </a:xfrm>
+        </p:spPr>
         <p:txBody>
           <a:bodyPr/>
           <a:lstStyle/>
           <a:p>
             <a:r>
               <a:rPr lang="en-US" dirty="0"/>
-              <a:t>Data Representations</a:t>
+              <a:t>Detour - Feature Extraction and Preprocessing</a:t>
             </a:r>
           </a:p>
         </p:txBody>
@@ -8808,7 +8767,7 @@
           <p:cNvPr id="3" name="Content Placeholder 2">
             <a:extLst>
               <a:ext uri="{FF2B5EF4-FFF2-40B4-BE49-F238E27FC236}">
-                <a16:creationId xmlns:a16="http://schemas.microsoft.com/office/drawing/2014/main" id="{0F7856DB-7967-F0FC-4E78-90EC7D46A8E9}"/>
+                <a16:creationId xmlns:a16="http://schemas.microsoft.com/office/drawing/2014/main" id="{1D67B5C3-D58D-2946-C8C2-F4FAAD045AA1}"/>
               </a:ext>
             </a:extLst>
           </p:cNvPr>
@@ -8821,8 +8780,8 @@
         </p:nvSpPr>
         <p:spPr>
           <a:xfrm>
-            <a:off x="980768" y="1853754"/>
-            <a:ext cx="10434483" cy="4288949"/>
+            <a:off x="6569266" y="1853754"/>
+            <a:ext cx="5532562" cy="4199727"/>
           </a:xfrm>
         </p:spPr>
         <p:txBody>
@@ -8833,75 +8792,94 @@
           <a:p>
             <a:r>
               <a:rPr lang="en-US" dirty="0"/>
-              <a:t>For structured data (numbers, classes, Booleans) the data values we use are pretty set. </a:t>
-            </a:r>
-          </a:p>
-          <a:p>
-            <a:pPr lvl="1"/>
-            <a:r>
-              <a:rPr lang="en-US" dirty="0"/>
-              <a:t>Our models calculate numbers, so we are just converting to different numbers. </a:t>
-            </a:r>
-          </a:p>
-          <a:p>
-            <a:pPr lvl="1"/>
-            <a:r>
-              <a:rPr lang="en-US" dirty="0"/>
-              <a:t>Our predictions are based on getting as close as possible to whatever the value is. </a:t>
-            </a:r>
-          </a:p>
-          <a:p>
-            <a:r>
-              <a:rPr lang="en-US" dirty="0"/>
-              <a:t>For unstructured data, that can’t really happen. </a:t>
-            </a:r>
-          </a:p>
-          <a:p>
-            <a:pPr lvl="1"/>
-            <a:r>
-              <a:rPr lang="en-US" dirty="0"/>
-              <a:t>An image, sound, or paragraph doesn’t really have a ’value’ in the same sense. </a:t>
-            </a:r>
-          </a:p>
-          <a:p>
-            <a:r>
-              <a:rPr lang="en-US" dirty="0"/>
-              <a:t>We need to generate a representation of the data to use in a mathematical model. </a:t>
-            </a:r>
-          </a:p>
-          <a:p>
-            <a:pPr lvl="1"/>
-            <a:r>
-              <a:rPr lang="en-US" dirty="0"/>
-              <a:t>Here, that is a simple rearranging of the pixel layout. </a:t>
-            </a:r>
-          </a:p>
-          <a:p>
-            <a:pPr lvl="1"/>
-            <a:r>
-              <a:rPr lang="en-US" dirty="0"/>
-              <a:t>In more advanced image processing models, we can look at 2D ‘hunks’ (or edges, or…)</a:t>
-            </a:r>
-          </a:p>
-          <a:p>
-            <a:pPr lvl="1"/>
-            <a:r>
-              <a:rPr lang="en-US" dirty="0"/>
-              <a:t>Soon, for free text, we’ll need to do something similar – generate an embedding. </a:t>
-            </a:r>
-          </a:p>
-          <a:p>
-            <a:r>
-              <a:rPr lang="en-US" dirty="0"/>
-              <a:t>Performance depends both on the model, and how good the numeric representation of reality is. </a:t>
-            </a:r>
-          </a:p>
-        </p:txBody>
-      </p:sp>
+              <a:t>Domain specific, and mostly out of our scope. </a:t>
+            </a:r>
+          </a:p>
+          <a:p>
+            <a:r>
+              <a:rPr lang="en-US" dirty="0"/>
+              <a:t>If a car needs to stay in lane, 5 1080p feeds is lots of data, all all we really need is something that represents where the lane is. </a:t>
+            </a:r>
+          </a:p>
+          <a:p>
+            <a:pPr lvl="1"/>
+            <a:r>
+              <a:rPr lang="en-US" dirty="0"/>
+              <a:t>I.e. instead of using all the data, our processing will find edges, and create features of that. </a:t>
+            </a:r>
+          </a:p>
+          <a:p>
+            <a:r>
+              <a:rPr lang="en-US" dirty="0"/>
+              <a:t>Can make a smaller and more efficient model. </a:t>
+            </a:r>
+          </a:p>
+          <a:p>
+            <a:r>
+              <a:rPr lang="en-US" dirty="0"/>
+              <a:t>A large non-feature model could learn this, but processing and data needs are higher. </a:t>
+            </a:r>
+          </a:p>
+          <a:p>
+            <a:pPr lvl="1"/>
+            <a:r>
+              <a:rPr lang="en-US" dirty="0"/>
+              <a:t>Domain knowledge shortcuts learning needs.</a:t>
+            </a:r>
+          </a:p>
+        </p:txBody>
+      </p:sp>
+      <p:pic>
+        <p:nvPicPr>
+          <p:cNvPr id="7170" name="Picture 2" descr="Edge detection and noise cancellation using PPHT and orientation angles. |  Download Scientific Diagram">
+            <a:extLst>
+              <a:ext uri="{FF2B5EF4-FFF2-40B4-BE49-F238E27FC236}">
+                <a16:creationId xmlns:a16="http://schemas.microsoft.com/office/drawing/2014/main" id="{883941DB-C857-BC65-1BCB-462957D2EC08}"/>
+              </a:ext>
+            </a:extLst>
+          </p:cNvPr>
+          <p:cNvPicPr>
+            <a:picLocks noChangeAspect="1" noChangeArrowheads="1"/>
+          </p:cNvPicPr>
+          <p:nvPr/>
+        </p:nvPicPr>
+        <p:blipFill>
+          <a:blip r:embed="rId2">
+            <a:extLst>
+              <a:ext uri="{28A0092B-C50C-407E-A947-70E740481C1C}">
+                <a14:useLocalDpi xmlns:a14="http://schemas.microsoft.com/office/drawing/2010/main" val="0"/>
+              </a:ext>
+            </a:extLst>
+          </a:blip>
+          <a:srcRect/>
+          <a:stretch>
+            <a:fillRect/>
+          </a:stretch>
+        </p:blipFill>
+        <p:spPr bwMode="auto">
+          <a:xfrm>
+            <a:off x="90172" y="1509311"/>
+            <a:ext cx="6479094" cy="5348689"/>
+          </a:xfrm>
+          <a:prstGeom prst="rect">
+            <a:avLst/>
+          </a:prstGeom>
+          <a:noFill/>
+          <a:extLst>
+            <a:ext uri="{909E8E84-426E-40DD-AFC4-6F175D3DCCD1}">
+              <a14:hiddenFill xmlns:a14="http://schemas.microsoft.com/office/drawing/2010/main">
+                <a:solidFill>
+                  <a:srgbClr val="FFFFFF"/>
+                </a:solidFill>
+              </a14:hiddenFill>
+            </a:ext>
+          </a:extLst>
+        </p:spPr>
+      </p:pic>
     </p:spTree>
     <p:extLst>
       <p:ext uri="{BB962C8B-B14F-4D97-AF65-F5344CB8AC3E}">
-        <p14:creationId xmlns:p14="http://schemas.microsoft.com/office/powerpoint/2010/main" val="2217046555"/>
+        <p14:creationId xmlns:p14="http://schemas.microsoft.com/office/powerpoint/2010/main" val="769986858"/>
       </p:ext>
     </p:extLst>
   </p:cSld>
@@ -8933,7 +8911,7 @@
           <p:cNvPr id="2" name="Title 1">
             <a:extLst>
               <a:ext uri="{FF2B5EF4-FFF2-40B4-BE49-F238E27FC236}">
-                <a16:creationId xmlns:a16="http://schemas.microsoft.com/office/drawing/2014/main" id="{DB90690F-F19E-A08F-A881-F4C79584378A}"/>
+                <a16:creationId xmlns:a16="http://schemas.microsoft.com/office/drawing/2014/main" id="{D90A6730-1D87-C934-150D-5B804373051E}"/>
               </a:ext>
             </a:extLst>
           </p:cNvPr>
@@ -8951,7 +8929,7 @@
           <a:p>
             <a:r>
               <a:rPr lang="en-US" dirty="0"/>
-              <a:t>Images and Logistic Regression</a:t>
+              <a:t>So… Images</a:t>
             </a:r>
           </a:p>
         </p:txBody>
@@ -8961,7 +8939,7 @@
           <p:cNvPr id="3" name="Content Placeholder 2">
             <a:extLst>
               <a:ext uri="{FF2B5EF4-FFF2-40B4-BE49-F238E27FC236}">
-                <a16:creationId xmlns:a16="http://schemas.microsoft.com/office/drawing/2014/main" id="{B30FBD18-BDC6-672E-3C29-C1BF07B5BD8F}"/>
+                <a16:creationId xmlns:a16="http://schemas.microsoft.com/office/drawing/2014/main" id="{2B79EC8B-A481-40B2-E88C-6F44B47B08B3}"/>
               </a:ext>
             </a:extLst>
           </p:cNvPr>
@@ -8974,8 +8952,8 @@
         </p:nvSpPr>
         <p:spPr>
           <a:xfrm>
-            <a:off x="1451579" y="1915064"/>
-            <a:ext cx="9762761" cy="4138417"/>
+            <a:off x="1451579" y="1853754"/>
+            <a:ext cx="9603275" cy="4199727"/>
           </a:xfrm>
         </p:spPr>
         <p:txBody>
@@ -8984,78 +8962,77 @@
           <a:p>
             <a:r>
               <a:rPr lang="en-US" dirty="0"/>
-              <a:t>Images can be treated like any other data – represent the image in a format that our model can accept, and let it fly. </a:t>
-            </a:r>
-          </a:p>
-          <a:p>
-            <a:pPr lvl="1"/>
-            <a:r>
-              <a:rPr lang="en-US" dirty="0"/>
-              <a:t>The chosen representation will determine if we can extract value from it. </a:t>
-            </a:r>
-          </a:p>
-          <a:p>
-            <a:pPr lvl="1"/>
-            <a:r>
-              <a:rPr lang="en-US" dirty="0"/>
-              <a:t>We must ensure that the shape/size of our model matches that data (post-prep). </a:t>
-            </a:r>
-          </a:p>
-          <a:p>
-            <a:pPr lvl="1"/>
-            <a:r>
-              <a:rPr lang="en-US" dirty="0"/>
-              <a:t>This applies to anything, if we can represent it tabularly, we can predict it. </a:t>
-            </a:r>
-          </a:p>
-          <a:p>
-            <a:r>
-              <a:rPr lang="en-US" dirty="0"/>
-              <a:t>Logistic regression can adapt a linear model to do classification. </a:t>
-            </a:r>
-          </a:p>
-          <a:p>
-            <a:pPr lvl="1"/>
-            <a:r>
-              <a:rPr lang="en-US" dirty="0"/>
-              <a:t>Instead of doing a regression to Y (target) we do a regression to the logit (</a:t>
+              <a:t>So, we will treat our image data in the most simple way: pixels -&gt; features. </a:t>
+            </a:r>
+          </a:p>
+          <a:p>
+            <a:pPr lvl="1"/>
+            <a:r>
+              <a:rPr lang="en-US" dirty="0"/>
+              <a:t>This works, and requires few changes at all to work with our processes as they are. </a:t>
+            </a:r>
+          </a:p>
+          <a:p>
+            <a:pPr lvl="1"/>
+            <a:r>
+              <a:rPr lang="en-US" dirty="0"/>
+              <a:t>This compromises on some of the information that is important in an image, like 2D stuff. </a:t>
+            </a:r>
+          </a:p>
+          <a:p>
+            <a:r>
+              <a:rPr lang="en-US" dirty="0"/>
+              <a:t>Other models use the same source images, but interpret it differently. </a:t>
+            </a:r>
+          </a:p>
+          <a:p>
+            <a:pPr lvl="1"/>
+            <a:r>
+              <a:rPr lang="en-US" dirty="0"/>
+              <a:t>I.e. instead of pixels-&gt;features, they do some version of pixels-&gt;process-&gt;features. </a:t>
+            </a:r>
+          </a:p>
+          <a:p>
+            <a:r>
+              <a:rPr lang="en-US" dirty="0"/>
+              <a:t>None of these strategies is using the ‘true’ data (the actual visual), they all transform it. </a:t>
+            </a:r>
+          </a:p>
+          <a:p>
+            <a:pPr lvl="1"/>
+            <a:r>
+              <a:rPr lang="en-US" dirty="0"/>
+              <a:t>Our goal isn’t to produce a dataset that most perfectly represents reality. </a:t>
+            </a:r>
+          </a:p>
+          <a:p>
+            <a:pPr lvl="1"/>
+            <a:r>
+              <a:rPr lang="en-US" dirty="0"/>
+              <a:t>Our goal is to make a model that most accurately predicts reality. </a:t>
+            </a:r>
+          </a:p>
+          <a:p>
+            <a:pPr lvl="1"/>
+            <a:r>
+              <a:rPr lang="en-US" dirty="0"/>
+              <a:t>We can (and should) manipulate the data to those ends – (outliers, transformations, feature selection, </a:t>
             </a:r>
             <a:r>
               <a:rPr lang="en-US" dirty="0" err="1"/>
-              <a:t>loggy</a:t>
-            </a:r>
-            <a:r>
-              <a:rPr lang="en-US" dirty="0"/>
-              <a:t> prob). </a:t>
-            </a:r>
-          </a:p>
-          <a:p>
-            <a:pPr lvl="1"/>
-            <a:r>
-              <a:rPr lang="en-US" dirty="0"/>
-              <a:t>The result of the regression is “run through” a function to make that prediction a probability. </a:t>
-            </a:r>
-          </a:p>
-          <a:p>
-            <a:pPr lvl="1"/>
-            <a:r>
-              <a:rPr lang="en-US" dirty="0"/>
-              <a:t>That function (activation) can be a sigmoid (bin) or a </a:t>
-            </a:r>
-            <a:r>
-              <a:rPr lang="en-US" dirty="0" err="1"/>
-              <a:t>softmax</a:t>
-            </a:r>
-            <a:r>
-              <a:rPr lang="en-US" dirty="0"/>
-              <a:t> (multi), produces ’prob of label’. </a:t>
-            </a:r>
-          </a:p>
-          <a:p>
-            <a:pPr lvl="1"/>
-            <a:r>
-              <a:rPr lang="en-US" dirty="0"/>
-              <a:t>The most probable label gets chosen and assigned as our prediction. </a:t>
+              <a:t>etc</a:t>
+            </a:r>
+            <a:r>
+              <a:rPr lang="en-US" dirty="0"/>
+              <a:t>…) We want the </a:t>
+            </a:r>
+            <a:r>
+              <a:rPr lang="en-US" i="1" dirty="0"/>
+              <a:t>pattern</a:t>
+            </a:r>
+            <a:r>
+              <a:rPr lang="en-US" dirty="0"/>
+              <a:t> from the training data, not necessarily the data. </a:t>
             </a:r>
           </a:p>
         </p:txBody>
@@ -9063,7 +9040,7 @@
     </p:spTree>
     <p:extLst>
       <p:ext uri="{BB962C8B-B14F-4D97-AF65-F5344CB8AC3E}">
-        <p14:creationId xmlns:p14="http://schemas.microsoft.com/office/powerpoint/2010/main" val="154385132"/>
+        <p14:creationId xmlns:p14="http://schemas.microsoft.com/office/powerpoint/2010/main" val="2618373859"/>
       </p:ext>
     </p:extLst>
   </p:cSld>
@@ -9095,7 +9072,7 @@
           <p:cNvPr id="2" name="Title 1">
             <a:extLst>
               <a:ext uri="{FF2B5EF4-FFF2-40B4-BE49-F238E27FC236}">
-                <a16:creationId xmlns:a16="http://schemas.microsoft.com/office/drawing/2014/main" id="{E30B0001-D5FA-1186-96DA-CB7608DDD311}"/>
+                <a16:creationId xmlns:a16="http://schemas.microsoft.com/office/drawing/2014/main" id="{D4257230-D331-22F1-C328-892C2A3F5FD3}"/>
               </a:ext>
             </a:extLst>
           </p:cNvPr>
@@ -9113,7 +9090,7 @@
           <a:p>
             <a:r>
               <a:rPr lang="en-US" dirty="0"/>
-              <a:t>Constructing Features</a:t>
+              <a:t>Data Representations</a:t>
             </a:r>
           </a:p>
         </p:txBody>
@@ -9123,7 +9100,7 @@
           <p:cNvPr id="3" name="Content Placeholder 2">
             <a:extLst>
               <a:ext uri="{FF2B5EF4-FFF2-40B4-BE49-F238E27FC236}">
-                <a16:creationId xmlns:a16="http://schemas.microsoft.com/office/drawing/2014/main" id="{9A82F5DB-E5E4-5D96-B114-BB9D469CD8A8}"/>
+                <a16:creationId xmlns:a16="http://schemas.microsoft.com/office/drawing/2014/main" id="{0F7856DB-7967-F0FC-4E78-90EC7D46A8E9}"/>
               </a:ext>
             </a:extLst>
           </p:cNvPr>
@@ -9136,114 +9113,87 @@
         </p:nvSpPr>
         <p:spPr>
           <a:xfrm>
-            <a:off x="1451579" y="1853754"/>
-            <a:ext cx="9603275" cy="4199727"/>
-          </a:xfrm>
-        </p:spPr>
-        <p:txBody>
-          <a:bodyPr/>
-          <a:lstStyle/>
-          <a:p>
-            <a:r>
-              <a:rPr lang="en-US" dirty="0"/>
-              <a:t>Sometimes training data isn’t the data you train on. </a:t>
-            </a:r>
-          </a:p>
-          <a:p>
-            <a:pPr lvl="1"/>
-            <a:r>
-              <a:rPr lang="en-US" dirty="0"/>
-              <a:t>The data we have isn’t in the format that is useful for us. </a:t>
-            </a:r>
-          </a:p>
-          <a:p>
-            <a:pPr lvl="1"/>
-            <a:r>
-              <a:rPr lang="en-US" dirty="0"/>
-              <a:t>E.g. log transformations in stats, one hot encoding for us, </a:t>
-            </a:r>
-            <a:r>
-              <a:rPr lang="en-US" dirty="0" err="1"/>
-              <a:t>etc</a:t>
-            </a:r>
-            <a:r>
-              <a:rPr lang="en-US" dirty="0"/>
-              <a:t>…</a:t>
-            </a:r>
-          </a:p>
-          <a:p>
-            <a:r>
-              <a:rPr lang="en-US" dirty="0"/>
-              <a:t>Sometimes we need to take more drastic (and open ended) steps. </a:t>
-            </a:r>
-          </a:p>
-          <a:p>
-            <a:pPr lvl="1"/>
-            <a:r>
-              <a:rPr lang="en-US" dirty="0"/>
-              <a:t>Remember – our goal is a good model, not one that is ‘true to the data’. </a:t>
-            </a:r>
-          </a:p>
-          <a:p>
-            <a:pPr lvl="1"/>
-            <a:r>
-              <a:rPr lang="en-US" dirty="0"/>
-              <a:t>We need data that teaches our model the pattern of our data, irrespective if what we use is actually the data or not. </a:t>
-            </a:r>
-          </a:p>
-        </p:txBody>
-      </p:sp>
-      <p:pic>
-        <p:nvPicPr>
-          <p:cNvPr id="11266" name="Picture 2" descr="The Quote">
-            <a:extLst>
-              <a:ext uri="{FF2B5EF4-FFF2-40B4-BE49-F238E27FC236}">
-                <a16:creationId xmlns:a16="http://schemas.microsoft.com/office/drawing/2014/main" id="{69694CEC-319E-41D5-3B0A-1B48877A493A}"/>
-              </a:ext>
-            </a:extLst>
-          </p:cNvPr>
-          <p:cNvPicPr>
-            <a:picLocks noChangeAspect="1" noChangeArrowheads="1"/>
-          </p:cNvPicPr>
-          <p:nvPr/>
-        </p:nvPicPr>
-        <p:blipFill>
-          <a:blip r:embed="rId2">
-            <a:extLst>
-              <a:ext uri="{28A0092B-C50C-407E-A947-70E740481C1C}">
-                <a14:useLocalDpi xmlns:a14="http://schemas.microsoft.com/office/drawing/2010/main" val="0"/>
-              </a:ext>
-            </a:extLst>
-          </a:blip>
-          <a:srcRect/>
-          <a:stretch>
-            <a:fillRect/>
-          </a:stretch>
-        </p:blipFill>
-        <p:spPr bwMode="auto">
-          <a:xfrm>
-            <a:off x="8371864" y="0"/>
-            <a:ext cx="3820135" cy="2941504"/>
-          </a:xfrm>
-          <a:prstGeom prst="rect">
-            <a:avLst/>
-          </a:prstGeom>
-          <a:noFill/>
-          <a:extLst>
-            <a:ext uri="{909E8E84-426E-40DD-AFC4-6F175D3DCCD1}">
-              <a14:hiddenFill xmlns:a14="http://schemas.microsoft.com/office/drawing/2010/main">
-                <a:solidFill>
-                  <a:srgbClr val="FFFFFF"/>
-                </a:solidFill>
-              </a14:hiddenFill>
-            </a:ext>
-          </a:extLst>
-        </p:spPr>
-      </p:pic>
+            <a:off x="980768" y="1853754"/>
+            <a:ext cx="10434483" cy="4288949"/>
+          </a:xfrm>
+        </p:spPr>
+        <p:txBody>
+          <a:bodyPr>
+            <a:normAutofit/>
+          </a:bodyPr>
+          <a:lstStyle/>
+          <a:p>
+            <a:r>
+              <a:rPr lang="en-US" dirty="0"/>
+              <a:t>For structured data (numbers, classes, Booleans) the data values we use are pretty set. </a:t>
+            </a:r>
+          </a:p>
+          <a:p>
+            <a:pPr lvl="1"/>
+            <a:r>
+              <a:rPr lang="en-US" dirty="0"/>
+              <a:t>Our models calculate numbers, so we are just converting to different numbers. </a:t>
+            </a:r>
+          </a:p>
+          <a:p>
+            <a:pPr lvl="1"/>
+            <a:r>
+              <a:rPr lang="en-US" dirty="0"/>
+              <a:t>Our predictions are based on getting as close as possible to whatever the value is. </a:t>
+            </a:r>
+          </a:p>
+          <a:p>
+            <a:r>
+              <a:rPr lang="en-US" dirty="0"/>
+              <a:t>For unstructured data, that can’t really happen. </a:t>
+            </a:r>
+          </a:p>
+          <a:p>
+            <a:pPr lvl="1"/>
+            <a:r>
+              <a:rPr lang="en-US" dirty="0"/>
+              <a:t>An image, sound, or paragraph doesn’t really have a ’value’ in the same sense. </a:t>
+            </a:r>
+          </a:p>
+          <a:p>
+            <a:r>
+              <a:rPr lang="en-US" dirty="0"/>
+              <a:t>We need to generate a representation of the data to use in a mathematical model. </a:t>
+            </a:r>
+          </a:p>
+          <a:p>
+            <a:pPr lvl="1"/>
+            <a:r>
+              <a:rPr lang="en-US" dirty="0"/>
+              <a:t>Here, that is a simple rearranging of the pixel layout. </a:t>
+            </a:r>
+          </a:p>
+          <a:p>
+            <a:pPr lvl="1"/>
+            <a:r>
+              <a:rPr lang="en-US" dirty="0"/>
+              <a:t>In more advanced image processing models, we can look at 2D ‘hunks’ (or edges, or…)</a:t>
+            </a:r>
+          </a:p>
+          <a:p>
+            <a:pPr lvl="1"/>
+            <a:r>
+              <a:rPr lang="en-US" dirty="0"/>
+              <a:t>Soon, for free text, we’ll need to do something similar – generate an embedding. </a:t>
+            </a:r>
+          </a:p>
+          <a:p>
+            <a:r>
+              <a:rPr lang="en-US" dirty="0"/>
+              <a:t>Performance depends both on the model, and how good the numeric representation of reality is. </a:t>
+            </a:r>
+          </a:p>
+        </p:txBody>
+      </p:sp>
     </p:spTree>
     <p:extLst>
       <p:ext uri="{BB962C8B-B14F-4D97-AF65-F5344CB8AC3E}">
-        <p14:creationId xmlns:p14="http://schemas.microsoft.com/office/powerpoint/2010/main" val="1865684491"/>
+        <p14:creationId xmlns:p14="http://schemas.microsoft.com/office/powerpoint/2010/main" val="2217046555"/>
       </p:ext>
     </p:extLst>
   </p:cSld>
@@ -9275,7 +9225,7 @@
           <p:cNvPr id="2" name="Title 1">
             <a:extLst>
               <a:ext uri="{FF2B5EF4-FFF2-40B4-BE49-F238E27FC236}">
-                <a16:creationId xmlns:a16="http://schemas.microsoft.com/office/drawing/2014/main" id="{1871726C-F6E2-591A-C5A8-CCB9C7C7EE7E}"/>
+                <a16:creationId xmlns:a16="http://schemas.microsoft.com/office/drawing/2014/main" id="{DB90690F-F19E-A08F-A881-F4C79584378A}"/>
               </a:ext>
             </a:extLst>
           </p:cNvPr>
@@ -9293,7 +9243,7 @@
           <a:p>
             <a:r>
               <a:rPr lang="en-US" dirty="0"/>
-              <a:t>Example</a:t>
+              <a:t>Images and Logistic Regression</a:t>
             </a:r>
           </a:p>
         </p:txBody>
@@ -9303,7 +9253,7 @@
           <p:cNvPr id="3" name="Content Placeholder 2">
             <a:extLst>
               <a:ext uri="{FF2B5EF4-FFF2-40B4-BE49-F238E27FC236}">
-                <a16:creationId xmlns:a16="http://schemas.microsoft.com/office/drawing/2014/main" id="{645C059C-6C86-3640-4288-9E5E9E4D356F}"/>
+                <a16:creationId xmlns:a16="http://schemas.microsoft.com/office/drawing/2014/main" id="{B30FBD18-BDC6-672E-3C29-C1BF07B5BD8F}"/>
               </a:ext>
             </a:extLst>
           </p:cNvPr>
@@ -9316,122 +9266,96 @@
         </p:nvSpPr>
         <p:spPr>
           <a:xfrm>
-            <a:off x="1451579" y="1853754"/>
-            <a:ext cx="9603275" cy="4305505"/>
-          </a:xfrm>
-        </p:spPr>
-        <p:txBody>
-          <a:bodyPr>
-            <a:normAutofit/>
-          </a:bodyPr>
-          <a:lstStyle/>
-          <a:p>
-            <a:r>
-              <a:rPr lang="en-US" dirty="0"/>
-              <a:t>Suppose you’re in charge of planning new Amazon warehouse locations. </a:t>
-            </a:r>
-          </a:p>
-          <a:p>
-            <a:pPr lvl="1"/>
-            <a:r>
-              <a:rPr lang="en-US" dirty="0"/>
-              <a:t>The goal is to make it somewhere convenient for the customer deliveries. </a:t>
-            </a:r>
-          </a:p>
-          <a:p>
-            <a:r>
-              <a:rPr lang="en-US" dirty="0"/>
-              <a:t>You have data on all the amazon customers, including their address. </a:t>
-            </a:r>
-          </a:p>
-          <a:p>
-            <a:r>
-              <a:rPr lang="en-US" dirty="0"/>
-              <a:t>This address could (theoretically) be a feature for a model. </a:t>
-            </a:r>
-          </a:p>
-          <a:p>
-            <a:r>
-              <a:rPr lang="en-US" dirty="0"/>
-              <a:t>Transforming the address may make for a better model, what if we:</a:t>
-            </a:r>
-          </a:p>
-          <a:p>
-            <a:pPr lvl="1"/>
-            <a:r>
-              <a:rPr lang="en-US" dirty="0"/>
-              <a:t>Geocoded it, making it latitude and longitude. </a:t>
-            </a:r>
-          </a:p>
-          <a:p>
-            <a:pPr lvl="1"/>
-            <a:r>
-              <a:rPr lang="en-US" dirty="0"/>
-              <a:t>Calculated distance from customer-warehouse using </a:t>
+            <a:off x="1451579" y="1915064"/>
+            <a:ext cx="9762761" cy="4138417"/>
+          </a:xfrm>
+        </p:spPr>
+        <p:txBody>
+          <a:bodyPr/>
+          <a:lstStyle/>
+          <a:p>
+            <a:r>
+              <a:rPr lang="en-US" dirty="0"/>
+              <a:t>Images can be treated like any other data – represent the image in a format that our model can accept, and let it fly. </a:t>
+            </a:r>
+          </a:p>
+          <a:p>
+            <a:pPr lvl="1"/>
+            <a:r>
+              <a:rPr lang="en-US" dirty="0"/>
+              <a:t>The chosen representation will determine if we can extract value from it. </a:t>
+            </a:r>
+          </a:p>
+          <a:p>
+            <a:pPr lvl="1"/>
+            <a:r>
+              <a:rPr lang="en-US" dirty="0"/>
+              <a:t>We must ensure that the shape/size of our model matches that data (post-prep). </a:t>
+            </a:r>
+          </a:p>
+          <a:p>
+            <a:pPr lvl="1"/>
+            <a:r>
+              <a:rPr lang="en-US" dirty="0"/>
+              <a:t>This applies to anything, if we can represent it tabularly, we can predict it. </a:t>
+            </a:r>
+          </a:p>
+          <a:p>
+            <a:r>
+              <a:rPr lang="en-US" dirty="0"/>
+              <a:t>Logistic regression can adapt a linear model to do classification. </a:t>
+            </a:r>
+          </a:p>
+          <a:p>
+            <a:pPr lvl="1"/>
+            <a:r>
+              <a:rPr lang="en-US" dirty="0"/>
+              <a:t>Instead of doing a regression to Y (target) we do a regression to the logit (</a:t>
             </a:r>
             <a:r>
               <a:rPr lang="en-US" dirty="0" err="1"/>
-              <a:t>lat</a:t>
-            </a:r>
-            <a:r>
-              <a:rPr lang="en-US" dirty="0"/>
-              <a:t>/</a:t>
+              <a:t>loggy</a:t>
+            </a:r>
+            <a:r>
+              <a:rPr lang="en-US" dirty="0"/>
+              <a:t> prob). </a:t>
+            </a:r>
+          </a:p>
+          <a:p>
+            <a:pPr lvl="1"/>
+            <a:r>
+              <a:rPr lang="en-US" dirty="0"/>
+              <a:t>The result of the regression is “run through” a function to make that prediction a probability. </a:t>
+            </a:r>
+          </a:p>
+          <a:p>
+            <a:pPr lvl="1"/>
+            <a:r>
+              <a:rPr lang="en-US" dirty="0"/>
+              <a:t>That function (activation) can be a sigmoid (bin) or a </a:t>
             </a:r>
             <a:r>
               <a:rPr lang="en-US" dirty="0" err="1"/>
-              <a:t>lon</a:t>
-            </a:r>
-            <a:r>
-              <a:rPr lang="en-US" dirty="0"/>
-              <a:t> and used that instead. </a:t>
-            </a:r>
-          </a:p>
-          <a:p>
-            <a:pPr lvl="1"/>
-            <a:r>
-              <a:rPr lang="en-US" dirty="0"/>
-              <a:t>Used a service like google maps to lookup driving distance </a:t>
-            </a:r>
-            <a:r>
-              <a:rPr lang="en-US" dirty="0" err="1"/>
-              <a:t>cust</a:t>
-            </a:r>
-            <a:r>
-              <a:rPr lang="en-US" dirty="0"/>
-              <a:t>-ware, and used that. </a:t>
-            </a:r>
-          </a:p>
-          <a:p>
-            <a:pPr lvl="1"/>
-            <a:r>
-              <a:rPr lang="en-US" dirty="0"/>
-              <a:t>Used another model to calculate effective routes between warehouse and common </a:t>
-            </a:r>
-            <a:r>
-              <a:rPr lang="en-US" dirty="0" err="1"/>
-              <a:t>custys</a:t>
-            </a:r>
-            <a:r>
-              <a:rPr lang="en-US" dirty="0"/>
-              <a:t>…</a:t>
-            </a:r>
-          </a:p>
-          <a:p>
-            <a:pPr lvl="2"/>
-            <a:r>
-              <a:rPr lang="en-US" dirty="0"/>
-              <a:t>UPS does this for planning delivery routes – they avoid lefts and reverse, not just shortest. </a:t>
-            </a:r>
-          </a:p>
-          <a:p>
-            <a:endParaRPr lang="en-US" dirty="0"/>
+              <a:t>softmax</a:t>
+            </a:r>
+            <a:r>
+              <a:rPr lang="en-US" dirty="0"/>
+              <a:t> (multi), produces ’prob of label’. </a:t>
+            </a:r>
+          </a:p>
+          <a:p>
+            <a:pPr lvl="1"/>
+            <a:r>
+              <a:rPr lang="en-US" dirty="0"/>
+              <a:t>The most probable label gets chosen and assigned as our prediction. </a:t>
+            </a:r>
           </a:p>
         </p:txBody>
       </p:sp>
     </p:spTree>
     <p:extLst>
       <p:ext uri="{BB962C8B-B14F-4D97-AF65-F5344CB8AC3E}">
-        <p14:creationId xmlns:p14="http://schemas.microsoft.com/office/powerpoint/2010/main" val="3714379213"/>
+        <p14:creationId xmlns:p14="http://schemas.microsoft.com/office/powerpoint/2010/main" val="154385132"/>
       </p:ext>
     </p:extLst>
   </p:cSld>
@@ -9555,7 +9479,7 @@
           <p:cNvPr id="2" name="Title 1">
             <a:extLst>
               <a:ext uri="{FF2B5EF4-FFF2-40B4-BE49-F238E27FC236}">
-                <a16:creationId xmlns:a16="http://schemas.microsoft.com/office/drawing/2014/main" id="{A84A53F0-FBC9-379F-3D22-5EF0D78B46AA}"/>
+                <a16:creationId xmlns:a16="http://schemas.microsoft.com/office/drawing/2014/main" id="{E30B0001-D5FA-1186-96DA-CB7608DDD311}"/>
               </a:ext>
             </a:extLst>
           </p:cNvPr>
@@ -9573,7 +9497,7 @@
           <a:p>
             <a:r>
               <a:rPr lang="en-US" dirty="0"/>
-              <a:t>Another example</a:t>
+              <a:t>Constructing Features</a:t>
             </a:r>
           </a:p>
         </p:txBody>
@@ -9583,7 +9507,7 @@
           <p:cNvPr id="3" name="Content Placeholder 2">
             <a:extLst>
               <a:ext uri="{FF2B5EF4-FFF2-40B4-BE49-F238E27FC236}">
-                <a16:creationId xmlns:a16="http://schemas.microsoft.com/office/drawing/2014/main" id="{955EF722-4C1A-22D8-4DDA-C7ECDB4FB5F0}"/>
+                <a16:creationId xmlns:a16="http://schemas.microsoft.com/office/drawing/2014/main" id="{9A82F5DB-E5E4-5D96-B114-BB9D469CD8A8}"/>
               </a:ext>
             </a:extLst>
           </p:cNvPr>
@@ -9596,59 +9520,31 @@
         </p:nvSpPr>
         <p:spPr>
           <a:xfrm>
-            <a:off x="1137147" y="1853754"/>
-            <a:ext cx="10292854" cy="4199727"/>
-          </a:xfrm>
-        </p:spPr>
-        <p:txBody>
-          <a:bodyPr>
-            <a:normAutofit lnSpcReduction="10000"/>
-          </a:bodyPr>
-          <a:lstStyle/>
-          <a:p>
-            <a:r>
-              <a:rPr lang="en-US" dirty="0"/>
-              <a:t>Suppose you’re a traffic engineer predicting # of accidents at some interchange. </a:t>
-            </a:r>
-          </a:p>
-          <a:p>
-            <a:r>
-              <a:rPr lang="en-US" dirty="0"/>
-              <a:t>Date and time of accidents or traffic may be a feature that you have. </a:t>
-            </a:r>
-          </a:p>
-          <a:p>
-            <a:pPr lvl="1"/>
-            <a:r>
-              <a:rPr lang="en-US" dirty="0"/>
-              <a:t>E.g. 2025-01-30 15:00:00</a:t>
-            </a:r>
-          </a:p>
-          <a:p>
-            <a:r>
-              <a:rPr lang="en-US" dirty="0"/>
-              <a:t>The original can be used, but we can also change things:</a:t>
-            </a:r>
-          </a:p>
-          <a:p>
-            <a:pPr lvl="1"/>
-            <a:r>
-              <a:rPr lang="en-US" dirty="0"/>
-              <a:t>Truncate some precision – does knowing seconds and minutes help? Maybe hour, 4h block, 6h block. </a:t>
-            </a:r>
-          </a:p>
-          <a:p>
-            <a:pPr lvl="1"/>
-            <a:r>
-              <a:rPr lang="en-US" dirty="0"/>
-              <a:t>Custom binning – morning commute, day, aft commute, overnight. </a:t>
-            </a:r>
-          </a:p>
-          <a:p>
-            <a:pPr lvl="1"/>
-            <a:r>
-              <a:rPr lang="en-US" dirty="0"/>
-              <a:t>Combine with sunrise/set data and make a dynamic version of that, or light/dark, </a:t>
+            <a:off x="1451579" y="1853754"/>
+            <a:ext cx="9603275" cy="4199727"/>
+          </a:xfrm>
+        </p:spPr>
+        <p:txBody>
+          <a:bodyPr/>
+          <a:lstStyle/>
+          <a:p>
+            <a:r>
+              <a:rPr lang="en-US" dirty="0"/>
+              <a:t>Sometimes training data isn’t the data you train on. </a:t>
+            </a:r>
+          </a:p>
+          <a:p>
+            <a:pPr lvl="1"/>
+            <a:r>
+              <a:rPr lang="en-US" dirty="0"/>
+              <a:t>The data we have isn’t in the format that is useful for us. </a:t>
+            </a:r>
+          </a:p>
+          <a:p>
+            <a:pPr lvl="1"/>
+            <a:r>
+              <a:rPr lang="en-US" dirty="0"/>
+              <a:t>E.g. log transformations in stats, one hot encoding for us, </a:t>
             </a:r>
             <a:r>
               <a:rPr lang="en-US" dirty="0" err="1"/>
@@ -9660,30 +9556,78 @@
             </a:r>
           </a:p>
           <a:p>
-            <a:pPr lvl="1"/>
-            <a:r>
-              <a:rPr lang="en-US" dirty="0"/>
-              <a:t>Combine date with historical weather data to get precipitation info… </a:t>
-            </a:r>
-          </a:p>
-          <a:p>
-            <a:r>
-              <a:rPr lang="en-US" dirty="0"/>
-              <a:t>Depending on scenario, what makes sense might change quite a bit. </a:t>
-            </a:r>
-          </a:p>
-          <a:p>
-            <a:r>
-              <a:rPr lang="en-US" dirty="0"/>
-              <a:t>A default time may tell us less than a “is the sun in your eyes” feature for this purpose. </a:t>
-            </a:r>
-          </a:p>
-        </p:txBody>
-      </p:sp>
+            <a:r>
+              <a:rPr lang="en-US" dirty="0"/>
+              <a:t>Sometimes we need to take more drastic (and open ended) steps. </a:t>
+            </a:r>
+          </a:p>
+          <a:p>
+            <a:pPr lvl="1"/>
+            <a:r>
+              <a:rPr lang="en-US" dirty="0"/>
+              <a:t>Remember – our goal is a good model, not one that is ‘true to the data’. </a:t>
+            </a:r>
+          </a:p>
+          <a:p>
+            <a:pPr lvl="1"/>
+            <a:r>
+              <a:rPr lang="en-US" dirty="0"/>
+              <a:t>We need data that teaches our model the pattern of our data, irrespective if what we use is actually the data or not. </a:t>
+            </a:r>
+          </a:p>
+        </p:txBody>
+      </p:sp>
+      <p:pic>
+        <p:nvPicPr>
+          <p:cNvPr id="11266" name="Picture 2" descr="The Quote">
+            <a:extLst>
+              <a:ext uri="{FF2B5EF4-FFF2-40B4-BE49-F238E27FC236}">
+                <a16:creationId xmlns:a16="http://schemas.microsoft.com/office/drawing/2014/main" id="{69694CEC-319E-41D5-3B0A-1B48877A493A}"/>
+              </a:ext>
+            </a:extLst>
+          </p:cNvPr>
+          <p:cNvPicPr>
+            <a:picLocks noChangeAspect="1" noChangeArrowheads="1"/>
+          </p:cNvPicPr>
+          <p:nvPr/>
+        </p:nvPicPr>
+        <p:blipFill>
+          <a:blip r:embed="rId2">
+            <a:extLst>
+              <a:ext uri="{28A0092B-C50C-407E-A947-70E740481C1C}">
+                <a14:useLocalDpi xmlns:a14="http://schemas.microsoft.com/office/drawing/2010/main" val="0"/>
+              </a:ext>
+            </a:extLst>
+          </a:blip>
+          <a:srcRect/>
+          <a:stretch>
+            <a:fillRect/>
+          </a:stretch>
+        </p:blipFill>
+        <p:spPr bwMode="auto">
+          <a:xfrm>
+            <a:off x="8371864" y="0"/>
+            <a:ext cx="3820135" cy="2941504"/>
+          </a:xfrm>
+          <a:prstGeom prst="rect">
+            <a:avLst/>
+          </a:prstGeom>
+          <a:noFill/>
+          <a:extLst>
+            <a:ext uri="{909E8E84-426E-40DD-AFC4-6F175D3DCCD1}">
+              <a14:hiddenFill xmlns:a14="http://schemas.microsoft.com/office/drawing/2010/main">
+                <a:solidFill>
+                  <a:srgbClr val="FFFFFF"/>
+                </a:solidFill>
+              </a14:hiddenFill>
+            </a:ext>
+          </a:extLst>
+        </p:spPr>
+      </p:pic>
     </p:spTree>
     <p:extLst>
       <p:ext uri="{BB962C8B-B14F-4D97-AF65-F5344CB8AC3E}">
-        <p14:creationId xmlns:p14="http://schemas.microsoft.com/office/powerpoint/2010/main" val="1938584286"/>
+        <p14:creationId xmlns:p14="http://schemas.microsoft.com/office/powerpoint/2010/main" val="1865684491"/>
       </p:ext>
     </p:extLst>
   </p:cSld>
@@ -9715,6 +9659,354 @@
           <p:cNvPr id="2" name="Title 1">
             <a:extLst>
               <a:ext uri="{FF2B5EF4-FFF2-40B4-BE49-F238E27FC236}">
+                <a16:creationId xmlns:a16="http://schemas.microsoft.com/office/drawing/2014/main" id="{1871726C-F6E2-591A-C5A8-CCB9C7C7EE7E}"/>
+              </a:ext>
+            </a:extLst>
+          </p:cNvPr>
+          <p:cNvSpPr>
+            <a:spLocks noGrp="1"/>
+          </p:cNvSpPr>
+          <p:nvPr>
+            <p:ph type="title"/>
+          </p:nvPr>
+        </p:nvSpPr>
+        <p:spPr/>
+        <p:txBody>
+          <a:bodyPr/>
+          <a:lstStyle/>
+          <a:p>
+            <a:r>
+              <a:rPr lang="en-US" dirty="0"/>
+              <a:t>Example</a:t>
+            </a:r>
+          </a:p>
+        </p:txBody>
+      </p:sp>
+      <p:sp>
+        <p:nvSpPr>
+          <p:cNvPr id="3" name="Content Placeholder 2">
+            <a:extLst>
+              <a:ext uri="{FF2B5EF4-FFF2-40B4-BE49-F238E27FC236}">
+                <a16:creationId xmlns:a16="http://schemas.microsoft.com/office/drawing/2014/main" id="{645C059C-6C86-3640-4288-9E5E9E4D356F}"/>
+              </a:ext>
+            </a:extLst>
+          </p:cNvPr>
+          <p:cNvSpPr>
+            <a:spLocks noGrp="1"/>
+          </p:cNvSpPr>
+          <p:nvPr>
+            <p:ph idx="1"/>
+          </p:nvPr>
+        </p:nvSpPr>
+        <p:spPr>
+          <a:xfrm>
+            <a:off x="1451579" y="1853754"/>
+            <a:ext cx="9603275" cy="4305505"/>
+          </a:xfrm>
+        </p:spPr>
+        <p:txBody>
+          <a:bodyPr>
+            <a:normAutofit/>
+          </a:bodyPr>
+          <a:lstStyle/>
+          <a:p>
+            <a:r>
+              <a:rPr lang="en-US" dirty="0"/>
+              <a:t>Suppose you’re in charge of planning new Amazon warehouse locations. </a:t>
+            </a:r>
+          </a:p>
+          <a:p>
+            <a:pPr lvl="1"/>
+            <a:r>
+              <a:rPr lang="en-US" dirty="0"/>
+              <a:t>The goal is to make it somewhere convenient for the customer deliveries. </a:t>
+            </a:r>
+          </a:p>
+          <a:p>
+            <a:r>
+              <a:rPr lang="en-US" dirty="0"/>
+              <a:t>You have data on all the amazon customers, including their address. </a:t>
+            </a:r>
+          </a:p>
+          <a:p>
+            <a:r>
+              <a:rPr lang="en-US" dirty="0"/>
+              <a:t>This address could (theoretically) be a feature for a model. </a:t>
+            </a:r>
+          </a:p>
+          <a:p>
+            <a:r>
+              <a:rPr lang="en-US" dirty="0"/>
+              <a:t>Transforming the address may make for a better model, what if we:</a:t>
+            </a:r>
+          </a:p>
+          <a:p>
+            <a:pPr lvl="1"/>
+            <a:r>
+              <a:rPr lang="en-US" dirty="0"/>
+              <a:t>Geocoded it, making it latitude and longitude. </a:t>
+            </a:r>
+          </a:p>
+          <a:p>
+            <a:pPr lvl="1"/>
+            <a:r>
+              <a:rPr lang="en-US" dirty="0"/>
+              <a:t>Calculated distance from customer-warehouse using </a:t>
+            </a:r>
+            <a:r>
+              <a:rPr lang="en-US" dirty="0" err="1"/>
+              <a:t>lat</a:t>
+            </a:r>
+            <a:r>
+              <a:rPr lang="en-US" dirty="0"/>
+              <a:t>/</a:t>
+            </a:r>
+            <a:r>
+              <a:rPr lang="en-US" dirty="0" err="1"/>
+              <a:t>lon</a:t>
+            </a:r>
+            <a:r>
+              <a:rPr lang="en-US" dirty="0"/>
+              <a:t> and used that instead. </a:t>
+            </a:r>
+          </a:p>
+          <a:p>
+            <a:pPr lvl="1"/>
+            <a:r>
+              <a:rPr lang="en-US" dirty="0"/>
+              <a:t>Used a service like google maps to lookup driving distance </a:t>
+            </a:r>
+            <a:r>
+              <a:rPr lang="en-US" dirty="0" err="1"/>
+              <a:t>cust</a:t>
+            </a:r>
+            <a:r>
+              <a:rPr lang="en-US" dirty="0"/>
+              <a:t>-ware, and used that. </a:t>
+            </a:r>
+          </a:p>
+          <a:p>
+            <a:pPr lvl="1"/>
+            <a:r>
+              <a:rPr lang="en-US" dirty="0"/>
+              <a:t>Used another model to calculate effective routes between warehouse and common </a:t>
+            </a:r>
+            <a:r>
+              <a:rPr lang="en-US" dirty="0" err="1"/>
+              <a:t>custys</a:t>
+            </a:r>
+            <a:r>
+              <a:rPr lang="en-US" dirty="0"/>
+              <a:t>…</a:t>
+            </a:r>
+          </a:p>
+          <a:p>
+            <a:pPr lvl="2"/>
+            <a:r>
+              <a:rPr lang="en-US" dirty="0"/>
+              <a:t>UPS does this for planning delivery routes – they avoid lefts and reverse, not just shortest. </a:t>
+            </a:r>
+          </a:p>
+          <a:p>
+            <a:endParaRPr lang="en-US" dirty="0"/>
+          </a:p>
+        </p:txBody>
+      </p:sp>
+    </p:spTree>
+    <p:extLst>
+      <p:ext uri="{BB962C8B-B14F-4D97-AF65-F5344CB8AC3E}">
+        <p14:creationId xmlns:p14="http://schemas.microsoft.com/office/powerpoint/2010/main" val="3714379213"/>
+      </p:ext>
+    </p:extLst>
+  </p:cSld>
+  <p:clrMapOvr>
+    <a:masterClrMapping/>
+  </p:clrMapOvr>
+</p:sld>
+</file>
+
+<file path=ppt/slides/slide42.xml><?xml version="1.0" encoding="utf-8"?>
+<p:sld xmlns:a="http://schemas.openxmlformats.org/drawingml/2006/main" xmlns:r="http://schemas.openxmlformats.org/officeDocument/2006/relationships" xmlns:p="http://schemas.openxmlformats.org/presentationml/2006/main">
+  <p:cSld>
+    <p:spTree>
+      <p:nvGrpSpPr>
+        <p:cNvPr id="1" name=""/>
+        <p:cNvGrpSpPr/>
+        <p:nvPr/>
+      </p:nvGrpSpPr>
+      <p:grpSpPr>
+        <a:xfrm>
+          <a:off x="0" y="0"/>
+          <a:ext cx="0" cy="0"/>
+          <a:chOff x="0" y="0"/>
+          <a:chExt cx="0" cy="0"/>
+        </a:xfrm>
+      </p:grpSpPr>
+      <p:sp>
+        <p:nvSpPr>
+          <p:cNvPr id="2" name="Title 1">
+            <a:extLst>
+              <a:ext uri="{FF2B5EF4-FFF2-40B4-BE49-F238E27FC236}">
+                <a16:creationId xmlns:a16="http://schemas.microsoft.com/office/drawing/2014/main" id="{A84A53F0-FBC9-379F-3D22-5EF0D78B46AA}"/>
+              </a:ext>
+            </a:extLst>
+          </p:cNvPr>
+          <p:cNvSpPr>
+            <a:spLocks noGrp="1"/>
+          </p:cNvSpPr>
+          <p:nvPr>
+            <p:ph type="title"/>
+          </p:nvPr>
+        </p:nvSpPr>
+        <p:spPr/>
+        <p:txBody>
+          <a:bodyPr/>
+          <a:lstStyle/>
+          <a:p>
+            <a:r>
+              <a:rPr lang="en-US" dirty="0"/>
+              <a:t>Another example</a:t>
+            </a:r>
+          </a:p>
+        </p:txBody>
+      </p:sp>
+      <p:sp>
+        <p:nvSpPr>
+          <p:cNvPr id="3" name="Content Placeholder 2">
+            <a:extLst>
+              <a:ext uri="{FF2B5EF4-FFF2-40B4-BE49-F238E27FC236}">
+                <a16:creationId xmlns:a16="http://schemas.microsoft.com/office/drawing/2014/main" id="{955EF722-4C1A-22D8-4DDA-C7ECDB4FB5F0}"/>
+              </a:ext>
+            </a:extLst>
+          </p:cNvPr>
+          <p:cNvSpPr>
+            <a:spLocks noGrp="1"/>
+          </p:cNvSpPr>
+          <p:nvPr>
+            <p:ph idx="1"/>
+          </p:nvPr>
+        </p:nvSpPr>
+        <p:spPr>
+          <a:xfrm>
+            <a:off x="1137147" y="1853754"/>
+            <a:ext cx="10292854" cy="4199727"/>
+          </a:xfrm>
+        </p:spPr>
+        <p:txBody>
+          <a:bodyPr>
+            <a:normAutofit lnSpcReduction="10000"/>
+          </a:bodyPr>
+          <a:lstStyle/>
+          <a:p>
+            <a:r>
+              <a:rPr lang="en-US" dirty="0"/>
+              <a:t>Suppose you’re a traffic engineer predicting # of accidents at some interchange. </a:t>
+            </a:r>
+          </a:p>
+          <a:p>
+            <a:r>
+              <a:rPr lang="en-US" dirty="0"/>
+              <a:t>Date and time of accidents or traffic may be a feature that you have. </a:t>
+            </a:r>
+          </a:p>
+          <a:p>
+            <a:pPr lvl="1"/>
+            <a:r>
+              <a:rPr lang="en-US" dirty="0"/>
+              <a:t>E.g. 2025-01-30 15:00:00</a:t>
+            </a:r>
+          </a:p>
+          <a:p>
+            <a:r>
+              <a:rPr lang="en-US" dirty="0"/>
+              <a:t>The original can be used, but we can also change things:</a:t>
+            </a:r>
+          </a:p>
+          <a:p>
+            <a:pPr lvl="1"/>
+            <a:r>
+              <a:rPr lang="en-US" dirty="0"/>
+              <a:t>Truncate some precision – does knowing seconds and minutes help? Maybe hour, 4h block, 6h block. </a:t>
+            </a:r>
+          </a:p>
+          <a:p>
+            <a:pPr lvl="1"/>
+            <a:r>
+              <a:rPr lang="en-US" dirty="0"/>
+              <a:t>Custom binning – morning commute, day, aft commute, overnight. </a:t>
+            </a:r>
+          </a:p>
+          <a:p>
+            <a:pPr lvl="1"/>
+            <a:r>
+              <a:rPr lang="en-US" dirty="0"/>
+              <a:t>Combine with sunrise/set data and make a dynamic version of that, or light/dark, </a:t>
+            </a:r>
+            <a:r>
+              <a:rPr lang="en-US" dirty="0" err="1"/>
+              <a:t>etc</a:t>
+            </a:r>
+            <a:r>
+              <a:rPr lang="en-US" dirty="0"/>
+              <a:t>…</a:t>
+            </a:r>
+          </a:p>
+          <a:p>
+            <a:pPr lvl="1"/>
+            <a:r>
+              <a:rPr lang="en-US" dirty="0"/>
+              <a:t>Combine date with historical weather data to get precipitation info… </a:t>
+            </a:r>
+          </a:p>
+          <a:p>
+            <a:r>
+              <a:rPr lang="en-US" dirty="0"/>
+              <a:t>Depending on scenario, what makes sense might change quite a bit. </a:t>
+            </a:r>
+          </a:p>
+          <a:p>
+            <a:r>
+              <a:rPr lang="en-US" dirty="0"/>
+              <a:t>A default time may tell us less than a “is the sun in your eyes” feature for this purpose. </a:t>
+            </a:r>
+          </a:p>
+        </p:txBody>
+      </p:sp>
+    </p:spTree>
+    <p:extLst>
+      <p:ext uri="{BB962C8B-B14F-4D97-AF65-F5344CB8AC3E}">
+        <p14:creationId xmlns:p14="http://schemas.microsoft.com/office/powerpoint/2010/main" val="1938584286"/>
+      </p:ext>
+    </p:extLst>
+  </p:cSld>
+  <p:clrMapOvr>
+    <a:masterClrMapping/>
+  </p:clrMapOvr>
+</p:sld>
+</file>
+
+<file path=ppt/slides/slide43.xml><?xml version="1.0" encoding="utf-8"?>
+<p:sld xmlns:a="http://schemas.openxmlformats.org/drawingml/2006/main" xmlns:r="http://schemas.openxmlformats.org/officeDocument/2006/relationships" xmlns:p="http://schemas.openxmlformats.org/presentationml/2006/main">
+  <p:cSld>
+    <p:spTree>
+      <p:nvGrpSpPr>
+        <p:cNvPr id="1" name=""/>
+        <p:cNvGrpSpPr/>
+        <p:nvPr/>
+      </p:nvGrpSpPr>
+      <p:grpSpPr>
+        <a:xfrm>
+          <a:off x="0" y="0"/>
+          <a:ext cx="0" cy="0"/>
+          <a:chOff x="0" y="0"/>
+          <a:chExt cx="0" cy="0"/>
+        </a:xfrm>
+      </p:grpSpPr>
+      <p:sp>
+        <p:nvSpPr>
+          <p:cNvPr id="2" name="Title 1">
+            <a:extLst>
+              <a:ext uri="{FF2B5EF4-FFF2-40B4-BE49-F238E27FC236}">
                 <a16:creationId xmlns:a16="http://schemas.microsoft.com/office/drawing/2014/main" id="{A79D2985-D5A2-E7EA-FBE1-BC751DFA11C8}"/>
               </a:ext>
             </a:extLst>
@@ -9837,7 +10129,7 @@
 </p:sld>
 </file>
 
-<file path=ppt/slides/slide42.xml><?xml version="1.0" encoding="utf-8"?>
+<file path=ppt/slides/slide44.xml><?xml version="1.0" encoding="utf-8"?>
 <p:sld xmlns:a="http://schemas.openxmlformats.org/drawingml/2006/main" xmlns:r="http://schemas.openxmlformats.org/officeDocument/2006/relationships" xmlns:p="http://schemas.openxmlformats.org/presentationml/2006/main">
   <p:cSld>
     <p:spTree>
